--- a/source/lessons/lsn9-10/Lsn9-10.pptx
+++ b/source/lessons/lsn9-10/Lsn9-10.pptx
@@ -7,10 +7,10 @@
     <p:sldMasterId id="2147483667" r:id="rId3"/>
   </p:sldMasterIdLst>
   <p:notesMasterIdLst>
-    <p:notesMasterId r:id="rId38"/>
+    <p:notesMasterId r:id="rId39"/>
   </p:notesMasterIdLst>
   <p:handoutMasterIdLst>
-    <p:handoutMasterId r:id="rId39"/>
+    <p:handoutMasterId r:id="rId40"/>
   </p:handoutMasterIdLst>
   <p:sldIdLst>
     <p:sldId id="352" r:id="rId4"/>
@@ -46,7 +46,8 @@
     <p:sldId id="385" r:id="rId34"/>
     <p:sldId id="387" r:id="rId35"/>
     <p:sldId id="386" r:id="rId36"/>
-    <p:sldId id="353" r:id="rId37"/>
+    <p:sldId id="388" r:id="rId37"/>
+    <p:sldId id="353" r:id="rId38"/>
   </p:sldIdLst>
   <p:sldSz cx="9144000" cy="6858000" type="screen4x3"/>
   <p:notesSz cx="7010400" cy="9296400"/>
@@ -1384,7 +1385,7 @@
           <a:p>
             <a:fld id="{834513E8-165F-4932-9E2D-FD497CB9A4FD}" type="datetimeFigureOut">
               <a:rPr lang="en-US" smtClean="0"/>
-              <a:t>5/31/2018</a:t>
+              <a:t>7/10/2018</a:t>
             </a:fld>
             <a:endParaRPr lang="en-US"/>
           </a:p>
@@ -1661,7 +1662,7 @@
           <a:p>
             <a:fld id="{834513E8-165F-4932-9E2D-FD497CB9A4FD}" type="datetimeFigureOut">
               <a:rPr lang="en-US" smtClean="0"/>
-              <a:t>5/31/2018</a:t>
+              <a:t>7/10/2018</a:t>
             </a:fld>
             <a:endParaRPr lang="en-US"/>
           </a:p>
@@ -1914,7 +1915,7 @@
           <a:p>
             <a:fld id="{834513E8-165F-4932-9E2D-FD497CB9A4FD}" type="datetimeFigureOut">
               <a:rPr lang="en-US" smtClean="0"/>
-              <a:t>5/31/2018</a:t>
+              <a:t>7/10/2018</a:t>
             </a:fld>
             <a:endParaRPr lang="en-US"/>
           </a:p>
@@ -2084,7 +2085,7 @@
           <a:p>
             <a:fld id="{834513E8-165F-4932-9E2D-FD497CB9A4FD}" type="datetimeFigureOut">
               <a:rPr lang="en-US" smtClean="0"/>
-              <a:t>5/31/2018</a:t>
+              <a:t>7/10/2018</a:t>
             </a:fld>
             <a:endParaRPr lang="en-US"/>
           </a:p>
@@ -2264,7 +2265,7 @@
           <a:p>
             <a:fld id="{834513E8-165F-4932-9E2D-FD497CB9A4FD}" type="datetimeFigureOut">
               <a:rPr lang="en-US" smtClean="0"/>
-              <a:t>5/31/2018</a:t>
+              <a:t>7/10/2018</a:t>
             </a:fld>
             <a:endParaRPr lang="en-US"/>
           </a:p>
@@ -3008,7 +3009,7 @@
           <a:p>
             <a:fld id="{834513E8-165F-4932-9E2D-FD497CB9A4FD}" type="datetimeFigureOut">
               <a:rPr lang="en-US" smtClean="0"/>
-              <a:t>5/31/2018</a:t>
+              <a:t>7/10/2018</a:t>
             </a:fld>
             <a:endParaRPr lang="en-US"/>
           </a:p>
@@ -3178,7 +3179,7 @@
           <a:p>
             <a:fld id="{834513E8-165F-4932-9E2D-FD497CB9A4FD}" type="datetimeFigureOut">
               <a:rPr lang="en-US" smtClean="0"/>
-              <a:t>5/31/2018</a:t>
+              <a:t>7/10/2018</a:t>
             </a:fld>
             <a:endParaRPr lang="en-US"/>
           </a:p>
@@ -3424,7 +3425,7 @@
           <a:p>
             <a:fld id="{834513E8-165F-4932-9E2D-FD497CB9A4FD}" type="datetimeFigureOut">
               <a:rPr lang="en-US" smtClean="0"/>
-              <a:t>5/31/2018</a:t>
+              <a:t>7/10/2018</a:t>
             </a:fld>
             <a:endParaRPr lang="en-US"/>
           </a:p>
@@ -3656,7 +3657,7 @@
           <a:p>
             <a:fld id="{834513E8-165F-4932-9E2D-FD497CB9A4FD}" type="datetimeFigureOut">
               <a:rPr lang="en-US" smtClean="0"/>
-              <a:t>5/31/2018</a:t>
+              <a:t>7/10/2018</a:t>
             </a:fld>
             <a:endParaRPr lang="en-US"/>
           </a:p>
@@ -4023,7 +4024,7 @@
           <a:p>
             <a:fld id="{834513E8-165F-4932-9E2D-FD497CB9A4FD}" type="datetimeFigureOut">
               <a:rPr lang="en-US" smtClean="0"/>
-              <a:t>5/31/2018</a:t>
+              <a:t>7/10/2018</a:t>
             </a:fld>
             <a:endParaRPr lang="en-US"/>
           </a:p>
@@ -4141,7 +4142,7 @@
           <a:p>
             <a:fld id="{834513E8-165F-4932-9E2D-FD497CB9A4FD}" type="datetimeFigureOut">
               <a:rPr lang="en-US" smtClean="0"/>
-              <a:t>5/31/2018</a:t>
+              <a:t>7/10/2018</a:t>
             </a:fld>
             <a:endParaRPr lang="en-US"/>
           </a:p>
@@ -5957,7 +5958,7 @@
           <a:p>
             <a:fld id="{834513E8-165F-4932-9E2D-FD497CB9A4FD}" type="datetimeFigureOut">
               <a:rPr lang="en-US" smtClean="0"/>
-              <a:t>5/31/2018</a:t>
+              <a:t>7/10/2018</a:t>
             </a:fld>
             <a:endParaRPr lang="en-US"/>
           </a:p>
@@ -6592,14 +6593,7 @@
                 <a:effectLst/>
                 <a:latin typeface="Trebuchet MS" panose="020B0603020202020204" pitchFamily="34" charset="0"/>
               </a:rPr>
-              <a:t>Lesson </a:t>
-            </a:r>
-            <a:r>
-              <a:rPr lang="en-US" kern="0" dirty="0" smtClean="0">
-                <a:effectLst/>
-                <a:latin typeface="Trebuchet MS" panose="020B0603020202020204" pitchFamily="34" charset="0"/>
-              </a:rPr>
-              <a:t>9+10</a:t>
+              <a:t>Lesson 9+10</a:t>
             </a:r>
             <a:endParaRPr lang="en-US" kern="0" dirty="0">
               <a:effectLst/>
@@ -18134,14 +18128,7 @@
                 <a:latin typeface="Courier New" pitchFamily="49" charset="0"/>
                 <a:cs typeface="Courier New" pitchFamily="49" charset="0"/>
               </a:rPr>
-              <a:t>; </a:t>
-            </a:r>
-            <a:r>
-              <a:rPr lang="en-US" sz="1400" dirty="0" smtClean="0">
-                <a:latin typeface="Courier New" pitchFamily="49" charset="0"/>
-                <a:cs typeface="Courier New" pitchFamily="49" charset="0"/>
-              </a:rPr>
-              <a:t>Function</a:t>
+              <a:t>; Function</a:t>
             </a:r>
             <a:r>
               <a:rPr lang="en-US" sz="1400" dirty="0">
@@ -19154,17 +19141,7 @@
                 <a:latin typeface="Courier New" pitchFamily="49" charset="0"/>
                 <a:cs typeface="Courier New" pitchFamily="49" charset="0"/>
               </a:rPr>
-              <a:t>; </a:t>
-            </a:r>
-            <a:r>
-              <a:rPr lang="en-US" sz="1400" dirty="0" smtClean="0">
-                <a:solidFill>
-                  <a:schemeClr val="accent2"/>
-                </a:solidFill>
-                <a:latin typeface="Courier New" pitchFamily="49" charset="0"/>
-                <a:cs typeface="Courier New" pitchFamily="49" charset="0"/>
-              </a:rPr>
-              <a:t>Function</a:t>
+              <a:t>; Function</a:t>
             </a:r>
             <a:r>
               <a:rPr lang="en-US" sz="1400" dirty="0">
@@ -19872,16 +19849,6 @@
               </a:rPr>
               <a:t>Hardware</a:t>
             </a:r>
-            <a:endParaRPr kumimoji="0" lang="en-US" sz="1600" b="0" i="0" u="none" strike="noStrike" cap="none" normalizeH="0" baseline="0" dirty="0" smtClean="0">
-              <a:ln>
-                <a:noFill/>
-              </a:ln>
-              <a:solidFill>
-                <a:schemeClr val="bg1"/>
-              </a:solidFill>
-              <a:effectLst/>
-              <a:latin typeface="Arial" charset="0"/>
-            </a:endParaRPr>
           </a:p>
         </p:txBody>
       </p:sp>
@@ -19982,16 +19949,6 @@
               </a:rPr>
               <a:t>)</a:t>
             </a:r>
-            <a:endParaRPr kumimoji="0" lang="en-US" sz="1600" b="0" i="0" u="none" strike="noStrike" cap="none" normalizeH="0" baseline="0" dirty="0" smtClean="0">
-              <a:ln>
-                <a:noFill/>
-              </a:ln>
-              <a:solidFill>
-                <a:schemeClr val="bg1"/>
-              </a:solidFill>
-              <a:effectLst/>
-              <a:latin typeface="Arial" charset="0"/>
-            </a:endParaRPr>
           </a:p>
         </p:txBody>
       </p:sp>
@@ -20063,16 +20020,6 @@
               </a:rPr>
               <a:t>Libraries</a:t>
             </a:r>
-            <a:endParaRPr kumimoji="0" lang="en-US" sz="1600" b="0" i="0" u="none" strike="noStrike" cap="none" normalizeH="0" baseline="0" dirty="0" smtClean="0">
-              <a:ln>
-                <a:noFill/>
-              </a:ln>
-              <a:solidFill>
-                <a:schemeClr val="bg1"/>
-              </a:solidFill>
-              <a:effectLst/>
-              <a:latin typeface="Arial" charset="0"/>
-            </a:endParaRPr>
           </a:p>
         </p:txBody>
       </p:sp>
@@ -20144,16 +20091,6 @@
               </a:rPr>
               <a:t>Application SW</a:t>
             </a:r>
-            <a:endParaRPr kumimoji="0" lang="en-US" sz="1600" b="0" i="0" u="none" strike="noStrike" cap="none" normalizeH="0" baseline="0" dirty="0" smtClean="0">
-              <a:ln>
-                <a:noFill/>
-              </a:ln>
-              <a:solidFill>
-                <a:schemeClr val="bg1"/>
-              </a:solidFill>
-              <a:effectLst/>
-              <a:latin typeface="Arial" charset="0"/>
-            </a:endParaRPr>
           </a:p>
         </p:txBody>
       </p:sp>
@@ -20582,11 +20519,7 @@
           <a:p>
             <a:r>
               <a:rPr lang="en-US" dirty="0" smtClean="0"/>
-              <a:t>Use the stack if you have more than four </a:t>
-            </a:r>
-            <a:r>
-              <a:rPr lang="en-US" dirty="0" smtClean="0"/>
-              <a:t>arguments</a:t>
+              <a:t>Use the stack if you have more than four arguments</a:t>
             </a:r>
           </a:p>
           <a:p>
@@ -20617,7 +20550,6 @@
               <a:rPr lang="en-US" dirty="0" smtClean="0"/>
               <a:t>), it should work correctly!!</a:t>
             </a:r>
-            <a:endParaRPr lang="en-US" dirty="0" smtClean="0"/>
           </a:p>
           <a:p>
             <a:endParaRPr lang="en-US" dirty="0"/>
@@ -20645,6 +20577,90 @@
 </file>
 
 <file path=ppt/slides/slide34.xml><?xml version="1.0" encoding="utf-8"?>
+<p:sld xmlns:a="http://schemas.openxmlformats.org/drawingml/2006/main" xmlns:r="http://schemas.openxmlformats.org/officeDocument/2006/relationships" xmlns:p="http://schemas.openxmlformats.org/presentationml/2006/main">
+  <p:cSld>
+    <p:spTree>
+      <p:nvGrpSpPr>
+        <p:cNvPr id="1" name=""/>
+        <p:cNvGrpSpPr/>
+        <p:nvPr/>
+      </p:nvGrpSpPr>
+      <p:grpSpPr>
+        <a:xfrm>
+          <a:off x="0" y="0"/>
+          <a:ext cx="0" cy="0"/>
+          <a:chOff x="0" y="0"/>
+          <a:chExt cx="0" cy="0"/>
+        </a:xfrm>
+      </p:grpSpPr>
+      <p:sp>
+        <p:nvSpPr>
+          <p:cNvPr id="2" name="Title 1"/>
+          <p:cNvSpPr>
+            <a:spLocks noGrp="1"/>
+          </p:cNvSpPr>
+          <p:nvPr>
+            <p:ph type="title"/>
+          </p:nvPr>
+        </p:nvSpPr>
+        <p:spPr/>
+        <p:txBody>
+          <a:bodyPr/>
+          <a:lstStyle/>
+          <a:p>
+            <a:endParaRPr lang="en-US"/>
+          </a:p>
+        </p:txBody>
+      </p:sp>
+      <p:sp>
+        <p:nvSpPr>
+          <p:cNvPr id="3" name="Content Placeholder 2"/>
+          <p:cNvSpPr>
+            <a:spLocks noGrp="1"/>
+          </p:cNvSpPr>
+          <p:nvPr>
+            <p:ph idx="1"/>
+          </p:nvPr>
+        </p:nvSpPr>
+        <p:spPr/>
+        <p:txBody>
+          <a:bodyPr/>
+          <a:lstStyle/>
+          <a:p>
+            <a:r>
+              <a:rPr lang="en-US" dirty="0" smtClean="0"/>
+              <a:t>Find </a:t>
+            </a:r>
+            <a:r>
+              <a:rPr lang="en-US" dirty="0" err="1" smtClean="0"/>
+              <a:t>asm</a:t>
+            </a:r>
+            <a:r>
+              <a:rPr lang="en-US" dirty="0" smtClean="0"/>
+              <a:t> </a:t>
+            </a:r>
+            <a:r>
+              <a:rPr lang="en-US" smtClean="0"/>
+              <a:t>library function example</a:t>
+            </a:r>
+            <a:endParaRPr lang="en-US"/>
+          </a:p>
+        </p:txBody>
+      </p:sp>
+    </p:spTree>
+    <p:extLst>
+      <p:ext uri="{BB962C8B-B14F-4D97-AF65-F5344CB8AC3E}">
+        <p14:creationId xmlns:p14="http://schemas.microsoft.com/office/powerpoint/2010/main" val="2154817669"/>
+      </p:ext>
+    </p:extLst>
+  </p:cSld>
+  <p:clrMapOvr>
+    <a:masterClrMapping/>
+  </p:clrMapOvr>
+</p:sld>
+</file>
+
+<file path=ppt/slides/slide35.xml><?xml version="1.0" encoding="utf-8"?>
 <p:sld xmlns:a="http://schemas.openxmlformats.org/drawingml/2006/main" xmlns:r="http://schemas.openxmlformats.org/officeDocument/2006/relationships" xmlns:p="http://schemas.openxmlformats.org/presentationml/2006/main">
   <p:cSld>
     <p:spTree>
@@ -22833,7 +22849,7 @@
         </p:nvGraphicFramePr>
         <p:xfrm>
           <a:off x="3921125" y="3806025"/>
-          <a:ext cx="1725930" cy="1451864"/>
+          <a:ext cx="1725930" cy="1542288"/>
         </p:xfrm>
         <a:graphic>
           <a:graphicData uri="http://schemas.openxmlformats.org/drawingml/2006/table">

--- a/source/lessons/lsn9-10/Lsn9-10.pptx
+++ b/source/lessons/lsn9-10/Lsn9-10.pptx
@@ -7,10 +7,10 @@
     <p:sldMasterId id="2147483667" r:id="rId3"/>
   </p:sldMasterIdLst>
   <p:notesMasterIdLst>
-    <p:notesMasterId r:id="rId39"/>
+    <p:notesMasterId r:id="rId37"/>
   </p:notesMasterIdLst>
   <p:handoutMasterIdLst>
-    <p:handoutMasterId r:id="rId40"/>
+    <p:handoutMasterId r:id="rId38"/>
   </p:handoutMasterIdLst>
   <p:sldIdLst>
     <p:sldId id="352" r:id="rId4"/>
@@ -36,18 +36,16 @@
     <p:sldId id="375" r:id="rId24"/>
     <p:sldId id="376" r:id="rId25"/>
     <p:sldId id="377" r:id="rId26"/>
-    <p:sldId id="378" r:id="rId27"/>
-    <p:sldId id="379" r:id="rId28"/>
-    <p:sldId id="380" r:id="rId29"/>
-    <p:sldId id="381" r:id="rId30"/>
-    <p:sldId id="382" r:id="rId31"/>
-    <p:sldId id="383" r:id="rId32"/>
-    <p:sldId id="384" r:id="rId33"/>
-    <p:sldId id="385" r:id="rId34"/>
-    <p:sldId id="387" r:id="rId35"/>
-    <p:sldId id="386" r:id="rId36"/>
-    <p:sldId id="388" r:id="rId37"/>
-    <p:sldId id="353" r:id="rId38"/>
+    <p:sldId id="379" r:id="rId27"/>
+    <p:sldId id="380" r:id="rId28"/>
+    <p:sldId id="381" r:id="rId29"/>
+    <p:sldId id="382" r:id="rId30"/>
+    <p:sldId id="383" r:id="rId31"/>
+    <p:sldId id="385" r:id="rId32"/>
+    <p:sldId id="387" r:id="rId33"/>
+    <p:sldId id="386" r:id="rId34"/>
+    <p:sldId id="388" r:id="rId35"/>
+    <p:sldId id="353" r:id="rId36"/>
   </p:sldIdLst>
   <p:sldSz cx="9144000" cy="6858000" type="screen4x3"/>
   <p:notesSz cx="7010400" cy="9296400"/>
@@ -1385,7 +1383,7 @@
           <a:p>
             <a:fld id="{834513E8-165F-4932-9E2D-FD497CB9A4FD}" type="datetimeFigureOut">
               <a:rPr lang="en-US" smtClean="0"/>
-              <a:t>7/10/2018</a:t>
+              <a:t>7/16/2018</a:t>
             </a:fld>
             <a:endParaRPr lang="en-US"/>
           </a:p>
@@ -1662,7 +1660,7 @@
           <a:p>
             <a:fld id="{834513E8-165F-4932-9E2D-FD497CB9A4FD}" type="datetimeFigureOut">
               <a:rPr lang="en-US" smtClean="0"/>
-              <a:t>7/10/2018</a:t>
+              <a:t>7/16/2018</a:t>
             </a:fld>
             <a:endParaRPr lang="en-US"/>
           </a:p>
@@ -1915,7 +1913,7 @@
           <a:p>
             <a:fld id="{834513E8-165F-4932-9E2D-FD497CB9A4FD}" type="datetimeFigureOut">
               <a:rPr lang="en-US" smtClean="0"/>
-              <a:t>7/10/2018</a:t>
+              <a:t>7/16/2018</a:t>
             </a:fld>
             <a:endParaRPr lang="en-US"/>
           </a:p>
@@ -2085,7 +2083,7 @@
           <a:p>
             <a:fld id="{834513E8-165F-4932-9E2D-FD497CB9A4FD}" type="datetimeFigureOut">
               <a:rPr lang="en-US" smtClean="0"/>
-              <a:t>7/10/2018</a:t>
+              <a:t>7/16/2018</a:t>
             </a:fld>
             <a:endParaRPr lang="en-US"/>
           </a:p>
@@ -2265,7 +2263,7 @@
           <a:p>
             <a:fld id="{834513E8-165F-4932-9E2D-FD497CB9A4FD}" type="datetimeFigureOut">
               <a:rPr lang="en-US" smtClean="0"/>
-              <a:t>7/10/2018</a:t>
+              <a:t>7/16/2018</a:t>
             </a:fld>
             <a:endParaRPr lang="en-US"/>
           </a:p>
@@ -3009,7 +3007,7 @@
           <a:p>
             <a:fld id="{834513E8-165F-4932-9E2D-FD497CB9A4FD}" type="datetimeFigureOut">
               <a:rPr lang="en-US" smtClean="0"/>
-              <a:t>7/10/2018</a:t>
+              <a:t>7/16/2018</a:t>
             </a:fld>
             <a:endParaRPr lang="en-US"/>
           </a:p>
@@ -3179,7 +3177,7 @@
           <a:p>
             <a:fld id="{834513E8-165F-4932-9E2D-FD497CB9A4FD}" type="datetimeFigureOut">
               <a:rPr lang="en-US" smtClean="0"/>
-              <a:t>7/10/2018</a:t>
+              <a:t>7/16/2018</a:t>
             </a:fld>
             <a:endParaRPr lang="en-US"/>
           </a:p>
@@ -3425,7 +3423,7 @@
           <a:p>
             <a:fld id="{834513E8-165F-4932-9E2D-FD497CB9A4FD}" type="datetimeFigureOut">
               <a:rPr lang="en-US" smtClean="0"/>
-              <a:t>7/10/2018</a:t>
+              <a:t>7/16/2018</a:t>
             </a:fld>
             <a:endParaRPr lang="en-US"/>
           </a:p>
@@ -3657,7 +3655,7 @@
           <a:p>
             <a:fld id="{834513E8-165F-4932-9E2D-FD497CB9A4FD}" type="datetimeFigureOut">
               <a:rPr lang="en-US" smtClean="0"/>
-              <a:t>7/10/2018</a:t>
+              <a:t>7/16/2018</a:t>
             </a:fld>
             <a:endParaRPr lang="en-US"/>
           </a:p>
@@ -4024,7 +4022,7 @@
           <a:p>
             <a:fld id="{834513E8-165F-4932-9E2D-FD497CB9A4FD}" type="datetimeFigureOut">
               <a:rPr lang="en-US" smtClean="0"/>
-              <a:t>7/10/2018</a:t>
+              <a:t>7/16/2018</a:t>
             </a:fld>
             <a:endParaRPr lang="en-US"/>
           </a:p>
@@ -4142,7 +4140,7 @@
           <a:p>
             <a:fld id="{834513E8-165F-4932-9E2D-FD497CB9A4FD}" type="datetimeFigureOut">
               <a:rPr lang="en-US" smtClean="0"/>
-              <a:t>7/10/2018</a:t>
+              <a:t>7/16/2018</a:t>
             </a:fld>
             <a:endParaRPr lang="en-US"/>
           </a:p>
@@ -5958,7 +5956,7 @@
           <a:p>
             <a:fld id="{834513E8-165F-4932-9E2D-FD497CB9A4FD}" type="datetimeFigureOut">
               <a:rPr lang="en-US" smtClean="0"/>
-              <a:t>7/10/2018</a:t>
+              <a:t>7/16/2018</a:t>
             </a:fld>
             <a:endParaRPr lang="en-US"/>
           </a:p>
@@ -7571,6 +7569,68 @@
           </a:p>
         </p:txBody>
       </p:sp>
+      <p:sp>
+        <p:nvSpPr>
+          <p:cNvPr id="11" name="Rectangular Callout 10"/>
+          <p:cNvSpPr/>
+          <p:nvPr/>
+        </p:nvSpPr>
+        <p:spPr>
+          <a:xfrm>
+            <a:off x="3503479" y="5784953"/>
+            <a:ext cx="4423041" cy="805033"/>
+          </a:xfrm>
+          <a:prstGeom prst="wedgeRectCallout">
+            <a:avLst>
+              <a:gd name="adj1" fmla="val -73256"/>
+              <a:gd name="adj2" fmla="val -41725"/>
+            </a:avLst>
+          </a:prstGeom>
+        </p:spPr>
+        <p:style>
+          <a:lnRef idx="2">
+            <a:schemeClr val="accent1">
+              <a:shade val="50000"/>
+            </a:schemeClr>
+          </a:lnRef>
+          <a:fillRef idx="1">
+            <a:schemeClr val="accent1"/>
+          </a:fillRef>
+          <a:effectRef idx="0">
+            <a:schemeClr val="accent1"/>
+          </a:effectRef>
+          <a:fontRef idx="minor">
+            <a:schemeClr val="lt1"/>
+          </a:fontRef>
+        </p:style>
+        <p:txBody>
+          <a:bodyPr rtlCol="0" anchor="ctr"/>
+          <a:lstStyle/>
+          <a:p>
+            <a:pPr algn="ctr" fontAlgn="auto">
+              <a:spcBef>
+                <a:spcPts val="0"/>
+              </a:spcBef>
+              <a:spcAft>
+                <a:spcPts val="0"/>
+              </a:spcAft>
+            </a:pPr>
+            <a:r>
+              <a:rPr lang="en-US" sz="1800" i="1" dirty="0" smtClean="0">
+                <a:solidFill>
+                  <a:prstClr val="white"/>
+                </a:solidFill>
+              </a:rPr>
+              <a:t>Notice what happened? Decrement SP, then write the data!</a:t>
+            </a:r>
+            <a:endParaRPr lang="en-US" sz="1800" dirty="0">
+              <a:solidFill>
+                <a:prstClr val="white"/>
+              </a:solidFill>
+            </a:endParaRPr>
+          </a:p>
+        </p:txBody>
+      </p:sp>
     </p:spTree>
     <p:extLst>
       <p:ext uri="{BB962C8B-B14F-4D97-AF65-F5344CB8AC3E}">
@@ -7584,9 +7644,88 @@
   <p:timing>
     <p:tnLst>
       <p:par>
-        <p:cTn id="1" dur="indefinite" restart="never" nodeType="tmRoot"/>
+        <p:cTn id="1" dur="indefinite" restart="never" nodeType="tmRoot">
+          <p:childTnLst>
+            <p:seq concurrent="1" nextAc="seek">
+              <p:cTn id="2" dur="indefinite" nodeType="mainSeq">
+                <p:childTnLst>
+                  <p:par>
+                    <p:cTn id="3" fill="hold">
+                      <p:stCondLst>
+                        <p:cond delay="indefinite"/>
+                      </p:stCondLst>
+                      <p:childTnLst>
+                        <p:par>
+                          <p:cTn id="4" fill="hold">
+                            <p:stCondLst>
+                              <p:cond delay="0"/>
+                            </p:stCondLst>
+                            <p:childTnLst>
+                              <p:par>
+                                <p:cTn id="5" presetID="10" presetClass="entr" presetSubtype="0" fill="hold" grpId="0" nodeType="clickEffect">
+                                  <p:stCondLst>
+                                    <p:cond delay="0"/>
+                                  </p:stCondLst>
+                                  <p:childTnLst>
+                                    <p:set>
+                                      <p:cBhvr>
+                                        <p:cTn id="6" dur="1" fill="hold">
+                                          <p:stCondLst>
+                                            <p:cond delay="0"/>
+                                          </p:stCondLst>
+                                        </p:cTn>
+                                        <p:tgtEl>
+                                          <p:spTgt spid="11"/>
+                                        </p:tgtEl>
+                                        <p:attrNameLst>
+                                          <p:attrName>style.visibility</p:attrName>
+                                        </p:attrNameLst>
+                                      </p:cBhvr>
+                                      <p:to>
+                                        <p:strVal val="visible"/>
+                                      </p:to>
+                                    </p:set>
+                                    <p:animEffect transition="in" filter="fade">
+                                      <p:cBhvr>
+                                        <p:cTn id="7" dur="500"/>
+                                        <p:tgtEl>
+                                          <p:spTgt spid="11"/>
+                                        </p:tgtEl>
+                                      </p:cBhvr>
+                                    </p:animEffect>
+                                  </p:childTnLst>
+                                </p:cTn>
+                              </p:par>
+                            </p:childTnLst>
+                          </p:cTn>
+                        </p:par>
+                      </p:childTnLst>
+                    </p:cTn>
+                  </p:par>
+                </p:childTnLst>
+              </p:cTn>
+              <p:prevCondLst>
+                <p:cond evt="onPrev" delay="0">
+                  <p:tgtEl>
+                    <p:sldTgt/>
+                  </p:tgtEl>
+                </p:cond>
+              </p:prevCondLst>
+              <p:nextCondLst>
+                <p:cond evt="onNext" delay="0">
+                  <p:tgtEl>
+                    <p:sldTgt/>
+                  </p:tgtEl>
+                </p:cond>
+              </p:nextCondLst>
+            </p:seq>
+          </p:childTnLst>
+        </p:cTn>
       </p:par>
     </p:tnLst>
+    <p:bldLst>
+      <p:bldP spid="11" grpId="0" animBg="1"/>
+    </p:bldLst>
   </p:timing>
 </p:sld>
 </file>
@@ -16424,7 +16563,7 @@
           <a:p>
             <a:r>
               <a:rPr lang="en-US" b="1" dirty="0" smtClean="0"/>
-              <a:t>Stack</a:t>
+              <a:t>Subroutines</a:t>
             </a:r>
             <a:endParaRPr lang="en-US" dirty="0"/>
           </a:p>
@@ -16442,12 +16581,14 @@
         </p:nvSpPr>
         <p:spPr>
           <a:xfrm>
-            <a:off x="505535" y="1623666"/>
-            <a:ext cx="8493642" cy="4724400"/>
+            <a:off x="376038" y="1544575"/>
+            <a:ext cx="8493642" cy="4928413"/>
           </a:xfrm>
         </p:spPr>
         <p:txBody>
-          <a:bodyPr/>
+          <a:bodyPr>
+            <a:normAutofit fontScale="92500" lnSpcReduction="20000"/>
+          </a:bodyPr>
           <a:lstStyle/>
           <a:p>
             <a:r>
@@ -16456,7 +16597,7 @@
                   <a:schemeClr val="accent2"/>
                 </a:solidFill>
               </a:rPr>
-              <a:t>How can I use the Stack to swap the values in two registers (like r10, r11)?</a:t>
+              <a:t>Why Subroutines?</a:t>
             </a:r>
             <a:endParaRPr lang="en-US" sz="2000" dirty="0">
               <a:solidFill>
@@ -16465,198 +16606,6 @@
             </a:endParaRPr>
           </a:p>
           <a:p>
-            <a:pPr marL="0" indent="0">
-              <a:buNone/>
-            </a:pPr>
-            <a:endParaRPr lang="en-US" sz="2200" dirty="0" smtClean="0">
-              <a:solidFill>
-                <a:schemeClr val="accent2"/>
-              </a:solidFill>
-            </a:endParaRPr>
-          </a:p>
-          <a:p>
-            <a:endParaRPr lang="en-US" sz="2200" dirty="0" smtClean="0">
-              <a:solidFill>
-                <a:schemeClr val="accent2"/>
-              </a:solidFill>
-            </a:endParaRPr>
-          </a:p>
-          <a:p>
-            <a:endParaRPr lang="en-US" sz="2200" dirty="0">
-              <a:solidFill>
-                <a:schemeClr val="accent2"/>
-              </a:solidFill>
-            </a:endParaRPr>
-          </a:p>
-          <a:p>
-            <a:r>
-              <a:rPr lang="en-US" sz="2200" dirty="0" smtClean="0">
-                <a:solidFill>
-                  <a:schemeClr val="accent2"/>
-                </a:solidFill>
-              </a:rPr>
-              <a:t>Can we push too many variables on the stack?  </a:t>
-            </a:r>
-            <a:endParaRPr lang="en-US" sz="2200" dirty="0">
-              <a:solidFill>
-                <a:schemeClr val="accent2"/>
-              </a:solidFill>
-            </a:endParaRPr>
-          </a:p>
-          <a:p>
-            <a:endParaRPr lang="en-US" sz="2200" dirty="0" smtClean="0">
-              <a:solidFill>
-                <a:schemeClr val="accent2"/>
-              </a:solidFill>
-            </a:endParaRPr>
-          </a:p>
-          <a:p>
-            <a:endParaRPr lang="en-US" sz="2200" dirty="0">
-              <a:solidFill>
-                <a:schemeClr val="accent2"/>
-              </a:solidFill>
-            </a:endParaRPr>
-          </a:p>
-          <a:p>
-            <a:endParaRPr lang="en-US" sz="2200" dirty="0" smtClean="0">
-              <a:solidFill>
-                <a:schemeClr val="accent2"/>
-              </a:solidFill>
-            </a:endParaRPr>
-          </a:p>
-          <a:p>
-            <a:r>
-              <a:rPr lang="en-US" sz="2200" dirty="0" smtClean="0">
-                <a:solidFill>
-                  <a:schemeClr val="accent2"/>
-                </a:solidFill>
-              </a:rPr>
-              <a:t>Is the stack limited?</a:t>
-            </a:r>
-            <a:endParaRPr lang="en-US" sz="2200" dirty="0">
-              <a:solidFill>
-                <a:schemeClr val="accent2"/>
-              </a:solidFill>
-            </a:endParaRPr>
-          </a:p>
-          <a:p>
-            <a:pPr lvl="1"/>
-            <a:endParaRPr lang="en-US" sz="2000" dirty="0" smtClean="0"/>
-          </a:p>
-          <a:p>
-            <a:endParaRPr lang="en-US" sz="2000" dirty="0">
-              <a:solidFill>
-                <a:schemeClr val="accent2"/>
-              </a:solidFill>
-            </a:endParaRPr>
-          </a:p>
-          <a:p>
-            <a:endParaRPr lang="en-US" sz="2000" dirty="0" smtClean="0">
-              <a:solidFill>
-                <a:schemeClr val="accent2"/>
-              </a:solidFill>
-            </a:endParaRPr>
-          </a:p>
-          <a:p>
-            <a:endParaRPr lang="en-US" sz="2000" dirty="0"/>
-          </a:p>
-        </p:txBody>
-      </p:sp>
-    </p:spTree>
-    <p:extLst>
-      <p:ext uri="{BB962C8B-B14F-4D97-AF65-F5344CB8AC3E}">
-        <p14:creationId xmlns:p14="http://schemas.microsoft.com/office/powerpoint/2010/main" val="3021096322"/>
-      </p:ext>
-    </p:extLst>
-  </p:cSld>
-  <p:clrMapOvr>
-    <a:masterClrMapping/>
-  </p:clrMapOvr>
-  <p:timing>
-    <p:tnLst>
-      <p:par>
-        <p:cTn id="1" dur="indefinite" restart="never" nodeType="tmRoot"/>
-      </p:par>
-    </p:tnLst>
-  </p:timing>
-</p:sld>
-</file>
-
-<file path=ppt/slides/slide25.xml><?xml version="1.0" encoding="utf-8"?>
-<p:sld xmlns:a="http://schemas.openxmlformats.org/drawingml/2006/main" xmlns:r="http://schemas.openxmlformats.org/officeDocument/2006/relationships" xmlns:p="http://schemas.openxmlformats.org/presentationml/2006/main">
-  <p:cSld>
-    <p:spTree>
-      <p:nvGrpSpPr>
-        <p:cNvPr id="1" name=""/>
-        <p:cNvGrpSpPr/>
-        <p:nvPr/>
-      </p:nvGrpSpPr>
-      <p:grpSpPr>
-        <a:xfrm>
-          <a:off x="0" y="0"/>
-          <a:ext cx="0" cy="0"/>
-          <a:chOff x="0" y="0"/>
-          <a:chExt cx="0" cy="0"/>
-        </a:xfrm>
-      </p:grpSpPr>
-      <p:sp>
-        <p:nvSpPr>
-          <p:cNvPr id="2" name="Title 1"/>
-          <p:cNvSpPr>
-            <a:spLocks noGrp="1"/>
-          </p:cNvSpPr>
-          <p:nvPr>
-            <p:ph type="title"/>
-          </p:nvPr>
-        </p:nvSpPr>
-        <p:spPr/>
-        <p:txBody>
-          <a:bodyPr/>
-          <a:lstStyle/>
-          <a:p>
-            <a:r>
-              <a:rPr lang="en-US" b="1" dirty="0" smtClean="0"/>
-              <a:t>Subroutines</a:t>
-            </a:r>
-            <a:endParaRPr lang="en-US" dirty="0"/>
-          </a:p>
-        </p:txBody>
-      </p:sp>
-      <p:sp>
-        <p:nvSpPr>
-          <p:cNvPr id="3" name="Content Placeholder 2"/>
-          <p:cNvSpPr>
-            <a:spLocks noGrp="1"/>
-          </p:cNvSpPr>
-          <p:nvPr>
-            <p:ph idx="1"/>
-          </p:nvPr>
-        </p:nvSpPr>
-        <p:spPr>
-          <a:xfrm>
-            <a:off x="395177" y="669852"/>
-            <a:ext cx="8493642" cy="4724400"/>
-          </a:xfrm>
-        </p:spPr>
-        <p:txBody>
-          <a:bodyPr/>
-          <a:lstStyle/>
-          <a:p>
-            <a:r>
-              <a:rPr lang="en-US" sz="2000" dirty="0" smtClean="0">
-                <a:solidFill>
-                  <a:schemeClr val="accent2"/>
-                </a:solidFill>
-              </a:rPr>
-              <a:t>Why Subroutines?</a:t>
-            </a:r>
-            <a:endParaRPr lang="en-US" sz="2000" dirty="0">
-              <a:solidFill>
-                <a:schemeClr val="accent2"/>
-              </a:solidFill>
-            </a:endParaRPr>
-          </a:p>
-          <a:p>
             <a:pPr lvl="1"/>
             <a:r>
               <a:rPr lang="en-US" sz="2000" dirty="0" smtClean="0"/>
@@ -16818,26 +16767,10 @@
           </a:p>
           <a:p>
             <a:r>
-              <a:rPr lang="en-US" sz="2000" dirty="0" smtClean="0">
-                <a:solidFill>
-                  <a:schemeClr val="accent2"/>
-                </a:solidFill>
-              </a:rPr>
-              <a:t>What happens in you didn’t initialize the Stack Pointer? </a:t>
-            </a:r>
-          </a:p>
-          <a:p>
-            <a:r>
-              <a:rPr lang="en-US" sz="2000" dirty="0" smtClean="0">
-                <a:solidFill>
-                  <a:schemeClr val="accent2"/>
-                </a:solidFill>
-              </a:rPr>
-              <a:t>What If Stack Pointer pointed to ROM?</a:t>
-            </a:r>
-          </a:p>
-          <a:p>
-            <a:endParaRPr lang="en-US" sz="2000" dirty="0"/>
+              <a:rPr lang="en-US" sz="2000" dirty="0" smtClean="0"/>
+              <a:t> </a:t>
+            </a:r>
+            <a:endParaRPr lang="en-US" sz="2000" dirty="0" smtClean="0"/>
           </a:p>
         </p:txBody>
       </p:sp>
@@ -16848,11 +16781,15 @@
             <a:graphicFrameLocks noGrp="1"/>
           </p:cNvGraphicFramePr>
           <p:nvPr>
-            <p:extLst/>
+            <p:extLst>
+              <p:ext uri="{D42A27DB-BD31-4B8C-83A1-F6EECF244321}">
+                <p14:modId xmlns:p14="http://schemas.microsoft.com/office/powerpoint/2010/main" val="2735620338"/>
+              </p:ext>
+            </p:extLst>
           </p:nvPr>
         </p:nvGraphicFramePr>
         <p:xfrm>
-          <a:off x="862641" y="1777042"/>
+          <a:off x="862640" y="2398597"/>
           <a:ext cx="6763111" cy="783980"/>
         </p:xfrm>
         <a:graphic>
@@ -17178,11 +17115,15 @@
             <a:graphicFrameLocks noGrp="1"/>
           </p:cNvGraphicFramePr>
           <p:nvPr>
-            <p:extLst/>
+            <p:extLst>
+              <p:ext uri="{D42A27DB-BD31-4B8C-83A1-F6EECF244321}">
+                <p14:modId xmlns:p14="http://schemas.microsoft.com/office/powerpoint/2010/main" val="2108941270"/>
+              </p:ext>
+            </p:extLst>
           </p:nvPr>
         </p:nvGraphicFramePr>
         <p:xfrm>
-          <a:off x="845327" y="2714566"/>
+          <a:off x="845325" y="3314784"/>
           <a:ext cx="6797742" cy="419100"/>
         </p:xfrm>
         <a:graphic>
@@ -17504,7 +17445,7 @@
           </p:cNvPicPr>
           <p:nvPr/>
         </p:nvPicPr>
-        <p:blipFill>
+        <p:blipFill rotWithShape="1">
           <a:blip r:embed="rId2" cstate="print">
             <a:extLst>
               <a:ext uri="{28A0092B-C50C-407E-A947-70E740481C1C}">
@@ -17512,15 +17453,13 @@
               </a:ext>
             </a:extLst>
           </a:blip>
-          <a:srcRect/>
-          <a:stretch>
-            <a:fillRect/>
-          </a:stretch>
+          <a:srcRect r="51996"/>
+          <a:stretch/>
         </p:blipFill>
         <p:spPr bwMode="auto">
           <a:xfrm>
-            <a:off x="4977892" y="3499808"/>
-            <a:ext cx="6848475" cy="1789113"/>
+            <a:off x="5582107" y="3866091"/>
+            <a:ext cx="3287573" cy="1789113"/>
           </a:xfrm>
           <a:prstGeom prst="rect">
             <a:avLst/>
@@ -17568,7 +17507,7 @@
         </p:nvSpPr>
         <p:spPr>
           <a:xfrm>
-            <a:off x="0" y="3737499"/>
+            <a:off x="28757" y="3944161"/>
             <a:ext cx="833883" cy="338554"/>
           </a:xfrm>
           <a:prstGeom prst="rect">
@@ -17624,6 +17563,734 @@
     <p:extLst>
       <p:ext uri="{BB962C8B-B14F-4D97-AF65-F5344CB8AC3E}">
         <p14:creationId xmlns:p14="http://schemas.microsoft.com/office/powerpoint/2010/main" val="1919397761"/>
+      </p:ext>
+    </p:extLst>
+  </p:cSld>
+  <p:clrMapOvr>
+    <a:masterClrMapping/>
+  </p:clrMapOvr>
+  <p:timing>
+    <p:tnLst>
+      <p:par>
+        <p:cTn id="1" dur="indefinite" restart="never" nodeType="tmRoot"/>
+      </p:par>
+    </p:tnLst>
+  </p:timing>
+</p:sld>
+</file>
+
+<file path=ppt/slides/slide25.xml><?xml version="1.0" encoding="utf-8"?>
+<p:sld xmlns:a="http://schemas.openxmlformats.org/drawingml/2006/main" xmlns:r="http://schemas.openxmlformats.org/officeDocument/2006/relationships" xmlns:p="http://schemas.openxmlformats.org/presentationml/2006/main">
+  <p:cSld>
+    <p:spTree>
+      <p:nvGrpSpPr>
+        <p:cNvPr id="1" name=""/>
+        <p:cNvGrpSpPr/>
+        <p:nvPr/>
+      </p:nvGrpSpPr>
+      <p:grpSpPr>
+        <a:xfrm>
+          <a:off x="0" y="0"/>
+          <a:ext cx="0" cy="0"/>
+          <a:chOff x="0" y="0"/>
+          <a:chExt cx="0" cy="0"/>
+        </a:xfrm>
+      </p:grpSpPr>
+      <p:sp>
+        <p:nvSpPr>
+          <p:cNvPr id="2" name="Title 1"/>
+          <p:cNvSpPr>
+            <a:spLocks noGrp="1"/>
+          </p:cNvSpPr>
+          <p:nvPr>
+            <p:ph type="title"/>
+          </p:nvPr>
+        </p:nvSpPr>
+        <p:spPr/>
+        <p:txBody>
+          <a:bodyPr/>
+          <a:lstStyle/>
+          <a:p>
+            <a:r>
+              <a:rPr lang="en-US" b="1" dirty="0" smtClean="0"/>
+              <a:t>Example Subroutine</a:t>
+            </a:r>
+            <a:endParaRPr lang="en-US" dirty="0"/>
+          </a:p>
+        </p:txBody>
+      </p:sp>
+      <p:sp>
+        <p:nvSpPr>
+          <p:cNvPr id="3" name="Content Placeholder 2"/>
+          <p:cNvSpPr>
+            <a:spLocks noGrp="1"/>
+          </p:cNvSpPr>
+          <p:nvPr>
+            <p:ph idx="1"/>
+          </p:nvPr>
+        </p:nvSpPr>
+        <p:spPr>
+          <a:xfrm>
+            <a:off x="248280" y="1515827"/>
+            <a:ext cx="8621400" cy="4773150"/>
+          </a:xfrm>
+        </p:spPr>
+        <p:txBody>
+          <a:bodyPr/>
+          <a:lstStyle/>
+          <a:p>
+            <a:pPr marL="0" indent="0">
+              <a:buNone/>
+            </a:pPr>
+            <a:r>
+              <a:rPr lang="en-US" sz="1400" dirty="0">
+                <a:solidFill>
+                  <a:schemeClr val="accent2"/>
+                </a:solidFill>
+                <a:latin typeface="Courier New" pitchFamily="49" charset="0"/>
+                <a:cs typeface="Courier New" pitchFamily="49" charset="0"/>
+              </a:rPr>
+              <a:t>main:</a:t>
+            </a:r>
+          </a:p>
+          <a:p>
+            <a:pPr marL="0" indent="0">
+              <a:buNone/>
+            </a:pPr>
+            <a:r>
+              <a:rPr lang="en-US" sz="1400" dirty="0">
+                <a:solidFill>
+                  <a:schemeClr val="accent2"/>
+                </a:solidFill>
+                <a:latin typeface="Courier New" pitchFamily="49" charset="0"/>
+                <a:cs typeface="Courier New" pitchFamily="49" charset="0"/>
+              </a:rPr>
+              <a:t>    </a:t>
+            </a:r>
+            <a:r>
+              <a:rPr lang="en-US" sz="1400" dirty="0" err="1">
+                <a:solidFill>
+                  <a:schemeClr val="accent2"/>
+                </a:solidFill>
+                <a:latin typeface="Courier New" pitchFamily="49" charset="0"/>
+                <a:cs typeface="Courier New" pitchFamily="49" charset="0"/>
+              </a:rPr>
+              <a:t>mov.w</a:t>
+            </a:r>
+            <a:r>
+              <a:rPr lang="en-US" sz="1400" dirty="0">
+                <a:solidFill>
+                  <a:schemeClr val="accent2"/>
+                </a:solidFill>
+                <a:latin typeface="Courier New" pitchFamily="49" charset="0"/>
+                <a:cs typeface="Courier New" pitchFamily="49" charset="0"/>
+              </a:rPr>
+              <a:t>   #2, r10</a:t>
+            </a:r>
+          </a:p>
+          <a:p>
+            <a:pPr marL="0" indent="0">
+              <a:buNone/>
+            </a:pPr>
+            <a:r>
+              <a:rPr lang="en-US" sz="1400" dirty="0">
+                <a:solidFill>
+                  <a:schemeClr val="accent2"/>
+                </a:solidFill>
+                <a:latin typeface="Courier New" pitchFamily="49" charset="0"/>
+                <a:cs typeface="Courier New" pitchFamily="49" charset="0"/>
+              </a:rPr>
+              <a:t>    </a:t>
+            </a:r>
+            <a:r>
+              <a:rPr lang="en-US" sz="1400" dirty="0" err="1">
+                <a:solidFill>
+                  <a:schemeClr val="accent2"/>
+                </a:solidFill>
+                <a:latin typeface="Courier New" pitchFamily="49" charset="0"/>
+                <a:cs typeface="Courier New" pitchFamily="49" charset="0"/>
+              </a:rPr>
+              <a:t>mov.w</a:t>
+            </a:r>
+            <a:r>
+              <a:rPr lang="en-US" sz="1400" dirty="0">
+                <a:solidFill>
+                  <a:schemeClr val="accent2"/>
+                </a:solidFill>
+                <a:latin typeface="Courier New" pitchFamily="49" charset="0"/>
+                <a:cs typeface="Courier New" pitchFamily="49" charset="0"/>
+              </a:rPr>
+              <a:t>   #4, r11</a:t>
+            </a:r>
+          </a:p>
+          <a:p>
+            <a:pPr marL="0" indent="0">
+              <a:buNone/>
+            </a:pPr>
+            <a:r>
+              <a:rPr lang="en-US" sz="1400" dirty="0">
+                <a:solidFill>
+                  <a:schemeClr val="accent2"/>
+                </a:solidFill>
+                <a:latin typeface="Courier New" pitchFamily="49" charset="0"/>
+                <a:cs typeface="Courier New" pitchFamily="49" charset="0"/>
+              </a:rPr>
+              <a:t>    call    #addition</a:t>
+            </a:r>
+          </a:p>
+          <a:p>
+            <a:pPr marL="0" indent="0">
+              <a:buNone/>
+            </a:pPr>
+            <a:r>
+              <a:rPr lang="en-US" sz="1400" dirty="0">
+                <a:solidFill>
+                  <a:schemeClr val="accent2"/>
+                </a:solidFill>
+                <a:latin typeface="Courier New" pitchFamily="49" charset="0"/>
+                <a:cs typeface="Courier New" pitchFamily="49" charset="0"/>
+              </a:rPr>
+              <a:t>    </a:t>
+            </a:r>
+            <a:r>
+              <a:rPr lang="en-US" sz="1400" dirty="0" err="1">
+                <a:solidFill>
+                  <a:schemeClr val="accent2"/>
+                </a:solidFill>
+                <a:latin typeface="Courier New" pitchFamily="49" charset="0"/>
+                <a:cs typeface="Courier New" pitchFamily="49" charset="0"/>
+              </a:rPr>
+              <a:t>nop</a:t>
+            </a:r>
+            <a:endParaRPr lang="en-US" sz="1400" dirty="0">
+              <a:solidFill>
+                <a:schemeClr val="accent2"/>
+              </a:solidFill>
+              <a:latin typeface="Courier New" pitchFamily="49" charset="0"/>
+              <a:cs typeface="Courier New" pitchFamily="49" charset="0"/>
+            </a:endParaRPr>
+          </a:p>
+          <a:p>
+            <a:pPr marL="0" indent="0">
+              <a:buNone/>
+            </a:pPr>
+            <a:r>
+              <a:rPr lang="en-US" sz="1400" dirty="0">
+                <a:solidFill>
+                  <a:schemeClr val="accent2"/>
+                </a:solidFill>
+                <a:latin typeface="Courier New" pitchFamily="49" charset="0"/>
+                <a:cs typeface="Courier New" pitchFamily="49" charset="0"/>
+              </a:rPr>
+              <a:t>    </a:t>
+            </a:r>
+            <a:r>
+              <a:rPr lang="en-US" sz="1400" dirty="0" err="1">
+                <a:solidFill>
+                  <a:schemeClr val="accent2"/>
+                </a:solidFill>
+                <a:latin typeface="Courier New" pitchFamily="49" charset="0"/>
+                <a:cs typeface="Courier New" pitchFamily="49" charset="0"/>
+              </a:rPr>
+              <a:t>nop</a:t>
+            </a:r>
+            <a:endParaRPr lang="en-US" sz="1400" dirty="0">
+              <a:solidFill>
+                <a:schemeClr val="accent2"/>
+              </a:solidFill>
+              <a:latin typeface="Courier New" pitchFamily="49" charset="0"/>
+              <a:cs typeface="Courier New" pitchFamily="49" charset="0"/>
+            </a:endParaRPr>
+          </a:p>
+          <a:p>
+            <a:pPr marL="0" indent="0">
+              <a:buNone/>
+            </a:pPr>
+            <a:r>
+              <a:rPr lang="en-US" sz="1400" dirty="0">
+                <a:solidFill>
+                  <a:schemeClr val="accent2"/>
+                </a:solidFill>
+                <a:latin typeface="Courier New" pitchFamily="49" charset="0"/>
+                <a:cs typeface="Courier New" pitchFamily="49" charset="0"/>
+              </a:rPr>
+              <a:t>    </a:t>
+            </a:r>
+            <a:r>
+              <a:rPr lang="en-US" sz="1400" dirty="0" err="1">
+                <a:solidFill>
+                  <a:schemeClr val="accent2"/>
+                </a:solidFill>
+                <a:latin typeface="Courier New" pitchFamily="49" charset="0"/>
+                <a:cs typeface="Courier New" pitchFamily="49" charset="0"/>
+              </a:rPr>
+              <a:t>nop</a:t>
+            </a:r>
+            <a:endParaRPr lang="en-US" sz="1400" dirty="0">
+              <a:solidFill>
+                <a:schemeClr val="accent2"/>
+              </a:solidFill>
+              <a:latin typeface="Courier New" pitchFamily="49" charset="0"/>
+              <a:cs typeface="Courier New" pitchFamily="49" charset="0"/>
+            </a:endParaRPr>
+          </a:p>
+          <a:p>
+            <a:pPr marL="0" indent="0">
+              <a:buNone/>
+            </a:pPr>
+            <a:r>
+              <a:rPr lang="en-US" sz="1400" dirty="0">
+                <a:solidFill>
+                  <a:schemeClr val="accent2"/>
+                </a:solidFill>
+                <a:latin typeface="Courier New" pitchFamily="49" charset="0"/>
+                <a:cs typeface="Courier New" pitchFamily="49" charset="0"/>
+              </a:rPr>
+              <a:t>    </a:t>
+            </a:r>
+            <a:r>
+              <a:rPr lang="en-US" sz="1400" dirty="0" err="1">
+                <a:solidFill>
+                  <a:schemeClr val="accent2"/>
+                </a:solidFill>
+                <a:latin typeface="Courier New" pitchFamily="49" charset="0"/>
+                <a:cs typeface="Courier New" pitchFamily="49" charset="0"/>
+              </a:rPr>
+              <a:t>nop</a:t>
+            </a:r>
+            <a:endParaRPr lang="en-US" sz="1400" dirty="0">
+              <a:solidFill>
+                <a:schemeClr val="accent2"/>
+              </a:solidFill>
+              <a:latin typeface="Courier New" pitchFamily="49" charset="0"/>
+              <a:cs typeface="Courier New" pitchFamily="49" charset="0"/>
+            </a:endParaRPr>
+          </a:p>
+          <a:p>
+            <a:pPr marL="0" indent="0">
+              <a:buNone/>
+            </a:pPr>
+            <a:endParaRPr lang="en-US" sz="1400" dirty="0">
+              <a:solidFill>
+                <a:schemeClr val="accent2"/>
+              </a:solidFill>
+              <a:latin typeface="Courier New" pitchFamily="49" charset="0"/>
+              <a:cs typeface="Courier New" pitchFamily="49" charset="0"/>
+            </a:endParaRPr>
+          </a:p>
+          <a:p>
+            <a:pPr marL="0" indent="0">
+              <a:buNone/>
+            </a:pPr>
+            <a:r>
+              <a:rPr lang="en-US" sz="1400" dirty="0">
+                <a:solidFill>
+                  <a:schemeClr val="accent2"/>
+                </a:solidFill>
+                <a:latin typeface="Courier New" pitchFamily="49" charset="0"/>
+                <a:cs typeface="Courier New" pitchFamily="49" charset="0"/>
+              </a:rPr>
+              <a:t>addition:</a:t>
+            </a:r>
+          </a:p>
+          <a:p>
+            <a:pPr marL="0" indent="0">
+              <a:buNone/>
+            </a:pPr>
+            <a:r>
+              <a:rPr lang="en-US" sz="1400" dirty="0">
+                <a:solidFill>
+                  <a:schemeClr val="accent2"/>
+                </a:solidFill>
+                <a:latin typeface="Courier New" pitchFamily="49" charset="0"/>
+                <a:cs typeface="Courier New" pitchFamily="49" charset="0"/>
+              </a:rPr>
+              <a:t>    </a:t>
+            </a:r>
+            <a:r>
+              <a:rPr lang="en-US" sz="1400" dirty="0" err="1">
+                <a:solidFill>
+                  <a:schemeClr val="accent2"/>
+                </a:solidFill>
+                <a:latin typeface="Courier New" pitchFamily="49" charset="0"/>
+                <a:cs typeface="Courier New" pitchFamily="49" charset="0"/>
+              </a:rPr>
+              <a:t>add.w</a:t>
+            </a:r>
+            <a:r>
+              <a:rPr lang="en-US" sz="1400" dirty="0">
+                <a:solidFill>
+                  <a:schemeClr val="accent2"/>
+                </a:solidFill>
+                <a:latin typeface="Courier New" pitchFamily="49" charset="0"/>
+                <a:cs typeface="Courier New" pitchFamily="49" charset="0"/>
+              </a:rPr>
+              <a:t>   r10, r11 </a:t>
+            </a:r>
+          </a:p>
+          <a:p>
+            <a:pPr marL="0" indent="0">
+              <a:buNone/>
+            </a:pPr>
+            <a:r>
+              <a:rPr lang="en-US" sz="1400" dirty="0">
+                <a:solidFill>
+                  <a:schemeClr val="accent2"/>
+                </a:solidFill>
+                <a:latin typeface="Courier New" pitchFamily="49" charset="0"/>
+                <a:cs typeface="Courier New" pitchFamily="49" charset="0"/>
+              </a:rPr>
+              <a:t>    </a:t>
+            </a:r>
+            <a:r>
+              <a:rPr lang="en-US" sz="1400" dirty="0" smtClean="0">
+                <a:solidFill>
+                  <a:schemeClr val="accent2"/>
+                </a:solidFill>
+                <a:latin typeface="Courier New" pitchFamily="49" charset="0"/>
+                <a:cs typeface="Courier New" pitchFamily="49" charset="0"/>
+              </a:rPr>
+              <a:t>ret</a:t>
+            </a:r>
+          </a:p>
+          <a:p>
+            <a:pPr marL="0" indent="0">
+              <a:buNone/>
+            </a:pPr>
+            <a:endParaRPr lang="en-US" sz="1400" dirty="0">
+              <a:solidFill>
+                <a:schemeClr val="accent2"/>
+              </a:solidFill>
+              <a:latin typeface="Courier New" pitchFamily="49" charset="0"/>
+              <a:cs typeface="Courier New" pitchFamily="49" charset="0"/>
+            </a:endParaRPr>
+          </a:p>
+          <a:p>
+            <a:pPr marL="0" indent="0">
+              <a:buNone/>
+            </a:pPr>
+            <a:r>
+              <a:rPr lang="en-US" sz="1400" dirty="0">
+                <a:solidFill>
+                  <a:schemeClr val="accent2"/>
+                </a:solidFill>
+                <a:latin typeface="Courier New" pitchFamily="49" charset="0"/>
+                <a:cs typeface="Courier New" pitchFamily="49" charset="0"/>
+              </a:rPr>
+              <a:t>s</a:t>
+            </a:r>
+            <a:r>
+              <a:rPr lang="en-US" sz="1400" dirty="0" smtClean="0">
+                <a:solidFill>
+                  <a:schemeClr val="accent2"/>
+                </a:solidFill>
+                <a:latin typeface="Courier New" pitchFamily="49" charset="0"/>
+                <a:cs typeface="Courier New" pitchFamily="49" charset="0"/>
+              </a:rPr>
+              <a:t>ubtraction:</a:t>
+            </a:r>
+          </a:p>
+          <a:p>
+            <a:pPr marL="0" indent="0">
+              <a:buNone/>
+            </a:pPr>
+            <a:r>
+              <a:rPr lang="en-US" sz="1400" dirty="0">
+                <a:solidFill>
+                  <a:schemeClr val="accent2"/>
+                </a:solidFill>
+                <a:latin typeface="Courier New" pitchFamily="49" charset="0"/>
+                <a:cs typeface="Courier New" pitchFamily="49" charset="0"/>
+              </a:rPr>
+              <a:t> </a:t>
+            </a:r>
+            <a:r>
+              <a:rPr lang="en-US" sz="1400" dirty="0" smtClean="0">
+                <a:solidFill>
+                  <a:schemeClr val="accent2"/>
+                </a:solidFill>
+                <a:latin typeface="Courier New" pitchFamily="49" charset="0"/>
+                <a:cs typeface="Courier New" pitchFamily="49" charset="0"/>
+              </a:rPr>
+              <a:t>   …  </a:t>
+            </a:r>
+            <a:r>
+              <a:rPr lang="en-US" sz="1400" dirty="0" smtClean="0">
+                <a:solidFill>
+                  <a:srgbClr val="00B050"/>
+                </a:solidFill>
+                <a:latin typeface="Courier New" pitchFamily="49" charset="0"/>
+                <a:cs typeface="Courier New" pitchFamily="49" charset="0"/>
+              </a:rPr>
+              <a:t>; code here</a:t>
+            </a:r>
+          </a:p>
+          <a:p>
+            <a:pPr marL="0" indent="0">
+              <a:buNone/>
+            </a:pPr>
+            <a:endParaRPr lang="en-US" sz="1400" dirty="0">
+              <a:solidFill>
+                <a:schemeClr val="accent2"/>
+              </a:solidFill>
+              <a:latin typeface="Courier New" pitchFamily="49" charset="0"/>
+              <a:cs typeface="Courier New" pitchFamily="49" charset="0"/>
+            </a:endParaRPr>
+          </a:p>
+          <a:p>
+            <a:pPr marL="0" indent="0">
+              <a:buNone/>
+            </a:pPr>
+            <a:r>
+              <a:rPr lang="en-US" sz="1400" dirty="0">
+                <a:solidFill>
+                  <a:schemeClr val="accent2"/>
+                </a:solidFill>
+                <a:latin typeface="Courier New" pitchFamily="49" charset="0"/>
+                <a:cs typeface="Courier New" pitchFamily="49" charset="0"/>
+              </a:rPr>
+              <a:t>m</a:t>
+            </a:r>
+            <a:r>
+              <a:rPr lang="en-US" sz="1400" dirty="0" smtClean="0">
+                <a:solidFill>
+                  <a:schemeClr val="accent2"/>
+                </a:solidFill>
+                <a:latin typeface="Courier New" pitchFamily="49" charset="0"/>
+                <a:cs typeface="Courier New" pitchFamily="49" charset="0"/>
+              </a:rPr>
+              <a:t>ultiplication:</a:t>
+            </a:r>
+          </a:p>
+          <a:p>
+            <a:pPr marL="0" indent="0">
+              <a:buNone/>
+            </a:pPr>
+            <a:r>
+              <a:rPr lang="en-US" sz="1400" dirty="0">
+                <a:solidFill>
+                  <a:schemeClr val="accent2"/>
+                </a:solidFill>
+                <a:latin typeface="Courier New" pitchFamily="49" charset="0"/>
+                <a:cs typeface="Courier New" pitchFamily="49" charset="0"/>
+              </a:rPr>
+              <a:t> </a:t>
+            </a:r>
+            <a:r>
+              <a:rPr lang="en-US" sz="1400" dirty="0" smtClean="0">
+                <a:solidFill>
+                  <a:schemeClr val="accent2"/>
+                </a:solidFill>
+                <a:latin typeface="Courier New" pitchFamily="49" charset="0"/>
+                <a:cs typeface="Courier New" pitchFamily="49" charset="0"/>
+              </a:rPr>
+              <a:t>   …  </a:t>
+            </a:r>
+            <a:r>
+              <a:rPr lang="en-US" sz="1400" dirty="0" smtClean="0">
+                <a:solidFill>
+                  <a:srgbClr val="00B050"/>
+                </a:solidFill>
+                <a:latin typeface="Courier New" pitchFamily="49" charset="0"/>
+                <a:cs typeface="Courier New" pitchFamily="49" charset="0"/>
+              </a:rPr>
+              <a:t>; code here</a:t>
+            </a:r>
+            <a:endParaRPr lang="en-US" sz="1400" dirty="0" smtClean="0">
+              <a:solidFill>
+                <a:srgbClr val="00B050"/>
+              </a:solidFill>
+              <a:latin typeface="Courier New" pitchFamily="49" charset="0"/>
+              <a:cs typeface="Courier New" pitchFamily="49" charset="0"/>
+            </a:endParaRPr>
+          </a:p>
+        </p:txBody>
+      </p:sp>
+      <p:sp>
+        <p:nvSpPr>
+          <p:cNvPr id="4" name="Right Brace 3"/>
+          <p:cNvSpPr/>
+          <p:nvPr/>
+        </p:nvSpPr>
+        <p:spPr bwMode="auto">
+          <a:xfrm>
+            <a:off x="3026980" y="3902402"/>
+            <a:ext cx="512379" cy="2372711"/>
+          </a:xfrm>
+          <a:prstGeom prst="rightBrace">
+            <a:avLst/>
+          </a:prstGeom>
+          <a:noFill/>
+          <a:ln w="12700" cap="flat" cmpd="sng" algn="ctr">
+            <a:solidFill>
+              <a:schemeClr val="tx1"/>
+            </a:solidFill>
+            <a:prstDash val="solid"/>
+            <a:round/>
+            <a:headEnd type="none" w="med" len="med"/>
+            <a:tailEnd type="none" w="med" len="med"/>
+          </a:ln>
+          <a:effectLst/>
+        </p:spPr>
+        <p:txBody>
+          <a:bodyPr vert="horz" wrap="square" lIns="91440" tIns="45720" rIns="91440" bIns="45720" numCol="1" rtlCol="0" anchor="t" anchorCtr="0" compatLnSpc="1">
+            <a:prstTxWarp prst="textNoShape">
+              <a:avLst/>
+            </a:prstTxWarp>
+          </a:bodyPr>
+          <a:lstStyle/>
+          <a:p>
+            <a:pPr marL="0" marR="0" indent="0" algn="ctr" defTabSz="914400" rtl="0" eaLnBrk="0" fontAlgn="base" latinLnBrk="0" hangingPunct="0">
+              <a:lnSpc>
+                <a:spcPct val="100000"/>
+              </a:lnSpc>
+              <a:spcBef>
+                <a:spcPct val="0"/>
+              </a:spcBef>
+              <a:spcAft>
+                <a:spcPct val="0"/>
+              </a:spcAft>
+              <a:buClrTx/>
+              <a:buSzTx/>
+              <a:buFontTx/>
+              <a:buNone/>
+              <a:tabLst/>
+            </a:pPr>
+            <a:endParaRPr kumimoji="0" lang="en-US" sz="1600" b="0" i="0" u="none" strike="noStrike" cap="none" normalizeH="0" baseline="0" smtClean="0">
+              <a:ln>
+                <a:noFill/>
+              </a:ln>
+              <a:solidFill>
+                <a:schemeClr val="tx1"/>
+              </a:solidFill>
+              <a:effectLst/>
+              <a:latin typeface="Arial" charset="0"/>
+            </a:endParaRPr>
+          </a:p>
+        </p:txBody>
+      </p:sp>
+      <p:sp>
+        <p:nvSpPr>
+          <p:cNvPr id="5" name="TextBox 4"/>
+          <p:cNvSpPr txBox="1"/>
+          <p:nvPr/>
+        </p:nvSpPr>
+        <p:spPr>
+          <a:xfrm>
+            <a:off x="3756923" y="4488592"/>
+            <a:ext cx="4895193" cy="1200329"/>
+          </a:xfrm>
+          <a:prstGeom prst="rect">
+            <a:avLst/>
+          </a:prstGeom>
+          <a:noFill/>
+        </p:spPr>
+        <p:txBody>
+          <a:bodyPr wrap="square" rtlCol="0">
+            <a:spAutoFit/>
+          </a:bodyPr>
+          <a:lstStyle/>
+          <a:p>
+            <a:r>
+              <a:rPr lang="en-US" dirty="0" smtClean="0"/>
+              <a:t>You could write an entire library of functions and use them in different projects (once they are tested)</a:t>
+            </a:r>
+            <a:endParaRPr lang="en-US" dirty="0"/>
+          </a:p>
+        </p:txBody>
+      </p:sp>
+      <p:sp>
+        <p:nvSpPr>
+          <p:cNvPr id="6" name="Rectangular Callout 5"/>
+          <p:cNvSpPr/>
+          <p:nvPr/>
+        </p:nvSpPr>
+        <p:spPr bwMode="auto">
+          <a:xfrm>
+            <a:off x="4158943" y="1994338"/>
+            <a:ext cx="2888243" cy="890752"/>
+          </a:xfrm>
+          <a:prstGeom prst="wedgeRectCallout">
+            <a:avLst>
+              <a:gd name="adj1" fmla="val -101964"/>
+              <a:gd name="adj2" fmla="val -1355"/>
+            </a:avLst>
+          </a:prstGeom>
+          <a:solidFill>
+            <a:srgbClr val="FFFF00"/>
+          </a:solidFill>
+          <a:ln w="12700" cap="flat" cmpd="sng" algn="ctr">
+            <a:solidFill>
+              <a:schemeClr val="accent6">
+                <a:lumMod val="40000"/>
+                <a:lumOff val="60000"/>
+              </a:schemeClr>
+            </a:solidFill>
+            <a:prstDash val="solid"/>
+            <a:round/>
+            <a:headEnd type="none" w="med" len="med"/>
+            <a:tailEnd type="none" w="med" len="med"/>
+          </a:ln>
+          <a:effectLst/>
+        </p:spPr>
+        <p:txBody>
+          <a:bodyPr vert="horz" wrap="square" lIns="91440" tIns="45720" rIns="91440" bIns="45720" numCol="1" rtlCol="0" anchor="ctr" anchorCtr="0" compatLnSpc="1">
+            <a:prstTxWarp prst="textNoShape">
+              <a:avLst/>
+            </a:prstTxWarp>
+          </a:bodyPr>
+          <a:lstStyle/>
+          <a:p>
+            <a:pPr marL="0" marR="0" indent="0" algn="ctr" defTabSz="914400" rtl="0" eaLnBrk="0" fontAlgn="base" latinLnBrk="0" hangingPunct="0">
+              <a:lnSpc>
+                <a:spcPct val="100000"/>
+              </a:lnSpc>
+              <a:spcBef>
+                <a:spcPct val="0"/>
+              </a:spcBef>
+              <a:spcAft>
+                <a:spcPct val="0"/>
+              </a:spcAft>
+              <a:buClrTx/>
+              <a:buSzTx/>
+              <a:buFontTx/>
+              <a:buNone/>
+              <a:tabLst/>
+            </a:pPr>
+            <a:r>
+              <a:rPr kumimoji="0" lang="en-US" sz="1600" b="0" i="0" u="none" strike="noStrike" cap="none" normalizeH="0" baseline="0" dirty="0" smtClean="0">
+                <a:ln>
+                  <a:noFill/>
+                </a:ln>
+                <a:effectLst/>
+                <a:latin typeface="Arial" charset="0"/>
+              </a:rPr>
+              <a:t>Here we are only using</a:t>
+            </a:r>
+            <a:r>
+              <a:rPr kumimoji="0" lang="en-US" sz="1600" b="0" i="0" u="none" strike="noStrike" cap="none" normalizeH="0" dirty="0" smtClean="0">
+                <a:ln>
+                  <a:noFill/>
+                </a:ln>
+                <a:effectLst/>
+                <a:latin typeface="Arial" charset="0"/>
+              </a:rPr>
+              <a:t> the addition subroutine right now.</a:t>
+            </a:r>
+            <a:endParaRPr kumimoji="0" lang="en-US" sz="1600" b="0" i="0" u="none" strike="noStrike" cap="none" normalizeH="0" baseline="0" dirty="0" smtClean="0">
+              <a:ln>
+                <a:noFill/>
+              </a:ln>
+              <a:effectLst/>
+              <a:latin typeface="Arial" charset="0"/>
+            </a:endParaRPr>
+          </a:p>
+        </p:txBody>
+      </p:sp>
+    </p:spTree>
+    <p:extLst>
+      <p:ext uri="{BB962C8B-B14F-4D97-AF65-F5344CB8AC3E}">
+        <p14:creationId xmlns:p14="http://schemas.microsoft.com/office/powerpoint/2010/main" val="3055694008"/>
       </p:ext>
     </p:extLst>
   </p:cSld>
@@ -17674,7 +18341,7 @@
           <a:p>
             <a:r>
               <a:rPr lang="en-US" b="1" dirty="0" smtClean="0"/>
-              <a:t>Example Subroutine</a:t>
+              <a:t>Arguments</a:t>
             </a:r>
             <a:endParaRPr lang="en-US" dirty="0"/>
           </a:p>
@@ -17692,323 +18359,241 @@
         </p:nvSpPr>
         <p:spPr>
           <a:xfrm>
-            <a:off x="2191110" y="1483743"/>
-            <a:ext cx="8621400" cy="4773150"/>
+            <a:off x="517928" y="1592133"/>
+            <a:ext cx="8003334" cy="4724400"/>
           </a:xfrm>
         </p:spPr>
         <p:txBody>
           <a:bodyPr/>
           <a:lstStyle/>
           <a:p>
-            <a:pPr marL="0" indent="0">
-              <a:buNone/>
-            </a:pPr>
-            <a:r>
-              <a:rPr lang="en-US" sz="1400" dirty="0">
+            <a:r>
+              <a:rPr lang="en-US" sz="2000" dirty="0" smtClean="0">
                 <a:solidFill>
                   <a:schemeClr val="accent2"/>
                 </a:solidFill>
-                <a:latin typeface="Courier New" pitchFamily="49" charset="0"/>
-                <a:cs typeface="Courier New" pitchFamily="49" charset="0"/>
-              </a:rPr>
-              <a:t>main:</a:t>
-            </a:r>
-          </a:p>
-          <a:p>
-            <a:pPr marL="0" indent="0">
-              <a:buNone/>
-            </a:pPr>
-            <a:r>
-              <a:rPr lang="en-US" sz="1400" dirty="0">
-                <a:solidFill>
-                  <a:schemeClr val="accent2"/>
-                </a:solidFill>
-                <a:latin typeface="Courier New" pitchFamily="49" charset="0"/>
-                <a:cs typeface="Courier New" pitchFamily="49" charset="0"/>
-              </a:rPr>
-              <a:t>    </a:t>
-            </a:r>
-            <a:r>
-              <a:rPr lang="en-US" sz="1400" dirty="0" err="1">
-                <a:solidFill>
-                  <a:schemeClr val="accent2"/>
-                </a:solidFill>
-                <a:latin typeface="Courier New" pitchFamily="49" charset="0"/>
-                <a:cs typeface="Courier New" pitchFamily="49" charset="0"/>
-              </a:rPr>
-              <a:t>mov.w</a:t>
-            </a:r>
-            <a:r>
-              <a:rPr lang="en-US" sz="1400" dirty="0">
-                <a:solidFill>
-                  <a:schemeClr val="accent2"/>
-                </a:solidFill>
-                <a:latin typeface="Courier New" pitchFamily="49" charset="0"/>
-                <a:cs typeface="Courier New" pitchFamily="49" charset="0"/>
-              </a:rPr>
-              <a:t>   #2, r10</a:t>
-            </a:r>
-          </a:p>
-          <a:p>
-            <a:pPr marL="0" indent="0">
-              <a:buNone/>
-            </a:pPr>
-            <a:r>
-              <a:rPr lang="en-US" sz="1400" dirty="0">
-                <a:solidFill>
-                  <a:schemeClr val="accent2"/>
-                </a:solidFill>
-                <a:latin typeface="Courier New" pitchFamily="49" charset="0"/>
-                <a:cs typeface="Courier New" pitchFamily="49" charset="0"/>
-              </a:rPr>
-              <a:t>    </a:t>
-            </a:r>
-            <a:r>
-              <a:rPr lang="en-US" sz="1400" dirty="0" err="1">
-                <a:solidFill>
-                  <a:schemeClr val="accent2"/>
-                </a:solidFill>
-                <a:latin typeface="Courier New" pitchFamily="49" charset="0"/>
-                <a:cs typeface="Courier New" pitchFamily="49" charset="0"/>
-              </a:rPr>
-              <a:t>mov.w</a:t>
-            </a:r>
-            <a:r>
-              <a:rPr lang="en-US" sz="1400" dirty="0">
-                <a:solidFill>
-                  <a:schemeClr val="accent2"/>
-                </a:solidFill>
-                <a:latin typeface="Courier New" pitchFamily="49" charset="0"/>
-                <a:cs typeface="Courier New" pitchFamily="49" charset="0"/>
-              </a:rPr>
-              <a:t>   #4, r11</a:t>
-            </a:r>
-          </a:p>
-          <a:p>
-            <a:pPr marL="0" indent="0">
-              <a:buNone/>
-            </a:pPr>
-            <a:r>
-              <a:rPr lang="en-US" sz="1400" dirty="0">
-                <a:solidFill>
-                  <a:schemeClr val="accent2"/>
-                </a:solidFill>
-                <a:latin typeface="Courier New" pitchFamily="49" charset="0"/>
-                <a:cs typeface="Courier New" pitchFamily="49" charset="0"/>
-              </a:rPr>
-              <a:t>    call    #addition</a:t>
-            </a:r>
-          </a:p>
-          <a:p>
-            <a:pPr marL="0" indent="0">
-              <a:buNone/>
-            </a:pPr>
-            <a:r>
-              <a:rPr lang="en-US" sz="1400" dirty="0">
-                <a:solidFill>
-                  <a:schemeClr val="accent2"/>
-                </a:solidFill>
-                <a:latin typeface="Courier New" pitchFamily="49" charset="0"/>
-                <a:cs typeface="Courier New" pitchFamily="49" charset="0"/>
-              </a:rPr>
-              <a:t>    </a:t>
-            </a:r>
-            <a:r>
-              <a:rPr lang="en-US" sz="1400" dirty="0" err="1">
-                <a:solidFill>
-                  <a:schemeClr val="accent2"/>
-                </a:solidFill>
-                <a:latin typeface="Courier New" pitchFamily="49" charset="0"/>
-                <a:cs typeface="Courier New" pitchFamily="49" charset="0"/>
-              </a:rPr>
-              <a:t>nop</a:t>
-            </a:r>
-            <a:endParaRPr lang="en-US" sz="1400" dirty="0">
+              </a:rPr>
+              <a:t>Arguments are the parameters (or data) passed to and from a subroutine</a:t>
+            </a:r>
+            <a:endParaRPr lang="en-US" sz="2000" dirty="0">
               <a:solidFill>
                 <a:schemeClr val="accent2"/>
               </a:solidFill>
+            </a:endParaRPr>
+          </a:p>
+          <a:p>
+            <a:pPr marL="457200" lvl="1" indent="0">
+              <a:buNone/>
+            </a:pPr>
+            <a:r>
+              <a:rPr lang="en-US" sz="1400" dirty="0">
+                <a:latin typeface="Courier New" pitchFamily="49" charset="0"/>
+                <a:cs typeface="Courier New" pitchFamily="49" charset="0"/>
+              </a:rPr>
+              <a:t>;---------------------------------------------------</a:t>
+            </a:r>
+          </a:p>
+          <a:p>
+            <a:pPr marL="457200" lvl="1" indent="0">
+              <a:buNone/>
+            </a:pPr>
+            <a:r>
+              <a:rPr lang="en-US" sz="1400" dirty="0" smtClean="0">
+                <a:latin typeface="Courier New" pitchFamily="49" charset="0"/>
+                <a:cs typeface="Courier New" pitchFamily="49" charset="0"/>
+              </a:rPr>
+              <a:t>; Function</a:t>
+            </a:r>
+            <a:r>
+              <a:rPr lang="en-US" sz="1400" dirty="0">
+                <a:latin typeface="Courier New" pitchFamily="49" charset="0"/>
+                <a:cs typeface="Courier New" pitchFamily="49" charset="0"/>
+              </a:rPr>
+              <a:t>: Adds two numbers</a:t>
+            </a:r>
+          </a:p>
+          <a:p>
+            <a:pPr marL="457200" lvl="1" indent="0">
+              <a:buNone/>
+            </a:pPr>
+            <a:r>
+              <a:rPr lang="en-US" sz="1400" dirty="0" smtClean="0">
+                <a:latin typeface="Courier New" pitchFamily="49" charset="0"/>
+                <a:cs typeface="Courier New" pitchFamily="49" charset="0"/>
+              </a:rPr>
+              <a:t>; Inputs</a:t>
+            </a:r>
+            <a:r>
+              <a:rPr lang="en-US" sz="1400" dirty="0">
+                <a:latin typeface="Courier New" pitchFamily="49" charset="0"/>
+                <a:cs typeface="Courier New" pitchFamily="49" charset="0"/>
+              </a:rPr>
+              <a:t>: </a:t>
+            </a:r>
+            <a:r>
+              <a:rPr lang="en-US" sz="1400" dirty="0" smtClean="0">
+                <a:latin typeface="Courier New" pitchFamily="49" charset="0"/>
+                <a:cs typeface="Courier New" pitchFamily="49" charset="0"/>
+              </a:rPr>
+              <a:t>Op1 (r10), Op2 (r11)</a:t>
+            </a:r>
+            <a:endParaRPr lang="en-US" sz="1400" dirty="0">
               <a:latin typeface="Courier New" pitchFamily="49" charset="0"/>
               <a:cs typeface="Courier New" pitchFamily="49" charset="0"/>
             </a:endParaRPr>
           </a:p>
           <a:p>
-            <a:pPr marL="0" indent="0">
-              <a:buNone/>
-            </a:pPr>
-            <a:r>
-              <a:rPr lang="en-US" sz="1400" dirty="0">
-                <a:solidFill>
-                  <a:schemeClr val="accent2"/>
-                </a:solidFill>
+            <a:pPr marL="457200" lvl="1" indent="0">
+              <a:buNone/>
+            </a:pPr>
+            <a:r>
+              <a:rPr lang="en-US" sz="1400" dirty="0" smtClean="0">
                 <a:latin typeface="Courier New" pitchFamily="49" charset="0"/>
                 <a:cs typeface="Courier New" pitchFamily="49" charset="0"/>
               </a:rPr>
-              <a:t>    </a:t>
-            </a:r>
-            <a:r>
-              <a:rPr lang="en-US" sz="1400" dirty="0" err="1">
-                <a:solidFill>
-                  <a:schemeClr val="accent2"/>
-                </a:solidFill>
+              <a:t>; Outputs</a:t>
+            </a:r>
+            <a:r>
+              <a:rPr lang="en-US" sz="1400" dirty="0">
                 <a:latin typeface="Courier New" pitchFamily="49" charset="0"/>
                 <a:cs typeface="Courier New" pitchFamily="49" charset="0"/>
               </a:rPr>
-              <a:t>nop</a:t>
+              <a:t>: result </a:t>
+            </a:r>
+            <a:r>
+              <a:rPr lang="en-US" sz="1400" dirty="0" smtClean="0">
+                <a:latin typeface="Courier New" pitchFamily="49" charset="0"/>
+                <a:cs typeface="Courier New" pitchFamily="49" charset="0"/>
+              </a:rPr>
+              <a:t>(r11)</a:t>
             </a:r>
             <a:endParaRPr lang="en-US" sz="1400" dirty="0">
+              <a:latin typeface="Courier New" pitchFamily="49" charset="0"/>
+              <a:cs typeface="Courier New" pitchFamily="49" charset="0"/>
+            </a:endParaRPr>
+          </a:p>
+          <a:p>
+            <a:pPr marL="457200" lvl="1" indent="0">
+              <a:buNone/>
+            </a:pPr>
+            <a:r>
+              <a:rPr lang="en-US" sz="1400" dirty="0" smtClean="0">
+                <a:latin typeface="Courier New" pitchFamily="49" charset="0"/>
+                <a:cs typeface="Courier New" pitchFamily="49" charset="0"/>
+              </a:rPr>
+              <a:t>; </a:t>
+            </a:r>
+            <a:r>
+              <a:rPr lang="en-US" sz="1400" dirty="0" smtClean="0">
+                <a:solidFill>
+                  <a:srgbClr val="FF0000"/>
+                </a:solidFill>
+                <a:latin typeface="Courier New" pitchFamily="49" charset="0"/>
+                <a:cs typeface="Courier New" pitchFamily="49" charset="0"/>
+              </a:rPr>
+              <a:t>Registers </a:t>
+            </a:r>
+            <a:r>
+              <a:rPr lang="en-US" sz="1400" dirty="0">
+                <a:solidFill>
+                  <a:srgbClr val="FF0000"/>
+                </a:solidFill>
+                <a:latin typeface="Courier New" pitchFamily="49" charset="0"/>
+                <a:cs typeface="Courier New" pitchFamily="49" charset="0"/>
+              </a:rPr>
+              <a:t>destroyed: r11</a:t>
+            </a:r>
+          </a:p>
+          <a:p>
+            <a:pPr marL="457200" lvl="1" indent="0">
+              <a:buNone/>
+            </a:pPr>
+            <a:r>
+              <a:rPr lang="en-US" sz="1400" dirty="0" smtClean="0">
+                <a:latin typeface="Courier New" pitchFamily="49" charset="0"/>
+                <a:cs typeface="Courier New" pitchFamily="49" charset="0"/>
+              </a:rPr>
+              <a:t>;---------------------------------------------------</a:t>
+            </a:r>
+            <a:endParaRPr lang="en-US" sz="1400" dirty="0">
+              <a:latin typeface="Courier New" pitchFamily="49" charset="0"/>
+              <a:cs typeface="Courier New" pitchFamily="49" charset="0"/>
+            </a:endParaRPr>
+          </a:p>
+          <a:p>
+            <a:pPr marL="457200" lvl="1" indent="0">
+              <a:buNone/>
+            </a:pPr>
+            <a:r>
+              <a:rPr lang="en-US" sz="1400" dirty="0">
+                <a:latin typeface="Courier New" pitchFamily="49" charset="0"/>
+                <a:cs typeface="Courier New" pitchFamily="49" charset="0"/>
+              </a:rPr>
+              <a:t>addition:</a:t>
+            </a:r>
+          </a:p>
+          <a:p>
+            <a:pPr marL="457200" lvl="1" indent="0">
+              <a:buNone/>
+            </a:pPr>
+            <a:r>
+              <a:rPr lang="en-US" sz="1400" dirty="0">
+                <a:latin typeface="Courier New" pitchFamily="49" charset="0"/>
+                <a:cs typeface="Courier New" pitchFamily="49" charset="0"/>
+              </a:rPr>
+              <a:t>    </a:t>
+            </a:r>
+            <a:r>
+              <a:rPr lang="en-US" sz="1400" dirty="0" err="1">
+                <a:latin typeface="Courier New" pitchFamily="49" charset="0"/>
+                <a:cs typeface="Courier New" pitchFamily="49" charset="0"/>
+              </a:rPr>
+              <a:t>add.w</a:t>
+            </a:r>
+            <a:r>
+              <a:rPr lang="en-US" sz="1400" dirty="0">
+                <a:latin typeface="Courier New" pitchFamily="49" charset="0"/>
+                <a:cs typeface="Courier New" pitchFamily="49" charset="0"/>
+              </a:rPr>
+              <a:t>   r10, r11 </a:t>
+            </a:r>
+          </a:p>
+          <a:p>
+            <a:pPr marL="457200" lvl="1" indent="0">
+              <a:buNone/>
+            </a:pPr>
+            <a:r>
+              <a:rPr lang="en-US" sz="1400" dirty="0">
+                <a:latin typeface="Courier New" pitchFamily="49" charset="0"/>
+                <a:cs typeface="Courier New" pitchFamily="49" charset="0"/>
+              </a:rPr>
+              <a:t>    ret</a:t>
+            </a:r>
+            <a:endParaRPr lang="en-US" sz="1400" dirty="0" smtClean="0">
+              <a:latin typeface="Courier New" pitchFamily="49" charset="0"/>
+              <a:cs typeface="Courier New" pitchFamily="49" charset="0"/>
+            </a:endParaRPr>
+          </a:p>
+          <a:p>
+            <a:pPr lvl="1"/>
+            <a:endParaRPr lang="en-US" sz="2000" dirty="0"/>
+          </a:p>
+          <a:p>
+            <a:r>
+              <a:rPr lang="en-US" sz="2000" dirty="0" smtClean="0">
+                <a:solidFill>
+                  <a:schemeClr val="accent2"/>
+                </a:solidFill>
+              </a:rPr>
+              <a:t>How could I avoid destroying registers used in a subroutine?</a:t>
+            </a:r>
+            <a:endParaRPr lang="en-US" sz="2000" dirty="0" smtClean="0"/>
+          </a:p>
+          <a:p>
+            <a:endParaRPr lang="en-US" sz="2000" dirty="0" smtClean="0">
               <a:solidFill>
                 <a:schemeClr val="accent2"/>
               </a:solidFill>
-              <a:latin typeface="Courier New" pitchFamily="49" charset="0"/>
-              <a:cs typeface="Courier New" pitchFamily="49" charset="0"/>
-            </a:endParaRPr>
-          </a:p>
-          <a:p>
-            <a:pPr marL="0" indent="0">
-              <a:buNone/>
-            </a:pPr>
-            <a:r>
-              <a:rPr lang="en-US" sz="1400" dirty="0">
-                <a:solidFill>
-                  <a:schemeClr val="accent2"/>
-                </a:solidFill>
-                <a:latin typeface="Courier New" pitchFamily="49" charset="0"/>
-                <a:cs typeface="Courier New" pitchFamily="49" charset="0"/>
-              </a:rPr>
-              <a:t>    </a:t>
-            </a:r>
-            <a:r>
-              <a:rPr lang="en-US" sz="1400" dirty="0" err="1">
-                <a:solidFill>
-                  <a:schemeClr val="accent2"/>
-                </a:solidFill>
-                <a:latin typeface="Courier New" pitchFamily="49" charset="0"/>
-                <a:cs typeface="Courier New" pitchFamily="49" charset="0"/>
-              </a:rPr>
-              <a:t>nop</a:t>
-            </a:r>
-            <a:endParaRPr lang="en-US" sz="1400" dirty="0">
-              <a:solidFill>
-                <a:schemeClr val="accent2"/>
-              </a:solidFill>
-              <a:latin typeface="Courier New" pitchFamily="49" charset="0"/>
-              <a:cs typeface="Courier New" pitchFamily="49" charset="0"/>
-            </a:endParaRPr>
-          </a:p>
-          <a:p>
-            <a:pPr marL="0" indent="0">
-              <a:buNone/>
-            </a:pPr>
-            <a:r>
-              <a:rPr lang="en-US" sz="1400" dirty="0">
-                <a:solidFill>
-                  <a:schemeClr val="accent2"/>
-                </a:solidFill>
-                <a:latin typeface="Courier New" pitchFamily="49" charset="0"/>
-                <a:cs typeface="Courier New" pitchFamily="49" charset="0"/>
-              </a:rPr>
-              <a:t>    </a:t>
-            </a:r>
-            <a:r>
-              <a:rPr lang="en-US" sz="1400" dirty="0" err="1">
-                <a:solidFill>
-                  <a:schemeClr val="accent2"/>
-                </a:solidFill>
-                <a:latin typeface="Courier New" pitchFamily="49" charset="0"/>
-                <a:cs typeface="Courier New" pitchFamily="49" charset="0"/>
-              </a:rPr>
-              <a:t>nop</a:t>
-            </a:r>
-            <a:endParaRPr lang="en-US" sz="1400" dirty="0">
-              <a:solidFill>
-                <a:schemeClr val="accent2"/>
-              </a:solidFill>
-              <a:latin typeface="Courier New" pitchFamily="49" charset="0"/>
-              <a:cs typeface="Courier New" pitchFamily="49" charset="0"/>
-            </a:endParaRPr>
-          </a:p>
-          <a:p>
-            <a:pPr marL="0" indent="0">
-              <a:buNone/>
-            </a:pPr>
-            <a:endParaRPr lang="en-US" sz="1400" dirty="0">
-              <a:solidFill>
-                <a:schemeClr val="accent2"/>
-              </a:solidFill>
-              <a:latin typeface="Courier New" pitchFamily="49" charset="0"/>
-              <a:cs typeface="Courier New" pitchFamily="49" charset="0"/>
-            </a:endParaRPr>
-          </a:p>
-          <a:p>
-            <a:pPr marL="0" indent="0">
-              <a:buNone/>
-            </a:pPr>
-            <a:r>
-              <a:rPr lang="en-US" sz="1400" dirty="0">
-                <a:solidFill>
-                  <a:schemeClr val="accent2"/>
-                </a:solidFill>
-                <a:latin typeface="Courier New" pitchFamily="49" charset="0"/>
-                <a:cs typeface="Courier New" pitchFamily="49" charset="0"/>
-              </a:rPr>
-              <a:t>addition:</a:t>
-            </a:r>
-          </a:p>
-          <a:p>
-            <a:pPr marL="0" indent="0">
-              <a:buNone/>
-            </a:pPr>
-            <a:r>
-              <a:rPr lang="en-US" sz="1400" dirty="0">
-                <a:solidFill>
-                  <a:schemeClr val="accent2"/>
-                </a:solidFill>
-                <a:latin typeface="Courier New" pitchFamily="49" charset="0"/>
-                <a:cs typeface="Courier New" pitchFamily="49" charset="0"/>
-              </a:rPr>
-              <a:t>    </a:t>
-            </a:r>
-            <a:r>
-              <a:rPr lang="en-US" sz="1400" dirty="0" err="1">
-                <a:solidFill>
-                  <a:schemeClr val="accent2"/>
-                </a:solidFill>
-                <a:latin typeface="Courier New" pitchFamily="49" charset="0"/>
-                <a:cs typeface="Courier New" pitchFamily="49" charset="0"/>
-              </a:rPr>
-              <a:t>add.w</a:t>
-            </a:r>
-            <a:r>
-              <a:rPr lang="en-US" sz="1400" dirty="0">
-                <a:solidFill>
-                  <a:schemeClr val="accent2"/>
-                </a:solidFill>
-                <a:latin typeface="Courier New" pitchFamily="49" charset="0"/>
-                <a:cs typeface="Courier New" pitchFamily="49" charset="0"/>
-              </a:rPr>
-              <a:t>   r10, r11 </a:t>
-            </a:r>
-          </a:p>
-          <a:p>
-            <a:pPr marL="0" indent="0">
-              <a:buNone/>
-            </a:pPr>
-            <a:r>
-              <a:rPr lang="en-US" sz="1400" dirty="0">
-                <a:solidFill>
-                  <a:schemeClr val="accent2"/>
-                </a:solidFill>
-                <a:latin typeface="Courier New" pitchFamily="49" charset="0"/>
-                <a:cs typeface="Courier New" pitchFamily="49" charset="0"/>
-              </a:rPr>
-              <a:t>    ret</a:t>
-            </a:r>
-            <a:endParaRPr lang="en-US" sz="1400" dirty="0" smtClean="0">
-              <a:solidFill>
-                <a:schemeClr val="accent2"/>
-              </a:solidFill>
-              <a:latin typeface="Courier New" pitchFamily="49" charset="0"/>
-              <a:cs typeface="Courier New" pitchFamily="49" charset="0"/>
             </a:endParaRPr>
           </a:p>
         </p:txBody>
@@ -18016,7 +18601,7 @@
     </p:spTree>
     <p:extLst>
       <p:ext uri="{BB962C8B-B14F-4D97-AF65-F5344CB8AC3E}">
-        <p14:creationId xmlns:p14="http://schemas.microsoft.com/office/powerpoint/2010/main" val="3055694008"/>
+        <p14:creationId xmlns:p14="http://schemas.microsoft.com/office/powerpoint/2010/main" val="3564922033"/>
       </p:ext>
     </p:extLst>
   </p:cSld>
@@ -18085,8 +18670,8 @@
         </p:nvSpPr>
         <p:spPr>
           <a:xfrm>
-            <a:off x="517928" y="1592133"/>
-            <a:ext cx="8003334" cy="4724400"/>
+            <a:off x="376038" y="1702494"/>
+            <a:ext cx="8493642" cy="4724400"/>
           </a:xfrm>
         </p:spPr>
         <p:txBody>
@@ -18099,7 +18684,7 @@
                   <a:schemeClr val="accent2"/>
                 </a:solidFill>
               </a:rPr>
-              <a:t>Arguments are the parameters (or data) passed to and from a subroutine</a:t>
+              <a:t>Use a stack to avoid destroying registers</a:t>
             </a:r>
             <a:endParaRPr lang="en-US" sz="2000" dirty="0">
               <a:solidFill>
@@ -18112,11 +18697,11 @@
               <a:buNone/>
             </a:pPr>
             <a:r>
-              <a:rPr lang="en-US" sz="1400" dirty="0">
+              <a:rPr lang="pt-BR" sz="1400" dirty="0">
                 <a:latin typeface="Courier New" pitchFamily="49" charset="0"/>
                 <a:cs typeface="Courier New" pitchFamily="49" charset="0"/>
               </a:rPr>
-              <a:t>;---------------------------------------------------</a:t>
+              <a:t>mySubroutine:</a:t>
             </a:r>
           </a:p>
           <a:p>
@@ -18124,46 +18709,33 @@
               <a:buNone/>
             </a:pPr>
             <a:r>
-              <a:rPr lang="en-US" sz="1400" dirty="0" smtClean="0">
+              <a:rPr lang="pt-BR" sz="1400" dirty="0">
                 <a:latin typeface="Courier New" pitchFamily="49" charset="0"/>
                 <a:cs typeface="Courier New" pitchFamily="49" charset="0"/>
               </a:rPr>
-              <a:t>; Function</a:t>
-            </a:r>
-            <a:r>
-              <a:rPr lang="en-US" sz="1400" dirty="0">
+              <a:t>    push.w  </a:t>
+            </a:r>
+            <a:r>
+              <a:rPr lang="pt-BR" sz="1400" dirty="0" smtClean="0">
                 <a:latin typeface="Courier New" pitchFamily="49" charset="0"/>
                 <a:cs typeface="Courier New" pitchFamily="49" charset="0"/>
               </a:rPr>
-              <a:t>: Adds two numbers</a:t>
-            </a:r>
-          </a:p>
-          <a:p>
-            <a:pPr marL="457200" lvl="1" indent="0">
-              <a:buNone/>
-            </a:pPr>
-            <a:r>
-              <a:rPr lang="en-US" sz="1400" dirty="0" smtClean="0">
+              <a:t>r5  </a:t>
+            </a:r>
+            <a:r>
+              <a:rPr lang="pt-BR" sz="1400" dirty="0" smtClean="0">
+                <a:solidFill>
+                  <a:srgbClr val="00B050"/>
+                </a:solidFill>
                 <a:latin typeface="Courier New" pitchFamily="49" charset="0"/>
                 <a:cs typeface="Courier New" pitchFamily="49" charset="0"/>
               </a:rPr>
-              <a:t>; Inputs</a:t>
-            </a:r>
-            <a:r>
-              <a:rPr lang="en-US" sz="1400" dirty="0">
-                <a:latin typeface="Courier New" pitchFamily="49" charset="0"/>
-                <a:cs typeface="Courier New" pitchFamily="49" charset="0"/>
-              </a:rPr>
-              <a:t>: </a:t>
-            </a:r>
-            <a:r>
-              <a:rPr lang="en-US" sz="1400" dirty="0" smtClean="0">
-                <a:latin typeface="Courier New" pitchFamily="49" charset="0"/>
-                <a:cs typeface="Courier New" pitchFamily="49" charset="0"/>
-              </a:rPr>
-              <a:t>Op1 (r10), Op2 (r11)</a:t>
-            </a:r>
-            <a:endParaRPr lang="en-US" sz="1400" dirty="0">
+              <a:t>; let’s save these registers</a:t>
+            </a:r>
+            <a:endParaRPr lang="pt-BR" sz="1400" dirty="0">
+              <a:solidFill>
+                <a:srgbClr val="00B050"/>
+              </a:solidFill>
               <a:latin typeface="Courier New" pitchFamily="49" charset="0"/>
               <a:cs typeface="Courier New" pitchFamily="49" charset="0"/>
             </a:endParaRPr>
@@ -18173,27 +18745,37 @@
               <a:buNone/>
             </a:pPr>
             <a:r>
-              <a:rPr lang="en-US" sz="1400" dirty="0" smtClean="0">
+              <a:rPr lang="pt-BR" sz="1400" dirty="0">
                 <a:latin typeface="Courier New" pitchFamily="49" charset="0"/>
                 <a:cs typeface="Courier New" pitchFamily="49" charset="0"/>
               </a:rPr>
-              <a:t>; Outputs</a:t>
-            </a:r>
-            <a:r>
-              <a:rPr lang="en-US" sz="1400" dirty="0">
+              <a:t>    push.w  r6</a:t>
+            </a:r>
+          </a:p>
+          <a:p>
+            <a:pPr marL="457200" lvl="1" indent="0">
+              <a:buNone/>
+            </a:pPr>
+            <a:r>
+              <a:rPr lang="pt-BR" sz="1400" dirty="0">
                 <a:latin typeface="Courier New" pitchFamily="49" charset="0"/>
                 <a:cs typeface="Courier New" pitchFamily="49" charset="0"/>
               </a:rPr>
-              <a:t>: result </a:t>
-            </a:r>
-            <a:r>
-              <a:rPr lang="en-US" sz="1400" dirty="0" smtClean="0">
+              <a:t>    push.w  </a:t>
+            </a:r>
+            <a:r>
+              <a:rPr lang="pt-BR" sz="1400" dirty="0" smtClean="0">
                 <a:latin typeface="Courier New" pitchFamily="49" charset="0"/>
                 <a:cs typeface="Courier New" pitchFamily="49" charset="0"/>
               </a:rPr>
-              <a:t>(r11)</a:t>
-            </a:r>
-            <a:endParaRPr lang="en-US" sz="1400" dirty="0">
+              <a:t>r7</a:t>
+            </a:r>
+          </a:p>
+          <a:p>
+            <a:pPr marL="457200" lvl="1" indent="0">
+              <a:buNone/>
+            </a:pPr>
+            <a:endParaRPr lang="pt-BR" sz="1400" dirty="0">
               <a:latin typeface="Courier New" pitchFamily="49" charset="0"/>
               <a:cs typeface="Courier New" pitchFamily="49" charset="0"/>
             </a:endParaRPr>
@@ -18203,45 +18785,28 @@
               <a:buNone/>
             </a:pPr>
             <a:r>
-              <a:rPr lang="en-US" sz="1400" dirty="0" smtClean="0">
+              <a:rPr lang="pt-BR" sz="1400" dirty="0" smtClean="0">
                 <a:latin typeface="Courier New" pitchFamily="49" charset="0"/>
                 <a:cs typeface="Courier New" pitchFamily="49" charset="0"/>
               </a:rPr>
-              <a:t>; </a:t>
-            </a:r>
-            <a:r>
-              <a:rPr lang="en-US" sz="1400" dirty="0" smtClean="0">
-                <a:solidFill>
-                  <a:srgbClr val="FF0000"/>
+              <a:t>    </a:t>
+            </a:r>
+            <a:r>
+              <a:rPr lang="pt-BR" sz="1400" dirty="0" smtClean="0">
+                <a:solidFill>
+                  <a:srgbClr val="00B050"/>
                 </a:solidFill>
                 <a:latin typeface="Courier New" pitchFamily="49" charset="0"/>
                 <a:cs typeface="Courier New" pitchFamily="49" charset="0"/>
               </a:rPr>
-              <a:t>Registers </a:t>
-            </a:r>
-            <a:r>
-              <a:rPr lang="en-US" sz="1400" dirty="0">
-                <a:solidFill>
-                  <a:srgbClr val="FF0000"/>
-                </a:solidFill>
-                <a:latin typeface="Courier New" pitchFamily="49" charset="0"/>
-                <a:cs typeface="Courier New" pitchFamily="49" charset="0"/>
-              </a:rPr>
-              <a:t>destroyed: r11</a:t>
+              <a:t>;... Do subroutine work here ....</a:t>
             </a:r>
           </a:p>
           <a:p>
             <a:pPr marL="457200" lvl="1" indent="0">
               <a:buNone/>
             </a:pPr>
-            <a:r>
-              <a:rPr lang="en-US" sz="1400" dirty="0" smtClean="0">
-                <a:latin typeface="Courier New" pitchFamily="49" charset="0"/>
-                <a:cs typeface="Courier New" pitchFamily="49" charset="0"/>
-              </a:rPr>
-              <a:t>;---------------------------------------------------</a:t>
-            </a:r>
-            <a:endParaRPr lang="en-US" sz="1400" dirty="0">
+            <a:endParaRPr lang="pt-BR" sz="1400" dirty="0">
               <a:latin typeface="Courier New" pitchFamily="49" charset="0"/>
               <a:cs typeface="Courier New" pitchFamily="49" charset="0"/>
             </a:endParaRPr>
@@ -18251,57 +18816,84 @@
               <a:buNone/>
             </a:pPr>
             <a:r>
-              <a:rPr lang="en-US" sz="1400" dirty="0">
+              <a:rPr lang="pt-BR" sz="1400" dirty="0">
                 <a:latin typeface="Courier New" pitchFamily="49" charset="0"/>
                 <a:cs typeface="Courier New" pitchFamily="49" charset="0"/>
               </a:rPr>
-              <a:t>addition:</a:t>
-            </a:r>
-          </a:p>
-          <a:p>
-            <a:pPr marL="457200" lvl="1" indent="0">
-              <a:buNone/>
-            </a:pPr>
-            <a:r>
-              <a:rPr lang="en-US" sz="1400" dirty="0">
+              <a:t>    pop.w   </a:t>
+            </a:r>
+            <a:r>
+              <a:rPr lang="pt-BR" sz="1400" dirty="0" smtClean="0">
                 <a:latin typeface="Courier New" pitchFamily="49" charset="0"/>
                 <a:cs typeface="Courier New" pitchFamily="49" charset="0"/>
               </a:rPr>
-              <a:t>    </a:t>
-            </a:r>
-            <a:r>
-              <a:rPr lang="en-US" sz="1400" dirty="0" err="1">
+              <a:t>r7  </a:t>
+            </a:r>
+            <a:r>
+              <a:rPr lang="pt-BR" sz="1400" dirty="0" smtClean="0">
+                <a:solidFill>
+                  <a:srgbClr val="00B050"/>
+                </a:solidFill>
                 <a:latin typeface="Courier New" pitchFamily="49" charset="0"/>
                 <a:cs typeface="Courier New" pitchFamily="49" charset="0"/>
               </a:rPr>
-              <a:t>add.w</a:t>
-            </a:r>
-            <a:r>
-              <a:rPr lang="en-US" sz="1400" dirty="0">
-                <a:latin typeface="Courier New" pitchFamily="49" charset="0"/>
-                <a:cs typeface="Courier New" pitchFamily="49" charset="0"/>
-              </a:rPr>
-              <a:t>   r10, r11 </a:t>
-            </a:r>
-          </a:p>
-          <a:p>
-            <a:pPr marL="457200" lvl="1" indent="0">
-              <a:buNone/>
-            </a:pPr>
-            <a:r>
-              <a:rPr lang="en-US" sz="1400" dirty="0">
-                <a:latin typeface="Courier New" pitchFamily="49" charset="0"/>
-                <a:cs typeface="Courier New" pitchFamily="49" charset="0"/>
-              </a:rPr>
-              <a:t>    ret</a:t>
-            </a:r>
-            <a:endParaRPr lang="en-US" sz="1400" dirty="0" smtClean="0">
+              <a:t>; all done, let’s restore them</a:t>
+            </a:r>
+            <a:endParaRPr lang="pt-BR" sz="1400" dirty="0">
+              <a:solidFill>
+                <a:srgbClr val="00B050"/>
+              </a:solidFill>
               <a:latin typeface="Courier New" pitchFamily="49" charset="0"/>
               <a:cs typeface="Courier New" pitchFamily="49" charset="0"/>
             </a:endParaRPr>
           </a:p>
           <a:p>
-            <a:pPr lvl="1"/>
+            <a:pPr marL="457200" lvl="1" indent="0">
+              <a:buNone/>
+            </a:pPr>
+            <a:r>
+              <a:rPr lang="pt-BR" sz="1400" dirty="0">
+                <a:latin typeface="Courier New" pitchFamily="49" charset="0"/>
+                <a:cs typeface="Courier New" pitchFamily="49" charset="0"/>
+              </a:rPr>
+              <a:t>    pop.w   r6</a:t>
+            </a:r>
+          </a:p>
+          <a:p>
+            <a:pPr marL="457200" lvl="1" indent="0">
+              <a:buNone/>
+            </a:pPr>
+            <a:r>
+              <a:rPr lang="pt-BR" sz="1400" dirty="0">
+                <a:latin typeface="Courier New" pitchFamily="49" charset="0"/>
+                <a:cs typeface="Courier New" pitchFamily="49" charset="0"/>
+              </a:rPr>
+              <a:t>    pop.w   r5</a:t>
+            </a:r>
+          </a:p>
+          <a:p>
+            <a:pPr marL="457200" lvl="1" indent="0">
+              <a:buNone/>
+            </a:pPr>
+            <a:r>
+              <a:rPr lang="pt-BR" sz="1400" dirty="0">
+                <a:latin typeface="Courier New" pitchFamily="49" charset="0"/>
+                <a:cs typeface="Courier New" pitchFamily="49" charset="0"/>
+              </a:rPr>
+              <a:t>    </a:t>
+            </a:r>
+            <a:r>
+              <a:rPr lang="pt-BR" sz="1400" dirty="0" smtClean="0">
+                <a:latin typeface="Courier New" pitchFamily="49" charset="0"/>
+                <a:cs typeface="Courier New" pitchFamily="49" charset="0"/>
+              </a:rPr>
+              <a:t>ret</a:t>
+            </a:r>
+          </a:p>
+          <a:p>
+            <a:pPr marL="457200" lvl="1" indent="0">
+              <a:buNone/>
+            </a:pPr>
             <a:endParaRPr lang="en-US" sz="2000" dirty="0"/>
           </a:p>
           <a:p>
@@ -18311,7 +18903,7 @@
                   <a:schemeClr val="accent2"/>
                 </a:solidFill>
               </a:rPr>
-              <a:t>How could I avoid destroying registers used in a subroutine?</a:t>
+              <a:t>What is Pass-by-Value and Pass-by-Reference?</a:t>
             </a:r>
             <a:endParaRPr lang="en-US" sz="2000" dirty="0" smtClean="0"/>
           </a:p>
@@ -18327,7 +18919,7 @@
     </p:spTree>
     <p:extLst>
       <p:ext uri="{BB962C8B-B14F-4D97-AF65-F5344CB8AC3E}">
-        <p14:creationId xmlns:p14="http://schemas.microsoft.com/office/powerpoint/2010/main" val="3564922033"/>
+        <p14:creationId xmlns:p14="http://schemas.microsoft.com/office/powerpoint/2010/main" val="235014974"/>
       </p:ext>
     </p:extLst>
   </p:cSld>
@@ -18396,7 +18988,7 @@
         </p:nvSpPr>
         <p:spPr>
           <a:xfrm>
-            <a:off x="376038" y="1702494"/>
+            <a:off x="376038" y="1592134"/>
             <a:ext cx="8493642" cy="4724400"/>
           </a:xfrm>
         </p:spPr>
@@ -18410,7 +19002,7 @@
                   <a:schemeClr val="accent2"/>
                 </a:solidFill>
               </a:rPr>
-              <a:t>Use a stack to avoid destroying registers</a:t>
+              <a:t>Pass-by-Value</a:t>
             </a:r>
             <a:endParaRPr lang="en-US" sz="2000" dirty="0">
               <a:solidFill>
@@ -18419,161 +19011,15 @@
             </a:endParaRPr>
           </a:p>
           <a:p>
-            <a:pPr marL="457200" lvl="1" indent="0">
-              <a:buNone/>
-            </a:pPr>
-            <a:r>
-              <a:rPr lang="pt-BR" sz="1400" dirty="0">
-                <a:latin typeface="Courier New" pitchFamily="49" charset="0"/>
-                <a:cs typeface="Courier New" pitchFamily="49" charset="0"/>
-              </a:rPr>
-              <a:t>mySubroutine:</a:t>
-            </a:r>
-          </a:p>
-          <a:p>
-            <a:pPr marL="457200" lvl="1" indent="0">
-              <a:buNone/>
-            </a:pPr>
-            <a:r>
-              <a:rPr lang="pt-BR" sz="1400" dirty="0">
-                <a:latin typeface="Courier New" pitchFamily="49" charset="0"/>
-                <a:cs typeface="Courier New" pitchFamily="49" charset="0"/>
-              </a:rPr>
-              <a:t>    push.w  r5</a:t>
-            </a:r>
-          </a:p>
-          <a:p>
-            <a:pPr marL="457200" lvl="1" indent="0">
-              <a:buNone/>
-            </a:pPr>
-            <a:r>
-              <a:rPr lang="pt-BR" sz="1400" dirty="0">
-                <a:latin typeface="Courier New" pitchFamily="49" charset="0"/>
-                <a:cs typeface="Courier New" pitchFamily="49" charset="0"/>
-              </a:rPr>
-              <a:t>    push.w  r6</a:t>
-            </a:r>
-          </a:p>
-          <a:p>
-            <a:pPr marL="457200" lvl="1" indent="0">
-              <a:buNone/>
-            </a:pPr>
-            <a:r>
-              <a:rPr lang="pt-BR" sz="1400" dirty="0">
-                <a:latin typeface="Courier New" pitchFamily="49" charset="0"/>
-                <a:cs typeface="Courier New" pitchFamily="49" charset="0"/>
-              </a:rPr>
-              <a:t>    push.w  </a:t>
-            </a:r>
-            <a:r>
-              <a:rPr lang="pt-BR" sz="1400" dirty="0" smtClean="0">
-                <a:latin typeface="Courier New" pitchFamily="49" charset="0"/>
-                <a:cs typeface="Courier New" pitchFamily="49" charset="0"/>
-              </a:rPr>
-              <a:t>r7</a:t>
-            </a:r>
-          </a:p>
-          <a:p>
-            <a:pPr marL="457200" lvl="1" indent="0">
-              <a:buNone/>
-            </a:pPr>
-            <a:endParaRPr lang="pt-BR" sz="1400" dirty="0">
-              <a:latin typeface="Courier New" pitchFamily="49" charset="0"/>
-              <a:cs typeface="Courier New" pitchFamily="49" charset="0"/>
-            </a:endParaRPr>
-          </a:p>
-          <a:p>
-            <a:pPr marL="457200" lvl="1" indent="0">
-              <a:buNone/>
-            </a:pPr>
-            <a:r>
-              <a:rPr lang="pt-BR" sz="1400" dirty="0" smtClean="0">
-                <a:latin typeface="Courier New" pitchFamily="49" charset="0"/>
-                <a:cs typeface="Courier New" pitchFamily="49" charset="0"/>
-              </a:rPr>
-              <a:t>    ;... Do subroutine work here ....</a:t>
-            </a:r>
-          </a:p>
-          <a:p>
-            <a:pPr marL="457200" lvl="1" indent="0">
-              <a:buNone/>
-            </a:pPr>
-            <a:endParaRPr lang="pt-BR" sz="1400" dirty="0">
-              <a:latin typeface="Courier New" pitchFamily="49" charset="0"/>
-              <a:cs typeface="Courier New" pitchFamily="49" charset="0"/>
-            </a:endParaRPr>
-          </a:p>
-          <a:p>
-            <a:pPr marL="457200" lvl="1" indent="0">
-              <a:buNone/>
-            </a:pPr>
-            <a:r>
-              <a:rPr lang="pt-BR" sz="1400" dirty="0">
-                <a:latin typeface="Courier New" pitchFamily="49" charset="0"/>
-                <a:cs typeface="Courier New" pitchFamily="49" charset="0"/>
-              </a:rPr>
-              <a:t>    pop.w   r7</a:t>
-            </a:r>
-          </a:p>
-          <a:p>
-            <a:pPr marL="457200" lvl="1" indent="0">
-              <a:buNone/>
-            </a:pPr>
-            <a:r>
-              <a:rPr lang="pt-BR" sz="1400" dirty="0">
-                <a:latin typeface="Courier New" pitchFamily="49" charset="0"/>
-                <a:cs typeface="Courier New" pitchFamily="49" charset="0"/>
-              </a:rPr>
-              <a:t>    pop.w   r6</a:t>
-            </a:r>
-          </a:p>
-          <a:p>
-            <a:pPr marL="457200" lvl="1" indent="0">
-              <a:buNone/>
-            </a:pPr>
-            <a:r>
-              <a:rPr lang="pt-BR" sz="1400" dirty="0">
-                <a:latin typeface="Courier New" pitchFamily="49" charset="0"/>
-                <a:cs typeface="Courier New" pitchFamily="49" charset="0"/>
-              </a:rPr>
-              <a:t>    pop.w   r5</a:t>
-            </a:r>
-          </a:p>
-          <a:p>
-            <a:pPr marL="457200" lvl="1" indent="0">
-              <a:buNone/>
-            </a:pPr>
-            <a:r>
-              <a:rPr lang="pt-BR" sz="1400" dirty="0">
-                <a:latin typeface="Courier New" pitchFamily="49" charset="0"/>
-                <a:cs typeface="Courier New" pitchFamily="49" charset="0"/>
-              </a:rPr>
-              <a:t>    </a:t>
-            </a:r>
-            <a:r>
-              <a:rPr lang="pt-BR" sz="1400" dirty="0" smtClean="0">
-                <a:latin typeface="Courier New" pitchFamily="49" charset="0"/>
-                <a:cs typeface="Courier New" pitchFamily="49" charset="0"/>
-              </a:rPr>
-              <a:t>ret</a:t>
-            </a:r>
-          </a:p>
-          <a:p>
-            <a:pPr marL="457200" lvl="1" indent="0">
-              <a:buNone/>
-            </a:pPr>
-            <a:endParaRPr lang="en-US" sz="2000" dirty="0"/>
-          </a:p>
-          <a:p>
-            <a:r>
-              <a:rPr lang="en-US" sz="2000" dirty="0" smtClean="0">
-                <a:solidFill>
-                  <a:schemeClr val="accent2"/>
-                </a:solidFill>
-              </a:rPr>
-              <a:t>What is Pass-by-Value and Pass-by-Reference?</a:t>
-            </a:r>
-            <a:endParaRPr lang="en-US" sz="2000" dirty="0" smtClean="0"/>
+            <a:pPr lvl="1"/>
+            <a:r>
+              <a:rPr lang="en-US" sz="2000" dirty="0"/>
+              <a:t>pass the actual values of the arguments to a </a:t>
+            </a:r>
+            <a:r>
+              <a:rPr lang="en-US" sz="2000" dirty="0" smtClean="0"/>
+              <a:t>subroutine</a:t>
+            </a:r>
           </a:p>
           <a:p>
             <a:endParaRPr lang="en-US" sz="2000" dirty="0" smtClean="0">
@@ -18582,12 +19028,79 @@
               </a:solidFill>
             </a:endParaRPr>
           </a:p>
+          <a:p>
+            <a:r>
+              <a:rPr lang="en-US" sz="2000" dirty="0" smtClean="0">
+                <a:solidFill>
+                  <a:schemeClr val="accent2"/>
+                </a:solidFill>
+              </a:rPr>
+              <a:t>Pass-by-Reference</a:t>
+            </a:r>
+            <a:endParaRPr lang="en-US" sz="2000" dirty="0">
+              <a:solidFill>
+                <a:schemeClr val="accent2"/>
+              </a:solidFill>
+            </a:endParaRPr>
+          </a:p>
+          <a:p>
+            <a:pPr lvl="1"/>
+            <a:r>
+              <a:rPr lang="en-US" sz="2000" dirty="0" smtClean="0"/>
+              <a:t>Pass the address of the argument to a subroutine</a:t>
+            </a:r>
+          </a:p>
+          <a:p>
+            <a:endParaRPr lang="en-US" sz="2200" dirty="0" smtClean="0">
+              <a:solidFill>
+                <a:schemeClr val="accent2"/>
+              </a:solidFill>
+            </a:endParaRPr>
+          </a:p>
+          <a:p>
+            <a:r>
+              <a:rPr lang="en-US" sz="2200" dirty="0" smtClean="0">
+                <a:solidFill>
+                  <a:schemeClr val="accent2"/>
+                </a:solidFill>
+              </a:rPr>
+              <a:t>Which did we do in the Addition subroutine?</a:t>
+            </a:r>
+          </a:p>
+          <a:p>
+            <a:r>
+              <a:rPr lang="en-US" sz="2200" dirty="0" smtClean="0">
+                <a:solidFill>
+                  <a:schemeClr val="accent2"/>
+                </a:solidFill>
+              </a:rPr>
+              <a:t>Which method can modify the original source data, and which can only modify a copy of the source data?</a:t>
+            </a:r>
+          </a:p>
+          <a:p>
+            <a:r>
+              <a:rPr lang="en-US" sz="2200" dirty="0" smtClean="0">
+                <a:solidFill>
+                  <a:schemeClr val="accent2"/>
+                </a:solidFill>
+              </a:rPr>
+              <a:t>Which is best if you are passing an array of 1000 values?</a:t>
+            </a:r>
+            <a:endParaRPr lang="en-US" sz="2200" dirty="0">
+              <a:solidFill>
+                <a:schemeClr val="accent2"/>
+              </a:solidFill>
+            </a:endParaRPr>
+          </a:p>
+          <a:p>
+            <a:endParaRPr lang="en-US" sz="2000" dirty="0"/>
+          </a:p>
         </p:txBody>
       </p:sp>
     </p:spTree>
     <p:extLst>
       <p:ext uri="{BB962C8B-B14F-4D97-AF65-F5344CB8AC3E}">
-        <p14:creationId xmlns:p14="http://schemas.microsoft.com/office/powerpoint/2010/main" val="235014974"/>
+        <p14:creationId xmlns:p14="http://schemas.microsoft.com/office/powerpoint/2010/main" val="2187222902"/>
       </p:ext>
     </p:extLst>
   </p:cSld>
@@ -18637,8 +19150,8 @@
           <a:lstStyle/>
           <a:p>
             <a:r>
-              <a:rPr lang="en-US" b="1" dirty="0" smtClean="0"/>
-              <a:t>Arguments</a:t>
+              <a:rPr lang="en-US" b="1" dirty="0"/>
+              <a:t>Key Subroutine Rules</a:t>
             </a:r>
             <a:endParaRPr lang="en-US" dirty="0"/>
           </a:p>
@@ -18656,8 +19169,8 @@
         </p:nvSpPr>
         <p:spPr>
           <a:xfrm>
-            <a:off x="376038" y="1592134"/>
-            <a:ext cx="8493642" cy="4724400"/>
+            <a:off x="497653" y="1592134"/>
+            <a:ext cx="8141850" cy="4724400"/>
           </a:xfrm>
         </p:spPr>
         <p:txBody>
@@ -18665,28 +19178,31 @@
           <a:lstStyle/>
           <a:p>
             <a:r>
+              <a:rPr lang="en-US" sz="2000" dirty="0">
+                <a:solidFill>
+                  <a:schemeClr val="accent2"/>
+                </a:solidFill>
+              </a:rPr>
+              <a:t>Always return from a subroutine</a:t>
+            </a:r>
+            <a:r>
               <a:rPr lang="en-US" sz="2000" dirty="0" smtClean="0">
                 <a:solidFill>
                   <a:schemeClr val="accent2"/>
                 </a:solidFill>
               </a:rPr>
-              <a:t>Pass-by-Value</a:t>
-            </a:r>
-            <a:endParaRPr lang="en-US" sz="2000" dirty="0">
-              <a:solidFill>
-                <a:schemeClr val="accent2"/>
-              </a:solidFill>
-            </a:endParaRPr>
+              <a:t>!</a:t>
+            </a:r>
           </a:p>
           <a:p>
             <a:pPr lvl="1"/>
             <a:r>
-              <a:rPr lang="en-US" sz="2000" dirty="0"/>
-              <a:t>pass the actual values of the arguments to a </a:t>
-            </a:r>
-            <a:r>
-              <a:rPr lang="en-US" sz="2000" dirty="0" smtClean="0"/>
-              <a:t>subroutine</a:t>
+              <a:rPr lang="en-US" sz="1600" dirty="0"/>
+              <a:t>should only return from one place in your subroutine</a:t>
+            </a:r>
+            <a:r>
+              <a:rPr lang="en-US" sz="1600" dirty="0" smtClean="0"/>
+              <a:t>.</a:t>
             </a:r>
           </a:p>
           <a:p>
@@ -18703,62 +19219,95 @@
                   <a:schemeClr val="accent2"/>
                 </a:solidFill>
               </a:rPr>
-              <a:t>Pass-by-Reference</a:t>
-            </a:r>
-            <a:endParaRPr lang="en-US" sz="2000" dirty="0">
+              <a:t>Subroutines </a:t>
+            </a:r>
+            <a:r>
+              <a:rPr lang="en-US" sz="2000" dirty="0">
+                <a:solidFill>
+                  <a:schemeClr val="accent2"/>
+                </a:solidFill>
+              </a:rPr>
+              <a:t>only receive information via registers</a:t>
+            </a:r>
+            <a:r>
+              <a:rPr lang="en-US" sz="2000" dirty="0" smtClean="0">
+                <a:solidFill>
+                  <a:schemeClr val="accent2"/>
+                </a:solidFill>
+              </a:rPr>
+              <a:t>!</a:t>
+            </a:r>
+          </a:p>
+          <a:p>
+            <a:pPr lvl="1"/>
+            <a:r>
+              <a:rPr lang="en-US" sz="1600" dirty="0"/>
+              <a:t>reusable </a:t>
+            </a:r>
+            <a:r>
+              <a:rPr lang="en-US" sz="1600" dirty="0" smtClean="0"/>
+              <a:t>for many </a:t>
+            </a:r>
+            <a:r>
+              <a:rPr lang="en-US" sz="1600" dirty="0"/>
+              <a:t>different </a:t>
+            </a:r>
+            <a:r>
+              <a:rPr lang="en-US" sz="1600" dirty="0" smtClean="0"/>
+              <a:t>programs</a:t>
+            </a:r>
+          </a:p>
+          <a:p>
+            <a:pPr lvl="1"/>
+            <a:r>
+              <a:rPr lang="en-US" sz="1600" dirty="0"/>
+              <a:t>should not rely on specific label </a:t>
+            </a:r>
+            <a:r>
+              <a:rPr lang="en-US" sz="1600" dirty="0" smtClean="0"/>
+              <a:t>names for arguments (what about ports?)</a:t>
+            </a:r>
+          </a:p>
+          <a:p>
+            <a:pPr lvl="1"/>
+            <a:r>
+              <a:rPr lang="en-US" sz="1600" dirty="0" smtClean="0"/>
+              <a:t>Can we use the Stack to pass arguments?</a:t>
+            </a:r>
+            <a:endParaRPr lang="en-US" sz="1600" dirty="0"/>
+          </a:p>
+          <a:p>
+            <a:endParaRPr lang="en-US" sz="2400" dirty="0" smtClean="0">
               <a:solidFill>
                 <a:schemeClr val="accent2"/>
               </a:solidFill>
             </a:endParaRPr>
           </a:p>
           <a:p>
-            <a:pPr lvl="1"/>
-            <a:r>
-              <a:rPr lang="en-US" sz="2000" dirty="0" smtClean="0"/>
-              <a:t>Pass the address of the argument to a subroutine</a:t>
-            </a:r>
-          </a:p>
-          <a:p>
-            <a:endParaRPr lang="en-US" sz="2200" dirty="0" smtClean="0">
-              <a:solidFill>
-                <a:schemeClr val="accent2"/>
-              </a:solidFill>
-            </a:endParaRPr>
-          </a:p>
-          <a:p>
-            <a:r>
-              <a:rPr lang="en-US" sz="2200" dirty="0" smtClean="0">
+            <a:r>
+              <a:rPr lang="en-US" sz="2400" dirty="0" smtClean="0">
                 <a:solidFill>
                   <a:schemeClr val="accent2"/>
                 </a:solidFill>
               </a:rPr>
-              <a:t>Which did we do in the Addition subroutine?</a:t>
-            </a:r>
-          </a:p>
-          <a:p>
-            <a:r>
-              <a:rPr lang="en-US" sz="2200" dirty="0" smtClean="0">
+              <a:t>Subroutines </a:t>
+            </a:r>
+            <a:r>
+              <a:rPr lang="en-US" sz="2400" dirty="0">
                 <a:solidFill>
                   <a:schemeClr val="accent2"/>
                 </a:solidFill>
               </a:rPr>
-              <a:t>Which method can modify the original source data, and which can only modify a copy of the source data?</a:t>
-            </a:r>
-          </a:p>
-          <a:p>
-            <a:r>
-              <a:rPr lang="en-US" sz="2200" dirty="0" smtClean="0">
+              <a:t>should be reusable</a:t>
+            </a:r>
+            <a:r>
+              <a:rPr lang="en-US" sz="2400" dirty="0" smtClean="0">
                 <a:solidFill>
                   <a:schemeClr val="accent2"/>
                 </a:solidFill>
               </a:rPr>
-              <a:t>Which is best if you are passing an array of 1000 values?</a:t>
-            </a:r>
-            <a:endParaRPr lang="en-US" sz="2200" dirty="0">
-              <a:solidFill>
-                <a:schemeClr val="accent2"/>
-              </a:solidFill>
-            </a:endParaRPr>
+              <a:t>!</a:t>
+            </a:r>
           </a:p>
           <a:p>
             <a:endParaRPr lang="en-US" sz="2000" dirty="0"/>
@@ -18768,7 +19317,7 @@
     </p:spTree>
     <p:extLst>
       <p:ext uri="{BB962C8B-B14F-4D97-AF65-F5344CB8AC3E}">
-        <p14:creationId xmlns:p14="http://schemas.microsoft.com/office/powerpoint/2010/main" val="2187222902"/>
+        <p14:creationId xmlns:p14="http://schemas.microsoft.com/office/powerpoint/2010/main" val="4036797949"/>
       </p:ext>
     </p:extLst>
   </p:cSld>
@@ -18873,8 +19422,28 @@
           <a:p>
             <a:pPr lvl="1"/>
             <a:r>
+              <a:rPr lang="en-US" sz="2000" dirty="0">
+                <a:solidFill>
+                  <a:srgbClr val="FF0000"/>
+                </a:solidFill>
+              </a:rPr>
+              <a:t>Push</a:t>
+            </a:r>
+            <a:r>
               <a:rPr lang="en-US" sz="2000" dirty="0"/>
-              <a:t>Push and Pop are our two operations for dealing with the </a:t>
+              <a:t> and </a:t>
+            </a:r>
+            <a:r>
+              <a:rPr lang="en-US" sz="2000" dirty="0">
+                <a:solidFill>
+                  <a:srgbClr val="FF0000"/>
+                </a:solidFill>
+              </a:rPr>
+              <a:t>Pop</a:t>
+            </a:r>
+            <a:r>
+              <a:rPr lang="en-US" sz="2000" dirty="0"/>
+              <a:t> are our two operations for dealing with the </a:t>
             </a:r>
             <a:r>
               <a:rPr lang="en-US" sz="2000" dirty="0" smtClean="0"/>
@@ -19025,723 +19594,6 @@
 </file>
 
 <file path=ppt/slides/slide30.xml><?xml version="1.0" encoding="utf-8"?>
-<p:sld xmlns:a="http://schemas.openxmlformats.org/drawingml/2006/main" xmlns:r="http://schemas.openxmlformats.org/officeDocument/2006/relationships" xmlns:p="http://schemas.openxmlformats.org/presentationml/2006/main">
-  <p:cSld>
-    <p:spTree>
-      <p:nvGrpSpPr>
-        <p:cNvPr id="1" name=""/>
-        <p:cNvGrpSpPr/>
-        <p:nvPr/>
-      </p:nvGrpSpPr>
-      <p:grpSpPr>
-        <a:xfrm>
-          <a:off x="0" y="0"/>
-          <a:ext cx="0" cy="0"/>
-          <a:chOff x="0" y="0"/>
-          <a:chExt cx="0" cy="0"/>
-        </a:xfrm>
-      </p:grpSpPr>
-      <p:sp>
-        <p:nvSpPr>
-          <p:cNvPr id="2" name="Title 1"/>
-          <p:cNvSpPr>
-            <a:spLocks noGrp="1"/>
-          </p:cNvSpPr>
-          <p:nvPr>
-            <p:ph type="title"/>
-          </p:nvPr>
-        </p:nvSpPr>
-        <p:spPr>
-          <a:xfrm>
-            <a:off x="685800" y="276687"/>
-            <a:ext cx="7772400" cy="457200"/>
-          </a:xfrm>
-        </p:spPr>
-        <p:txBody>
-          <a:bodyPr/>
-          <a:lstStyle/>
-          <a:p>
-            <a:r>
-              <a:rPr lang="en-US" b="1" dirty="0" smtClean="0"/>
-              <a:t>Example Subroutine</a:t>
-            </a:r>
-            <a:br>
-              <a:rPr lang="en-US" b="1" dirty="0" smtClean="0"/>
-            </a:br>
-            <a:r>
-              <a:rPr lang="en-US" b="1" dirty="0" smtClean="0"/>
-              <a:t>with pass-by-reference</a:t>
-            </a:r>
-            <a:endParaRPr lang="en-US" dirty="0"/>
-          </a:p>
-        </p:txBody>
-      </p:sp>
-      <p:sp>
-        <p:nvSpPr>
-          <p:cNvPr id="3" name="Content Placeholder 2"/>
-          <p:cNvSpPr>
-            <a:spLocks noGrp="1"/>
-          </p:cNvSpPr>
-          <p:nvPr>
-            <p:ph idx="1"/>
-          </p:nvPr>
-        </p:nvSpPr>
-        <p:spPr>
-          <a:xfrm>
-            <a:off x="766244" y="1568310"/>
-            <a:ext cx="7768156" cy="4773150"/>
-          </a:xfrm>
-        </p:spPr>
-        <p:txBody>
-          <a:bodyPr/>
-          <a:lstStyle/>
-          <a:p>
-            <a:pPr marL="0" indent="0">
-              <a:buNone/>
-            </a:pPr>
-            <a:endParaRPr lang="en-US" sz="1400" dirty="0" smtClean="0">
-              <a:solidFill>
-                <a:schemeClr val="accent2"/>
-              </a:solidFill>
-              <a:latin typeface="Courier New" pitchFamily="49" charset="0"/>
-              <a:cs typeface="Courier New" pitchFamily="49" charset="0"/>
-            </a:endParaRPr>
-          </a:p>
-          <a:p>
-            <a:pPr marL="0" indent="0">
-              <a:buNone/>
-            </a:pPr>
-            <a:r>
-              <a:rPr lang="en-US" sz="1400" dirty="0" smtClean="0">
-                <a:solidFill>
-                  <a:schemeClr val="accent2"/>
-                </a:solidFill>
-                <a:latin typeface="Courier New" pitchFamily="49" charset="0"/>
-                <a:cs typeface="Courier New" pitchFamily="49" charset="0"/>
-              </a:rPr>
-              <a:t>;---------------------------------------------------</a:t>
-            </a:r>
-            <a:endParaRPr lang="en-US" sz="1400" dirty="0">
-              <a:solidFill>
-                <a:schemeClr val="accent2"/>
-              </a:solidFill>
-              <a:latin typeface="Courier New" pitchFamily="49" charset="0"/>
-              <a:cs typeface="Courier New" pitchFamily="49" charset="0"/>
-            </a:endParaRPr>
-          </a:p>
-          <a:p>
-            <a:pPr marL="0" indent="0">
-              <a:buNone/>
-            </a:pPr>
-            <a:r>
-              <a:rPr lang="en-US" sz="1400" dirty="0" smtClean="0">
-                <a:solidFill>
-                  <a:schemeClr val="accent2"/>
-                </a:solidFill>
-                <a:latin typeface="Courier New" pitchFamily="49" charset="0"/>
-                <a:cs typeface="Courier New" pitchFamily="49" charset="0"/>
-              </a:rPr>
-              <a:t>; Function</a:t>
-            </a:r>
-            <a:r>
-              <a:rPr lang="en-US" sz="1400" dirty="0">
-                <a:solidFill>
-                  <a:schemeClr val="accent2"/>
-                </a:solidFill>
-                <a:latin typeface="Courier New" pitchFamily="49" charset="0"/>
-                <a:cs typeface="Courier New" pitchFamily="49" charset="0"/>
-              </a:rPr>
-              <a:t>: Adds two numbers, returns the result</a:t>
-            </a:r>
-          </a:p>
-          <a:p>
-            <a:pPr marL="0" indent="0">
-              <a:buNone/>
-            </a:pPr>
-            <a:r>
-              <a:rPr lang="en-US" sz="1400" dirty="0" smtClean="0">
-                <a:solidFill>
-                  <a:schemeClr val="accent2"/>
-                </a:solidFill>
-                <a:latin typeface="Courier New" pitchFamily="49" charset="0"/>
-                <a:cs typeface="Courier New" pitchFamily="49" charset="0"/>
-              </a:rPr>
-              <a:t>; Inputs</a:t>
-            </a:r>
-            <a:r>
-              <a:rPr lang="en-US" sz="1400" dirty="0">
-                <a:solidFill>
-                  <a:schemeClr val="accent2"/>
-                </a:solidFill>
-                <a:latin typeface="Courier New" pitchFamily="49" charset="0"/>
-                <a:cs typeface="Courier New" pitchFamily="49" charset="0"/>
-              </a:rPr>
-              <a:t>: address of </a:t>
-            </a:r>
-            <a:r>
-              <a:rPr lang="en-US" sz="1400" dirty="0" smtClean="0">
-                <a:solidFill>
-                  <a:schemeClr val="accent2"/>
-                </a:solidFill>
-                <a:latin typeface="Courier New" pitchFamily="49" charset="0"/>
-                <a:cs typeface="Courier New" pitchFamily="49" charset="0"/>
-              </a:rPr>
-              <a:t>Op1 (r10), </a:t>
-            </a:r>
-            <a:r>
-              <a:rPr lang="en-US" sz="1400" dirty="0">
-                <a:solidFill>
-                  <a:schemeClr val="accent2"/>
-                </a:solidFill>
-                <a:latin typeface="Courier New" pitchFamily="49" charset="0"/>
-                <a:cs typeface="Courier New" pitchFamily="49" charset="0"/>
-              </a:rPr>
-              <a:t>address of </a:t>
-            </a:r>
-            <a:r>
-              <a:rPr lang="en-US" sz="1400" dirty="0" smtClean="0">
-                <a:solidFill>
-                  <a:schemeClr val="accent2"/>
-                </a:solidFill>
-                <a:latin typeface="Courier New" pitchFamily="49" charset="0"/>
-                <a:cs typeface="Courier New" pitchFamily="49" charset="0"/>
-              </a:rPr>
-              <a:t>Op2 (r11)</a:t>
-            </a:r>
-            <a:endParaRPr lang="en-US" sz="1400" dirty="0">
-              <a:solidFill>
-                <a:schemeClr val="accent2"/>
-              </a:solidFill>
-              <a:latin typeface="Courier New" pitchFamily="49" charset="0"/>
-              <a:cs typeface="Courier New" pitchFamily="49" charset="0"/>
-            </a:endParaRPr>
-          </a:p>
-          <a:p>
-            <a:pPr marL="0" indent="0">
-              <a:buNone/>
-            </a:pPr>
-            <a:r>
-              <a:rPr lang="en-US" sz="1400" dirty="0" smtClean="0">
-                <a:solidFill>
-                  <a:schemeClr val="accent2"/>
-                </a:solidFill>
-                <a:latin typeface="Courier New" pitchFamily="49" charset="0"/>
-                <a:cs typeface="Courier New" pitchFamily="49" charset="0"/>
-              </a:rPr>
-              <a:t>; Outputs</a:t>
-            </a:r>
-            <a:r>
-              <a:rPr lang="en-US" sz="1400" dirty="0">
-                <a:solidFill>
-                  <a:schemeClr val="accent2"/>
-                </a:solidFill>
-                <a:latin typeface="Courier New" pitchFamily="49" charset="0"/>
-                <a:cs typeface="Courier New" pitchFamily="49" charset="0"/>
-              </a:rPr>
-              <a:t>: result (</a:t>
-            </a:r>
-            <a:r>
-              <a:rPr lang="en-US" sz="1400" dirty="0" smtClean="0">
-                <a:solidFill>
-                  <a:schemeClr val="accent2"/>
-                </a:solidFill>
-                <a:latin typeface="Courier New" pitchFamily="49" charset="0"/>
-                <a:cs typeface="Courier New" pitchFamily="49" charset="0"/>
-              </a:rPr>
-              <a:t>r11)</a:t>
-            </a:r>
-            <a:endParaRPr lang="en-US" sz="1400" dirty="0">
-              <a:solidFill>
-                <a:schemeClr val="accent2"/>
-              </a:solidFill>
-              <a:latin typeface="Courier New" pitchFamily="49" charset="0"/>
-              <a:cs typeface="Courier New" pitchFamily="49" charset="0"/>
-            </a:endParaRPr>
-          </a:p>
-          <a:p>
-            <a:pPr marL="0" indent="0">
-              <a:buNone/>
-            </a:pPr>
-            <a:r>
-              <a:rPr lang="en-US" sz="1400" dirty="0" smtClean="0">
-                <a:solidFill>
-                  <a:schemeClr val="accent2"/>
-                </a:solidFill>
-                <a:latin typeface="Courier New" pitchFamily="49" charset="0"/>
-                <a:cs typeface="Courier New" pitchFamily="49" charset="0"/>
-              </a:rPr>
-              <a:t>; Registers </a:t>
-            </a:r>
-            <a:r>
-              <a:rPr lang="en-US" sz="1400" dirty="0">
-                <a:solidFill>
-                  <a:schemeClr val="accent2"/>
-                </a:solidFill>
-                <a:latin typeface="Courier New" pitchFamily="49" charset="0"/>
-                <a:cs typeface="Courier New" pitchFamily="49" charset="0"/>
-              </a:rPr>
-              <a:t>destroyed: r11</a:t>
-            </a:r>
-          </a:p>
-          <a:p>
-            <a:pPr marL="0" indent="0">
-              <a:buNone/>
-            </a:pPr>
-            <a:r>
-              <a:rPr lang="en-US" sz="1400" dirty="0">
-                <a:solidFill>
-                  <a:schemeClr val="accent2"/>
-                </a:solidFill>
-                <a:latin typeface="Courier New" pitchFamily="49" charset="0"/>
-                <a:cs typeface="Courier New" pitchFamily="49" charset="0"/>
-              </a:rPr>
-              <a:t>;---------------------------------------------------</a:t>
-            </a:r>
-          </a:p>
-          <a:p>
-            <a:pPr marL="0" indent="0">
-              <a:buNone/>
-            </a:pPr>
-            <a:endParaRPr lang="en-US" sz="1400" dirty="0">
-              <a:solidFill>
-                <a:schemeClr val="accent2"/>
-              </a:solidFill>
-              <a:latin typeface="Courier New" pitchFamily="49" charset="0"/>
-              <a:cs typeface="Courier New" pitchFamily="49" charset="0"/>
-            </a:endParaRPr>
-          </a:p>
-          <a:p>
-            <a:pPr marL="0" indent="0">
-              <a:buNone/>
-            </a:pPr>
-            <a:r>
-              <a:rPr lang="en-US" sz="1400" dirty="0">
-                <a:solidFill>
-                  <a:schemeClr val="accent2"/>
-                </a:solidFill>
-                <a:latin typeface="Courier New" pitchFamily="49" charset="0"/>
-                <a:cs typeface="Courier New" pitchFamily="49" charset="0"/>
-              </a:rPr>
-              <a:t>addition:</a:t>
-            </a:r>
-          </a:p>
-          <a:p>
-            <a:pPr marL="0" indent="0">
-              <a:buNone/>
-            </a:pPr>
-            <a:r>
-              <a:rPr lang="en-US" sz="1400" dirty="0">
-                <a:solidFill>
-                  <a:schemeClr val="accent2"/>
-                </a:solidFill>
-                <a:latin typeface="Courier New" pitchFamily="49" charset="0"/>
-                <a:cs typeface="Courier New" pitchFamily="49" charset="0"/>
-              </a:rPr>
-              <a:t>    </a:t>
-            </a:r>
-            <a:r>
-              <a:rPr lang="en-US" sz="1400" dirty="0" err="1">
-                <a:solidFill>
-                  <a:schemeClr val="accent2"/>
-                </a:solidFill>
-                <a:latin typeface="Courier New" pitchFamily="49" charset="0"/>
-                <a:cs typeface="Courier New" pitchFamily="49" charset="0"/>
-              </a:rPr>
-              <a:t>push.w</a:t>
-            </a:r>
-            <a:r>
-              <a:rPr lang="en-US" sz="1400" dirty="0">
-                <a:solidFill>
-                  <a:schemeClr val="accent2"/>
-                </a:solidFill>
-                <a:latin typeface="Courier New" pitchFamily="49" charset="0"/>
-                <a:cs typeface="Courier New" pitchFamily="49" charset="0"/>
-              </a:rPr>
-              <a:t>  r12</a:t>
-            </a:r>
-          </a:p>
-          <a:p>
-            <a:pPr marL="0" indent="0">
-              <a:buNone/>
-            </a:pPr>
-            <a:r>
-              <a:rPr lang="en-US" sz="1400" dirty="0">
-                <a:solidFill>
-                  <a:schemeClr val="accent2"/>
-                </a:solidFill>
-                <a:latin typeface="Courier New" pitchFamily="49" charset="0"/>
-                <a:cs typeface="Courier New" pitchFamily="49" charset="0"/>
-              </a:rPr>
-              <a:t>    </a:t>
-            </a:r>
-            <a:r>
-              <a:rPr lang="en-US" sz="1400" dirty="0" err="1">
-                <a:solidFill>
-                  <a:schemeClr val="accent2"/>
-                </a:solidFill>
-                <a:latin typeface="Courier New" pitchFamily="49" charset="0"/>
-                <a:cs typeface="Courier New" pitchFamily="49" charset="0"/>
-              </a:rPr>
-              <a:t>mov.w</a:t>
-            </a:r>
-            <a:r>
-              <a:rPr lang="en-US" sz="1400" dirty="0">
-                <a:solidFill>
-                  <a:schemeClr val="accent2"/>
-                </a:solidFill>
-                <a:latin typeface="Courier New" pitchFamily="49" charset="0"/>
-                <a:cs typeface="Courier New" pitchFamily="49" charset="0"/>
-              </a:rPr>
-              <a:t>   @r11, r12</a:t>
-            </a:r>
-          </a:p>
-          <a:p>
-            <a:pPr marL="0" indent="0">
-              <a:buNone/>
-            </a:pPr>
-            <a:r>
-              <a:rPr lang="en-US" sz="1400" dirty="0">
-                <a:solidFill>
-                  <a:schemeClr val="accent2"/>
-                </a:solidFill>
-                <a:latin typeface="Courier New" pitchFamily="49" charset="0"/>
-                <a:cs typeface="Courier New" pitchFamily="49" charset="0"/>
-              </a:rPr>
-              <a:t>    </a:t>
-            </a:r>
-            <a:r>
-              <a:rPr lang="en-US" sz="1400" dirty="0" err="1">
-                <a:solidFill>
-                  <a:schemeClr val="accent2"/>
-                </a:solidFill>
-                <a:latin typeface="Courier New" pitchFamily="49" charset="0"/>
-                <a:cs typeface="Courier New" pitchFamily="49" charset="0"/>
-              </a:rPr>
-              <a:t>add.w</a:t>
-            </a:r>
-            <a:r>
-              <a:rPr lang="en-US" sz="1400" dirty="0">
-                <a:solidFill>
-                  <a:schemeClr val="accent2"/>
-                </a:solidFill>
-                <a:latin typeface="Courier New" pitchFamily="49" charset="0"/>
-                <a:cs typeface="Courier New" pitchFamily="49" charset="0"/>
-              </a:rPr>
-              <a:t>   @r10, r12 </a:t>
-            </a:r>
-          </a:p>
-          <a:p>
-            <a:pPr marL="0" indent="0">
-              <a:buNone/>
-            </a:pPr>
-            <a:r>
-              <a:rPr lang="en-US" sz="1400" dirty="0">
-                <a:solidFill>
-                  <a:schemeClr val="accent2"/>
-                </a:solidFill>
-                <a:latin typeface="Courier New" pitchFamily="49" charset="0"/>
-                <a:cs typeface="Courier New" pitchFamily="49" charset="0"/>
-              </a:rPr>
-              <a:t>    </a:t>
-            </a:r>
-            <a:r>
-              <a:rPr lang="en-US" sz="1400" dirty="0" err="1">
-                <a:solidFill>
-                  <a:schemeClr val="accent2"/>
-                </a:solidFill>
-                <a:latin typeface="Courier New" pitchFamily="49" charset="0"/>
-                <a:cs typeface="Courier New" pitchFamily="49" charset="0"/>
-              </a:rPr>
-              <a:t>mov.w</a:t>
-            </a:r>
-            <a:r>
-              <a:rPr lang="en-US" sz="1400" dirty="0">
-                <a:solidFill>
-                  <a:schemeClr val="accent2"/>
-                </a:solidFill>
-                <a:latin typeface="Courier New" pitchFamily="49" charset="0"/>
-                <a:cs typeface="Courier New" pitchFamily="49" charset="0"/>
-              </a:rPr>
-              <a:t>   r12, r11</a:t>
-            </a:r>
-          </a:p>
-          <a:p>
-            <a:pPr marL="0" indent="0">
-              <a:buNone/>
-            </a:pPr>
-            <a:r>
-              <a:rPr lang="en-US" sz="1400" dirty="0">
-                <a:solidFill>
-                  <a:schemeClr val="accent2"/>
-                </a:solidFill>
-                <a:latin typeface="Courier New" pitchFamily="49" charset="0"/>
-                <a:cs typeface="Courier New" pitchFamily="49" charset="0"/>
-              </a:rPr>
-              <a:t>    pop     r12</a:t>
-            </a:r>
-          </a:p>
-          <a:p>
-            <a:pPr marL="0" indent="0">
-              <a:buNone/>
-            </a:pPr>
-            <a:r>
-              <a:rPr lang="en-US" sz="1400" dirty="0">
-                <a:solidFill>
-                  <a:schemeClr val="accent2"/>
-                </a:solidFill>
-                <a:latin typeface="Courier New" pitchFamily="49" charset="0"/>
-                <a:cs typeface="Courier New" pitchFamily="49" charset="0"/>
-              </a:rPr>
-              <a:t> </a:t>
-            </a:r>
-            <a:endParaRPr lang="en-US" sz="1400" dirty="0" smtClean="0">
-              <a:solidFill>
-                <a:schemeClr val="accent2"/>
-              </a:solidFill>
-              <a:latin typeface="Courier New" pitchFamily="49" charset="0"/>
-              <a:cs typeface="Courier New" pitchFamily="49" charset="0"/>
-            </a:endParaRPr>
-          </a:p>
-        </p:txBody>
-      </p:sp>
-    </p:spTree>
-    <p:extLst>
-      <p:ext uri="{BB962C8B-B14F-4D97-AF65-F5344CB8AC3E}">
-        <p14:creationId xmlns:p14="http://schemas.microsoft.com/office/powerpoint/2010/main" val="4068701493"/>
-      </p:ext>
-    </p:extLst>
-  </p:cSld>
-  <p:clrMapOvr>
-    <a:masterClrMapping/>
-  </p:clrMapOvr>
-  <p:timing>
-    <p:tnLst>
-      <p:par>
-        <p:cTn id="1" dur="indefinite" restart="never" nodeType="tmRoot"/>
-      </p:par>
-    </p:tnLst>
-  </p:timing>
-</p:sld>
-</file>
-
-<file path=ppt/slides/slide31.xml><?xml version="1.0" encoding="utf-8"?>
-<p:sld xmlns:a="http://schemas.openxmlformats.org/drawingml/2006/main" xmlns:r="http://schemas.openxmlformats.org/officeDocument/2006/relationships" xmlns:p="http://schemas.openxmlformats.org/presentationml/2006/main">
-  <p:cSld>
-    <p:spTree>
-      <p:nvGrpSpPr>
-        <p:cNvPr id="1" name=""/>
-        <p:cNvGrpSpPr/>
-        <p:nvPr/>
-      </p:nvGrpSpPr>
-      <p:grpSpPr>
-        <a:xfrm>
-          <a:off x="0" y="0"/>
-          <a:ext cx="0" cy="0"/>
-          <a:chOff x="0" y="0"/>
-          <a:chExt cx="0" cy="0"/>
-        </a:xfrm>
-      </p:grpSpPr>
-      <p:sp>
-        <p:nvSpPr>
-          <p:cNvPr id="2" name="Title 1"/>
-          <p:cNvSpPr>
-            <a:spLocks noGrp="1"/>
-          </p:cNvSpPr>
-          <p:nvPr>
-            <p:ph type="title"/>
-          </p:nvPr>
-        </p:nvSpPr>
-        <p:spPr/>
-        <p:txBody>
-          <a:bodyPr/>
-          <a:lstStyle/>
-          <a:p>
-            <a:r>
-              <a:rPr lang="en-US" b="1" dirty="0"/>
-              <a:t>Key Subroutine Rules</a:t>
-            </a:r>
-            <a:endParaRPr lang="en-US" dirty="0"/>
-          </a:p>
-        </p:txBody>
-      </p:sp>
-      <p:sp>
-        <p:nvSpPr>
-          <p:cNvPr id="3" name="Content Placeholder 2"/>
-          <p:cNvSpPr>
-            <a:spLocks noGrp="1"/>
-          </p:cNvSpPr>
-          <p:nvPr>
-            <p:ph idx="1"/>
-          </p:nvPr>
-        </p:nvSpPr>
-        <p:spPr>
-          <a:xfrm>
-            <a:off x="497653" y="1592134"/>
-            <a:ext cx="8141850" cy="4724400"/>
-          </a:xfrm>
-        </p:spPr>
-        <p:txBody>
-          <a:bodyPr/>
-          <a:lstStyle/>
-          <a:p>
-            <a:r>
-              <a:rPr lang="en-US" sz="2000" dirty="0">
-                <a:solidFill>
-                  <a:schemeClr val="accent2"/>
-                </a:solidFill>
-              </a:rPr>
-              <a:t>Always return from a subroutine</a:t>
-            </a:r>
-            <a:r>
-              <a:rPr lang="en-US" sz="2000" dirty="0" smtClean="0">
-                <a:solidFill>
-                  <a:schemeClr val="accent2"/>
-                </a:solidFill>
-              </a:rPr>
-              <a:t>!</a:t>
-            </a:r>
-          </a:p>
-          <a:p>
-            <a:pPr lvl="1"/>
-            <a:r>
-              <a:rPr lang="en-US" sz="1600" dirty="0"/>
-              <a:t>should only return from one place in your subroutine</a:t>
-            </a:r>
-            <a:r>
-              <a:rPr lang="en-US" sz="1600" dirty="0" smtClean="0"/>
-              <a:t>.</a:t>
-            </a:r>
-          </a:p>
-          <a:p>
-            <a:endParaRPr lang="en-US" sz="2000" dirty="0" smtClean="0">
-              <a:solidFill>
-                <a:schemeClr val="accent2"/>
-              </a:solidFill>
-            </a:endParaRPr>
-          </a:p>
-          <a:p>
-            <a:r>
-              <a:rPr lang="en-US" sz="2000" dirty="0" smtClean="0">
-                <a:solidFill>
-                  <a:schemeClr val="accent2"/>
-                </a:solidFill>
-              </a:rPr>
-              <a:t>Subroutines </a:t>
-            </a:r>
-            <a:r>
-              <a:rPr lang="en-US" sz="2000" dirty="0">
-                <a:solidFill>
-                  <a:schemeClr val="accent2"/>
-                </a:solidFill>
-              </a:rPr>
-              <a:t>only receive information via registers</a:t>
-            </a:r>
-            <a:r>
-              <a:rPr lang="en-US" sz="2000" dirty="0" smtClean="0">
-                <a:solidFill>
-                  <a:schemeClr val="accent2"/>
-                </a:solidFill>
-              </a:rPr>
-              <a:t>!</a:t>
-            </a:r>
-          </a:p>
-          <a:p>
-            <a:pPr lvl="1"/>
-            <a:r>
-              <a:rPr lang="en-US" sz="1600" dirty="0"/>
-              <a:t>reusable </a:t>
-            </a:r>
-            <a:r>
-              <a:rPr lang="en-US" sz="1600" dirty="0" smtClean="0"/>
-              <a:t>for many </a:t>
-            </a:r>
-            <a:r>
-              <a:rPr lang="en-US" sz="1600" dirty="0"/>
-              <a:t>different </a:t>
-            </a:r>
-            <a:r>
-              <a:rPr lang="en-US" sz="1600" dirty="0" smtClean="0"/>
-              <a:t>programs</a:t>
-            </a:r>
-          </a:p>
-          <a:p>
-            <a:pPr lvl="1"/>
-            <a:r>
-              <a:rPr lang="en-US" sz="1600" dirty="0"/>
-              <a:t>should not rely on specific label </a:t>
-            </a:r>
-            <a:r>
-              <a:rPr lang="en-US" sz="1600" dirty="0" smtClean="0"/>
-              <a:t>names for arguments (what about ports?)</a:t>
-            </a:r>
-          </a:p>
-          <a:p>
-            <a:pPr lvl="1"/>
-            <a:r>
-              <a:rPr lang="en-US" sz="1600" dirty="0" smtClean="0"/>
-              <a:t>Can we use the Stack to pass arguments?</a:t>
-            </a:r>
-            <a:endParaRPr lang="en-US" sz="1600" dirty="0"/>
-          </a:p>
-          <a:p>
-            <a:endParaRPr lang="en-US" sz="2400" dirty="0" smtClean="0">
-              <a:solidFill>
-                <a:schemeClr val="accent2"/>
-              </a:solidFill>
-            </a:endParaRPr>
-          </a:p>
-          <a:p>
-            <a:r>
-              <a:rPr lang="en-US" sz="2400" dirty="0" smtClean="0">
-                <a:solidFill>
-                  <a:schemeClr val="accent2"/>
-                </a:solidFill>
-              </a:rPr>
-              <a:t>Subroutines </a:t>
-            </a:r>
-            <a:r>
-              <a:rPr lang="en-US" sz="2400" dirty="0">
-                <a:solidFill>
-                  <a:schemeClr val="accent2"/>
-                </a:solidFill>
-              </a:rPr>
-              <a:t>should be reusable</a:t>
-            </a:r>
-            <a:r>
-              <a:rPr lang="en-US" sz="2400" dirty="0" smtClean="0">
-                <a:solidFill>
-                  <a:schemeClr val="accent2"/>
-                </a:solidFill>
-              </a:rPr>
-              <a:t>!</a:t>
-            </a:r>
-          </a:p>
-          <a:p>
-            <a:endParaRPr lang="en-US" sz="2000" dirty="0"/>
-          </a:p>
-        </p:txBody>
-      </p:sp>
-    </p:spTree>
-    <p:extLst>
-      <p:ext uri="{BB962C8B-B14F-4D97-AF65-F5344CB8AC3E}">
-        <p14:creationId xmlns:p14="http://schemas.microsoft.com/office/powerpoint/2010/main" val="4036797949"/>
-      </p:ext>
-    </p:extLst>
-  </p:cSld>
-  <p:clrMapOvr>
-    <a:masterClrMapping/>
-  </p:clrMapOvr>
-  <p:timing>
-    <p:tnLst>
-      <p:par>
-        <p:cTn id="1" dur="indefinite" restart="never" nodeType="tmRoot"/>
-      </p:par>
-    </p:tnLst>
-  </p:timing>
-</p:sld>
-</file>
-
-<file path=ppt/slides/slide32.xml><?xml version="1.0" encoding="utf-8"?>
 <p:sld xmlns:a="http://schemas.openxmlformats.org/drawingml/2006/main" xmlns:r="http://schemas.openxmlformats.org/officeDocument/2006/relationships" xmlns:p="http://schemas.openxmlformats.org/presentationml/2006/main">
   <p:cSld>
     <p:spTree>
@@ -20436,7 +20288,7 @@
 </p:sld>
 </file>
 
-<file path=ppt/slides/slide33.xml><?xml version="1.0" encoding="utf-8"?>
+<file path=ppt/slides/slide31.xml><?xml version="1.0" encoding="utf-8"?>
 <p:sld xmlns:a="http://schemas.openxmlformats.org/drawingml/2006/main" xmlns:r="http://schemas.openxmlformats.org/officeDocument/2006/relationships" xmlns:p="http://schemas.openxmlformats.org/presentationml/2006/main">
   <p:cSld>
     <p:spTree>
@@ -20576,7 +20428,7 @@
 </p:sld>
 </file>
 
-<file path=ppt/slides/slide34.xml><?xml version="1.0" encoding="utf-8"?>
+<file path=ppt/slides/slide32.xml><?xml version="1.0" encoding="utf-8"?>
 <p:sld xmlns:a="http://schemas.openxmlformats.org/drawingml/2006/main" xmlns:r="http://schemas.openxmlformats.org/officeDocument/2006/relationships" xmlns:p="http://schemas.openxmlformats.org/presentationml/2006/main">
   <p:cSld>
     <p:spTree>
@@ -20637,13 +20489,13 @@
             </a:r>
             <a:r>
               <a:rPr lang="en-US" dirty="0" smtClean="0"/>
-              <a:t> </a:t>
-            </a:r>
-            <a:r>
-              <a:rPr lang="en-US" smtClean="0"/>
-              <a:t>library function example</a:t>
-            </a:r>
-            <a:endParaRPr lang="en-US"/>
+              <a:t> library </a:t>
+            </a:r>
+            <a:r>
+              <a:rPr lang="en-US" dirty="0" smtClean="0"/>
+              <a:t>subroutine example</a:t>
+            </a:r>
+            <a:endParaRPr lang="en-US" dirty="0"/>
           </a:p>
         </p:txBody>
       </p:sp>
@@ -20660,7 +20512,7 @@
 </p:sld>
 </file>
 
-<file path=ppt/slides/slide35.xml><?xml version="1.0" encoding="utf-8"?>
+<file path=ppt/slides/slide33.xml><?xml version="1.0" encoding="utf-8"?>
 <p:sld xmlns:a="http://schemas.openxmlformats.org/drawingml/2006/main" xmlns:r="http://schemas.openxmlformats.org/officeDocument/2006/relationships" xmlns:p="http://schemas.openxmlformats.org/presentationml/2006/main">
   <p:cSld>
     <p:spTree>
@@ -21776,20 +21628,15 @@
                   <a:srgbClr val="0070C0"/>
                 </a:solidFill>
               </a:rPr>
-              <a:t>Where in RAM should you initialize the</a:t>
-            </a:r>
-          </a:p>
-          <a:p>
-            <a:pPr marL="0" indent="0">
-              <a:buNone/>
-            </a:pPr>
-            <a:r>
-              <a:rPr lang="en-US" sz="2000" dirty="0">
+              <a:t>Where in RAM should you initialize </a:t>
+            </a:r>
+            <a:r>
+              <a:rPr lang="en-US" sz="2000" dirty="0" smtClean="0">
                 <a:solidFill>
                   <a:srgbClr val="0070C0"/>
                 </a:solidFill>
               </a:rPr>
-              <a:t> </a:t>
+              <a:t>the Stack </a:t>
             </a:r>
             <a:r>
               <a:rPr lang="en-US" sz="2000" dirty="0" smtClean="0">
@@ -21797,7 +21644,7 @@
                   <a:srgbClr val="0070C0"/>
                 </a:solidFill>
               </a:rPr>
-              <a:t>    Stack Pointer to point to?</a:t>
+              <a:t>Pointer to point to?</a:t>
             </a:r>
             <a:endParaRPr lang="en-US" sz="2000" dirty="0"/>
           </a:p>
@@ -21933,20 +21780,15 @@
                   <a:srgbClr val="0070C0"/>
                 </a:solidFill>
               </a:rPr>
-              <a:t>Where in RAM should you initialize the</a:t>
-            </a:r>
-          </a:p>
-          <a:p>
-            <a:pPr marL="0" indent="0">
-              <a:buNone/>
-            </a:pPr>
-            <a:r>
-              <a:rPr lang="en-US" sz="2000" dirty="0">
+              <a:t>Where in RAM should you initialize </a:t>
+            </a:r>
+            <a:r>
+              <a:rPr lang="en-US" sz="2000" dirty="0" smtClean="0">
                 <a:solidFill>
                   <a:srgbClr val="0070C0"/>
                 </a:solidFill>
               </a:rPr>
-              <a:t> </a:t>
+              <a:t>the Stack </a:t>
             </a:r>
             <a:r>
               <a:rPr lang="en-US" sz="2000" dirty="0" smtClean="0">
@@ -21954,7 +21796,7 @@
                   <a:srgbClr val="0070C0"/>
                 </a:solidFill>
               </a:rPr>
-              <a:t>    Stack Point too?</a:t>
+              <a:t>Point too?</a:t>
             </a:r>
             <a:endParaRPr lang="en-US" sz="2000" dirty="0"/>
           </a:p>
@@ -21977,7 +21819,15 @@
             </a:r>
             <a:r>
               <a:rPr lang="en-US" dirty="0" smtClean="0"/>
-              <a:t>    0x200 would be bad!</a:t>
+              <a:t>   </a:t>
+            </a:r>
+            <a:r>
+              <a:rPr lang="en-US" dirty="0" smtClean="0"/>
+              <a:t>0x200 </a:t>
+            </a:r>
+            <a:r>
+              <a:rPr lang="en-US" dirty="0" smtClean="0"/>
+              <a:t>would be bad!</a:t>
             </a:r>
             <a:endParaRPr lang="en-US" dirty="0"/>
           </a:p>
@@ -22093,12 +21943,14 @@
         </p:nvSpPr>
         <p:spPr>
           <a:xfrm>
-            <a:off x="0" y="1614330"/>
+            <a:off x="248280" y="1527620"/>
             <a:ext cx="8621400" cy="4773150"/>
           </a:xfrm>
         </p:spPr>
         <p:txBody>
-          <a:bodyPr/>
+          <a:bodyPr>
+            <a:normAutofit lnSpcReduction="10000"/>
+          </a:bodyPr>
           <a:lstStyle/>
           <a:p>
             <a:pPr marL="0" indent="0">
@@ -22152,7 +22004,27 @@
                 <a:latin typeface="Courier New" pitchFamily="49" charset="0"/>
                 <a:cs typeface="Courier New" pitchFamily="49" charset="0"/>
               </a:rPr>
-              <a:t>#0x0400, r1         ;initialize stack pointer</a:t>
+              <a:t>#0x0400, r1 </a:t>
+            </a:r>
+            <a:r>
+              <a:rPr lang="en-US" sz="1200" dirty="0" smtClean="0">
+                <a:solidFill>
+                  <a:srgbClr val="00B050"/>
+                </a:solidFill>
+                <a:latin typeface="Courier New" pitchFamily="49" charset="0"/>
+                <a:cs typeface="Courier New" pitchFamily="49" charset="0"/>
+              </a:rPr>
+              <a:t>;</a:t>
+            </a:r>
+            <a:r>
+              <a:rPr lang="en-US" sz="1200" dirty="0">
+                <a:solidFill>
+                  <a:srgbClr val="00B050"/>
+                </a:solidFill>
+                <a:latin typeface="Courier New" pitchFamily="49" charset="0"/>
+                <a:cs typeface="Courier New" pitchFamily="49" charset="0"/>
+              </a:rPr>
+              <a:t>initialize stack pointer</a:t>
             </a:r>
           </a:p>
           <a:p>
@@ -22209,7 +22081,7 @@
                 <a:latin typeface="Courier New" pitchFamily="49" charset="0"/>
                 <a:cs typeface="Courier New" pitchFamily="49" charset="0"/>
               </a:rPr>
-              <a:t>0xdfec ;</a:t>
+              <a:t>0xdfec </a:t>
             </a:r>
             <a:r>
               <a:rPr lang="en-US" sz="1200" dirty="0" smtClean="0">
@@ -22219,7 +22091,7 @@
                 <a:latin typeface="Courier New" pitchFamily="49" charset="0"/>
                 <a:cs typeface="Courier New" pitchFamily="49" charset="0"/>
               </a:rPr>
-              <a:t>push </a:t>
+              <a:t>; push </a:t>
             </a:r>
             <a:r>
               <a:rPr lang="en-US" sz="1200" dirty="0">
@@ -22261,7 +22133,27 @@
                 <a:latin typeface="Courier New" pitchFamily="49" charset="0"/>
                 <a:cs typeface="Courier New" pitchFamily="49" charset="0"/>
               </a:rPr>
-              <a:t>                           ;This decrements </a:t>
+              <a:t>                           </a:t>
+            </a:r>
+            <a:r>
+              <a:rPr lang="en-US" sz="1200" dirty="0" smtClean="0">
+                <a:solidFill>
+                  <a:srgbClr val="00B050"/>
+                </a:solidFill>
+                <a:latin typeface="Courier New" pitchFamily="49" charset="0"/>
+                <a:cs typeface="Courier New" pitchFamily="49" charset="0"/>
+              </a:rPr>
+              <a:t>; This </a:t>
+            </a:r>
+            <a:r>
+              <a:rPr lang="en-US" sz="1200" dirty="0" smtClean="0">
+                <a:solidFill>
+                  <a:srgbClr val="00B050"/>
+                </a:solidFill>
+                <a:latin typeface="Courier New" pitchFamily="49" charset="0"/>
+                <a:cs typeface="Courier New" pitchFamily="49" charset="0"/>
+              </a:rPr>
+              <a:t>decrements </a:t>
             </a:r>
             <a:r>
               <a:rPr lang="en-US" sz="1200" dirty="0">
@@ -22380,12 +22272,12 @@
             <a:r>
               <a:rPr lang="en-US" sz="1200" dirty="0" smtClean="0">
                 <a:solidFill>
-                  <a:schemeClr val="accent2"/>
+                  <a:srgbClr val="00B050"/>
                 </a:solidFill>
                 <a:latin typeface="Courier New" pitchFamily="49" charset="0"/>
                 <a:cs typeface="Courier New" pitchFamily="49" charset="0"/>
               </a:rPr>
-              <a:t>;</a:t>
+              <a:t>; pop </a:t>
             </a:r>
             <a:r>
               <a:rPr lang="en-US" sz="1200" dirty="0">
@@ -22395,7 +22287,7 @@
                 <a:latin typeface="Courier New" pitchFamily="49" charset="0"/>
                 <a:cs typeface="Courier New" pitchFamily="49" charset="0"/>
               </a:rPr>
-              <a:t>pop the value we just pushed off of the stack </a:t>
+              <a:t>the value we just pushed off of the stack </a:t>
             </a:r>
             <a:r>
               <a:rPr lang="en-US" sz="1200" dirty="0" smtClean="0">
@@ -23935,6 +23827,87 @@
           </a:graphicData>
         </a:graphic>
       </p:graphicFrame>
+      <p:sp>
+        <p:nvSpPr>
+          <p:cNvPr id="4" name="Left Arrow 3"/>
+          <p:cNvSpPr/>
+          <p:nvPr/>
+        </p:nvSpPr>
+        <p:spPr bwMode="auto">
+          <a:xfrm>
+            <a:off x="5700580" y="4950373"/>
+            <a:ext cx="1119352" cy="528145"/>
+          </a:xfrm>
+          <a:prstGeom prst="leftArrow">
+            <a:avLst/>
+          </a:prstGeom>
+          <a:solidFill>
+            <a:srgbClr val="0C2D83"/>
+          </a:solidFill>
+          <a:ln w="12700" cap="flat" cmpd="sng" algn="ctr">
+            <a:solidFill>
+              <a:schemeClr val="accent6">
+                <a:lumMod val="40000"/>
+                <a:lumOff val="60000"/>
+              </a:schemeClr>
+            </a:solidFill>
+            <a:prstDash val="solid"/>
+            <a:round/>
+            <a:headEnd type="none" w="med" len="med"/>
+            <a:tailEnd type="none" w="med" len="med"/>
+          </a:ln>
+          <a:effectLst/>
+        </p:spPr>
+        <p:txBody>
+          <a:bodyPr vert="horz" wrap="square" lIns="91440" tIns="45720" rIns="91440" bIns="45720" numCol="1" rtlCol="0" anchor="ctr" anchorCtr="0" compatLnSpc="1">
+            <a:prstTxWarp prst="textNoShape">
+              <a:avLst/>
+            </a:prstTxWarp>
+          </a:bodyPr>
+          <a:lstStyle/>
+          <a:p>
+            <a:pPr marL="0" marR="0" indent="0" algn="ctr" defTabSz="914400" rtl="0" eaLnBrk="0" fontAlgn="base" latinLnBrk="0" hangingPunct="0">
+              <a:lnSpc>
+                <a:spcPct val="100000"/>
+              </a:lnSpc>
+              <a:spcBef>
+                <a:spcPct val="0"/>
+              </a:spcBef>
+              <a:spcAft>
+                <a:spcPct val="0"/>
+              </a:spcAft>
+              <a:buClrTx/>
+              <a:buSzTx/>
+              <a:buFontTx/>
+              <a:buNone/>
+              <a:tabLst/>
+            </a:pPr>
+            <a:r>
+              <a:rPr kumimoji="0" lang="en-US" sz="1600" b="0" i="0" u="none" strike="noStrike" cap="none" normalizeH="0" baseline="0" dirty="0" smtClean="0">
+                <a:ln>
+                  <a:noFill/>
+                </a:ln>
+                <a:solidFill>
+                  <a:schemeClr val="bg1"/>
+                </a:solidFill>
+                <a:effectLst/>
+                <a:latin typeface="Arial" charset="0"/>
+              </a:rPr>
+              <a:t>SP</a:t>
+            </a:r>
+            <a:endParaRPr kumimoji="0" lang="en-US" sz="1600" b="0" i="0" u="none" strike="noStrike" cap="none" normalizeH="0" baseline="0" dirty="0" smtClean="0">
+              <a:ln>
+                <a:noFill/>
+              </a:ln>
+              <a:solidFill>
+                <a:schemeClr val="bg1"/>
+              </a:solidFill>
+              <a:effectLst/>
+              <a:latin typeface="Arial" charset="0"/>
+            </a:endParaRPr>
+          </a:p>
+        </p:txBody>
+      </p:sp>
     </p:spTree>
     <p:extLst>
       <p:ext uri="{BB962C8B-B14F-4D97-AF65-F5344CB8AC3E}">
@@ -24376,8 +24349,8 @@
         </p:nvSpPr>
         <p:spPr>
           <a:xfrm>
-            <a:off x="509178" y="731520"/>
-            <a:ext cx="2323360" cy="556335"/>
+            <a:off x="509177" y="731520"/>
+            <a:ext cx="2470505" cy="556335"/>
           </a:xfrm>
           <a:prstGeom prst="wedgeRectCallout">
             <a:avLst>

--- a/source/lessons/lsn9-10/Lsn9-10.pptx
+++ b/source/lessons/lsn9-10/Lsn9-10.pptx
@@ -7,10 +7,10 @@
     <p:sldMasterId id="2147483667" r:id="rId3"/>
   </p:sldMasterIdLst>
   <p:notesMasterIdLst>
-    <p:notesMasterId r:id="rId37"/>
+    <p:notesMasterId r:id="rId38"/>
   </p:notesMasterIdLst>
   <p:handoutMasterIdLst>
-    <p:handoutMasterId r:id="rId38"/>
+    <p:handoutMasterId r:id="rId39"/>
   </p:handoutMasterIdLst>
   <p:sldIdLst>
     <p:sldId id="352" r:id="rId4"/>
@@ -36,16 +36,17 @@
     <p:sldId id="375" r:id="rId24"/>
     <p:sldId id="376" r:id="rId25"/>
     <p:sldId id="377" r:id="rId26"/>
-    <p:sldId id="379" r:id="rId27"/>
+    <p:sldId id="389" r:id="rId27"/>
     <p:sldId id="380" r:id="rId28"/>
-    <p:sldId id="381" r:id="rId29"/>
-    <p:sldId id="382" r:id="rId30"/>
-    <p:sldId id="383" r:id="rId31"/>
-    <p:sldId id="385" r:id="rId32"/>
-    <p:sldId id="387" r:id="rId33"/>
-    <p:sldId id="386" r:id="rId34"/>
-    <p:sldId id="388" r:id="rId35"/>
-    <p:sldId id="353" r:id="rId36"/>
+    <p:sldId id="379" r:id="rId29"/>
+    <p:sldId id="381" r:id="rId30"/>
+    <p:sldId id="382" r:id="rId31"/>
+    <p:sldId id="383" r:id="rId32"/>
+    <p:sldId id="385" r:id="rId33"/>
+    <p:sldId id="387" r:id="rId34"/>
+    <p:sldId id="386" r:id="rId35"/>
+    <p:sldId id="388" r:id="rId36"/>
+    <p:sldId id="353" r:id="rId37"/>
   </p:sldIdLst>
   <p:sldSz cx="9144000" cy="6858000" type="screen4x3"/>
   <p:notesSz cx="7010400" cy="9296400"/>
@@ -1383,7 +1384,7 @@
           <a:p>
             <a:fld id="{834513E8-165F-4932-9E2D-FD497CB9A4FD}" type="datetimeFigureOut">
               <a:rPr lang="en-US" smtClean="0"/>
-              <a:t>7/16/2018</a:t>
+              <a:t>7/23/2018</a:t>
             </a:fld>
             <a:endParaRPr lang="en-US"/>
           </a:p>
@@ -1660,7 +1661,7 @@
           <a:p>
             <a:fld id="{834513E8-165F-4932-9E2D-FD497CB9A4FD}" type="datetimeFigureOut">
               <a:rPr lang="en-US" smtClean="0"/>
-              <a:t>7/16/2018</a:t>
+              <a:t>7/23/2018</a:t>
             </a:fld>
             <a:endParaRPr lang="en-US"/>
           </a:p>
@@ -1913,7 +1914,7 @@
           <a:p>
             <a:fld id="{834513E8-165F-4932-9E2D-FD497CB9A4FD}" type="datetimeFigureOut">
               <a:rPr lang="en-US" smtClean="0"/>
-              <a:t>7/16/2018</a:t>
+              <a:t>7/23/2018</a:t>
             </a:fld>
             <a:endParaRPr lang="en-US"/>
           </a:p>
@@ -2083,7 +2084,7 @@
           <a:p>
             <a:fld id="{834513E8-165F-4932-9E2D-FD497CB9A4FD}" type="datetimeFigureOut">
               <a:rPr lang="en-US" smtClean="0"/>
-              <a:t>7/16/2018</a:t>
+              <a:t>7/23/2018</a:t>
             </a:fld>
             <a:endParaRPr lang="en-US"/>
           </a:p>
@@ -2263,7 +2264,7 @@
           <a:p>
             <a:fld id="{834513E8-165F-4932-9E2D-FD497CB9A4FD}" type="datetimeFigureOut">
               <a:rPr lang="en-US" smtClean="0"/>
-              <a:t>7/16/2018</a:t>
+              <a:t>7/23/2018</a:t>
             </a:fld>
             <a:endParaRPr lang="en-US"/>
           </a:p>
@@ -3007,7 +3008,7 @@
           <a:p>
             <a:fld id="{834513E8-165F-4932-9E2D-FD497CB9A4FD}" type="datetimeFigureOut">
               <a:rPr lang="en-US" smtClean="0"/>
-              <a:t>7/16/2018</a:t>
+              <a:t>7/23/2018</a:t>
             </a:fld>
             <a:endParaRPr lang="en-US"/>
           </a:p>
@@ -3177,7 +3178,7 @@
           <a:p>
             <a:fld id="{834513E8-165F-4932-9E2D-FD497CB9A4FD}" type="datetimeFigureOut">
               <a:rPr lang="en-US" smtClean="0"/>
-              <a:t>7/16/2018</a:t>
+              <a:t>7/23/2018</a:t>
             </a:fld>
             <a:endParaRPr lang="en-US"/>
           </a:p>
@@ -3423,7 +3424,7 @@
           <a:p>
             <a:fld id="{834513E8-165F-4932-9E2D-FD497CB9A4FD}" type="datetimeFigureOut">
               <a:rPr lang="en-US" smtClean="0"/>
-              <a:t>7/16/2018</a:t>
+              <a:t>7/23/2018</a:t>
             </a:fld>
             <a:endParaRPr lang="en-US"/>
           </a:p>
@@ -3655,7 +3656,7 @@
           <a:p>
             <a:fld id="{834513E8-165F-4932-9E2D-FD497CB9A4FD}" type="datetimeFigureOut">
               <a:rPr lang="en-US" smtClean="0"/>
-              <a:t>7/16/2018</a:t>
+              <a:t>7/23/2018</a:t>
             </a:fld>
             <a:endParaRPr lang="en-US"/>
           </a:p>
@@ -4022,7 +4023,7 @@
           <a:p>
             <a:fld id="{834513E8-165F-4932-9E2D-FD497CB9A4FD}" type="datetimeFigureOut">
               <a:rPr lang="en-US" smtClean="0"/>
-              <a:t>7/16/2018</a:t>
+              <a:t>7/23/2018</a:t>
             </a:fld>
             <a:endParaRPr lang="en-US"/>
           </a:p>
@@ -4140,7 +4141,7 @@
           <a:p>
             <a:fld id="{834513E8-165F-4932-9E2D-FD497CB9A4FD}" type="datetimeFigureOut">
               <a:rPr lang="en-US" smtClean="0"/>
-              <a:t>7/16/2018</a:t>
+              <a:t>7/23/2018</a:t>
             </a:fld>
             <a:endParaRPr lang="en-US"/>
           </a:p>
@@ -5956,7 +5957,7 @@
           <a:p>
             <a:fld id="{834513E8-165F-4932-9E2D-FD497CB9A4FD}" type="datetimeFigureOut">
               <a:rPr lang="en-US" smtClean="0"/>
-              <a:t>7/16/2018</a:t>
+              <a:t>7/23/2018</a:t>
             </a:fld>
             <a:endParaRPr lang="en-US"/>
           </a:p>
@@ -16562,6 +16563,840 @@
           <a:lstStyle/>
           <a:p>
             <a:r>
+              <a:rPr lang="en-US" dirty="0" smtClean="0"/>
+              <a:t>Subroutines</a:t>
+            </a:r>
+            <a:endParaRPr lang="en-US" dirty="0"/>
+          </a:p>
+        </p:txBody>
+      </p:sp>
+      <p:sp>
+        <p:nvSpPr>
+          <p:cNvPr id="3" name="Content Placeholder 2"/>
+          <p:cNvSpPr>
+            <a:spLocks noGrp="1"/>
+          </p:cNvSpPr>
+          <p:nvPr>
+            <p:ph idx="1"/>
+          </p:nvPr>
+        </p:nvSpPr>
+        <p:spPr/>
+        <p:txBody>
+          <a:bodyPr/>
+          <a:lstStyle/>
+          <a:p>
+            <a:r>
+              <a:rPr lang="en-US" dirty="0" smtClean="0"/>
+              <a:t>Subroutines are a way to break up large code into smaller, reusable chunks of code</a:t>
+            </a:r>
+          </a:p>
+          <a:p>
+            <a:r>
+              <a:rPr lang="en-US" dirty="0" smtClean="0"/>
+              <a:t>They also make it easier to debug</a:t>
+            </a:r>
+          </a:p>
+          <a:p>
+            <a:r>
+              <a:rPr lang="en-US" dirty="0" smtClean="0"/>
+              <a:t>Once debugged, if you don’t modify them, you should never introduce new bugs from them</a:t>
+            </a:r>
+          </a:p>
+          <a:p>
+            <a:r>
+              <a:rPr lang="en-US" dirty="0" smtClean="0"/>
+              <a:t>In higher level languages (C, C++, python, </a:t>
+            </a:r>
+            <a:r>
+              <a:rPr lang="en-US" dirty="0" err="1" smtClean="0"/>
+              <a:t>etc</a:t>
+            </a:r>
+            <a:r>
+              <a:rPr lang="en-US" dirty="0" smtClean="0"/>
+              <a:t>) we would call these functions</a:t>
+            </a:r>
+          </a:p>
+          <a:p>
+            <a:pPr lvl="1"/>
+            <a:r>
+              <a:rPr lang="en-US" dirty="0" smtClean="0"/>
+              <a:t>We’ll talk about this later when we cover C after </a:t>
+            </a:r>
+            <a:r>
+              <a:rPr lang="en-US" dirty="0" err="1" smtClean="0"/>
+              <a:t>prog</a:t>
+            </a:r>
+            <a:endParaRPr lang="en-US" dirty="0"/>
+          </a:p>
+        </p:txBody>
+      </p:sp>
+    </p:spTree>
+    <p:extLst>
+      <p:ext uri="{BB962C8B-B14F-4D97-AF65-F5344CB8AC3E}">
+        <p14:creationId xmlns:p14="http://schemas.microsoft.com/office/powerpoint/2010/main" val="1199781546"/>
+      </p:ext>
+    </p:extLst>
+  </p:cSld>
+  <p:clrMapOvr>
+    <a:masterClrMapping/>
+  </p:clrMapOvr>
+</p:sld>
+</file>
+
+<file path=ppt/slides/slide25.xml><?xml version="1.0" encoding="utf-8"?>
+<p:sld xmlns:a="http://schemas.openxmlformats.org/drawingml/2006/main" xmlns:r="http://schemas.openxmlformats.org/officeDocument/2006/relationships" xmlns:p="http://schemas.openxmlformats.org/presentationml/2006/main">
+  <p:cSld>
+    <p:spTree>
+      <p:nvGrpSpPr>
+        <p:cNvPr id="1" name=""/>
+        <p:cNvGrpSpPr/>
+        <p:nvPr/>
+      </p:nvGrpSpPr>
+      <p:grpSpPr>
+        <a:xfrm>
+          <a:off x="0" y="0"/>
+          <a:ext cx="0" cy="0"/>
+          <a:chOff x="0" y="0"/>
+          <a:chExt cx="0" cy="0"/>
+        </a:xfrm>
+      </p:grpSpPr>
+      <p:sp>
+        <p:nvSpPr>
+          <p:cNvPr id="2" name="Title 1"/>
+          <p:cNvSpPr>
+            <a:spLocks noGrp="1"/>
+          </p:cNvSpPr>
+          <p:nvPr>
+            <p:ph type="title"/>
+          </p:nvPr>
+        </p:nvSpPr>
+        <p:spPr/>
+        <p:txBody>
+          <a:bodyPr/>
+          <a:lstStyle/>
+          <a:p>
+            <a:r>
+              <a:rPr lang="en-US" b="1" dirty="0" smtClean="0"/>
+              <a:t>Example Subroutine</a:t>
+            </a:r>
+            <a:endParaRPr lang="en-US" dirty="0"/>
+          </a:p>
+        </p:txBody>
+      </p:sp>
+      <p:sp>
+        <p:nvSpPr>
+          <p:cNvPr id="3" name="Content Placeholder 2"/>
+          <p:cNvSpPr>
+            <a:spLocks noGrp="1"/>
+          </p:cNvSpPr>
+          <p:nvPr>
+            <p:ph idx="1"/>
+          </p:nvPr>
+        </p:nvSpPr>
+        <p:spPr>
+          <a:xfrm>
+            <a:off x="248280" y="1515827"/>
+            <a:ext cx="8621400" cy="4773150"/>
+          </a:xfrm>
+        </p:spPr>
+        <p:txBody>
+          <a:bodyPr/>
+          <a:lstStyle/>
+          <a:p>
+            <a:pPr marL="0" indent="0">
+              <a:buNone/>
+            </a:pPr>
+            <a:r>
+              <a:rPr lang="en-US" sz="1400" dirty="0">
+                <a:solidFill>
+                  <a:schemeClr val="accent2"/>
+                </a:solidFill>
+                <a:latin typeface="Courier New" pitchFamily="49" charset="0"/>
+                <a:cs typeface="Courier New" pitchFamily="49" charset="0"/>
+              </a:rPr>
+              <a:t>main:</a:t>
+            </a:r>
+          </a:p>
+          <a:p>
+            <a:pPr marL="0" indent="0">
+              <a:buNone/>
+            </a:pPr>
+            <a:r>
+              <a:rPr lang="en-US" sz="1400" dirty="0">
+                <a:solidFill>
+                  <a:schemeClr val="accent2"/>
+                </a:solidFill>
+                <a:latin typeface="Courier New" pitchFamily="49" charset="0"/>
+                <a:cs typeface="Courier New" pitchFamily="49" charset="0"/>
+              </a:rPr>
+              <a:t>    </a:t>
+            </a:r>
+            <a:r>
+              <a:rPr lang="en-US" sz="1400" dirty="0" err="1">
+                <a:solidFill>
+                  <a:schemeClr val="accent2"/>
+                </a:solidFill>
+                <a:latin typeface="Courier New" pitchFamily="49" charset="0"/>
+                <a:cs typeface="Courier New" pitchFamily="49" charset="0"/>
+              </a:rPr>
+              <a:t>mov.w</a:t>
+            </a:r>
+            <a:r>
+              <a:rPr lang="en-US" sz="1400" dirty="0">
+                <a:solidFill>
+                  <a:schemeClr val="accent2"/>
+                </a:solidFill>
+                <a:latin typeface="Courier New" pitchFamily="49" charset="0"/>
+                <a:cs typeface="Courier New" pitchFamily="49" charset="0"/>
+              </a:rPr>
+              <a:t>   #2, r10</a:t>
+            </a:r>
+          </a:p>
+          <a:p>
+            <a:pPr marL="0" indent="0">
+              <a:buNone/>
+            </a:pPr>
+            <a:r>
+              <a:rPr lang="en-US" sz="1400" dirty="0">
+                <a:solidFill>
+                  <a:schemeClr val="accent2"/>
+                </a:solidFill>
+                <a:latin typeface="Courier New" pitchFamily="49" charset="0"/>
+                <a:cs typeface="Courier New" pitchFamily="49" charset="0"/>
+              </a:rPr>
+              <a:t>    </a:t>
+            </a:r>
+            <a:r>
+              <a:rPr lang="en-US" sz="1400" dirty="0" err="1">
+                <a:solidFill>
+                  <a:schemeClr val="accent2"/>
+                </a:solidFill>
+                <a:latin typeface="Courier New" pitchFamily="49" charset="0"/>
+                <a:cs typeface="Courier New" pitchFamily="49" charset="0"/>
+              </a:rPr>
+              <a:t>mov.w</a:t>
+            </a:r>
+            <a:r>
+              <a:rPr lang="en-US" sz="1400" dirty="0">
+                <a:solidFill>
+                  <a:schemeClr val="accent2"/>
+                </a:solidFill>
+                <a:latin typeface="Courier New" pitchFamily="49" charset="0"/>
+                <a:cs typeface="Courier New" pitchFamily="49" charset="0"/>
+              </a:rPr>
+              <a:t>   #4, r11</a:t>
+            </a:r>
+          </a:p>
+          <a:p>
+            <a:pPr marL="0" indent="0">
+              <a:buNone/>
+            </a:pPr>
+            <a:r>
+              <a:rPr lang="en-US" sz="1400" dirty="0">
+                <a:solidFill>
+                  <a:schemeClr val="accent2"/>
+                </a:solidFill>
+                <a:latin typeface="Courier New" pitchFamily="49" charset="0"/>
+                <a:cs typeface="Courier New" pitchFamily="49" charset="0"/>
+              </a:rPr>
+              <a:t>    call    #addition</a:t>
+            </a:r>
+          </a:p>
+          <a:p>
+            <a:pPr marL="0" indent="0">
+              <a:buNone/>
+            </a:pPr>
+            <a:r>
+              <a:rPr lang="en-US" sz="1400" dirty="0">
+                <a:solidFill>
+                  <a:schemeClr val="accent2"/>
+                </a:solidFill>
+                <a:latin typeface="Courier New" pitchFamily="49" charset="0"/>
+                <a:cs typeface="Courier New" pitchFamily="49" charset="0"/>
+              </a:rPr>
+              <a:t>    </a:t>
+            </a:r>
+            <a:r>
+              <a:rPr lang="en-US" sz="1400" dirty="0" err="1">
+                <a:solidFill>
+                  <a:schemeClr val="accent2"/>
+                </a:solidFill>
+                <a:latin typeface="Courier New" pitchFamily="49" charset="0"/>
+                <a:cs typeface="Courier New" pitchFamily="49" charset="0"/>
+              </a:rPr>
+              <a:t>nop</a:t>
+            </a:r>
+            <a:endParaRPr lang="en-US" sz="1400" dirty="0">
+              <a:solidFill>
+                <a:schemeClr val="accent2"/>
+              </a:solidFill>
+              <a:latin typeface="Courier New" pitchFamily="49" charset="0"/>
+              <a:cs typeface="Courier New" pitchFamily="49" charset="0"/>
+            </a:endParaRPr>
+          </a:p>
+          <a:p>
+            <a:pPr marL="0" indent="0">
+              <a:buNone/>
+            </a:pPr>
+            <a:r>
+              <a:rPr lang="en-US" sz="1400" dirty="0">
+                <a:solidFill>
+                  <a:schemeClr val="accent2"/>
+                </a:solidFill>
+                <a:latin typeface="Courier New" pitchFamily="49" charset="0"/>
+                <a:cs typeface="Courier New" pitchFamily="49" charset="0"/>
+              </a:rPr>
+              <a:t>    </a:t>
+            </a:r>
+            <a:r>
+              <a:rPr lang="en-US" sz="1400" dirty="0" err="1">
+                <a:solidFill>
+                  <a:schemeClr val="accent2"/>
+                </a:solidFill>
+                <a:latin typeface="Courier New" pitchFamily="49" charset="0"/>
+                <a:cs typeface="Courier New" pitchFamily="49" charset="0"/>
+              </a:rPr>
+              <a:t>nop</a:t>
+            </a:r>
+            <a:endParaRPr lang="en-US" sz="1400" dirty="0">
+              <a:solidFill>
+                <a:schemeClr val="accent2"/>
+              </a:solidFill>
+              <a:latin typeface="Courier New" pitchFamily="49" charset="0"/>
+              <a:cs typeface="Courier New" pitchFamily="49" charset="0"/>
+            </a:endParaRPr>
+          </a:p>
+          <a:p>
+            <a:pPr marL="0" indent="0">
+              <a:buNone/>
+            </a:pPr>
+            <a:r>
+              <a:rPr lang="en-US" sz="1400" dirty="0">
+                <a:solidFill>
+                  <a:schemeClr val="accent2"/>
+                </a:solidFill>
+                <a:latin typeface="Courier New" pitchFamily="49" charset="0"/>
+                <a:cs typeface="Courier New" pitchFamily="49" charset="0"/>
+              </a:rPr>
+              <a:t>    </a:t>
+            </a:r>
+            <a:r>
+              <a:rPr lang="en-US" sz="1400" dirty="0" err="1">
+                <a:solidFill>
+                  <a:schemeClr val="accent2"/>
+                </a:solidFill>
+                <a:latin typeface="Courier New" pitchFamily="49" charset="0"/>
+                <a:cs typeface="Courier New" pitchFamily="49" charset="0"/>
+              </a:rPr>
+              <a:t>nop</a:t>
+            </a:r>
+            <a:endParaRPr lang="en-US" sz="1400" dirty="0">
+              <a:solidFill>
+                <a:schemeClr val="accent2"/>
+              </a:solidFill>
+              <a:latin typeface="Courier New" pitchFamily="49" charset="0"/>
+              <a:cs typeface="Courier New" pitchFamily="49" charset="0"/>
+            </a:endParaRPr>
+          </a:p>
+          <a:p>
+            <a:pPr marL="0" indent="0">
+              <a:buNone/>
+            </a:pPr>
+            <a:r>
+              <a:rPr lang="en-US" sz="1400" dirty="0">
+                <a:solidFill>
+                  <a:schemeClr val="accent2"/>
+                </a:solidFill>
+                <a:latin typeface="Courier New" pitchFamily="49" charset="0"/>
+                <a:cs typeface="Courier New" pitchFamily="49" charset="0"/>
+              </a:rPr>
+              <a:t>    </a:t>
+            </a:r>
+            <a:r>
+              <a:rPr lang="en-US" sz="1400" dirty="0" err="1">
+                <a:solidFill>
+                  <a:schemeClr val="accent2"/>
+                </a:solidFill>
+                <a:latin typeface="Courier New" pitchFamily="49" charset="0"/>
+                <a:cs typeface="Courier New" pitchFamily="49" charset="0"/>
+              </a:rPr>
+              <a:t>nop</a:t>
+            </a:r>
+            <a:endParaRPr lang="en-US" sz="1400" dirty="0">
+              <a:solidFill>
+                <a:schemeClr val="accent2"/>
+              </a:solidFill>
+              <a:latin typeface="Courier New" pitchFamily="49" charset="0"/>
+              <a:cs typeface="Courier New" pitchFamily="49" charset="0"/>
+            </a:endParaRPr>
+          </a:p>
+          <a:p>
+            <a:pPr marL="0" indent="0">
+              <a:buNone/>
+            </a:pPr>
+            <a:endParaRPr lang="en-US" sz="1400" dirty="0">
+              <a:solidFill>
+                <a:schemeClr val="accent2"/>
+              </a:solidFill>
+              <a:latin typeface="Courier New" pitchFamily="49" charset="0"/>
+              <a:cs typeface="Courier New" pitchFamily="49" charset="0"/>
+            </a:endParaRPr>
+          </a:p>
+          <a:p>
+            <a:pPr marL="0" indent="0">
+              <a:buNone/>
+            </a:pPr>
+            <a:r>
+              <a:rPr lang="en-US" sz="1400" dirty="0">
+                <a:solidFill>
+                  <a:schemeClr val="accent2"/>
+                </a:solidFill>
+                <a:latin typeface="Courier New" pitchFamily="49" charset="0"/>
+                <a:cs typeface="Courier New" pitchFamily="49" charset="0"/>
+              </a:rPr>
+              <a:t>addition:</a:t>
+            </a:r>
+          </a:p>
+          <a:p>
+            <a:pPr marL="0" indent="0">
+              <a:buNone/>
+            </a:pPr>
+            <a:r>
+              <a:rPr lang="en-US" sz="1400" dirty="0">
+                <a:solidFill>
+                  <a:schemeClr val="accent2"/>
+                </a:solidFill>
+                <a:latin typeface="Courier New" pitchFamily="49" charset="0"/>
+                <a:cs typeface="Courier New" pitchFamily="49" charset="0"/>
+              </a:rPr>
+              <a:t>    </a:t>
+            </a:r>
+            <a:r>
+              <a:rPr lang="en-US" sz="1400" dirty="0" err="1">
+                <a:solidFill>
+                  <a:schemeClr val="accent2"/>
+                </a:solidFill>
+                <a:latin typeface="Courier New" pitchFamily="49" charset="0"/>
+                <a:cs typeface="Courier New" pitchFamily="49" charset="0"/>
+              </a:rPr>
+              <a:t>add.w</a:t>
+            </a:r>
+            <a:r>
+              <a:rPr lang="en-US" sz="1400" dirty="0">
+                <a:solidFill>
+                  <a:schemeClr val="accent2"/>
+                </a:solidFill>
+                <a:latin typeface="Courier New" pitchFamily="49" charset="0"/>
+                <a:cs typeface="Courier New" pitchFamily="49" charset="0"/>
+              </a:rPr>
+              <a:t>   r10, r11 </a:t>
+            </a:r>
+          </a:p>
+          <a:p>
+            <a:pPr marL="0" indent="0">
+              <a:buNone/>
+            </a:pPr>
+            <a:r>
+              <a:rPr lang="en-US" sz="1400" dirty="0">
+                <a:solidFill>
+                  <a:schemeClr val="accent2"/>
+                </a:solidFill>
+                <a:latin typeface="Courier New" pitchFamily="49" charset="0"/>
+                <a:cs typeface="Courier New" pitchFamily="49" charset="0"/>
+              </a:rPr>
+              <a:t>    </a:t>
+            </a:r>
+            <a:r>
+              <a:rPr lang="en-US" sz="1400" dirty="0" smtClean="0">
+                <a:solidFill>
+                  <a:schemeClr val="accent2"/>
+                </a:solidFill>
+                <a:latin typeface="Courier New" pitchFamily="49" charset="0"/>
+                <a:cs typeface="Courier New" pitchFamily="49" charset="0"/>
+              </a:rPr>
+              <a:t>ret</a:t>
+            </a:r>
+          </a:p>
+          <a:p>
+            <a:pPr marL="0" indent="0">
+              <a:buNone/>
+            </a:pPr>
+            <a:endParaRPr lang="en-US" sz="1400" dirty="0">
+              <a:solidFill>
+                <a:schemeClr val="accent2"/>
+              </a:solidFill>
+              <a:latin typeface="Courier New" pitchFamily="49" charset="0"/>
+              <a:cs typeface="Courier New" pitchFamily="49" charset="0"/>
+            </a:endParaRPr>
+          </a:p>
+          <a:p>
+            <a:pPr marL="0" indent="0">
+              <a:buNone/>
+            </a:pPr>
+            <a:r>
+              <a:rPr lang="en-US" sz="1400" dirty="0">
+                <a:solidFill>
+                  <a:schemeClr val="accent2"/>
+                </a:solidFill>
+                <a:latin typeface="Courier New" pitchFamily="49" charset="0"/>
+                <a:cs typeface="Courier New" pitchFamily="49" charset="0"/>
+              </a:rPr>
+              <a:t>s</a:t>
+            </a:r>
+            <a:r>
+              <a:rPr lang="en-US" sz="1400" dirty="0" smtClean="0">
+                <a:solidFill>
+                  <a:schemeClr val="accent2"/>
+                </a:solidFill>
+                <a:latin typeface="Courier New" pitchFamily="49" charset="0"/>
+                <a:cs typeface="Courier New" pitchFamily="49" charset="0"/>
+              </a:rPr>
+              <a:t>ubtraction:</a:t>
+            </a:r>
+          </a:p>
+          <a:p>
+            <a:pPr marL="0" indent="0">
+              <a:buNone/>
+            </a:pPr>
+            <a:r>
+              <a:rPr lang="en-US" sz="1400" dirty="0">
+                <a:solidFill>
+                  <a:schemeClr val="accent2"/>
+                </a:solidFill>
+                <a:latin typeface="Courier New" pitchFamily="49" charset="0"/>
+                <a:cs typeface="Courier New" pitchFamily="49" charset="0"/>
+              </a:rPr>
+              <a:t> </a:t>
+            </a:r>
+            <a:r>
+              <a:rPr lang="en-US" sz="1400" dirty="0" smtClean="0">
+                <a:solidFill>
+                  <a:schemeClr val="accent2"/>
+                </a:solidFill>
+                <a:latin typeface="Courier New" pitchFamily="49" charset="0"/>
+                <a:cs typeface="Courier New" pitchFamily="49" charset="0"/>
+              </a:rPr>
+              <a:t>   …  </a:t>
+            </a:r>
+            <a:r>
+              <a:rPr lang="en-US" sz="1400" dirty="0" smtClean="0">
+                <a:solidFill>
+                  <a:srgbClr val="00B050"/>
+                </a:solidFill>
+                <a:latin typeface="Courier New" pitchFamily="49" charset="0"/>
+                <a:cs typeface="Courier New" pitchFamily="49" charset="0"/>
+              </a:rPr>
+              <a:t>; code here</a:t>
+            </a:r>
+          </a:p>
+          <a:p>
+            <a:pPr marL="0" indent="0">
+              <a:buNone/>
+            </a:pPr>
+            <a:endParaRPr lang="en-US" sz="1400" dirty="0">
+              <a:solidFill>
+                <a:schemeClr val="accent2"/>
+              </a:solidFill>
+              <a:latin typeface="Courier New" pitchFamily="49" charset="0"/>
+              <a:cs typeface="Courier New" pitchFamily="49" charset="0"/>
+            </a:endParaRPr>
+          </a:p>
+          <a:p>
+            <a:pPr marL="0" indent="0">
+              <a:buNone/>
+            </a:pPr>
+            <a:r>
+              <a:rPr lang="en-US" sz="1400" dirty="0">
+                <a:solidFill>
+                  <a:schemeClr val="accent2"/>
+                </a:solidFill>
+                <a:latin typeface="Courier New" pitchFamily="49" charset="0"/>
+                <a:cs typeface="Courier New" pitchFamily="49" charset="0"/>
+              </a:rPr>
+              <a:t>m</a:t>
+            </a:r>
+            <a:r>
+              <a:rPr lang="en-US" sz="1400" dirty="0" smtClean="0">
+                <a:solidFill>
+                  <a:schemeClr val="accent2"/>
+                </a:solidFill>
+                <a:latin typeface="Courier New" pitchFamily="49" charset="0"/>
+                <a:cs typeface="Courier New" pitchFamily="49" charset="0"/>
+              </a:rPr>
+              <a:t>ultiplication:</a:t>
+            </a:r>
+          </a:p>
+          <a:p>
+            <a:pPr marL="0" indent="0">
+              <a:buNone/>
+            </a:pPr>
+            <a:r>
+              <a:rPr lang="en-US" sz="1400" dirty="0">
+                <a:solidFill>
+                  <a:schemeClr val="accent2"/>
+                </a:solidFill>
+                <a:latin typeface="Courier New" pitchFamily="49" charset="0"/>
+                <a:cs typeface="Courier New" pitchFamily="49" charset="0"/>
+              </a:rPr>
+              <a:t> </a:t>
+            </a:r>
+            <a:r>
+              <a:rPr lang="en-US" sz="1400" dirty="0" smtClean="0">
+                <a:solidFill>
+                  <a:schemeClr val="accent2"/>
+                </a:solidFill>
+                <a:latin typeface="Courier New" pitchFamily="49" charset="0"/>
+                <a:cs typeface="Courier New" pitchFamily="49" charset="0"/>
+              </a:rPr>
+              <a:t>   …  </a:t>
+            </a:r>
+            <a:r>
+              <a:rPr lang="en-US" sz="1400" dirty="0" smtClean="0">
+                <a:solidFill>
+                  <a:srgbClr val="00B050"/>
+                </a:solidFill>
+                <a:latin typeface="Courier New" pitchFamily="49" charset="0"/>
+                <a:cs typeface="Courier New" pitchFamily="49" charset="0"/>
+              </a:rPr>
+              <a:t>; code here</a:t>
+            </a:r>
+          </a:p>
+        </p:txBody>
+      </p:sp>
+      <p:sp>
+        <p:nvSpPr>
+          <p:cNvPr id="4" name="Right Brace 3"/>
+          <p:cNvSpPr/>
+          <p:nvPr/>
+        </p:nvSpPr>
+        <p:spPr bwMode="auto">
+          <a:xfrm>
+            <a:off x="3026980" y="3902402"/>
+            <a:ext cx="512379" cy="2372711"/>
+          </a:xfrm>
+          <a:prstGeom prst="rightBrace">
+            <a:avLst/>
+          </a:prstGeom>
+          <a:noFill/>
+          <a:ln w="12700" cap="flat" cmpd="sng" algn="ctr">
+            <a:solidFill>
+              <a:schemeClr val="tx1"/>
+            </a:solidFill>
+            <a:prstDash val="solid"/>
+            <a:round/>
+            <a:headEnd type="none" w="med" len="med"/>
+            <a:tailEnd type="none" w="med" len="med"/>
+          </a:ln>
+          <a:effectLst/>
+        </p:spPr>
+        <p:txBody>
+          <a:bodyPr vert="horz" wrap="square" lIns="91440" tIns="45720" rIns="91440" bIns="45720" numCol="1" rtlCol="0" anchor="t" anchorCtr="0" compatLnSpc="1">
+            <a:prstTxWarp prst="textNoShape">
+              <a:avLst/>
+            </a:prstTxWarp>
+          </a:bodyPr>
+          <a:lstStyle/>
+          <a:p>
+            <a:pPr marL="0" marR="0" indent="0" algn="ctr" defTabSz="914400" rtl="0" eaLnBrk="0" fontAlgn="base" latinLnBrk="0" hangingPunct="0">
+              <a:lnSpc>
+                <a:spcPct val="100000"/>
+              </a:lnSpc>
+              <a:spcBef>
+                <a:spcPct val="0"/>
+              </a:spcBef>
+              <a:spcAft>
+                <a:spcPct val="0"/>
+              </a:spcAft>
+              <a:buClrTx/>
+              <a:buSzTx/>
+              <a:buFontTx/>
+              <a:buNone/>
+              <a:tabLst/>
+            </a:pPr>
+            <a:endParaRPr kumimoji="0" lang="en-US" sz="1600" b="0" i="0" u="none" strike="noStrike" cap="none" normalizeH="0" baseline="0" smtClean="0">
+              <a:ln>
+                <a:noFill/>
+              </a:ln>
+              <a:solidFill>
+                <a:schemeClr val="tx1"/>
+              </a:solidFill>
+              <a:effectLst/>
+              <a:latin typeface="Arial" charset="0"/>
+            </a:endParaRPr>
+          </a:p>
+        </p:txBody>
+      </p:sp>
+      <p:sp>
+        <p:nvSpPr>
+          <p:cNvPr id="5" name="TextBox 4"/>
+          <p:cNvSpPr txBox="1"/>
+          <p:nvPr/>
+        </p:nvSpPr>
+        <p:spPr>
+          <a:xfrm>
+            <a:off x="3756923" y="4488592"/>
+            <a:ext cx="4895193" cy="1200329"/>
+          </a:xfrm>
+          <a:prstGeom prst="rect">
+            <a:avLst/>
+          </a:prstGeom>
+          <a:noFill/>
+        </p:spPr>
+        <p:txBody>
+          <a:bodyPr wrap="square" rtlCol="0">
+            <a:spAutoFit/>
+          </a:bodyPr>
+          <a:lstStyle/>
+          <a:p>
+            <a:r>
+              <a:rPr lang="en-US" dirty="0" smtClean="0"/>
+              <a:t>You could write an entire library of functions and use them in different projects (once they are tested)</a:t>
+            </a:r>
+            <a:endParaRPr lang="en-US" dirty="0"/>
+          </a:p>
+        </p:txBody>
+      </p:sp>
+      <p:sp>
+        <p:nvSpPr>
+          <p:cNvPr id="6" name="Rectangular Callout 5"/>
+          <p:cNvSpPr/>
+          <p:nvPr/>
+        </p:nvSpPr>
+        <p:spPr bwMode="auto">
+          <a:xfrm>
+            <a:off x="4158943" y="1994338"/>
+            <a:ext cx="2888243" cy="890752"/>
+          </a:xfrm>
+          <a:prstGeom prst="wedgeRectCallout">
+            <a:avLst>
+              <a:gd name="adj1" fmla="val -101964"/>
+              <a:gd name="adj2" fmla="val -1355"/>
+            </a:avLst>
+          </a:prstGeom>
+          <a:solidFill>
+            <a:srgbClr val="FFFF00"/>
+          </a:solidFill>
+          <a:ln w="12700" cap="flat" cmpd="sng" algn="ctr">
+            <a:solidFill>
+              <a:schemeClr val="accent6">
+                <a:lumMod val="40000"/>
+                <a:lumOff val="60000"/>
+              </a:schemeClr>
+            </a:solidFill>
+            <a:prstDash val="solid"/>
+            <a:round/>
+            <a:headEnd type="none" w="med" len="med"/>
+            <a:tailEnd type="none" w="med" len="med"/>
+          </a:ln>
+          <a:effectLst/>
+        </p:spPr>
+        <p:txBody>
+          <a:bodyPr vert="horz" wrap="square" lIns="91440" tIns="45720" rIns="91440" bIns="45720" numCol="1" rtlCol="0" anchor="ctr" anchorCtr="0" compatLnSpc="1">
+            <a:prstTxWarp prst="textNoShape">
+              <a:avLst/>
+            </a:prstTxWarp>
+          </a:bodyPr>
+          <a:lstStyle/>
+          <a:p>
+            <a:pPr marL="0" marR="0" indent="0" algn="ctr" defTabSz="914400" rtl="0" eaLnBrk="0" fontAlgn="base" latinLnBrk="0" hangingPunct="0">
+              <a:lnSpc>
+                <a:spcPct val="100000"/>
+              </a:lnSpc>
+              <a:spcBef>
+                <a:spcPct val="0"/>
+              </a:spcBef>
+              <a:spcAft>
+                <a:spcPct val="0"/>
+              </a:spcAft>
+              <a:buClrTx/>
+              <a:buSzTx/>
+              <a:buFontTx/>
+              <a:buNone/>
+              <a:tabLst/>
+            </a:pPr>
+            <a:r>
+              <a:rPr kumimoji="0" lang="en-US" sz="1600" b="0" i="0" u="none" strike="noStrike" cap="none" normalizeH="0" baseline="0" dirty="0" smtClean="0">
+                <a:ln>
+                  <a:noFill/>
+                </a:ln>
+                <a:effectLst/>
+                <a:latin typeface="Arial" charset="0"/>
+              </a:rPr>
+              <a:t>Here we are only using</a:t>
+            </a:r>
+            <a:r>
+              <a:rPr kumimoji="0" lang="en-US" sz="1600" b="0" i="0" u="none" strike="noStrike" cap="none" normalizeH="0" dirty="0" smtClean="0">
+                <a:ln>
+                  <a:noFill/>
+                </a:ln>
+                <a:effectLst/>
+                <a:latin typeface="Arial" charset="0"/>
+              </a:rPr>
+              <a:t> the addition subroutine right now.</a:t>
+            </a:r>
+            <a:endParaRPr kumimoji="0" lang="en-US" sz="1600" b="0" i="0" u="none" strike="noStrike" cap="none" normalizeH="0" baseline="0" dirty="0" smtClean="0">
+              <a:ln>
+                <a:noFill/>
+              </a:ln>
+              <a:effectLst/>
+              <a:latin typeface="Arial" charset="0"/>
+            </a:endParaRPr>
+          </a:p>
+        </p:txBody>
+      </p:sp>
+    </p:spTree>
+    <p:extLst>
+      <p:ext uri="{BB962C8B-B14F-4D97-AF65-F5344CB8AC3E}">
+        <p14:creationId xmlns:p14="http://schemas.microsoft.com/office/powerpoint/2010/main" val="3055694008"/>
+      </p:ext>
+    </p:extLst>
+  </p:cSld>
+  <p:clrMapOvr>
+    <a:masterClrMapping/>
+  </p:clrMapOvr>
+  <p:timing>
+    <p:tnLst>
+      <p:par>
+        <p:cTn id="1" dur="indefinite" restart="never" nodeType="tmRoot"/>
+      </p:par>
+    </p:tnLst>
+  </p:timing>
+</p:sld>
+</file>
+
+<file path=ppt/slides/slide26.xml><?xml version="1.0" encoding="utf-8"?>
+<p:sld xmlns:a="http://schemas.openxmlformats.org/drawingml/2006/main" xmlns:r="http://schemas.openxmlformats.org/officeDocument/2006/relationships" xmlns:p="http://schemas.openxmlformats.org/presentationml/2006/main">
+  <p:cSld>
+    <p:spTree>
+      <p:nvGrpSpPr>
+        <p:cNvPr id="1" name=""/>
+        <p:cNvGrpSpPr/>
+        <p:nvPr/>
+      </p:nvGrpSpPr>
+      <p:grpSpPr>
+        <a:xfrm>
+          <a:off x="0" y="0"/>
+          <a:ext cx="0" cy="0"/>
+          <a:chOff x="0" y="0"/>
+          <a:chExt cx="0" cy="0"/>
+        </a:xfrm>
+      </p:grpSpPr>
+      <p:sp>
+        <p:nvSpPr>
+          <p:cNvPr id="2" name="Title 1"/>
+          <p:cNvSpPr>
+            <a:spLocks noGrp="1"/>
+          </p:cNvSpPr>
+          <p:nvPr>
+            <p:ph type="title"/>
+          </p:nvPr>
+        </p:nvSpPr>
+        <p:spPr/>
+        <p:txBody>
+          <a:bodyPr/>
+          <a:lstStyle/>
+          <a:p>
+            <a:r>
               <a:rPr lang="en-US" b="1" dirty="0" smtClean="0"/>
               <a:t>Subroutines</a:t>
             </a:r>
@@ -16587,7 +17422,7 @@
         </p:spPr>
         <p:txBody>
           <a:bodyPr>
-            <a:normAutofit fontScale="92500" lnSpcReduction="20000"/>
+            <a:normAutofit fontScale="92500" lnSpcReduction="10000"/>
           </a:bodyPr>
           <a:lstStyle/>
           <a:p>
@@ -16597,7 +17432,15 @@
                   <a:schemeClr val="accent2"/>
                 </a:solidFill>
               </a:rPr>
-              <a:t>Why Subroutines?</a:t>
+              <a:t>How do s</a:t>
+            </a:r>
+            <a:r>
+              <a:rPr lang="en-US" sz="2000" dirty="0" smtClean="0">
+                <a:solidFill>
+                  <a:schemeClr val="accent2"/>
+                </a:solidFill>
+              </a:rPr>
+              <a:t>ubroutines work?</a:t>
             </a:r>
             <a:endParaRPr lang="en-US" sz="2000" dirty="0">
               <a:solidFill>
@@ -16608,19 +17451,23 @@
           <a:p>
             <a:pPr lvl="1"/>
             <a:r>
-              <a:rPr lang="en-US" sz="2000" dirty="0" smtClean="0"/>
-              <a:t>Supports Modularity; easier to read code; Supports re-use</a:t>
-            </a:r>
-          </a:p>
-          <a:p>
-            <a:pPr lvl="1"/>
-            <a:r>
               <a:rPr lang="en-US" sz="2000" dirty="0" smtClean="0">
                 <a:latin typeface="Courier New" pitchFamily="49" charset="0"/>
                 <a:cs typeface="Courier New" pitchFamily="49" charset="0"/>
               </a:rPr>
-              <a:t>Call #SQ_ROOT</a:t>
-            </a:r>
+              <a:t>Call #</a:t>
+            </a:r>
+            <a:r>
+              <a:rPr lang="en-US" dirty="0" smtClean="0">
+                <a:latin typeface="Courier New" pitchFamily="49" charset="0"/>
+                <a:cs typeface="Courier New" pitchFamily="49" charset="0"/>
+              </a:rPr>
+              <a:t>addition</a:t>
+            </a:r>
+            <a:endParaRPr lang="en-US" sz="2000" dirty="0" smtClean="0">
+              <a:latin typeface="Courier New" pitchFamily="49" charset="0"/>
+              <a:cs typeface="Courier New" pitchFamily="49" charset="0"/>
+            </a:endParaRPr>
           </a:p>
           <a:p>
             <a:pPr lvl="1"/>
@@ -16666,48 +17513,19 @@
               <a:t>Call </a:t>
             </a:r>
             <a:r>
-              <a:rPr lang="en-US" sz="1600" dirty="0">
-                <a:latin typeface="Courier New" pitchFamily="49" charset="0"/>
-                <a:cs typeface="Courier New" pitchFamily="49" charset="0"/>
-              </a:rPr>
-              <a:t>#</a:t>
-            </a:r>
-            <a:r>
               <a:rPr lang="en-US" sz="1600" dirty="0" smtClean="0">
                 <a:latin typeface="Courier New" pitchFamily="49" charset="0"/>
                 <a:cs typeface="Courier New" pitchFamily="49" charset="0"/>
               </a:rPr>
-              <a:t>SQ_ROOT</a:t>
-            </a:r>
-          </a:p>
-          <a:p>
-            <a:pPr marL="457200" lvl="1" indent="0">
-              <a:buNone/>
-            </a:pPr>
+              <a:t>#</a:t>
+            </a:r>
             <a:r>
               <a:rPr lang="en-US" sz="1600" dirty="0" smtClean="0">
                 <a:latin typeface="Courier New" pitchFamily="49" charset="0"/>
                 <a:cs typeface="Courier New" pitchFamily="49" charset="0"/>
               </a:rPr>
-              <a:t>…</a:t>
-            </a:r>
-          </a:p>
-          <a:p>
-            <a:pPr marL="457200" lvl="1" indent="0">
-              <a:buNone/>
-            </a:pPr>
-            <a:r>
-              <a:rPr lang="en-US" sz="1600" dirty="0" smtClean="0">
-                <a:latin typeface="Courier New" pitchFamily="49" charset="0"/>
-                <a:cs typeface="Courier New" pitchFamily="49" charset="0"/>
-              </a:rPr>
-              <a:t>…</a:t>
-            </a:r>
-          </a:p>
-          <a:p>
-            <a:pPr marL="457200" lvl="1" indent="0">
-              <a:buNone/>
-            </a:pPr>
+              <a:t>addition</a:t>
+            </a:r>
             <a:endParaRPr lang="en-US" sz="1600" dirty="0" smtClean="0">
               <a:latin typeface="Courier New" pitchFamily="49" charset="0"/>
               <a:cs typeface="Courier New" pitchFamily="49" charset="0"/>
@@ -16722,7 +17540,54 @@
                 <a:latin typeface="Courier New" pitchFamily="49" charset="0"/>
                 <a:cs typeface="Courier New" pitchFamily="49" charset="0"/>
               </a:rPr>
-              <a:t>SQ_ROOT:  …</a:t>
+              <a:t>…</a:t>
+            </a:r>
+          </a:p>
+          <a:p>
+            <a:pPr marL="457200" lvl="1" indent="0">
+              <a:buNone/>
+            </a:pPr>
+            <a:r>
+              <a:rPr lang="en-US" sz="1600" dirty="0" smtClean="0">
+                <a:latin typeface="Courier New" pitchFamily="49" charset="0"/>
+                <a:cs typeface="Courier New" pitchFamily="49" charset="0"/>
+              </a:rPr>
+              <a:t>…</a:t>
+            </a:r>
+          </a:p>
+          <a:p>
+            <a:pPr marL="457200" lvl="1" indent="0">
+              <a:buNone/>
+            </a:pPr>
+            <a:endParaRPr lang="en-US" sz="1600" dirty="0" smtClean="0">
+              <a:latin typeface="Courier New" pitchFamily="49" charset="0"/>
+              <a:cs typeface="Courier New" pitchFamily="49" charset="0"/>
+            </a:endParaRPr>
+          </a:p>
+          <a:p>
+            <a:pPr marL="457200" lvl="1" indent="0">
+              <a:buNone/>
+            </a:pPr>
+            <a:r>
+              <a:rPr lang="en-US" sz="1600" dirty="0" smtClean="0">
+                <a:latin typeface="Courier New" pitchFamily="49" charset="0"/>
+                <a:cs typeface="Courier New" pitchFamily="49" charset="0"/>
+              </a:rPr>
+              <a:t>addition</a:t>
+            </a:r>
+            <a:r>
+              <a:rPr lang="en-US" sz="1600" dirty="0" smtClean="0">
+                <a:latin typeface="Courier New" pitchFamily="49" charset="0"/>
+                <a:cs typeface="Courier New" pitchFamily="49" charset="0"/>
+              </a:rPr>
+              <a:t>:  </a:t>
+            </a:r>
+            <a:r>
+              <a:rPr lang="en-US" sz="1600" dirty="0" smtClean="0">
+                <a:latin typeface="Courier New" pitchFamily="49" charset="0"/>
+                <a:cs typeface="Courier New" pitchFamily="49" charset="0"/>
+              </a:rPr>
+              <a:t>…</a:t>
             </a:r>
           </a:p>
           <a:p>
@@ -16770,7 +17635,6 @@
               <a:rPr lang="en-US" sz="2000" dirty="0" smtClean="0"/>
               <a:t> </a:t>
             </a:r>
-            <a:endParaRPr lang="en-US" sz="2000" dirty="0" smtClean="0"/>
           </a:p>
         </p:txBody>
       </p:sp>
@@ -17579,1045 +18443,6 @@
 </p:sld>
 </file>
 
-<file path=ppt/slides/slide25.xml><?xml version="1.0" encoding="utf-8"?>
-<p:sld xmlns:a="http://schemas.openxmlformats.org/drawingml/2006/main" xmlns:r="http://schemas.openxmlformats.org/officeDocument/2006/relationships" xmlns:p="http://schemas.openxmlformats.org/presentationml/2006/main">
-  <p:cSld>
-    <p:spTree>
-      <p:nvGrpSpPr>
-        <p:cNvPr id="1" name=""/>
-        <p:cNvGrpSpPr/>
-        <p:nvPr/>
-      </p:nvGrpSpPr>
-      <p:grpSpPr>
-        <a:xfrm>
-          <a:off x="0" y="0"/>
-          <a:ext cx="0" cy="0"/>
-          <a:chOff x="0" y="0"/>
-          <a:chExt cx="0" cy="0"/>
-        </a:xfrm>
-      </p:grpSpPr>
-      <p:sp>
-        <p:nvSpPr>
-          <p:cNvPr id="2" name="Title 1"/>
-          <p:cNvSpPr>
-            <a:spLocks noGrp="1"/>
-          </p:cNvSpPr>
-          <p:nvPr>
-            <p:ph type="title"/>
-          </p:nvPr>
-        </p:nvSpPr>
-        <p:spPr/>
-        <p:txBody>
-          <a:bodyPr/>
-          <a:lstStyle/>
-          <a:p>
-            <a:r>
-              <a:rPr lang="en-US" b="1" dirty="0" smtClean="0"/>
-              <a:t>Example Subroutine</a:t>
-            </a:r>
-            <a:endParaRPr lang="en-US" dirty="0"/>
-          </a:p>
-        </p:txBody>
-      </p:sp>
-      <p:sp>
-        <p:nvSpPr>
-          <p:cNvPr id="3" name="Content Placeholder 2"/>
-          <p:cNvSpPr>
-            <a:spLocks noGrp="1"/>
-          </p:cNvSpPr>
-          <p:nvPr>
-            <p:ph idx="1"/>
-          </p:nvPr>
-        </p:nvSpPr>
-        <p:spPr>
-          <a:xfrm>
-            <a:off x="248280" y="1515827"/>
-            <a:ext cx="8621400" cy="4773150"/>
-          </a:xfrm>
-        </p:spPr>
-        <p:txBody>
-          <a:bodyPr/>
-          <a:lstStyle/>
-          <a:p>
-            <a:pPr marL="0" indent="0">
-              <a:buNone/>
-            </a:pPr>
-            <a:r>
-              <a:rPr lang="en-US" sz="1400" dirty="0">
-                <a:solidFill>
-                  <a:schemeClr val="accent2"/>
-                </a:solidFill>
-                <a:latin typeface="Courier New" pitchFamily="49" charset="0"/>
-                <a:cs typeface="Courier New" pitchFamily="49" charset="0"/>
-              </a:rPr>
-              <a:t>main:</a:t>
-            </a:r>
-          </a:p>
-          <a:p>
-            <a:pPr marL="0" indent="0">
-              <a:buNone/>
-            </a:pPr>
-            <a:r>
-              <a:rPr lang="en-US" sz="1400" dirty="0">
-                <a:solidFill>
-                  <a:schemeClr val="accent2"/>
-                </a:solidFill>
-                <a:latin typeface="Courier New" pitchFamily="49" charset="0"/>
-                <a:cs typeface="Courier New" pitchFamily="49" charset="0"/>
-              </a:rPr>
-              <a:t>    </a:t>
-            </a:r>
-            <a:r>
-              <a:rPr lang="en-US" sz="1400" dirty="0" err="1">
-                <a:solidFill>
-                  <a:schemeClr val="accent2"/>
-                </a:solidFill>
-                <a:latin typeface="Courier New" pitchFamily="49" charset="0"/>
-                <a:cs typeface="Courier New" pitchFamily="49" charset="0"/>
-              </a:rPr>
-              <a:t>mov.w</a:t>
-            </a:r>
-            <a:r>
-              <a:rPr lang="en-US" sz="1400" dirty="0">
-                <a:solidFill>
-                  <a:schemeClr val="accent2"/>
-                </a:solidFill>
-                <a:latin typeface="Courier New" pitchFamily="49" charset="0"/>
-                <a:cs typeface="Courier New" pitchFamily="49" charset="0"/>
-              </a:rPr>
-              <a:t>   #2, r10</a:t>
-            </a:r>
-          </a:p>
-          <a:p>
-            <a:pPr marL="0" indent="0">
-              <a:buNone/>
-            </a:pPr>
-            <a:r>
-              <a:rPr lang="en-US" sz="1400" dirty="0">
-                <a:solidFill>
-                  <a:schemeClr val="accent2"/>
-                </a:solidFill>
-                <a:latin typeface="Courier New" pitchFamily="49" charset="0"/>
-                <a:cs typeface="Courier New" pitchFamily="49" charset="0"/>
-              </a:rPr>
-              <a:t>    </a:t>
-            </a:r>
-            <a:r>
-              <a:rPr lang="en-US" sz="1400" dirty="0" err="1">
-                <a:solidFill>
-                  <a:schemeClr val="accent2"/>
-                </a:solidFill>
-                <a:latin typeface="Courier New" pitchFamily="49" charset="0"/>
-                <a:cs typeface="Courier New" pitchFamily="49" charset="0"/>
-              </a:rPr>
-              <a:t>mov.w</a:t>
-            </a:r>
-            <a:r>
-              <a:rPr lang="en-US" sz="1400" dirty="0">
-                <a:solidFill>
-                  <a:schemeClr val="accent2"/>
-                </a:solidFill>
-                <a:latin typeface="Courier New" pitchFamily="49" charset="0"/>
-                <a:cs typeface="Courier New" pitchFamily="49" charset="0"/>
-              </a:rPr>
-              <a:t>   #4, r11</a:t>
-            </a:r>
-          </a:p>
-          <a:p>
-            <a:pPr marL="0" indent="0">
-              <a:buNone/>
-            </a:pPr>
-            <a:r>
-              <a:rPr lang="en-US" sz="1400" dirty="0">
-                <a:solidFill>
-                  <a:schemeClr val="accent2"/>
-                </a:solidFill>
-                <a:latin typeface="Courier New" pitchFamily="49" charset="0"/>
-                <a:cs typeface="Courier New" pitchFamily="49" charset="0"/>
-              </a:rPr>
-              <a:t>    call    #addition</a:t>
-            </a:r>
-          </a:p>
-          <a:p>
-            <a:pPr marL="0" indent="0">
-              <a:buNone/>
-            </a:pPr>
-            <a:r>
-              <a:rPr lang="en-US" sz="1400" dirty="0">
-                <a:solidFill>
-                  <a:schemeClr val="accent2"/>
-                </a:solidFill>
-                <a:latin typeface="Courier New" pitchFamily="49" charset="0"/>
-                <a:cs typeface="Courier New" pitchFamily="49" charset="0"/>
-              </a:rPr>
-              <a:t>    </a:t>
-            </a:r>
-            <a:r>
-              <a:rPr lang="en-US" sz="1400" dirty="0" err="1">
-                <a:solidFill>
-                  <a:schemeClr val="accent2"/>
-                </a:solidFill>
-                <a:latin typeface="Courier New" pitchFamily="49" charset="0"/>
-                <a:cs typeface="Courier New" pitchFamily="49" charset="0"/>
-              </a:rPr>
-              <a:t>nop</a:t>
-            </a:r>
-            <a:endParaRPr lang="en-US" sz="1400" dirty="0">
-              <a:solidFill>
-                <a:schemeClr val="accent2"/>
-              </a:solidFill>
-              <a:latin typeface="Courier New" pitchFamily="49" charset="0"/>
-              <a:cs typeface="Courier New" pitchFamily="49" charset="0"/>
-            </a:endParaRPr>
-          </a:p>
-          <a:p>
-            <a:pPr marL="0" indent="0">
-              <a:buNone/>
-            </a:pPr>
-            <a:r>
-              <a:rPr lang="en-US" sz="1400" dirty="0">
-                <a:solidFill>
-                  <a:schemeClr val="accent2"/>
-                </a:solidFill>
-                <a:latin typeface="Courier New" pitchFamily="49" charset="0"/>
-                <a:cs typeface="Courier New" pitchFamily="49" charset="0"/>
-              </a:rPr>
-              <a:t>    </a:t>
-            </a:r>
-            <a:r>
-              <a:rPr lang="en-US" sz="1400" dirty="0" err="1">
-                <a:solidFill>
-                  <a:schemeClr val="accent2"/>
-                </a:solidFill>
-                <a:latin typeface="Courier New" pitchFamily="49" charset="0"/>
-                <a:cs typeface="Courier New" pitchFamily="49" charset="0"/>
-              </a:rPr>
-              <a:t>nop</a:t>
-            </a:r>
-            <a:endParaRPr lang="en-US" sz="1400" dirty="0">
-              <a:solidFill>
-                <a:schemeClr val="accent2"/>
-              </a:solidFill>
-              <a:latin typeface="Courier New" pitchFamily="49" charset="0"/>
-              <a:cs typeface="Courier New" pitchFamily="49" charset="0"/>
-            </a:endParaRPr>
-          </a:p>
-          <a:p>
-            <a:pPr marL="0" indent="0">
-              <a:buNone/>
-            </a:pPr>
-            <a:r>
-              <a:rPr lang="en-US" sz="1400" dirty="0">
-                <a:solidFill>
-                  <a:schemeClr val="accent2"/>
-                </a:solidFill>
-                <a:latin typeface="Courier New" pitchFamily="49" charset="0"/>
-                <a:cs typeface="Courier New" pitchFamily="49" charset="0"/>
-              </a:rPr>
-              <a:t>    </a:t>
-            </a:r>
-            <a:r>
-              <a:rPr lang="en-US" sz="1400" dirty="0" err="1">
-                <a:solidFill>
-                  <a:schemeClr val="accent2"/>
-                </a:solidFill>
-                <a:latin typeface="Courier New" pitchFamily="49" charset="0"/>
-                <a:cs typeface="Courier New" pitchFamily="49" charset="0"/>
-              </a:rPr>
-              <a:t>nop</a:t>
-            </a:r>
-            <a:endParaRPr lang="en-US" sz="1400" dirty="0">
-              <a:solidFill>
-                <a:schemeClr val="accent2"/>
-              </a:solidFill>
-              <a:latin typeface="Courier New" pitchFamily="49" charset="0"/>
-              <a:cs typeface="Courier New" pitchFamily="49" charset="0"/>
-            </a:endParaRPr>
-          </a:p>
-          <a:p>
-            <a:pPr marL="0" indent="0">
-              <a:buNone/>
-            </a:pPr>
-            <a:r>
-              <a:rPr lang="en-US" sz="1400" dirty="0">
-                <a:solidFill>
-                  <a:schemeClr val="accent2"/>
-                </a:solidFill>
-                <a:latin typeface="Courier New" pitchFamily="49" charset="0"/>
-                <a:cs typeface="Courier New" pitchFamily="49" charset="0"/>
-              </a:rPr>
-              <a:t>    </a:t>
-            </a:r>
-            <a:r>
-              <a:rPr lang="en-US" sz="1400" dirty="0" err="1">
-                <a:solidFill>
-                  <a:schemeClr val="accent2"/>
-                </a:solidFill>
-                <a:latin typeface="Courier New" pitchFamily="49" charset="0"/>
-                <a:cs typeface="Courier New" pitchFamily="49" charset="0"/>
-              </a:rPr>
-              <a:t>nop</a:t>
-            </a:r>
-            <a:endParaRPr lang="en-US" sz="1400" dirty="0">
-              <a:solidFill>
-                <a:schemeClr val="accent2"/>
-              </a:solidFill>
-              <a:latin typeface="Courier New" pitchFamily="49" charset="0"/>
-              <a:cs typeface="Courier New" pitchFamily="49" charset="0"/>
-            </a:endParaRPr>
-          </a:p>
-          <a:p>
-            <a:pPr marL="0" indent="0">
-              <a:buNone/>
-            </a:pPr>
-            <a:endParaRPr lang="en-US" sz="1400" dirty="0">
-              <a:solidFill>
-                <a:schemeClr val="accent2"/>
-              </a:solidFill>
-              <a:latin typeface="Courier New" pitchFamily="49" charset="0"/>
-              <a:cs typeface="Courier New" pitchFamily="49" charset="0"/>
-            </a:endParaRPr>
-          </a:p>
-          <a:p>
-            <a:pPr marL="0" indent="0">
-              <a:buNone/>
-            </a:pPr>
-            <a:r>
-              <a:rPr lang="en-US" sz="1400" dirty="0">
-                <a:solidFill>
-                  <a:schemeClr val="accent2"/>
-                </a:solidFill>
-                <a:latin typeface="Courier New" pitchFamily="49" charset="0"/>
-                <a:cs typeface="Courier New" pitchFamily="49" charset="0"/>
-              </a:rPr>
-              <a:t>addition:</a:t>
-            </a:r>
-          </a:p>
-          <a:p>
-            <a:pPr marL="0" indent="0">
-              <a:buNone/>
-            </a:pPr>
-            <a:r>
-              <a:rPr lang="en-US" sz="1400" dirty="0">
-                <a:solidFill>
-                  <a:schemeClr val="accent2"/>
-                </a:solidFill>
-                <a:latin typeface="Courier New" pitchFamily="49" charset="0"/>
-                <a:cs typeface="Courier New" pitchFamily="49" charset="0"/>
-              </a:rPr>
-              <a:t>    </a:t>
-            </a:r>
-            <a:r>
-              <a:rPr lang="en-US" sz="1400" dirty="0" err="1">
-                <a:solidFill>
-                  <a:schemeClr val="accent2"/>
-                </a:solidFill>
-                <a:latin typeface="Courier New" pitchFamily="49" charset="0"/>
-                <a:cs typeface="Courier New" pitchFamily="49" charset="0"/>
-              </a:rPr>
-              <a:t>add.w</a:t>
-            </a:r>
-            <a:r>
-              <a:rPr lang="en-US" sz="1400" dirty="0">
-                <a:solidFill>
-                  <a:schemeClr val="accent2"/>
-                </a:solidFill>
-                <a:latin typeface="Courier New" pitchFamily="49" charset="0"/>
-                <a:cs typeface="Courier New" pitchFamily="49" charset="0"/>
-              </a:rPr>
-              <a:t>   r10, r11 </a:t>
-            </a:r>
-          </a:p>
-          <a:p>
-            <a:pPr marL="0" indent="0">
-              <a:buNone/>
-            </a:pPr>
-            <a:r>
-              <a:rPr lang="en-US" sz="1400" dirty="0">
-                <a:solidFill>
-                  <a:schemeClr val="accent2"/>
-                </a:solidFill>
-                <a:latin typeface="Courier New" pitchFamily="49" charset="0"/>
-                <a:cs typeface="Courier New" pitchFamily="49" charset="0"/>
-              </a:rPr>
-              <a:t>    </a:t>
-            </a:r>
-            <a:r>
-              <a:rPr lang="en-US" sz="1400" dirty="0" smtClean="0">
-                <a:solidFill>
-                  <a:schemeClr val="accent2"/>
-                </a:solidFill>
-                <a:latin typeface="Courier New" pitchFamily="49" charset="0"/>
-                <a:cs typeface="Courier New" pitchFamily="49" charset="0"/>
-              </a:rPr>
-              <a:t>ret</a:t>
-            </a:r>
-          </a:p>
-          <a:p>
-            <a:pPr marL="0" indent="0">
-              <a:buNone/>
-            </a:pPr>
-            <a:endParaRPr lang="en-US" sz="1400" dirty="0">
-              <a:solidFill>
-                <a:schemeClr val="accent2"/>
-              </a:solidFill>
-              <a:latin typeface="Courier New" pitchFamily="49" charset="0"/>
-              <a:cs typeface="Courier New" pitchFamily="49" charset="0"/>
-            </a:endParaRPr>
-          </a:p>
-          <a:p>
-            <a:pPr marL="0" indent="0">
-              <a:buNone/>
-            </a:pPr>
-            <a:r>
-              <a:rPr lang="en-US" sz="1400" dirty="0">
-                <a:solidFill>
-                  <a:schemeClr val="accent2"/>
-                </a:solidFill>
-                <a:latin typeface="Courier New" pitchFamily="49" charset="0"/>
-                <a:cs typeface="Courier New" pitchFamily="49" charset="0"/>
-              </a:rPr>
-              <a:t>s</a:t>
-            </a:r>
-            <a:r>
-              <a:rPr lang="en-US" sz="1400" dirty="0" smtClean="0">
-                <a:solidFill>
-                  <a:schemeClr val="accent2"/>
-                </a:solidFill>
-                <a:latin typeface="Courier New" pitchFamily="49" charset="0"/>
-                <a:cs typeface="Courier New" pitchFamily="49" charset="0"/>
-              </a:rPr>
-              <a:t>ubtraction:</a:t>
-            </a:r>
-          </a:p>
-          <a:p>
-            <a:pPr marL="0" indent="0">
-              <a:buNone/>
-            </a:pPr>
-            <a:r>
-              <a:rPr lang="en-US" sz="1400" dirty="0">
-                <a:solidFill>
-                  <a:schemeClr val="accent2"/>
-                </a:solidFill>
-                <a:latin typeface="Courier New" pitchFamily="49" charset="0"/>
-                <a:cs typeface="Courier New" pitchFamily="49" charset="0"/>
-              </a:rPr>
-              <a:t> </a:t>
-            </a:r>
-            <a:r>
-              <a:rPr lang="en-US" sz="1400" dirty="0" smtClean="0">
-                <a:solidFill>
-                  <a:schemeClr val="accent2"/>
-                </a:solidFill>
-                <a:latin typeface="Courier New" pitchFamily="49" charset="0"/>
-                <a:cs typeface="Courier New" pitchFamily="49" charset="0"/>
-              </a:rPr>
-              <a:t>   …  </a:t>
-            </a:r>
-            <a:r>
-              <a:rPr lang="en-US" sz="1400" dirty="0" smtClean="0">
-                <a:solidFill>
-                  <a:srgbClr val="00B050"/>
-                </a:solidFill>
-                <a:latin typeface="Courier New" pitchFamily="49" charset="0"/>
-                <a:cs typeface="Courier New" pitchFamily="49" charset="0"/>
-              </a:rPr>
-              <a:t>; code here</a:t>
-            </a:r>
-          </a:p>
-          <a:p>
-            <a:pPr marL="0" indent="0">
-              <a:buNone/>
-            </a:pPr>
-            <a:endParaRPr lang="en-US" sz="1400" dirty="0">
-              <a:solidFill>
-                <a:schemeClr val="accent2"/>
-              </a:solidFill>
-              <a:latin typeface="Courier New" pitchFamily="49" charset="0"/>
-              <a:cs typeface="Courier New" pitchFamily="49" charset="0"/>
-            </a:endParaRPr>
-          </a:p>
-          <a:p>
-            <a:pPr marL="0" indent="0">
-              <a:buNone/>
-            </a:pPr>
-            <a:r>
-              <a:rPr lang="en-US" sz="1400" dirty="0">
-                <a:solidFill>
-                  <a:schemeClr val="accent2"/>
-                </a:solidFill>
-                <a:latin typeface="Courier New" pitchFamily="49" charset="0"/>
-                <a:cs typeface="Courier New" pitchFamily="49" charset="0"/>
-              </a:rPr>
-              <a:t>m</a:t>
-            </a:r>
-            <a:r>
-              <a:rPr lang="en-US" sz="1400" dirty="0" smtClean="0">
-                <a:solidFill>
-                  <a:schemeClr val="accent2"/>
-                </a:solidFill>
-                <a:latin typeface="Courier New" pitchFamily="49" charset="0"/>
-                <a:cs typeface="Courier New" pitchFamily="49" charset="0"/>
-              </a:rPr>
-              <a:t>ultiplication:</a:t>
-            </a:r>
-          </a:p>
-          <a:p>
-            <a:pPr marL="0" indent="0">
-              <a:buNone/>
-            </a:pPr>
-            <a:r>
-              <a:rPr lang="en-US" sz="1400" dirty="0">
-                <a:solidFill>
-                  <a:schemeClr val="accent2"/>
-                </a:solidFill>
-                <a:latin typeface="Courier New" pitchFamily="49" charset="0"/>
-                <a:cs typeface="Courier New" pitchFamily="49" charset="0"/>
-              </a:rPr>
-              <a:t> </a:t>
-            </a:r>
-            <a:r>
-              <a:rPr lang="en-US" sz="1400" dirty="0" smtClean="0">
-                <a:solidFill>
-                  <a:schemeClr val="accent2"/>
-                </a:solidFill>
-                <a:latin typeface="Courier New" pitchFamily="49" charset="0"/>
-                <a:cs typeface="Courier New" pitchFamily="49" charset="0"/>
-              </a:rPr>
-              <a:t>   …  </a:t>
-            </a:r>
-            <a:r>
-              <a:rPr lang="en-US" sz="1400" dirty="0" smtClean="0">
-                <a:solidFill>
-                  <a:srgbClr val="00B050"/>
-                </a:solidFill>
-                <a:latin typeface="Courier New" pitchFamily="49" charset="0"/>
-                <a:cs typeface="Courier New" pitchFamily="49" charset="0"/>
-              </a:rPr>
-              <a:t>; code here</a:t>
-            </a:r>
-            <a:endParaRPr lang="en-US" sz="1400" dirty="0" smtClean="0">
-              <a:solidFill>
-                <a:srgbClr val="00B050"/>
-              </a:solidFill>
-              <a:latin typeface="Courier New" pitchFamily="49" charset="0"/>
-              <a:cs typeface="Courier New" pitchFamily="49" charset="0"/>
-            </a:endParaRPr>
-          </a:p>
-        </p:txBody>
-      </p:sp>
-      <p:sp>
-        <p:nvSpPr>
-          <p:cNvPr id="4" name="Right Brace 3"/>
-          <p:cNvSpPr/>
-          <p:nvPr/>
-        </p:nvSpPr>
-        <p:spPr bwMode="auto">
-          <a:xfrm>
-            <a:off x="3026980" y="3902402"/>
-            <a:ext cx="512379" cy="2372711"/>
-          </a:xfrm>
-          <a:prstGeom prst="rightBrace">
-            <a:avLst/>
-          </a:prstGeom>
-          <a:noFill/>
-          <a:ln w="12700" cap="flat" cmpd="sng" algn="ctr">
-            <a:solidFill>
-              <a:schemeClr val="tx1"/>
-            </a:solidFill>
-            <a:prstDash val="solid"/>
-            <a:round/>
-            <a:headEnd type="none" w="med" len="med"/>
-            <a:tailEnd type="none" w="med" len="med"/>
-          </a:ln>
-          <a:effectLst/>
-        </p:spPr>
-        <p:txBody>
-          <a:bodyPr vert="horz" wrap="square" lIns="91440" tIns="45720" rIns="91440" bIns="45720" numCol="1" rtlCol="0" anchor="t" anchorCtr="0" compatLnSpc="1">
-            <a:prstTxWarp prst="textNoShape">
-              <a:avLst/>
-            </a:prstTxWarp>
-          </a:bodyPr>
-          <a:lstStyle/>
-          <a:p>
-            <a:pPr marL="0" marR="0" indent="0" algn="ctr" defTabSz="914400" rtl="0" eaLnBrk="0" fontAlgn="base" latinLnBrk="0" hangingPunct="0">
-              <a:lnSpc>
-                <a:spcPct val="100000"/>
-              </a:lnSpc>
-              <a:spcBef>
-                <a:spcPct val="0"/>
-              </a:spcBef>
-              <a:spcAft>
-                <a:spcPct val="0"/>
-              </a:spcAft>
-              <a:buClrTx/>
-              <a:buSzTx/>
-              <a:buFontTx/>
-              <a:buNone/>
-              <a:tabLst/>
-            </a:pPr>
-            <a:endParaRPr kumimoji="0" lang="en-US" sz="1600" b="0" i="0" u="none" strike="noStrike" cap="none" normalizeH="0" baseline="0" smtClean="0">
-              <a:ln>
-                <a:noFill/>
-              </a:ln>
-              <a:solidFill>
-                <a:schemeClr val="tx1"/>
-              </a:solidFill>
-              <a:effectLst/>
-              <a:latin typeface="Arial" charset="0"/>
-            </a:endParaRPr>
-          </a:p>
-        </p:txBody>
-      </p:sp>
-      <p:sp>
-        <p:nvSpPr>
-          <p:cNvPr id="5" name="TextBox 4"/>
-          <p:cNvSpPr txBox="1"/>
-          <p:nvPr/>
-        </p:nvSpPr>
-        <p:spPr>
-          <a:xfrm>
-            <a:off x="3756923" y="4488592"/>
-            <a:ext cx="4895193" cy="1200329"/>
-          </a:xfrm>
-          <a:prstGeom prst="rect">
-            <a:avLst/>
-          </a:prstGeom>
-          <a:noFill/>
-        </p:spPr>
-        <p:txBody>
-          <a:bodyPr wrap="square" rtlCol="0">
-            <a:spAutoFit/>
-          </a:bodyPr>
-          <a:lstStyle/>
-          <a:p>
-            <a:r>
-              <a:rPr lang="en-US" dirty="0" smtClean="0"/>
-              <a:t>You could write an entire library of functions and use them in different projects (once they are tested)</a:t>
-            </a:r>
-            <a:endParaRPr lang="en-US" dirty="0"/>
-          </a:p>
-        </p:txBody>
-      </p:sp>
-      <p:sp>
-        <p:nvSpPr>
-          <p:cNvPr id="6" name="Rectangular Callout 5"/>
-          <p:cNvSpPr/>
-          <p:nvPr/>
-        </p:nvSpPr>
-        <p:spPr bwMode="auto">
-          <a:xfrm>
-            <a:off x="4158943" y="1994338"/>
-            <a:ext cx="2888243" cy="890752"/>
-          </a:xfrm>
-          <a:prstGeom prst="wedgeRectCallout">
-            <a:avLst>
-              <a:gd name="adj1" fmla="val -101964"/>
-              <a:gd name="adj2" fmla="val -1355"/>
-            </a:avLst>
-          </a:prstGeom>
-          <a:solidFill>
-            <a:srgbClr val="FFFF00"/>
-          </a:solidFill>
-          <a:ln w="12700" cap="flat" cmpd="sng" algn="ctr">
-            <a:solidFill>
-              <a:schemeClr val="accent6">
-                <a:lumMod val="40000"/>
-                <a:lumOff val="60000"/>
-              </a:schemeClr>
-            </a:solidFill>
-            <a:prstDash val="solid"/>
-            <a:round/>
-            <a:headEnd type="none" w="med" len="med"/>
-            <a:tailEnd type="none" w="med" len="med"/>
-          </a:ln>
-          <a:effectLst/>
-        </p:spPr>
-        <p:txBody>
-          <a:bodyPr vert="horz" wrap="square" lIns="91440" tIns="45720" rIns="91440" bIns="45720" numCol="1" rtlCol="0" anchor="ctr" anchorCtr="0" compatLnSpc="1">
-            <a:prstTxWarp prst="textNoShape">
-              <a:avLst/>
-            </a:prstTxWarp>
-          </a:bodyPr>
-          <a:lstStyle/>
-          <a:p>
-            <a:pPr marL="0" marR="0" indent="0" algn="ctr" defTabSz="914400" rtl="0" eaLnBrk="0" fontAlgn="base" latinLnBrk="0" hangingPunct="0">
-              <a:lnSpc>
-                <a:spcPct val="100000"/>
-              </a:lnSpc>
-              <a:spcBef>
-                <a:spcPct val="0"/>
-              </a:spcBef>
-              <a:spcAft>
-                <a:spcPct val="0"/>
-              </a:spcAft>
-              <a:buClrTx/>
-              <a:buSzTx/>
-              <a:buFontTx/>
-              <a:buNone/>
-              <a:tabLst/>
-            </a:pPr>
-            <a:r>
-              <a:rPr kumimoji="0" lang="en-US" sz="1600" b="0" i="0" u="none" strike="noStrike" cap="none" normalizeH="0" baseline="0" dirty="0" smtClean="0">
-                <a:ln>
-                  <a:noFill/>
-                </a:ln>
-                <a:effectLst/>
-                <a:latin typeface="Arial" charset="0"/>
-              </a:rPr>
-              <a:t>Here we are only using</a:t>
-            </a:r>
-            <a:r>
-              <a:rPr kumimoji="0" lang="en-US" sz="1600" b="0" i="0" u="none" strike="noStrike" cap="none" normalizeH="0" dirty="0" smtClean="0">
-                <a:ln>
-                  <a:noFill/>
-                </a:ln>
-                <a:effectLst/>
-                <a:latin typeface="Arial" charset="0"/>
-              </a:rPr>
-              <a:t> the addition subroutine right now.</a:t>
-            </a:r>
-            <a:endParaRPr kumimoji="0" lang="en-US" sz="1600" b="0" i="0" u="none" strike="noStrike" cap="none" normalizeH="0" baseline="0" dirty="0" smtClean="0">
-              <a:ln>
-                <a:noFill/>
-              </a:ln>
-              <a:effectLst/>
-              <a:latin typeface="Arial" charset="0"/>
-            </a:endParaRPr>
-          </a:p>
-        </p:txBody>
-      </p:sp>
-    </p:spTree>
-    <p:extLst>
-      <p:ext uri="{BB962C8B-B14F-4D97-AF65-F5344CB8AC3E}">
-        <p14:creationId xmlns:p14="http://schemas.microsoft.com/office/powerpoint/2010/main" val="3055694008"/>
-      </p:ext>
-    </p:extLst>
-  </p:cSld>
-  <p:clrMapOvr>
-    <a:masterClrMapping/>
-  </p:clrMapOvr>
-  <p:timing>
-    <p:tnLst>
-      <p:par>
-        <p:cTn id="1" dur="indefinite" restart="never" nodeType="tmRoot"/>
-      </p:par>
-    </p:tnLst>
-  </p:timing>
-</p:sld>
-</file>
-
-<file path=ppt/slides/slide26.xml><?xml version="1.0" encoding="utf-8"?>
-<p:sld xmlns:a="http://schemas.openxmlformats.org/drawingml/2006/main" xmlns:r="http://schemas.openxmlformats.org/officeDocument/2006/relationships" xmlns:p="http://schemas.openxmlformats.org/presentationml/2006/main">
-  <p:cSld>
-    <p:spTree>
-      <p:nvGrpSpPr>
-        <p:cNvPr id="1" name=""/>
-        <p:cNvGrpSpPr/>
-        <p:nvPr/>
-      </p:nvGrpSpPr>
-      <p:grpSpPr>
-        <a:xfrm>
-          <a:off x="0" y="0"/>
-          <a:ext cx="0" cy="0"/>
-          <a:chOff x="0" y="0"/>
-          <a:chExt cx="0" cy="0"/>
-        </a:xfrm>
-      </p:grpSpPr>
-      <p:sp>
-        <p:nvSpPr>
-          <p:cNvPr id="2" name="Title 1"/>
-          <p:cNvSpPr>
-            <a:spLocks noGrp="1"/>
-          </p:cNvSpPr>
-          <p:nvPr>
-            <p:ph type="title"/>
-          </p:nvPr>
-        </p:nvSpPr>
-        <p:spPr/>
-        <p:txBody>
-          <a:bodyPr/>
-          <a:lstStyle/>
-          <a:p>
-            <a:r>
-              <a:rPr lang="en-US" b="1" dirty="0" smtClean="0"/>
-              <a:t>Arguments</a:t>
-            </a:r>
-            <a:endParaRPr lang="en-US" dirty="0"/>
-          </a:p>
-        </p:txBody>
-      </p:sp>
-      <p:sp>
-        <p:nvSpPr>
-          <p:cNvPr id="3" name="Content Placeholder 2"/>
-          <p:cNvSpPr>
-            <a:spLocks noGrp="1"/>
-          </p:cNvSpPr>
-          <p:nvPr>
-            <p:ph idx="1"/>
-          </p:nvPr>
-        </p:nvSpPr>
-        <p:spPr>
-          <a:xfrm>
-            <a:off x="517928" y="1592133"/>
-            <a:ext cx="8003334" cy="4724400"/>
-          </a:xfrm>
-        </p:spPr>
-        <p:txBody>
-          <a:bodyPr/>
-          <a:lstStyle/>
-          <a:p>
-            <a:r>
-              <a:rPr lang="en-US" sz="2000" dirty="0" smtClean="0">
-                <a:solidFill>
-                  <a:schemeClr val="accent2"/>
-                </a:solidFill>
-              </a:rPr>
-              <a:t>Arguments are the parameters (or data) passed to and from a subroutine</a:t>
-            </a:r>
-            <a:endParaRPr lang="en-US" sz="2000" dirty="0">
-              <a:solidFill>
-                <a:schemeClr val="accent2"/>
-              </a:solidFill>
-            </a:endParaRPr>
-          </a:p>
-          <a:p>
-            <a:pPr marL="457200" lvl="1" indent="0">
-              <a:buNone/>
-            </a:pPr>
-            <a:r>
-              <a:rPr lang="en-US" sz="1400" dirty="0">
-                <a:latin typeface="Courier New" pitchFamily="49" charset="0"/>
-                <a:cs typeface="Courier New" pitchFamily="49" charset="0"/>
-              </a:rPr>
-              <a:t>;---------------------------------------------------</a:t>
-            </a:r>
-          </a:p>
-          <a:p>
-            <a:pPr marL="457200" lvl="1" indent="0">
-              <a:buNone/>
-            </a:pPr>
-            <a:r>
-              <a:rPr lang="en-US" sz="1400" dirty="0" smtClean="0">
-                <a:latin typeface="Courier New" pitchFamily="49" charset="0"/>
-                <a:cs typeface="Courier New" pitchFamily="49" charset="0"/>
-              </a:rPr>
-              <a:t>; Function</a:t>
-            </a:r>
-            <a:r>
-              <a:rPr lang="en-US" sz="1400" dirty="0">
-                <a:latin typeface="Courier New" pitchFamily="49" charset="0"/>
-                <a:cs typeface="Courier New" pitchFamily="49" charset="0"/>
-              </a:rPr>
-              <a:t>: Adds two numbers</a:t>
-            </a:r>
-          </a:p>
-          <a:p>
-            <a:pPr marL="457200" lvl="1" indent="0">
-              <a:buNone/>
-            </a:pPr>
-            <a:r>
-              <a:rPr lang="en-US" sz="1400" dirty="0" smtClean="0">
-                <a:latin typeface="Courier New" pitchFamily="49" charset="0"/>
-                <a:cs typeface="Courier New" pitchFamily="49" charset="0"/>
-              </a:rPr>
-              <a:t>; Inputs</a:t>
-            </a:r>
-            <a:r>
-              <a:rPr lang="en-US" sz="1400" dirty="0">
-                <a:latin typeface="Courier New" pitchFamily="49" charset="0"/>
-                <a:cs typeface="Courier New" pitchFamily="49" charset="0"/>
-              </a:rPr>
-              <a:t>: </a:t>
-            </a:r>
-            <a:r>
-              <a:rPr lang="en-US" sz="1400" dirty="0" smtClean="0">
-                <a:latin typeface="Courier New" pitchFamily="49" charset="0"/>
-                <a:cs typeface="Courier New" pitchFamily="49" charset="0"/>
-              </a:rPr>
-              <a:t>Op1 (r10), Op2 (r11)</a:t>
-            </a:r>
-            <a:endParaRPr lang="en-US" sz="1400" dirty="0">
-              <a:latin typeface="Courier New" pitchFamily="49" charset="0"/>
-              <a:cs typeface="Courier New" pitchFamily="49" charset="0"/>
-            </a:endParaRPr>
-          </a:p>
-          <a:p>
-            <a:pPr marL="457200" lvl="1" indent="0">
-              <a:buNone/>
-            </a:pPr>
-            <a:r>
-              <a:rPr lang="en-US" sz="1400" dirty="0" smtClean="0">
-                <a:latin typeface="Courier New" pitchFamily="49" charset="0"/>
-                <a:cs typeface="Courier New" pitchFamily="49" charset="0"/>
-              </a:rPr>
-              <a:t>; Outputs</a:t>
-            </a:r>
-            <a:r>
-              <a:rPr lang="en-US" sz="1400" dirty="0">
-                <a:latin typeface="Courier New" pitchFamily="49" charset="0"/>
-                <a:cs typeface="Courier New" pitchFamily="49" charset="0"/>
-              </a:rPr>
-              <a:t>: result </a:t>
-            </a:r>
-            <a:r>
-              <a:rPr lang="en-US" sz="1400" dirty="0" smtClean="0">
-                <a:latin typeface="Courier New" pitchFamily="49" charset="0"/>
-                <a:cs typeface="Courier New" pitchFamily="49" charset="0"/>
-              </a:rPr>
-              <a:t>(r11)</a:t>
-            </a:r>
-            <a:endParaRPr lang="en-US" sz="1400" dirty="0">
-              <a:latin typeface="Courier New" pitchFamily="49" charset="0"/>
-              <a:cs typeface="Courier New" pitchFamily="49" charset="0"/>
-            </a:endParaRPr>
-          </a:p>
-          <a:p>
-            <a:pPr marL="457200" lvl="1" indent="0">
-              <a:buNone/>
-            </a:pPr>
-            <a:r>
-              <a:rPr lang="en-US" sz="1400" dirty="0" smtClean="0">
-                <a:latin typeface="Courier New" pitchFamily="49" charset="0"/>
-                <a:cs typeface="Courier New" pitchFamily="49" charset="0"/>
-              </a:rPr>
-              <a:t>; </a:t>
-            </a:r>
-            <a:r>
-              <a:rPr lang="en-US" sz="1400" dirty="0" smtClean="0">
-                <a:solidFill>
-                  <a:srgbClr val="FF0000"/>
-                </a:solidFill>
-                <a:latin typeface="Courier New" pitchFamily="49" charset="0"/>
-                <a:cs typeface="Courier New" pitchFamily="49" charset="0"/>
-              </a:rPr>
-              <a:t>Registers </a:t>
-            </a:r>
-            <a:r>
-              <a:rPr lang="en-US" sz="1400" dirty="0">
-                <a:solidFill>
-                  <a:srgbClr val="FF0000"/>
-                </a:solidFill>
-                <a:latin typeface="Courier New" pitchFamily="49" charset="0"/>
-                <a:cs typeface="Courier New" pitchFamily="49" charset="0"/>
-              </a:rPr>
-              <a:t>destroyed: r11</a:t>
-            </a:r>
-          </a:p>
-          <a:p>
-            <a:pPr marL="457200" lvl="1" indent="0">
-              <a:buNone/>
-            </a:pPr>
-            <a:r>
-              <a:rPr lang="en-US" sz="1400" dirty="0" smtClean="0">
-                <a:latin typeface="Courier New" pitchFamily="49" charset="0"/>
-                <a:cs typeface="Courier New" pitchFamily="49" charset="0"/>
-              </a:rPr>
-              <a:t>;---------------------------------------------------</a:t>
-            </a:r>
-            <a:endParaRPr lang="en-US" sz="1400" dirty="0">
-              <a:latin typeface="Courier New" pitchFamily="49" charset="0"/>
-              <a:cs typeface="Courier New" pitchFamily="49" charset="0"/>
-            </a:endParaRPr>
-          </a:p>
-          <a:p>
-            <a:pPr marL="457200" lvl="1" indent="0">
-              <a:buNone/>
-            </a:pPr>
-            <a:r>
-              <a:rPr lang="en-US" sz="1400" dirty="0">
-                <a:latin typeface="Courier New" pitchFamily="49" charset="0"/>
-                <a:cs typeface="Courier New" pitchFamily="49" charset="0"/>
-              </a:rPr>
-              <a:t>addition:</a:t>
-            </a:r>
-          </a:p>
-          <a:p>
-            <a:pPr marL="457200" lvl="1" indent="0">
-              <a:buNone/>
-            </a:pPr>
-            <a:r>
-              <a:rPr lang="en-US" sz="1400" dirty="0">
-                <a:latin typeface="Courier New" pitchFamily="49" charset="0"/>
-                <a:cs typeface="Courier New" pitchFamily="49" charset="0"/>
-              </a:rPr>
-              <a:t>    </a:t>
-            </a:r>
-            <a:r>
-              <a:rPr lang="en-US" sz="1400" dirty="0" err="1">
-                <a:latin typeface="Courier New" pitchFamily="49" charset="0"/>
-                <a:cs typeface="Courier New" pitchFamily="49" charset="0"/>
-              </a:rPr>
-              <a:t>add.w</a:t>
-            </a:r>
-            <a:r>
-              <a:rPr lang="en-US" sz="1400" dirty="0">
-                <a:latin typeface="Courier New" pitchFamily="49" charset="0"/>
-                <a:cs typeface="Courier New" pitchFamily="49" charset="0"/>
-              </a:rPr>
-              <a:t>   r10, r11 </a:t>
-            </a:r>
-          </a:p>
-          <a:p>
-            <a:pPr marL="457200" lvl="1" indent="0">
-              <a:buNone/>
-            </a:pPr>
-            <a:r>
-              <a:rPr lang="en-US" sz="1400" dirty="0">
-                <a:latin typeface="Courier New" pitchFamily="49" charset="0"/>
-                <a:cs typeface="Courier New" pitchFamily="49" charset="0"/>
-              </a:rPr>
-              <a:t>    ret</a:t>
-            </a:r>
-            <a:endParaRPr lang="en-US" sz="1400" dirty="0" smtClean="0">
-              <a:latin typeface="Courier New" pitchFamily="49" charset="0"/>
-              <a:cs typeface="Courier New" pitchFamily="49" charset="0"/>
-            </a:endParaRPr>
-          </a:p>
-          <a:p>
-            <a:pPr lvl="1"/>
-            <a:endParaRPr lang="en-US" sz="2000" dirty="0"/>
-          </a:p>
-          <a:p>
-            <a:r>
-              <a:rPr lang="en-US" sz="2000" dirty="0" smtClean="0">
-                <a:solidFill>
-                  <a:schemeClr val="accent2"/>
-                </a:solidFill>
-              </a:rPr>
-              <a:t>How could I avoid destroying registers used in a subroutine?</a:t>
-            </a:r>
-            <a:endParaRPr lang="en-US" sz="2000" dirty="0" smtClean="0"/>
-          </a:p>
-          <a:p>
-            <a:endParaRPr lang="en-US" sz="2000" dirty="0" smtClean="0">
-              <a:solidFill>
-                <a:schemeClr val="accent2"/>
-              </a:solidFill>
-            </a:endParaRPr>
-          </a:p>
-        </p:txBody>
-      </p:sp>
-    </p:spTree>
-    <p:extLst>
-      <p:ext uri="{BB962C8B-B14F-4D97-AF65-F5344CB8AC3E}">
-        <p14:creationId xmlns:p14="http://schemas.microsoft.com/office/powerpoint/2010/main" val="3564922033"/>
-      </p:ext>
-    </p:extLst>
-  </p:cSld>
-  <p:clrMapOvr>
-    <a:masterClrMapping/>
-  </p:clrMapOvr>
-  <p:timing>
-    <p:tnLst>
-      <p:par>
-        <p:cTn id="1" dur="indefinite" restart="never" nodeType="tmRoot"/>
-      </p:par>
-    </p:tnLst>
-  </p:timing>
-</p:sld>
-</file>
-
 <file path=ppt/slides/slide27.xml><?xml version="1.0" encoding="utf-8"?>
 <p:sld xmlns:a="http://schemas.openxmlformats.org/drawingml/2006/main" xmlns:r="http://schemas.openxmlformats.org/officeDocument/2006/relationships" xmlns:p="http://schemas.openxmlformats.org/presentationml/2006/main">
   <p:cSld>
@@ -18670,8 +18495,8 @@
         </p:nvSpPr>
         <p:spPr>
           <a:xfrm>
-            <a:off x="376038" y="1702494"/>
-            <a:ext cx="8493642" cy="4724400"/>
+            <a:off x="517928" y="1592133"/>
+            <a:ext cx="8003334" cy="4724400"/>
           </a:xfrm>
         </p:spPr>
         <p:txBody>
@@ -18684,7 +18509,7 @@
                   <a:schemeClr val="accent2"/>
                 </a:solidFill>
               </a:rPr>
-              <a:t>Use a stack to avoid destroying registers</a:t>
+              <a:t>Arguments are the parameters (or data) passed to and from a subroutine</a:t>
             </a:r>
             <a:endParaRPr lang="en-US" sz="2000" dirty="0">
               <a:solidFill>
@@ -18697,11 +18522,11 @@
               <a:buNone/>
             </a:pPr>
             <a:r>
-              <a:rPr lang="pt-BR" sz="1400" dirty="0">
+              <a:rPr lang="en-US" sz="1400" dirty="0">
                 <a:latin typeface="Courier New" pitchFamily="49" charset="0"/>
                 <a:cs typeface="Courier New" pitchFamily="49" charset="0"/>
               </a:rPr>
-              <a:t>mySubroutine:</a:t>
+              <a:t>;---------------------------------------------------</a:t>
             </a:r>
           </a:p>
           <a:p>
@@ -18709,33 +18534,46 @@
               <a:buNone/>
             </a:pPr>
             <a:r>
-              <a:rPr lang="pt-BR" sz="1400" dirty="0">
+              <a:rPr lang="en-US" sz="1400" dirty="0" smtClean="0">
                 <a:latin typeface="Courier New" pitchFamily="49" charset="0"/>
                 <a:cs typeface="Courier New" pitchFamily="49" charset="0"/>
               </a:rPr>
-              <a:t>    push.w  </a:t>
-            </a:r>
-            <a:r>
-              <a:rPr lang="pt-BR" sz="1400" dirty="0" smtClean="0">
+              <a:t>; Function</a:t>
+            </a:r>
+            <a:r>
+              <a:rPr lang="en-US" sz="1400" dirty="0">
                 <a:latin typeface="Courier New" pitchFamily="49" charset="0"/>
                 <a:cs typeface="Courier New" pitchFamily="49" charset="0"/>
               </a:rPr>
-              <a:t>r5  </a:t>
-            </a:r>
-            <a:r>
-              <a:rPr lang="pt-BR" sz="1400" dirty="0" smtClean="0">
-                <a:solidFill>
-                  <a:srgbClr val="00B050"/>
-                </a:solidFill>
+              <a:t>: Adds two numbers</a:t>
+            </a:r>
+          </a:p>
+          <a:p>
+            <a:pPr marL="457200" lvl="1" indent="0">
+              <a:buNone/>
+            </a:pPr>
+            <a:r>
+              <a:rPr lang="en-US" sz="1400" dirty="0" smtClean="0">
                 <a:latin typeface="Courier New" pitchFamily="49" charset="0"/>
                 <a:cs typeface="Courier New" pitchFamily="49" charset="0"/>
               </a:rPr>
-              <a:t>; let’s save these registers</a:t>
-            </a:r>
-            <a:endParaRPr lang="pt-BR" sz="1400" dirty="0">
-              <a:solidFill>
-                <a:srgbClr val="00B050"/>
-              </a:solidFill>
+              <a:t>; Inputs</a:t>
+            </a:r>
+            <a:r>
+              <a:rPr lang="en-US" sz="1400" dirty="0">
+                <a:latin typeface="Courier New" pitchFamily="49" charset="0"/>
+                <a:cs typeface="Courier New" pitchFamily="49" charset="0"/>
+              </a:rPr>
+              <a:t>: </a:t>
+            </a:r>
+            <a:r>
+              <a:rPr lang="en-US" sz="1400" dirty="0" smtClean="0">
+                <a:latin typeface="Courier New" pitchFamily="49" charset="0"/>
+                <a:cs typeface="Courier New" pitchFamily="49" charset="0"/>
+              </a:rPr>
+              <a:t>Op1 (r10), Op2 (r11)</a:t>
+            </a:r>
+            <a:endParaRPr lang="en-US" sz="1400" dirty="0">
               <a:latin typeface="Courier New" pitchFamily="49" charset="0"/>
               <a:cs typeface="Courier New" pitchFamily="49" charset="0"/>
             </a:endParaRPr>
@@ -18745,37 +18583,27 @@
               <a:buNone/>
             </a:pPr>
             <a:r>
-              <a:rPr lang="pt-BR" sz="1400" dirty="0">
+              <a:rPr lang="en-US" sz="1400" dirty="0" smtClean="0">
                 <a:latin typeface="Courier New" pitchFamily="49" charset="0"/>
                 <a:cs typeface="Courier New" pitchFamily="49" charset="0"/>
               </a:rPr>
-              <a:t>    push.w  r6</a:t>
-            </a:r>
-          </a:p>
-          <a:p>
-            <a:pPr marL="457200" lvl="1" indent="0">
-              <a:buNone/>
-            </a:pPr>
-            <a:r>
-              <a:rPr lang="pt-BR" sz="1400" dirty="0">
+              <a:t>; Outputs</a:t>
+            </a:r>
+            <a:r>
+              <a:rPr lang="en-US" sz="1400" dirty="0">
                 <a:latin typeface="Courier New" pitchFamily="49" charset="0"/>
                 <a:cs typeface="Courier New" pitchFamily="49" charset="0"/>
               </a:rPr>
-              <a:t>    push.w  </a:t>
-            </a:r>
-            <a:r>
-              <a:rPr lang="pt-BR" sz="1400" dirty="0" smtClean="0">
+              <a:t>: result </a:t>
+            </a:r>
+            <a:r>
+              <a:rPr lang="en-US" sz="1400" dirty="0" smtClean="0">
                 <a:latin typeface="Courier New" pitchFamily="49" charset="0"/>
                 <a:cs typeface="Courier New" pitchFamily="49" charset="0"/>
               </a:rPr>
-              <a:t>r7</a:t>
-            </a:r>
-          </a:p>
-          <a:p>
-            <a:pPr marL="457200" lvl="1" indent="0">
-              <a:buNone/>
-            </a:pPr>
-            <a:endParaRPr lang="pt-BR" sz="1400" dirty="0">
+              <a:t>(r11)</a:t>
+            </a:r>
+            <a:endParaRPr lang="en-US" sz="1400" dirty="0">
               <a:latin typeface="Courier New" pitchFamily="49" charset="0"/>
               <a:cs typeface="Courier New" pitchFamily="49" charset="0"/>
             </a:endParaRPr>
@@ -18785,28 +18613,45 @@
               <a:buNone/>
             </a:pPr>
             <a:r>
-              <a:rPr lang="pt-BR" sz="1400" dirty="0" smtClean="0">
+              <a:rPr lang="en-US" sz="1400" dirty="0" smtClean="0">
                 <a:latin typeface="Courier New" pitchFamily="49" charset="0"/>
                 <a:cs typeface="Courier New" pitchFamily="49" charset="0"/>
               </a:rPr>
-              <a:t>    </a:t>
-            </a:r>
-            <a:r>
-              <a:rPr lang="pt-BR" sz="1400" dirty="0" smtClean="0">
-                <a:solidFill>
-                  <a:srgbClr val="00B050"/>
+              <a:t>; </a:t>
+            </a:r>
+            <a:r>
+              <a:rPr lang="en-US" sz="1400" dirty="0" smtClean="0">
+                <a:solidFill>
+                  <a:srgbClr val="FF0000"/>
                 </a:solidFill>
                 <a:latin typeface="Courier New" pitchFamily="49" charset="0"/>
                 <a:cs typeface="Courier New" pitchFamily="49" charset="0"/>
               </a:rPr>
-              <a:t>;... Do subroutine work here ....</a:t>
+              <a:t>Registers </a:t>
+            </a:r>
+            <a:r>
+              <a:rPr lang="en-US" sz="1400" dirty="0">
+                <a:solidFill>
+                  <a:srgbClr val="FF0000"/>
+                </a:solidFill>
+                <a:latin typeface="Courier New" pitchFamily="49" charset="0"/>
+                <a:cs typeface="Courier New" pitchFamily="49" charset="0"/>
+              </a:rPr>
+              <a:t>destroyed: r11</a:t>
             </a:r>
           </a:p>
           <a:p>
             <a:pPr marL="457200" lvl="1" indent="0">
               <a:buNone/>
             </a:pPr>
-            <a:endParaRPr lang="pt-BR" sz="1400" dirty="0">
+            <a:r>
+              <a:rPr lang="en-US" sz="1400" dirty="0" smtClean="0">
+                <a:latin typeface="Courier New" pitchFamily="49" charset="0"/>
+                <a:cs typeface="Courier New" pitchFamily="49" charset="0"/>
+              </a:rPr>
+              <a:t>;---------------------------------------------------</a:t>
+            </a:r>
+            <a:endParaRPr lang="en-US" sz="1400" dirty="0">
               <a:latin typeface="Courier New" pitchFamily="49" charset="0"/>
               <a:cs typeface="Courier New" pitchFamily="49" charset="0"/>
             </a:endParaRPr>
@@ -18816,84 +18661,57 @@
               <a:buNone/>
             </a:pPr>
             <a:r>
-              <a:rPr lang="pt-BR" sz="1400" dirty="0">
+              <a:rPr lang="en-US" sz="1400" dirty="0">
                 <a:latin typeface="Courier New" pitchFamily="49" charset="0"/>
                 <a:cs typeface="Courier New" pitchFamily="49" charset="0"/>
               </a:rPr>
-              <a:t>    pop.w   </a:t>
-            </a:r>
-            <a:r>
-              <a:rPr lang="pt-BR" sz="1400" dirty="0" smtClean="0">
+              <a:t>addition:</a:t>
+            </a:r>
+          </a:p>
+          <a:p>
+            <a:pPr marL="457200" lvl="1" indent="0">
+              <a:buNone/>
+            </a:pPr>
+            <a:r>
+              <a:rPr lang="en-US" sz="1400" dirty="0">
                 <a:latin typeface="Courier New" pitchFamily="49" charset="0"/>
                 <a:cs typeface="Courier New" pitchFamily="49" charset="0"/>
               </a:rPr>
-              <a:t>r7  </a:t>
-            </a:r>
-            <a:r>
-              <a:rPr lang="pt-BR" sz="1400" dirty="0" smtClean="0">
-                <a:solidFill>
-                  <a:srgbClr val="00B050"/>
-                </a:solidFill>
+              <a:t>    </a:t>
+            </a:r>
+            <a:r>
+              <a:rPr lang="en-US" sz="1400" dirty="0" err="1">
                 <a:latin typeface="Courier New" pitchFamily="49" charset="0"/>
                 <a:cs typeface="Courier New" pitchFamily="49" charset="0"/>
               </a:rPr>
-              <a:t>; all done, let’s restore them</a:t>
-            </a:r>
-            <a:endParaRPr lang="pt-BR" sz="1400" dirty="0">
-              <a:solidFill>
-                <a:srgbClr val="00B050"/>
-              </a:solidFill>
+              <a:t>add.w</a:t>
+            </a:r>
+            <a:r>
+              <a:rPr lang="en-US" sz="1400" dirty="0">
+                <a:latin typeface="Courier New" pitchFamily="49" charset="0"/>
+                <a:cs typeface="Courier New" pitchFamily="49" charset="0"/>
+              </a:rPr>
+              <a:t>   r10, r11 </a:t>
+            </a:r>
+          </a:p>
+          <a:p>
+            <a:pPr marL="457200" lvl="1" indent="0">
+              <a:buNone/>
+            </a:pPr>
+            <a:r>
+              <a:rPr lang="en-US" sz="1400" dirty="0">
+                <a:latin typeface="Courier New" pitchFamily="49" charset="0"/>
+                <a:cs typeface="Courier New" pitchFamily="49" charset="0"/>
+              </a:rPr>
+              <a:t>    ret</a:t>
+            </a:r>
+            <a:endParaRPr lang="en-US" sz="1400" dirty="0" smtClean="0">
               <a:latin typeface="Courier New" pitchFamily="49" charset="0"/>
               <a:cs typeface="Courier New" pitchFamily="49" charset="0"/>
             </a:endParaRPr>
           </a:p>
           <a:p>
-            <a:pPr marL="457200" lvl="1" indent="0">
-              <a:buNone/>
-            </a:pPr>
-            <a:r>
-              <a:rPr lang="pt-BR" sz="1400" dirty="0">
-                <a:latin typeface="Courier New" pitchFamily="49" charset="0"/>
-                <a:cs typeface="Courier New" pitchFamily="49" charset="0"/>
-              </a:rPr>
-              <a:t>    pop.w   r6</a:t>
-            </a:r>
-          </a:p>
-          <a:p>
-            <a:pPr marL="457200" lvl="1" indent="0">
-              <a:buNone/>
-            </a:pPr>
-            <a:r>
-              <a:rPr lang="pt-BR" sz="1400" dirty="0">
-                <a:latin typeface="Courier New" pitchFamily="49" charset="0"/>
-                <a:cs typeface="Courier New" pitchFamily="49" charset="0"/>
-              </a:rPr>
-              <a:t>    pop.w   r5</a:t>
-            </a:r>
-          </a:p>
-          <a:p>
-            <a:pPr marL="457200" lvl="1" indent="0">
-              <a:buNone/>
-            </a:pPr>
-            <a:r>
-              <a:rPr lang="pt-BR" sz="1400" dirty="0">
-                <a:latin typeface="Courier New" pitchFamily="49" charset="0"/>
-                <a:cs typeface="Courier New" pitchFamily="49" charset="0"/>
-              </a:rPr>
-              <a:t>    </a:t>
-            </a:r>
-            <a:r>
-              <a:rPr lang="pt-BR" sz="1400" dirty="0" smtClean="0">
-                <a:latin typeface="Courier New" pitchFamily="49" charset="0"/>
-                <a:cs typeface="Courier New" pitchFamily="49" charset="0"/>
-              </a:rPr>
-              <a:t>ret</a:t>
-            </a:r>
-          </a:p>
-          <a:p>
-            <a:pPr marL="457200" lvl="1" indent="0">
-              <a:buNone/>
-            </a:pPr>
+            <a:pPr lvl="1"/>
             <a:endParaRPr lang="en-US" sz="2000" dirty="0"/>
           </a:p>
           <a:p>
@@ -18903,7 +18721,7 @@
                   <a:schemeClr val="accent2"/>
                 </a:solidFill>
               </a:rPr>
-              <a:t>What is Pass-by-Value and Pass-by-Reference?</a:t>
+              <a:t>How could I avoid destroying registers used in a subroutine?</a:t>
             </a:r>
             <a:endParaRPr lang="en-US" sz="2000" dirty="0" smtClean="0"/>
           </a:p>
@@ -18919,7 +18737,7 @@
     </p:spTree>
     <p:extLst>
       <p:ext uri="{BB962C8B-B14F-4D97-AF65-F5344CB8AC3E}">
-        <p14:creationId xmlns:p14="http://schemas.microsoft.com/office/powerpoint/2010/main" val="235014974"/>
+        <p14:creationId xmlns:p14="http://schemas.microsoft.com/office/powerpoint/2010/main" val="3564922033"/>
       </p:ext>
     </p:extLst>
   </p:cSld>
@@ -18988,7 +18806,7 @@
         </p:nvSpPr>
         <p:spPr>
           <a:xfrm>
-            <a:off x="376038" y="1592134"/>
+            <a:off x="376038" y="1702494"/>
             <a:ext cx="8493642" cy="4724400"/>
           </a:xfrm>
         </p:spPr>
@@ -19002,7 +18820,7 @@
                   <a:schemeClr val="accent2"/>
                 </a:solidFill>
               </a:rPr>
-              <a:t>Pass-by-Value</a:t>
+              <a:t>Use a stack to avoid destroying registers</a:t>
             </a:r>
             <a:endParaRPr lang="en-US" sz="2000" dirty="0">
               <a:solidFill>
@@ -19011,15 +18829,219 @@
             </a:endParaRPr>
           </a:p>
           <a:p>
-            <a:pPr lvl="1"/>
-            <a:r>
-              <a:rPr lang="en-US" sz="2000" dirty="0"/>
-              <a:t>pass the actual values of the arguments to a </a:t>
-            </a:r>
-            <a:r>
-              <a:rPr lang="en-US" sz="2000" dirty="0" smtClean="0"/>
-              <a:t>subroutine</a:t>
-            </a:r>
+            <a:pPr marL="457200" lvl="1" indent="0">
+              <a:buNone/>
+            </a:pPr>
+            <a:r>
+              <a:rPr lang="pt-BR" sz="1400" dirty="0">
+                <a:latin typeface="Courier New" pitchFamily="49" charset="0"/>
+                <a:cs typeface="Courier New" pitchFamily="49" charset="0"/>
+              </a:rPr>
+              <a:t>mySubroutine:</a:t>
+            </a:r>
+          </a:p>
+          <a:p>
+            <a:pPr marL="457200" lvl="1" indent="0">
+              <a:buNone/>
+            </a:pPr>
+            <a:r>
+              <a:rPr lang="pt-BR" sz="1400" dirty="0">
+                <a:latin typeface="Courier New" pitchFamily="49" charset="0"/>
+                <a:cs typeface="Courier New" pitchFamily="49" charset="0"/>
+              </a:rPr>
+              <a:t>    push.w  </a:t>
+            </a:r>
+            <a:r>
+              <a:rPr lang="pt-BR" sz="1400" dirty="0" smtClean="0">
+                <a:latin typeface="Courier New" pitchFamily="49" charset="0"/>
+                <a:cs typeface="Courier New" pitchFamily="49" charset="0"/>
+              </a:rPr>
+              <a:t>r5  </a:t>
+            </a:r>
+            <a:r>
+              <a:rPr lang="pt-BR" sz="1400" dirty="0" smtClean="0">
+                <a:solidFill>
+                  <a:srgbClr val="00B050"/>
+                </a:solidFill>
+                <a:latin typeface="Courier New" pitchFamily="49" charset="0"/>
+                <a:cs typeface="Courier New" pitchFamily="49" charset="0"/>
+              </a:rPr>
+              <a:t>; let’s save these registers</a:t>
+            </a:r>
+            <a:endParaRPr lang="pt-BR" sz="1400" dirty="0">
+              <a:solidFill>
+                <a:srgbClr val="00B050"/>
+              </a:solidFill>
+              <a:latin typeface="Courier New" pitchFamily="49" charset="0"/>
+              <a:cs typeface="Courier New" pitchFamily="49" charset="0"/>
+            </a:endParaRPr>
+          </a:p>
+          <a:p>
+            <a:pPr marL="457200" lvl="1" indent="0">
+              <a:buNone/>
+            </a:pPr>
+            <a:r>
+              <a:rPr lang="pt-BR" sz="1400" dirty="0">
+                <a:latin typeface="Courier New" pitchFamily="49" charset="0"/>
+                <a:cs typeface="Courier New" pitchFamily="49" charset="0"/>
+              </a:rPr>
+              <a:t>    push.w  r6</a:t>
+            </a:r>
+          </a:p>
+          <a:p>
+            <a:pPr marL="457200" lvl="1" indent="0">
+              <a:buNone/>
+            </a:pPr>
+            <a:r>
+              <a:rPr lang="pt-BR" sz="1400" dirty="0">
+                <a:latin typeface="Courier New" pitchFamily="49" charset="0"/>
+                <a:cs typeface="Courier New" pitchFamily="49" charset="0"/>
+              </a:rPr>
+              <a:t>    push.w  </a:t>
+            </a:r>
+            <a:r>
+              <a:rPr lang="pt-BR" sz="1400" dirty="0" smtClean="0">
+                <a:latin typeface="Courier New" pitchFamily="49" charset="0"/>
+                <a:cs typeface="Courier New" pitchFamily="49" charset="0"/>
+              </a:rPr>
+              <a:t>r7</a:t>
+            </a:r>
+          </a:p>
+          <a:p>
+            <a:pPr marL="457200" lvl="1" indent="0">
+              <a:buNone/>
+            </a:pPr>
+            <a:endParaRPr lang="pt-BR" sz="1400" dirty="0">
+              <a:latin typeface="Courier New" pitchFamily="49" charset="0"/>
+              <a:cs typeface="Courier New" pitchFamily="49" charset="0"/>
+            </a:endParaRPr>
+          </a:p>
+          <a:p>
+            <a:pPr marL="457200" lvl="1" indent="0">
+              <a:buNone/>
+            </a:pPr>
+            <a:r>
+              <a:rPr lang="pt-BR" sz="1400" dirty="0" smtClean="0">
+                <a:latin typeface="Courier New" pitchFamily="49" charset="0"/>
+                <a:cs typeface="Courier New" pitchFamily="49" charset="0"/>
+              </a:rPr>
+              <a:t>    </a:t>
+            </a:r>
+            <a:r>
+              <a:rPr lang="pt-BR" sz="1400" dirty="0" smtClean="0">
+                <a:solidFill>
+                  <a:srgbClr val="00B050"/>
+                </a:solidFill>
+                <a:latin typeface="Courier New" pitchFamily="49" charset="0"/>
+                <a:cs typeface="Courier New" pitchFamily="49" charset="0"/>
+              </a:rPr>
+              <a:t>;... Do subroutine work here ....</a:t>
+            </a:r>
+          </a:p>
+          <a:p>
+            <a:pPr marL="457200" lvl="1" indent="0">
+              <a:buNone/>
+            </a:pPr>
+            <a:endParaRPr lang="pt-BR" sz="1400" dirty="0">
+              <a:latin typeface="Courier New" pitchFamily="49" charset="0"/>
+              <a:cs typeface="Courier New" pitchFamily="49" charset="0"/>
+            </a:endParaRPr>
+          </a:p>
+          <a:p>
+            <a:pPr marL="457200" lvl="1" indent="0">
+              <a:buNone/>
+            </a:pPr>
+            <a:r>
+              <a:rPr lang="pt-BR" sz="1400" dirty="0">
+                <a:latin typeface="Courier New" pitchFamily="49" charset="0"/>
+                <a:cs typeface="Courier New" pitchFamily="49" charset="0"/>
+              </a:rPr>
+              <a:t>    pop.w   </a:t>
+            </a:r>
+            <a:r>
+              <a:rPr lang="pt-BR" sz="1400" dirty="0" smtClean="0">
+                <a:latin typeface="Courier New" pitchFamily="49" charset="0"/>
+                <a:cs typeface="Courier New" pitchFamily="49" charset="0"/>
+              </a:rPr>
+              <a:t>r7  </a:t>
+            </a:r>
+            <a:r>
+              <a:rPr lang="pt-BR" sz="1400" dirty="0" smtClean="0">
+                <a:solidFill>
+                  <a:srgbClr val="00B050"/>
+                </a:solidFill>
+                <a:latin typeface="Courier New" pitchFamily="49" charset="0"/>
+                <a:cs typeface="Courier New" pitchFamily="49" charset="0"/>
+              </a:rPr>
+              <a:t>; all done, let’s restore them</a:t>
+            </a:r>
+            <a:endParaRPr lang="pt-BR" sz="1400" dirty="0">
+              <a:solidFill>
+                <a:srgbClr val="00B050"/>
+              </a:solidFill>
+              <a:latin typeface="Courier New" pitchFamily="49" charset="0"/>
+              <a:cs typeface="Courier New" pitchFamily="49" charset="0"/>
+            </a:endParaRPr>
+          </a:p>
+          <a:p>
+            <a:pPr marL="457200" lvl="1" indent="0">
+              <a:buNone/>
+            </a:pPr>
+            <a:r>
+              <a:rPr lang="pt-BR" sz="1400" dirty="0">
+                <a:latin typeface="Courier New" pitchFamily="49" charset="0"/>
+                <a:cs typeface="Courier New" pitchFamily="49" charset="0"/>
+              </a:rPr>
+              <a:t>    pop.w   r6</a:t>
+            </a:r>
+          </a:p>
+          <a:p>
+            <a:pPr marL="457200" lvl="1" indent="0">
+              <a:buNone/>
+            </a:pPr>
+            <a:r>
+              <a:rPr lang="pt-BR" sz="1400" dirty="0">
+                <a:latin typeface="Courier New" pitchFamily="49" charset="0"/>
+                <a:cs typeface="Courier New" pitchFamily="49" charset="0"/>
+              </a:rPr>
+              <a:t>    pop.w   r5</a:t>
+            </a:r>
+          </a:p>
+          <a:p>
+            <a:pPr marL="457200" lvl="1" indent="0">
+              <a:buNone/>
+            </a:pPr>
+            <a:r>
+              <a:rPr lang="pt-BR" sz="1400" dirty="0">
+                <a:latin typeface="Courier New" pitchFamily="49" charset="0"/>
+                <a:cs typeface="Courier New" pitchFamily="49" charset="0"/>
+              </a:rPr>
+              <a:t>    </a:t>
+            </a:r>
+            <a:r>
+              <a:rPr lang="pt-BR" sz="1400" dirty="0" smtClean="0">
+                <a:latin typeface="Courier New" pitchFamily="49" charset="0"/>
+                <a:cs typeface="Courier New" pitchFamily="49" charset="0"/>
+              </a:rPr>
+              <a:t>ret</a:t>
+            </a:r>
+          </a:p>
+          <a:p>
+            <a:pPr marL="457200" lvl="1" indent="0">
+              <a:buNone/>
+            </a:pPr>
+            <a:endParaRPr lang="en-US" sz="2000" dirty="0"/>
+          </a:p>
+          <a:p>
+            <a:r>
+              <a:rPr lang="en-US" sz="2000" dirty="0" smtClean="0">
+                <a:solidFill>
+                  <a:schemeClr val="accent2"/>
+                </a:solidFill>
+              </a:rPr>
+              <a:t>What is Pass-by-Value and Pass-by-Reference?</a:t>
+            </a:r>
+            <a:endParaRPr lang="en-US" sz="2000" dirty="0" smtClean="0"/>
           </a:p>
           <a:p>
             <a:endParaRPr lang="en-US" sz="2000" dirty="0" smtClean="0">
@@ -19028,79 +19050,12 @@
               </a:solidFill>
             </a:endParaRPr>
           </a:p>
-          <a:p>
-            <a:r>
-              <a:rPr lang="en-US" sz="2000" dirty="0" smtClean="0">
-                <a:solidFill>
-                  <a:schemeClr val="accent2"/>
-                </a:solidFill>
-              </a:rPr>
-              <a:t>Pass-by-Reference</a:t>
-            </a:r>
-            <a:endParaRPr lang="en-US" sz="2000" dirty="0">
-              <a:solidFill>
-                <a:schemeClr val="accent2"/>
-              </a:solidFill>
-            </a:endParaRPr>
-          </a:p>
-          <a:p>
-            <a:pPr lvl="1"/>
-            <a:r>
-              <a:rPr lang="en-US" sz="2000" dirty="0" smtClean="0"/>
-              <a:t>Pass the address of the argument to a subroutine</a:t>
-            </a:r>
-          </a:p>
-          <a:p>
-            <a:endParaRPr lang="en-US" sz="2200" dirty="0" smtClean="0">
-              <a:solidFill>
-                <a:schemeClr val="accent2"/>
-              </a:solidFill>
-            </a:endParaRPr>
-          </a:p>
-          <a:p>
-            <a:r>
-              <a:rPr lang="en-US" sz="2200" dirty="0" smtClean="0">
-                <a:solidFill>
-                  <a:schemeClr val="accent2"/>
-                </a:solidFill>
-              </a:rPr>
-              <a:t>Which did we do in the Addition subroutine?</a:t>
-            </a:r>
-          </a:p>
-          <a:p>
-            <a:r>
-              <a:rPr lang="en-US" sz="2200" dirty="0" smtClean="0">
-                <a:solidFill>
-                  <a:schemeClr val="accent2"/>
-                </a:solidFill>
-              </a:rPr>
-              <a:t>Which method can modify the original source data, and which can only modify a copy of the source data?</a:t>
-            </a:r>
-          </a:p>
-          <a:p>
-            <a:r>
-              <a:rPr lang="en-US" sz="2200" dirty="0" smtClean="0">
-                <a:solidFill>
-                  <a:schemeClr val="accent2"/>
-                </a:solidFill>
-              </a:rPr>
-              <a:t>Which is best if you are passing an array of 1000 values?</a:t>
-            </a:r>
-            <a:endParaRPr lang="en-US" sz="2200" dirty="0">
-              <a:solidFill>
-                <a:schemeClr val="accent2"/>
-              </a:solidFill>
-            </a:endParaRPr>
-          </a:p>
-          <a:p>
-            <a:endParaRPr lang="en-US" sz="2000" dirty="0"/>
-          </a:p>
         </p:txBody>
       </p:sp>
     </p:spTree>
     <p:extLst>
       <p:ext uri="{BB962C8B-B14F-4D97-AF65-F5344CB8AC3E}">
-        <p14:creationId xmlns:p14="http://schemas.microsoft.com/office/powerpoint/2010/main" val="2187222902"/>
+        <p14:creationId xmlns:p14="http://schemas.microsoft.com/office/powerpoint/2010/main" val="235014974"/>
       </p:ext>
     </p:extLst>
   </p:cSld>
@@ -19150,8 +19105,8 @@
           <a:lstStyle/>
           <a:p>
             <a:r>
-              <a:rPr lang="en-US" b="1" dirty="0"/>
-              <a:t>Key Subroutine Rules</a:t>
+              <a:rPr lang="en-US" b="1" dirty="0" smtClean="0"/>
+              <a:t>Arguments</a:t>
             </a:r>
             <a:endParaRPr lang="en-US" dirty="0"/>
           </a:p>
@@ -19169,8 +19124,8 @@
         </p:nvSpPr>
         <p:spPr>
           <a:xfrm>
-            <a:off x="497653" y="1592134"/>
-            <a:ext cx="8141850" cy="4724400"/>
+            <a:off x="376038" y="1592134"/>
+            <a:ext cx="8493642" cy="4724400"/>
           </a:xfrm>
         </p:spPr>
         <p:txBody>
@@ -19178,31 +19133,28 @@
           <a:lstStyle/>
           <a:p>
             <a:r>
-              <a:rPr lang="en-US" sz="2000" dirty="0">
+              <a:rPr lang="en-US" sz="2000" dirty="0" smtClean="0">
                 <a:solidFill>
                   <a:schemeClr val="accent2"/>
                 </a:solidFill>
               </a:rPr>
-              <a:t>Always return from a subroutine</a:t>
-            </a:r>
-            <a:r>
-              <a:rPr lang="en-US" sz="2000" dirty="0" smtClean="0">
-                <a:solidFill>
-                  <a:schemeClr val="accent2"/>
-                </a:solidFill>
-              </a:rPr>
-              <a:t>!</a:t>
-            </a:r>
+              <a:t>Pass-by-Value</a:t>
+            </a:r>
+            <a:endParaRPr lang="en-US" sz="2000" dirty="0">
+              <a:solidFill>
+                <a:schemeClr val="accent2"/>
+              </a:solidFill>
+            </a:endParaRPr>
           </a:p>
           <a:p>
             <a:pPr lvl="1"/>
             <a:r>
-              <a:rPr lang="en-US" sz="1600" dirty="0"/>
-              <a:t>should only return from one place in your subroutine</a:t>
-            </a:r>
-            <a:r>
-              <a:rPr lang="en-US" sz="1600" dirty="0" smtClean="0"/>
-              <a:t>.</a:t>
+              <a:rPr lang="en-US" sz="2000" dirty="0"/>
+              <a:t>pass the actual values of the arguments to a </a:t>
+            </a:r>
+            <a:r>
+              <a:rPr lang="en-US" sz="2000" dirty="0" smtClean="0"/>
+              <a:t>subroutine</a:t>
             </a:r>
           </a:p>
           <a:p>
@@ -19219,95 +19171,62 @@
                   <a:schemeClr val="accent2"/>
                 </a:solidFill>
               </a:rPr>
-              <a:t>Subroutines </a:t>
-            </a:r>
-            <a:r>
-              <a:rPr lang="en-US" sz="2000" dirty="0">
-                <a:solidFill>
-                  <a:schemeClr val="accent2"/>
-                </a:solidFill>
-              </a:rPr>
-              <a:t>only receive information via registers</a:t>
-            </a:r>
-            <a:r>
-              <a:rPr lang="en-US" sz="2000" dirty="0" smtClean="0">
-                <a:solidFill>
-                  <a:schemeClr val="accent2"/>
-                </a:solidFill>
-              </a:rPr>
-              <a:t>!</a:t>
-            </a:r>
-          </a:p>
-          <a:p>
-            <a:pPr lvl="1"/>
-            <a:r>
-              <a:rPr lang="en-US" sz="1600" dirty="0"/>
-              <a:t>reusable </a:t>
-            </a:r>
-            <a:r>
-              <a:rPr lang="en-US" sz="1600" dirty="0" smtClean="0"/>
-              <a:t>for many </a:t>
-            </a:r>
-            <a:r>
-              <a:rPr lang="en-US" sz="1600" dirty="0"/>
-              <a:t>different </a:t>
-            </a:r>
-            <a:r>
-              <a:rPr lang="en-US" sz="1600" dirty="0" smtClean="0"/>
-              <a:t>programs</a:t>
-            </a:r>
-          </a:p>
-          <a:p>
-            <a:pPr lvl="1"/>
-            <a:r>
-              <a:rPr lang="en-US" sz="1600" dirty="0"/>
-              <a:t>should not rely on specific label </a:t>
-            </a:r>
-            <a:r>
-              <a:rPr lang="en-US" sz="1600" dirty="0" smtClean="0"/>
-              <a:t>names for arguments (what about ports?)</a:t>
-            </a:r>
-          </a:p>
-          <a:p>
-            <a:pPr lvl="1"/>
-            <a:r>
-              <a:rPr lang="en-US" sz="1600" dirty="0" smtClean="0"/>
-              <a:t>Can we use the Stack to pass arguments?</a:t>
-            </a:r>
-            <a:endParaRPr lang="en-US" sz="1600" dirty="0"/>
-          </a:p>
-          <a:p>
-            <a:endParaRPr lang="en-US" sz="2400" dirty="0" smtClean="0">
+              <a:t>Pass-by-Reference</a:t>
+            </a:r>
+            <a:endParaRPr lang="en-US" sz="2000" dirty="0">
               <a:solidFill>
                 <a:schemeClr val="accent2"/>
               </a:solidFill>
             </a:endParaRPr>
           </a:p>
           <a:p>
-            <a:r>
-              <a:rPr lang="en-US" sz="2400" dirty="0" smtClean="0">
+            <a:pPr lvl="1"/>
+            <a:r>
+              <a:rPr lang="en-US" sz="2000" dirty="0" smtClean="0"/>
+              <a:t>Pass the address of the argument to a subroutine</a:t>
+            </a:r>
+          </a:p>
+          <a:p>
+            <a:endParaRPr lang="en-US" sz="2200" dirty="0" smtClean="0">
+              <a:solidFill>
+                <a:schemeClr val="accent2"/>
+              </a:solidFill>
+            </a:endParaRPr>
+          </a:p>
+          <a:p>
+            <a:r>
+              <a:rPr lang="en-US" sz="2200" dirty="0" smtClean="0">
                 <a:solidFill>
                   <a:schemeClr val="accent2"/>
                 </a:solidFill>
               </a:rPr>
-              <a:t>Subroutines </a:t>
-            </a:r>
-            <a:r>
-              <a:rPr lang="en-US" sz="2400" dirty="0">
+              <a:t>Which did we do in the Addition subroutine?</a:t>
+            </a:r>
+          </a:p>
+          <a:p>
+            <a:r>
+              <a:rPr lang="en-US" sz="2200" dirty="0" smtClean="0">
                 <a:solidFill>
                   <a:schemeClr val="accent2"/>
                 </a:solidFill>
               </a:rPr>
-              <a:t>should be reusable</a:t>
-            </a:r>
-            <a:r>
-              <a:rPr lang="en-US" sz="2400" dirty="0" smtClean="0">
+              <a:t>Which method can modify the original source data, and which can only modify a copy of the source data?</a:t>
+            </a:r>
+          </a:p>
+          <a:p>
+            <a:r>
+              <a:rPr lang="en-US" sz="2200" dirty="0" smtClean="0">
                 <a:solidFill>
                   <a:schemeClr val="accent2"/>
                 </a:solidFill>
               </a:rPr>
-              <a:t>!</a:t>
-            </a:r>
+              <a:t>Which is best if you are passing an array of 1000 values?</a:t>
+            </a:r>
+            <a:endParaRPr lang="en-US" sz="2200" dirty="0">
+              <a:solidFill>
+                <a:schemeClr val="accent2"/>
+              </a:solidFill>
+            </a:endParaRPr>
           </a:p>
           <a:p>
             <a:endParaRPr lang="en-US" sz="2000" dirty="0"/>
@@ -19317,7 +19236,7 @@
     </p:spTree>
     <p:extLst>
       <p:ext uri="{BB962C8B-B14F-4D97-AF65-F5344CB8AC3E}">
-        <p14:creationId xmlns:p14="http://schemas.microsoft.com/office/powerpoint/2010/main" val="4036797949"/>
+        <p14:creationId xmlns:p14="http://schemas.microsoft.com/office/powerpoint/2010/main" val="2187222902"/>
       </p:ext>
     </p:extLst>
   </p:cSld>
@@ -19594,6 +19513,313 @@
 </file>
 
 <file path=ppt/slides/slide30.xml><?xml version="1.0" encoding="utf-8"?>
+<p:sld xmlns:a="http://schemas.openxmlformats.org/drawingml/2006/main" xmlns:r="http://schemas.openxmlformats.org/officeDocument/2006/relationships" xmlns:p="http://schemas.openxmlformats.org/presentationml/2006/main">
+  <p:cSld>
+    <p:spTree>
+      <p:nvGrpSpPr>
+        <p:cNvPr id="1" name=""/>
+        <p:cNvGrpSpPr/>
+        <p:nvPr/>
+      </p:nvGrpSpPr>
+      <p:grpSpPr>
+        <a:xfrm>
+          <a:off x="0" y="0"/>
+          <a:ext cx="0" cy="0"/>
+          <a:chOff x="0" y="0"/>
+          <a:chExt cx="0" cy="0"/>
+        </a:xfrm>
+      </p:grpSpPr>
+      <p:sp>
+        <p:nvSpPr>
+          <p:cNvPr id="2" name="Title 1"/>
+          <p:cNvSpPr>
+            <a:spLocks noGrp="1"/>
+          </p:cNvSpPr>
+          <p:nvPr>
+            <p:ph type="title"/>
+          </p:nvPr>
+        </p:nvSpPr>
+        <p:spPr/>
+        <p:txBody>
+          <a:bodyPr/>
+          <a:lstStyle/>
+          <a:p>
+            <a:r>
+              <a:rPr lang="en-US" b="1" dirty="0"/>
+              <a:t>Key Subroutine Rules</a:t>
+            </a:r>
+            <a:endParaRPr lang="en-US" dirty="0"/>
+          </a:p>
+        </p:txBody>
+      </p:sp>
+      <p:sp>
+        <p:nvSpPr>
+          <p:cNvPr id="3" name="Content Placeholder 2"/>
+          <p:cNvSpPr>
+            <a:spLocks noGrp="1"/>
+          </p:cNvSpPr>
+          <p:nvPr>
+            <p:ph idx="1"/>
+          </p:nvPr>
+        </p:nvSpPr>
+        <p:spPr>
+          <a:xfrm>
+            <a:off x="497653" y="1592134"/>
+            <a:ext cx="8141850" cy="4724400"/>
+          </a:xfrm>
+        </p:spPr>
+        <p:txBody>
+          <a:bodyPr/>
+          <a:lstStyle/>
+          <a:p>
+            <a:r>
+              <a:rPr lang="en-US" sz="2000" dirty="0">
+                <a:solidFill>
+                  <a:schemeClr val="accent2"/>
+                </a:solidFill>
+              </a:rPr>
+              <a:t>Always return from a subroutine</a:t>
+            </a:r>
+            <a:r>
+              <a:rPr lang="en-US" sz="2000" dirty="0" smtClean="0">
+                <a:solidFill>
+                  <a:schemeClr val="accent2"/>
+                </a:solidFill>
+              </a:rPr>
+              <a:t>!</a:t>
+            </a:r>
+          </a:p>
+          <a:p>
+            <a:pPr lvl="1"/>
+            <a:r>
+              <a:rPr lang="en-US" sz="1600" dirty="0"/>
+              <a:t>should only return from one place in your subroutine</a:t>
+            </a:r>
+            <a:r>
+              <a:rPr lang="en-US" sz="1600" dirty="0" smtClean="0"/>
+              <a:t>.</a:t>
+            </a:r>
+          </a:p>
+          <a:p>
+            <a:endParaRPr lang="en-US" sz="2000" dirty="0" smtClean="0">
+              <a:solidFill>
+                <a:schemeClr val="accent2"/>
+              </a:solidFill>
+            </a:endParaRPr>
+          </a:p>
+          <a:p>
+            <a:r>
+              <a:rPr lang="en-US" sz="2000" dirty="0" smtClean="0">
+                <a:solidFill>
+                  <a:schemeClr val="accent2"/>
+                </a:solidFill>
+              </a:rPr>
+              <a:t>Subroutines </a:t>
+            </a:r>
+            <a:r>
+              <a:rPr lang="en-US" sz="2000" dirty="0">
+                <a:solidFill>
+                  <a:schemeClr val="accent2"/>
+                </a:solidFill>
+              </a:rPr>
+              <a:t>only receive information via registers</a:t>
+            </a:r>
+            <a:r>
+              <a:rPr lang="en-US" sz="2000" dirty="0" smtClean="0">
+                <a:solidFill>
+                  <a:schemeClr val="accent2"/>
+                </a:solidFill>
+              </a:rPr>
+              <a:t>!</a:t>
+            </a:r>
+          </a:p>
+          <a:p>
+            <a:pPr lvl="1"/>
+            <a:r>
+              <a:rPr lang="en-US" sz="1600" dirty="0"/>
+              <a:t>reusable </a:t>
+            </a:r>
+            <a:r>
+              <a:rPr lang="en-US" sz="1600" dirty="0" smtClean="0"/>
+              <a:t>for many </a:t>
+            </a:r>
+            <a:r>
+              <a:rPr lang="en-US" sz="1600" dirty="0"/>
+              <a:t>different </a:t>
+            </a:r>
+            <a:r>
+              <a:rPr lang="en-US" sz="1600" dirty="0" smtClean="0"/>
+              <a:t>programs</a:t>
+            </a:r>
+          </a:p>
+          <a:p>
+            <a:pPr lvl="1"/>
+            <a:r>
+              <a:rPr lang="en-US" sz="1600" dirty="0"/>
+              <a:t>should not rely on specific label </a:t>
+            </a:r>
+            <a:r>
+              <a:rPr lang="en-US" sz="1600" dirty="0" smtClean="0"/>
+              <a:t>names for arguments (what about ports?)</a:t>
+            </a:r>
+          </a:p>
+          <a:p>
+            <a:pPr lvl="1"/>
+            <a:r>
+              <a:rPr lang="en-US" sz="1600" dirty="0" smtClean="0"/>
+              <a:t>Can we use the Stack to pass arguments?</a:t>
+            </a:r>
+            <a:endParaRPr lang="en-US" sz="1600" dirty="0"/>
+          </a:p>
+          <a:p>
+            <a:endParaRPr lang="en-US" sz="2400" dirty="0" smtClean="0">
+              <a:solidFill>
+                <a:schemeClr val="accent2"/>
+              </a:solidFill>
+            </a:endParaRPr>
+          </a:p>
+          <a:p>
+            <a:r>
+              <a:rPr lang="en-US" sz="2400" dirty="0" smtClean="0">
+                <a:solidFill>
+                  <a:schemeClr val="accent2"/>
+                </a:solidFill>
+              </a:rPr>
+              <a:t>Subroutines </a:t>
+            </a:r>
+            <a:r>
+              <a:rPr lang="en-US" sz="2400" dirty="0">
+                <a:solidFill>
+                  <a:schemeClr val="accent2"/>
+                </a:solidFill>
+              </a:rPr>
+              <a:t>should be reusable</a:t>
+            </a:r>
+            <a:r>
+              <a:rPr lang="en-US" sz="2400" dirty="0" smtClean="0">
+                <a:solidFill>
+                  <a:schemeClr val="accent2"/>
+                </a:solidFill>
+              </a:rPr>
+              <a:t>!</a:t>
+            </a:r>
+          </a:p>
+          <a:p>
+            <a:endParaRPr lang="en-US" sz="2000" dirty="0"/>
+          </a:p>
+        </p:txBody>
+      </p:sp>
+      <p:sp>
+        <p:nvSpPr>
+          <p:cNvPr id="4" name="Rectangle 3"/>
+          <p:cNvSpPr/>
+          <p:nvPr/>
+        </p:nvSpPr>
+        <p:spPr bwMode="auto">
+          <a:xfrm>
+            <a:off x="1079938" y="5431221"/>
+            <a:ext cx="7055069" cy="885313"/>
+          </a:xfrm>
+          <a:prstGeom prst="rect">
+            <a:avLst/>
+          </a:prstGeom>
+          <a:solidFill>
+            <a:srgbClr val="0C2D83"/>
+          </a:solidFill>
+          <a:ln w="12700" cap="flat" cmpd="sng" algn="ctr">
+            <a:solidFill>
+              <a:schemeClr val="accent6">
+                <a:lumMod val="40000"/>
+                <a:lumOff val="60000"/>
+              </a:schemeClr>
+            </a:solidFill>
+            <a:prstDash val="solid"/>
+            <a:round/>
+            <a:headEnd type="none" w="med" len="med"/>
+            <a:tailEnd type="none" w="med" len="med"/>
+          </a:ln>
+          <a:effectLst/>
+        </p:spPr>
+        <p:txBody>
+          <a:bodyPr vert="horz" wrap="square" lIns="91440" tIns="45720" rIns="91440" bIns="45720" numCol="1" rtlCol="0" anchor="ctr" anchorCtr="0" compatLnSpc="1">
+            <a:prstTxWarp prst="textNoShape">
+              <a:avLst/>
+            </a:prstTxWarp>
+          </a:bodyPr>
+          <a:lstStyle/>
+          <a:p>
+            <a:pPr marL="0" marR="0" indent="0" algn="ctr" defTabSz="914400" rtl="0" eaLnBrk="0" fontAlgn="base" latinLnBrk="0" hangingPunct="0">
+              <a:lnSpc>
+                <a:spcPct val="100000"/>
+              </a:lnSpc>
+              <a:spcBef>
+                <a:spcPct val="0"/>
+              </a:spcBef>
+              <a:spcAft>
+                <a:spcPct val="0"/>
+              </a:spcAft>
+              <a:buClrTx/>
+              <a:buSzTx/>
+              <a:buFontTx/>
+              <a:buNone/>
+              <a:tabLst/>
+            </a:pPr>
+            <a:r>
+              <a:rPr kumimoji="0" lang="en-US" sz="1600" b="0" i="0" u="none" strike="noStrike" cap="none" normalizeH="0" baseline="0" dirty="0" smtClean="0">
+                <a:ln>
+                  <a:noFill/>
+                </a:ln>
+                <a:solidFill>
+                  <a:schemeClr val="bg1"/>
+                </a:solidFill>
+                <a:effectLst/>
+                <a:latin typeface="Arial" charset="0"/>
+              </a:rPr>
+              <a:t>If you follow the ABI (???)</a:t>
+            </a:r>
+            <a:r>
+              <a:rPr lang="en-US" sz="1600" dirty="0" smtClean="0">
+                <a:solidFill>
+                  <a:schemeClr val="bg1"/>
+                </a:solidFill>
+                <a:latin typeface="Arial" charset="0"/>
+              </a:rPr>
+              <a:t>, it should be easy write reusable, modular code</a:t>
+            </a:r>
+            <a:endParaRPr kumimoji="0" lang="en-US" sz="1600" b="0" i="0" u="none" strike="noStrike" cap="none" normalizeH="0" baseline="0" dirty="0" smtClean="0">
+              <a:ln>
+                <a:noFill/>
+              </a:ln>
+              <a:solidFill>
+                <a:schemeClr val="bg1"/>
+              </a:solidFill>
+              <a:effectLst/>
+              <a:latin typeface="Arial" charset="0"/>
+            </a:endParaRPr>
+          </a:p>
+        </p:txBody>
+      </p:sp>
+    </p:spTree>
+    <p:extLst>
+      <p:ext uri="{BB962C8B-B14F-4D97-AF65-F5344CB8AC3E}">
+        <p14:creationId xmlns:p14="http://schemas.microsoft.com/office/powerpoint/2010/main" val="4036797949"/>
+      </p:ext>
+    </p:extLst>
+  </p:cSld>
+  <p:clrMapOvr>
+    <a:masterClrMapping/>
+  </p:clrMapOvr>
+  <p:timing>
+    <p:tnLst>
+      <p:par>
+        <p:cTn id="1" dur="indefinite" restart="never" nodeType="tmRoot"/>
+      </p:par>
+    </p:tnLst>
+  </p:timing>
+</p:sld>
+</file>
+
+<file path=ppt/slides/slide31.xml><?xml version="1.0" encoding="utf-8"?>
 <p:sld xmlns:a="http://schemas.openxmlformats.org/drawingml/2006/main" xmlns:r="http://schemas.openxmlformats.org/officeDocument/2006/relationships" xmlns:p="http://schemas.openxmlformats.org/presentationml/2006/main">
   <p:cSld>
     <p:spTree>
@@ -20161,13 +20387,13 @@
         </p:nvSpPr>
         <p:spPr bwMode="auto">
           <a:xfrm>
-            <a:off x="6152147" y="2150333"/>
-            <a:ext cx="2797744" cy="1467162"/>
+            <a:off x="5628290" y="1773621"/>
+            <a:ext cx="3321601" cy="1843874"/>
           </a:xfrm>
           <a:prstGeom prst="wedgeRectCallout">
             <a:avLst>
-              <a:gd name="adj1" fmla="val -94801"/>
-              <a:gd name="adj2" fmla="val 37450"/>
+              <a:gd name="adj1" fmla="val -74154"/>
+              <a:gd name="adj2" fmla="val 42580"/>
             </a:avLst>
           </a:prstGeom>
           <a:solidFill>
@@ -20197,8 +20423,18 @@
           <a:lstStyle/>
           <a:p>
             <a:r>
+              <a:rPr lang="en-US" sz="1600" b="1" u="sng" dirty="0" smtClean="0"/>
+              <a:t>Application Programming Interface</a:t>
+            </a:r>
+          </a:p>
+          <a:p>
+            <a:r>
+              <a:rPr lang="en-US" sz="1600" dirty="0" smtClean="0"/>
+              <a:t>Ensure </a:t>
+            </a:r>
+            <a:r>
               <a:rPr lang="en-US" sz="1600" dirty="0"/>
-              <a:t>Ensure subroutines/functions </a:t>
+              <a:t>subroutines/functions </a:t>
             </a:r>
             <a:r>
               <a:rPr lang="en-US" sz="1600" dirty="0" smtClean="0"/>
@@ -20222,13 +20458,13 @@
         </p:nvSpPr>
         <p:spPr bwMode="auto">
           <a:xfrm>
-            <a:off x="6152147" y="3944172"/>
-            <a:ext cx="2797744" cy="1600082"/>
+            <a:off x="5628290" y="3944172"/>
+            <a:ext cx="3321601" cy="1600082"/>
           </a:xfrm>
           <a:prstGeom prst="wedgeRectCallout">
             <a:avLst>
-              <a:gd name="adj1" fmla="val -99344"/>
-              <a:gd name="adj2" fmla="val -20898"/>
+              <a:gd name="adj1" fmla="val -74426"/>
+              <a:gd name="adj2" fmla="val -18435"/>
             </a:avLst>
           </a:prstGeom>
           <a:solidFill>
@@ -20258,8 +20494,18 @@
           <a:lstStyle/>
           <a:p>
             <a:r>
+              <a:rPr lang="en-US" sz="1600" b="1" u="sng" dirty="0" smtClean="0"/>
+              <a:t>Application Binary Interface</a:t>
+            </a:r>
+          </a:p>
+          <a:p>
+            <a:r>
+              <a:rPr lang="en-US" sz="1600" dirty="0" smtClean="0"/>
+              <a:t>Ensure </a:t>
+            </a:r>
+            <a:r>
               <a:rPr lang="en-US" sz="1600" dirty="0"/>
-              <a:t>Ensure subroutines/functions </a:t>
+              <a:t>subroutines/functions </a:t>
             </a:r>
             <a:r>
               <a:rPr lang="en-US" sz="1600" dirty="0" smtClean="0"/>
@@ -20272,6 +20518,60 @@
               <a:t>Deals with a binary program</a:t>
             </a:r>
             <a:endParaRPr lang="en-US" sz="1600" b="1" dirty="0"/>
+          </a:p>
+        </p:txBody>
+      </p:sp>
+      <p:sp>
+        <p:nvSpPr>
+          <p:cNvPr id="3" name="TextBox 2"/>
+          <p:cNvSpPr txBox="1"/>
+          <p:nvPr/>
+        </p:nvSpPr>
+        <p:spPr>
+          <a:xfrm>
+            <a:off x="1183489" y="6034825"/>
+            <a:ext cx="7323084" cy="369332"/>
+          </a:xfrm>
+          <a:prstGeom prst="rect">
+            <a:avLst/>
+          </a:prstGeom>
+          <a:noFill/>
+        </p:spPr>
+        <p:txBody>
+          <a:bodyPr wrap="square" rtlCol="0">
+            <a:spAutoFit/>
+          </a:bodyPr>
+          <a:lstStyle/>
+          <a:p>
+            <a:r>
+              <a:rPr lang="en-US" sz="1800" dirty="0" smtClean="0"/>
+              <a:t>This is </a:t>
+            </a:r>
+            <a:r>
+              <a:rPr lang="en-US" sz="1800" dirty="0" smtClean="0">
+                <a:solidFill>
+                  <a:srgbClr val="FF0000"/>
+                </a:solidFill>
+              </a:rPr>
+              <a:t>super simple </a:t>
+            </a:r>
+            <a:r>
+              <a:rPr lang="en-US" sz="1800" dirty="0" smtClean="0"/>
+              <a:t>and gets </a:t>
+            </a:r>
+            <a:r>
+              <a:rPr lang="en-US" sz="1800" dirty="0" smtClean="0">
+                <a:solidFill>
+                  <a:srgbClr val="FF0000"/>
+                </a:solidFill>
+              </a:rPr>
+              <a:t>more complex </a:t>
+            </a:r>
+            <a:r>
+              <a:rPr lang="en-US" sz="1800" dirty="0" smtClean="0"/>
+              <a:t>when working with an OS </a:t>
+            </a:r>
+            <a:endParaRPr lang="en-US" sz="1800" dirty="0"/>
           </a:p>
         </p:txBody>
       </p:sp>
@@ -20285,146 +20585,6 @@
   <p:clrMapOvr>
     <a:masterClrMapping/>
   </p:clrMapOvr>
-</p:sld>
-</file>
-
-<file path=ppt/slides/slide31.xml><?xml version="1.0" encoding="utf-8"?>
-<p:sld xmlns:a="http://schemas.openxmlformats.org/drawingml/2006/main" xmlns:r="http://schemas.openxmlformats.org/officeDocument/2006/relationships" xmlns:p="http://schemas.openxmlformats.org/presentationml/2006/main">
-  <p:cSld>
-    <p:spTree>
-      <p:nvGrpSpPr>
-        <p:cNvPr id="1" name=""/>
-        <p:cNvGrpSpPr/>
-        <p:nvPr/>
-      </p:nvGrpSpPr>
-      <p:grpSpPr>
-        <a:xfrm>
-          <a:off x="0" y="0"/>
-          <a:ext cx="0" cy="0"/>
-          <a:chOff x="0" y="0"/>
-          <a:chExt cx="0" cy="0"/>
-        </a:xfrm>
-      </p:grpSpPr>
-      <p:sp>
-        <p:nvSpPr>
-          <p:cNvPr id="2" name="Title 1"/>
-          <p:cNvSpPr>
-            <a:spLocks noGrp="1"/>
-          </p:cNvSpPr>
-          <p:nvPr>
-            <p:ph type="title"/>
-          </p:nvPr>
-        </p:nvSpPr>
-        <p:spPr/>
-        <p:txBody>
-          <a:bodyPr/>
-          <a:lstStyle/>
-          <a:p>
-            <a:r>
-              <a:rPr lang="en-US" b="1" dirty="0"/>
-              <a:t>Application Binary Interface (ABI</a:t>
-            </a:r>
-            <a:r>
-              <a:rPr lang="en-US" b="1" dirty="0" smtClean="0"/>
-              <a:t>)</a:t>
-            </a:r>
-            <a:endParaRPr lang="en-US" b="1" dirty="0"/>
-          </a:p>
-        </p:txBody>
-      </p:sp>
-      <p:sp>
-        <p:nvSpPr>
-          <p:cNvPr id="3" name="Content Placeholder 2"/>
-          <p:cNvSpPr>
-            <a:spLocks noGrp="1"/>
-          </p:cNvSpPr>
-          <p:nvPr>
-            <p:ph idx="1"/>
-          </p:nvPr>
-        </p:nvSpPr>
-        <p:spPr/>
-        <p:txBody>
-          <a:bodyPr/>
-          <a:lstStyle/>
-          <a:p>
-            <a:r>
-              <a:rPr lang="en-US" dirty="0" smtClean="0"/>
-              <a:t>Convention </a:t>
-            </a:r>
-            <a:r>
-              <a:rPr lang="en-US" dirty="0"/>
-              <a:t>of specifying which registers are used for arguments passed in to a subroutine and which are used to pass back results. </a:t>
-            </a:r>
-            <a:endParaRPr lang="en-US" dirty="0" smtClean="0"/>
-          </a:p>
-          <a:p>
-            <a:r>
-              <a:rPr lang="en-US" dirty="0" smtClean="0"/>
-              <a:t>For subroutines in the MSP430 use </a:t>
-            </a:r>
-            <a:r>
-              <a:rPr lang="en-US" dirty="0"/>
-              <a:t>r12, r13, r14, and r15 to pass arguments to your subroutine. </a:t>
-            </a:r>
-            <a:endParaRPr lang="en-US" dirty="0" smtClean="0"/>
-          </a:p>
-          <a:p>
-            <a:r>
-              <a:rPr lang="en-US" dirty="0" smtClean="0"/>
-              <a:t>Use the stack if you have more than four arguments</a:t>
-            </a:r>
-          </a:p>
-          <a:p>
-            <a:endParaRPr lang="en-US" dirty="0"/>
-          </a:p>
-          <a:p>
-            <a:r>
-              <a:rPr lang="en-US" dirty="0" smtClean="0"/>
-              <a:t>If you follow the ABI and then link to a 3</a:t>
-            </a:r>
-            <a:r>
-              <a:rPr lang="en-US" baseline="30000" dirty="0" smtClean="0"/>
-              <a:t>rd</a:t>
-            </a:r>
-            <a:r>
-              <a:rPr lang="en-US" dirty="0" smtClean="0"/>
-              <a:t> party library (</a:t>
-            </a:r>
-            <a:r>
-              <a:rPr lang="en-US" dirty="0" smtClean="0">
-                <a:solidFill>
-                  <a:srgbClr val="FF0000"/>
-                </a:solidFill>
-              </a:rPr>
-              <a:t>meaning someone else developed it and you have probably never seen the source code</a:t>
-            </a:r>
-            <a:r>
-              <a:rPr lang="en-US" dirty="0" smtClean="0"/>
-              <a:t>), it should work correctly!!</a:t>
-            </a:r>
-          </a:p>
-          <a:p>
-            <a:endParaRPr lang="en-US" dirty="0"/>
-          </a:p>
-        </p:txBody>
-      </p:sp>
-    </p:spTree>
-    <p:extLst>
-      <p:ext uri="{BB962C8B-B14F-4D97-AF65-F5344CB8AC3E}">
-        <p14:creationId xmlns:p14="http://schemas.microsoft.com/office/powerpoint/2010/main" val="789603950"/>
-      </p:ext>
-    </p:extLst>
-  </p:cSld>
-  <p:clrMapOvr>
-    <a:masterClrMapping/>
-  </p:clrMapOvr>
-  <p:timing>
-    <p:tnLst>
-      <p:par>
-        <p:cTn id="1" dur="indefinite" restart="never" nodeType="tmRoot"/>
-      </p:par>
-    </p:tnLst>
-  </p:timing>
 </p:sld>
 </file>
 
@@ -20460,7 +20620,15 @@
           <a:bodyPr/>
           <a:lstStyle/>
           <a:p>
-            <a:endParaRPr lang="en-US"/>
+            <a:r>
+              <a:rPr lang="en-US" b="1" dirty="0"/>
+              <a:t>Application Binary Interface (ABI</a:t>
+            </a:r>
+            <a:r>
+              <a:rPr lang="en-US" b="1" dirty="0" smtClean="0"/>
+              <a:t>)</a:t>
+            </a:r>
+            <a:endParaRPr lang="en-US" b="1" dirty="0"/>
           </a:p>
         </p:txBody>
       </p:sp>
@@ -20481,6 +20649,138 @@
           <a:p>
             <a:r>
               <a:rPr lang="en-US" dirty="0" smtClean="0"/>
+              <a:t>Convention </a:t>
+            </a:r>
+            <a:r>
+              <a:rPr lang="en-US" dirty="0"/>
+              <a:t>of specifying which registers are used for arguments passed in to a subroutine and which are used to pass back results. </a:t>
+            </a:r>
+            <a:endParaRPr lang="en-US" dirty="0" smtClean="0"/>
+          </a:p>
+          <a:p>
+            <a:r>
+              <a:rPr lang="en-US" dirty="0" smtClean="0"/>
+              <a:t>For subroutines in the MSP430 use </a:t>
+            </a:r>
+            <a:r>
+              <a:rPr lang="en-US" dirty="0"/>
+              <a:t>r12, r13, r14, and r15 to pass arguments to your subroutine. </a:t>
+            </a:r>
+            <a:endParaRPr lang="en-US" dirty="0" smtClean="0"/>
+          </a:p>
+          <a:p>
+            <a:r>
+              <a:rPr lang="en-US" dirty="0" smtClean="0"/>
+              <a:t>Use the stack if you have more than four arguments</a:t>
+            </a:r>
+          </a:p>
+          <a:p>
+            <a:endParaRPr lang="en-US" dirty="0"/>
+          </a:p>
+          <a:p>
+            <a:r>
+              <a:rPr lang="en-US" dirty="0" smtClean="0"/>
+              <a:t>If you follow the ABI and then link to a 3</a:t>
+            </a:r>
+            <a:r>
+              <a:rPr lang="en-US" baseline="30000" dirty="0" smtClean="0"/>
+              <a:t>rd</a:t>
+            </a:r>
+            <a:r>
+              <a:rPr lang="en-US" dirty="0" smtClean="0"/>
+              <a:t> party library (</a:t>
+            </a:r>
+            <a:r>
+              <a:rPr lang="en-US" dirty="0" smtClean="0">
+                <a:solidFill>
+                  <a:srgbClr val="FF0000"/>
+                </a:solidFill>
+              </a:rPr>
+              <a:t>meaning someone else developed it and you have probably never seen the source code</a:t>
+            </a:r>
+            <a:r>
+              <a:rPr lang="en-US" dirty="0" smtClean="0"/>
+              <a:t>), it should work correctly!!</a:t>
+            </a:r>
+          </a:p>
+          <a:p>
+            <a:endParaRPr lang="en-US" dirty="0"/>
+          </a:p>
+        </p:txBody>
+      </p:sp>
+    </p:spTree>
+    <p:extLst>
+      <p:ext uri="{BB962C8B-B14F-4D97-AF65-F5344CB8AC3E}">
+        <p14:creationId xmlns:p14="http://schemas.microsoft.com/office/powerpoint/2010/main" val="789603950"/>
+      </p:ext>
+    </p:extLst>
+  </p:cSld>
+  <p:clrMapOvr>
+    <a:masterClrMapping/>
+  </p:clrMapOvr>
+  <p:timing>
+    <p:tnLst>
+      <p:par>
+        <p:cTn id="1" dur="indefinite" restart="never" nodeType="tmRoot"/>
+      </p:par>
+    </p:tnLst>
+  </p:timing>
+</p:sld>
+</file>
+
+<file path=ppt/slides/slide33.xml><?xml version="1.0" encoding="utf-8"?>
+<p:sld xmlns:a="http://schemas.openxmlformats.org/drawingml/2006/main" xmlns:r="http://schemas.openxmlformats.org/officeDocument/2006/relationships" xmlns:p="http://schemas.openxmlformats.org/presentationml/2006/main">
+  <p:cSld>
+    <p:spTree>
+      <p:nvGrpSpPr>
+        <p:cNvPr id="1" name=""/>
+        <p:cNvGrpSpPr/>
+        <p:nvPr/>
+      </p:nvGrpSpPr>
+      <p:grpSpPr>
+        <a:xfrm>
+          <a:off x="0" y="0"/>
+          <a:ext cx="0" cy="0"/>
+          <a:chOff x="0" y="0"/>
+          <a:chExt cx="0" cy="0"/>
+        </a:xfrm>
+      </p:grpSpPr>
+      <p:sp>
+        <p:nvSpPr>
+          <p:cNvPr id="2" name="Title 1"/>
+          <p:cNvSpPr>
+            <a:spLocks noGrp="1"/>
+          </p:cNvSpPr>
+          <p:nvPr>
+            <p:ph type="title"/>
+          </p:nvPr>
+        </p:nvSpPr>
+        <p:spPr/>
+        <p:txBody>
+          <a:bodyPr/>
+          <a:lstStyle/>
+          <a:p>
+            <a:endParaRPr lang="en-US"/>
+          </a:p>
+        </p:txBody>
+      </p:sp>
+      <p:sp>
+        <p:nvSpPr>
+          <p:cNvPr id="3" name="Content Placeholder 2"/>
+          <p:cNvSpPr>
+            <a:spLocks noGrp="1"/>
+          </p:cNvSpPr>
+          <p:nvPr>
+            <p:ph idx="1"/>
+          </p:nvPr>
+        </p:nvSpPr>
+        <p:spPr/>
+        <p:txBody>
+          <a:bodyPr/>
+          <a:lstStyle/>
+          <a:p>
+            <a:r>
+              <a:rPr lang="en-US" dirty="0" smtClean="0"/>
               <a:t>Find </a:t>
             </a:r>
             <a:r>
@@ -20489,11 +20789,7 @@
             </a:r>
             <a:r>
               <a:rPr lang="en-US" dirty="0" smtClean="0"/>
-              <a:t> library </a:t>
-            </a:r>
-            <a:r>
-              <a:rPr lang="en-US" dirty="0" smtClean="0"/>
-              <a:t>subroutine example</a:t>
+              <a:t> library subroutine example</a:t>
             </a:r>
             <a:endParaRPr lang="en-US" dirty="0"/>
           </a:p>
@@ -20512,7 +20808,7 @@
 </p:sld>
 </file>
 
-<file path=ppt/slides/slide33.xml><?xml version="1.0" encoding="utf-8"?>
+<file path=ppt/slides/slide34.xml><?xml version="1.0" encoding="utf-8"?>
 <p:sld xmlns:a="http://schemas.openxmlformats.org/drawingml/2006/main" xmlns:r="http://schemas.openxmlformats.org/officeDocument/2006/relationships" xmlns:p="http://schemas.openxmlformats.org/presentationml/2006/main">
   <p:cSld>
     <p:spTree>
@@ -21628,23 +21924,7 @@
                   <a:srgbClr val="0070C0"/>
                 </a:solidFill>
               </a:rPr>
-              <a:t>Where in RAM should you initialize </a:t>
-            </a:r>
-            <a:r>
-              <a:rPr lang="en-US" sz="2000" dirty="0" smtClean="0">
-                <a:solidFill>
-                  <a:srgbClr val="0070C0"/>
-                </a:solidFill>
-              </a:rPr>
-              <a:t>the Stack </a:t>
-            </a:r>
-            <a:r>
-              <a:rPr lang="en-US" sz="2000" dirty="0" smtClean="0">
-                <a:solidFill>
-                  <a:srgbClr val="0070C0"/>
-                </a:solidFill>
-              </a:rPr>
-              <a:t>Pointer to point to?</a:t>
+              <a:t>Where in RAM should you initialize the Stack Pointer to point to?</a:t>
             </a:r>
             <a:endParaRPr lang="en-US" sz="2000" dirty="0"/>
           </a:p>
@@ -21780,23 +22060,7 @@
                   <a:srgbClr val="0070C0"/>
                 </a:solidFill>
               </a:rPr>
-              <a:t>Where in RAM should you initialize </a:t>
-            </a:r>
-            <a:r>
-              <a:rPr lang="en-US" sz="2000" dirty="0" smtClean="0">
-                <a:solidFill>
-                  <a:srgbClr val="0070C0"/>
-                </a:solidFill>
-              </a:rPr>
-              <a:t>the Stack </a:t>
-            </a:r>
-            <a:r>
-              <a:rPr lang="en-US" sz="2000" dirty="0" smtClean="0">
-                <a:solidFill>
-                  <a:srgbClr val="0070C0"/>
-                </a:solidFill>
-              </a:rPr>
-              <a:t>Point too?</a:t>
+              <a:t>Where in RAM should you initialize the Stack Point too?</a:t>
             </a:r>
             <a:endParaRPr lang="en-US" sz="2000" dirty="0"/>
           </a:p>
@@ -21819,15 +22083,7 @@
             </a:r>
             <a:r>
               <a:rPr lang="en-US" dirty="0" smtClean="0"/>
-              <a:t>   </a:t>
-            </a:r>
-            <a:r>
-              <a:rPr lang="en-US" dirty="0" smtClean="0"/>
-              <a:t>0x200 </a:t>
-            </a:r>
-            <a:r>
-              <a:rPr lang="en-US" dirty="0" smtClean="0"/>
-              <a:t>would be bad!</a:t>
+              <a:t>   0x200 would be bad!</a:t>
             </a:r>
             <a:endParaRPr lang="en-US" dirty="0"/>
           </a:p>
@@ -22133,27 +22389,7 @@
                 <a:latin typeface="Courier New" pitchFamily="49" charset="0"/>
                 <a:cs typeface="Courier New" pitchFamily="49" charset="0"/>
               </a:rPr>
-              <a:t>                           </a:t>
-            </a:r>
-            <a:r>
-              <a:rPr lang="en-US" sz="1200" dirty="0" smtClean="0">
-                <a:solidFill>
-                  <a:srgbClr val="00B050"/>
-                </a:solidFill>
-                <a:latin typeface="Courier New" pitchFamily="49" charset="0"/>
-                <a:cs typeface="Courier New" pitchFamily="49" charset="0"/>
-              </a:rPr>
-              <a:t>; This </a:t>
-            </a:r>
-            <a:r>
-              <a:rPr lang="en-US" sz="1200" dirty="0" smtClean="0">
-                <a:solidFill>
-                  <a:srgbClr val="00B050"/>
-                </a:solidFill>
-                <a:latin typeface="Courier New" pitchFamily="49" charset="0"/>
-                <a:cs typeface="Courier New" pitchFamily="49" charset="0"/>
-              </a:rPr>
-              <a:t>decrements </a:t>
+              <a:t>                           ; This decrements </a:t>
             </a:r>
             <a:r>
               <a:rPr lang="en-US" sz="1200" dirty="0">
@@ -23895,16 +24131,6 @@
               </a:rPr>
               <a:t>SP</a:t>
             </a:r>
-            <a:endParaRPr kumimoji="0" lang="en-US" sz="1600" b="0" i="0" u="none" strike="noStrike" cap="none" normalizeH="0" baseline="0" dirty="0" smtClean="0">
-              <a:ln>
-                <a:noFill/>
-              </a:ln>
-              <a:solidFill>
-                <a:schemeClr val="bg1"/>
-              </a:solidFill>
-              <a:effectLst/>
-              <a:latin typeface="Arial" charset="0"/>
-            </a:endParaRPr>
           </a:p>
         </p:txBody>
       </p:sp>

--- a/source/lessons/lsn9-10/Lsn9-10.pptx
+++ b/source/lessons/lsn9-10/Lsn9-10.pptx
@@ -7,10 +7,10 @@
     <p:sldMasterId id="2147483667" r:id="rId3"/>
   </p:sldMasterIdLst>
   <p:notesMasterIdLst>
-    <p:notesMasterId r:id="rId38"/>
+    <p:notesMasterId r:id="rId37"/>
   </p:notesMasterIdLst>
   <p:handoutMasterIdLst>
-    <p:handoutMasterId r:id="rId39"/>
+    <p:handoutMasterId r:id="rId38"/>
   </p:handoutMasterIdLst>
   <p:sldIdLst>
     <p:sldId id="352" r:id="rId4"/>
@@ -45,8 +45,7 @@
     <p:sldId id="385" r:id="rId33"/>
     <p:sldId id="387" r:id="rId34"/>
     <p:sldId id="386" r:id="rId35"/>
-    <p:sldId id="388" r:id="rId36"/>
-    <p:sldId id="353" r:id="rId37"/>
+    <p:sldId id="353" r:id="rId36"/>
   </p:sldIdLst>
   <p:sldSz cx="9144000" cy="6858000" type="screen4x3"/>
   <p:notesSz cx="7010400" cy="9296400"/>
@@ -1384,7 +1383,7 @@
           <a:p>
             <a:fld id="{834513E8-165F-4932-9E2D-FD497CB9A4FD}" type="datetimeFigureOut">
               <a:rPr lang="en-US" smtClean="0"/>
-              <a:t>7/23/2018</a:t>
+              <a:t>7/31/2018</a:t>
             </a:fld>
             <a:endParaRPr lang="en-US"/>
           </a:p>
@@ -1661,7 +1660,7 @@
           <a:p>
             <a:fld id="{834513E8-165F-4932-9E2D-FD497CB9A4FD}" type="datetimeFigureOut">
               <a:rPr lang="en-US" smtClean="0"/>
-              <a:t>7/23/2018</a:t>
+              <a:t>7/31/2018</a:t>
             </a:fld>
             <a:endParaRPr lang="en-US"/>
           </a:p>
@@ -1914,7 +1913,7 @@
           <a:p>
             <a:fld id="{834513E8-165F-4932-9E2D-FD497CB9A4FD}" type="datetimeFigureOut">
               <a:rPr lang="en-US" smtClean="0"/>
-              <a:t>7/23/2018</a:t>
+              <a:t>7/31/2018</a:t>
             </a:fld>
             <a:endParaRPr lang="en-US"/>
           </a:p>
@@ -2084,7 +2083,7 @@
           <a:p>
             <a:fld id="{834513E8-165F-4932-9E2D-FD497CB9A4FD}" type="datetimeFigureOut">
               <a:rPr lang="en-US" smtClean="0"/>
-              <a:t>7/23/2018</a:t>
+              <a:t>7/31/2018</a:t>
             </a:fld>
             <a:endParaRPr lang="en-US"/>
           </a:p>
@@ -2264,7 +2263,7 @@
           <a:p>
             <a:fld id="{834513E8-165F-4932-9E2D-FD497CB9A4FD}" type="datetimeFigureOut">
               <a:rPr lang="en-US" smtClean="0"/>
-              <a:t>7/23/2018</a:t>
+              <a:t>7/31/2018</a:t>
             </a:fld>
             <a:endParaRPr lang="en-US"/>
           </a:p>
@@ -3008,7 +3007,7 @@
           <a:p>
             <a:fld id="{834513E8-165F-4932-9E2D-FD497CB9A4FD}" type="datetimeFigureOut">
               <a:rPr lang="en-US" smtClean="0"/>
-              <a:t>7/23/2018</a:t>
+              <a:t>7/31/2018</a:t>
             </a:fld>
             <a:endParaRPr lang="en-US"/>
           </a:p>
@@ -3178,7 +3177,7 @@
           <a:p>
             <a:fld id="{834513E8-165F-4932-9E2D-FD497CB9A4FD}" type="datetimeFigureOut">
               <a:rPr lang="en-US" smtClean="0"/>
-              <a:t>7/23/2018</a:t>
+              <a:t>7/31/2018</a:t>
             </a:fld>
             <a:endParaRPr lang="en-US"/>
           </a:p>
@@ -3424,7 +3423,7 @@
           <a:p>
             <a:fld id="{834513E8-165F-4932-9E2D-FD497CB9A4FD}" type="datetimeFigureOut">
               <a:rPr lang="en-US" smtClean="0"/>
-              <a:t>7/23/2018</a:t>
+              <a:t>7/31/2018</a:t>
             </a:fld>
             <a:endParaRPr lang="en-US"/>
           </a:p>
@@ -3656,7 +3655,7 @@
           <a:p>
             <a:fld id="{834513E8-165F-4932-9E2D-FD497CB9A4FD}" type="datetimeFigureOut">
               <a:rPr lang="en-US" smtClean="0"/>
-              <a:t>7/23/2018</a:t>
+              <a:t>7/31/2018</a:t>
             </a:fld>
             <a:endParaRPr lang="en-US"/>
           </a:p>
@@ -4023,7 +4022,7 @@
           <a:p>
             <a:fld id="{834513E8-165F-4932-9E2D-FD497CB9A4FD}" type="datetimeFigureOut">
               <a:rPr lang="en-US" smtClean="0"/>
-              <a:t>7/23/2018</a:t>
+              <a:t>7/31/2018</a:t>
             </a:fld>
             <a:endParaRPr lang="en-US"/>
           </a:p>
@@ -4141,7 +4140,7 @@
           <a:p>
             <a:fld id="{834513E8-165F-4932-9E2D-FD497CB9A4FD}" type="datetimeFigureOut">
               <a:rPr lang="en-US" smtClean="0"/>
-              <a:t>7/23/2018</a:t>
+              <a:t>7/31/2018</a:t>
             </a:fld>
             <a:endParaRPr lang="en-US"/>
           </a:p>
@@ -5957,7 +5956,7 @@
           <a:p>
             <a:fld id="{834513E8-165F-4932-9E2D-FD497CB9A4FD}" type="datetimeFigureOut">
               <a:rPr lang="en-US" smtClean="0"/>
-              <a:t>7/23/2018</a:t>
+              <a:t>7/31/2018</a:t>
             </a:fld>
             <a:endParaRPr lang="en-US"/>
           </a:p>
@@ -17432,15 +17431,7 @@
                   <a:schemeClr val="accent2"/>
                 </a:solidFill>
               </a:rPr>
-              <a:t>How do s</a:t>
-            </a:r>
-            <a:r>
-              <a:rPr lang="en-US" sz="2000" dirty="0" smtClean="0">
-                <a:solidFill>
-                  <a:schemeClr val="accent2"/>
-                </a:solidFill>
-              </a:rPr>
-              <a:t>ubroutines work?</a:t>
+              <a:t>How do subroutines work?</a:t>
             </a:r>
             <a:endParaRPr lang="en-US" sz="2000" dirty="0">
               <a:solidFill>
@@ -17510,22 +17501,37 @@
                 <a:latin typeface="Courier New" pitchFamily="49" charset="0"/>
                 <a:cs typeface="Courier New" pitchFamily="49" charset="0"/>
               </a:rPr>
-              <a:t>Call </a:t>
-            </a:r>
+              <a:t>Call #addition</a:t>
+            </a:r>
+          </a:p>
+          <a:p>
+            <a:pPr marL="457200" lvl="1" indent="0">
+              <a:buNone/>
+            </a:pPr>
             <a:r>
               <a:rPr lang="en-US" sz="1600" dirty="0" smtClean="0">
                 <a:latin typeface="Courier New" pitchFamily="49" charset="0"/>
                 <a:cs typeface="Courier New" pitchFamily="49" charset="0"/>
               </a:rPr>
-              <a:t>#</a:t>
-            </a:r>
+              <a:t>…</a:t>
+            </a:r>
+          </a:p>
+          <a:p>
+            <a:pPr marL="457200" lvl="1" indent="0">
+              <a:buNone/>
+            </a:pPr>
             <a:r>
               <a:rPr lang="en-US" sz="1600" dirty="0" smtClean="0">
                 <a:latin typeface="Courier New" pitchFamily="49" charset="0"/>
                 <a:cs typeface="Courier New" pitchFamily="49" charset="0"/>
               </a:rPr>
-              <a:t>addition</a:t>
-            </a:r>
+              <a:t>…</a:t>
+            </a:r>
+          </a:p>
+          <a:p>
+            <a:pPr marL="457200" lvl="1" indent="0">
+              <a:buNone/>
+            </a:pPr>
             <a:endParaRPr lang="en-US" sz="1600" dirty="0" smtClean="0">
               <a:latin typeface="Courier New" pitchFamily="49" charset="0"/>
               <a:cs typeface="Courier New" pitchFamily="49" charset="0"/>
@@ -17540,54 +17546,7 @@
                 <a:latin typeface="Courier New" pitchFamily="49" charset="0"/>
                 <a:cs typeface="Courier New" pitchFamily="49" charset="0"/>
               </a:rPr>
-              <a:t>…</a:t>
-            </a:r>
-          </a:p>
-          <a:p>
-            <a:pPr marL="457200" lvl="1" indent="0">
-              <a:buNone/>
-            </a:pPr>
-            <a:r>
-              <a:rPr lang="en-US" sz="1600" dirty="0" smtClean="0">
-                <a:latin typeface="Courier New" pitchFamily="49" charset="0"/>
-                <a:cs typeface="Courier New" pitchFamily="49" charset="0"/>
-              </a:rPr>
-              <a:t>…</a:t>
-            </a:r>
-          </a:p>
-          <a:p>
-            <a:pPr marL="457200" lvl="1" indent="0">
-              <a:buNone/>
-            </a:pPr>
-            <a:endParaRPr lang="en-US" sz="1600" dirty="0" smtClean="0">
-              <a:latin typeface="Courier New" pitchFamily="49" charset="0"/>
-              <a:cs typeface="Courier New" pitchFamily="49" charset="0"/>
-            </a:endParaRPr>
-          </a:p>
-          <a:p>
-            <a:pPr marL="457200" lvl="1" indent="0">
-              <a:buNone/>
-            </a:pPr>
-            <a:r>
-              <a:rPr lang="en-US" sz="1600" dirty="0" smtClean="0">
-                <a:latin typeface="Courier New" pitchFamily="49" charset="0"/>
-                <a:cs typeface="Courier New" pitchFamily="49" charset="0"/>
-              </a:rPr>
-              <a:t>addition</a:t>
-            </a:r>
-            <a:r>
-              <a:rPr lang="en-US" sz="1600" dirty="0" smtClean="0">
-                <a:latin typeface="Courier New" pitchFamily="49" charset="0"/>
-                <a:cs typeface="Courier New" pitchFamily="49" charset="0"/>
-              </a:rPr>
-              <a:t>:  </a:t>
-            </a:r>
-            <a:r>
-              <a:rPr lang="en-US" sz="1600" dirty="0" smtClean="0">
-                <a:latin typeface="Courier New" pitchFamily="49" charset="0"/>
-                <a:cs typeface="Courier New" pitchFamily="49" charset="0"/>
-              </a:rPr>
-              <a:t>…</a:t>
+              <a:t>addition:  …</a:t>
             </a:r>
           </a:p>
           <a:p>
@@ -20729,86 +20688,6 @@
 </file>
 
 <file path=ppt/slides/slide33.xml><?xml version="1.0" encoding="utf-8"?>
-<p:sld xmlns:a="http://schemas.openxmlformats.org/drawingml/2006/main" xmlns:r="http://schemas.openxmlformats.org/officeDocument/2006/relationships" xmlns:p="http://schemas.openxmlformats.org/presentationml/2006/main">
-  <p:cSld>
-    <p:spTree>
-      <p:nvGrpSpPr>
-        <p:cNvPr id="1" name=""/>
-        <p:cNvGrpSpPr/>
-        <p:nvPr/>
-      </p:nvGrpSpPr>
-      <p:grpSpPr>
-        <a:xfrm>
-          <a:off x="0" y="0"/>
-          <a:ext cx="0" cy="0"/>
-          <a:chOff x="0" y="0"/>
-          <a:chExt cx="0" cy="0"/>
-        </a:xfrm>
-      </p:grpSpPr>
-      <p:sp>
-        <p:nvSpPr>
-          <p:cNvPr id="2" name="Title 1"/>
-          <p:cNvSpPr>
-            <a:spLocks noGrp="1"/>
-          </p:cNvSpPr>
-          <p:nvPr>
-            <p:ph type="title"/>
-          </p:nvPr>
-        </p:nvSpPr>
-        <p:spPr/>
-        <p:txBody>
-          <a:bodyPr/>
-          <a:lstStyle/>
-          <a:p>
-            <a:endParaRPr lang="en-US"/>
-          </a:p>
-        </p:txBody>
-      </p:sp>
-      <p:sp>
-        <p:nvSpPr>
-          <p:cNvPr id="3" name="Content Placeholder 2"/>
-          <p:cNvSpPr>
-            <a:spLocks noGrp="1"/>
-          </p:cNvSpPr>
-          <p:nvPr>
-            <p:ph idx="1"/>
-          </p:nvPr>
-        </p:nvSpPr>
-        <p:spPr/>
-        <p:txBody>
-          <a:bodyPr/>
-          <a:lstStyle/>
-          <a:p>
-            <a:r>
-              <a:rPr lang="en-US" dirty="0" smtClean="0"/>
-              <a:t>Find </a:t>
-            </a:r>
-            <a:r>
-              <a:rPr lang="en-US" dirty="0" err="1" smtClean="0"/>
-              <a:t>asm</a:t>
-            </a:r>
-            <a:r>
-              <a:rPr lang="en-US" dirty="0" smtClean="0"/>
-              <a:t> library subroutine example</a:t>
-            </a:r>
-            <a:endParaRPr lang="en-US" dirty="0"/>
-          </a:p>
-        </p:txBody>
-      </p:sp>
-    </p:spTree>
-    <p:extLst>
-      <p:ext uri="{BB962C8B-B14F-4D97-AF65-F5344CB8AC3E}">
-        <p14:creationId xmlns:p14="http://schemas.microsoft.com/office/powerpoint/2010/main" val="2154817669"/>
-      </p:ext>
-    </p:extLst>
-  </p:cSld>
-  <p:clrMapOvr>
-    <a:masterClrMapping/>
-  </p:clrMapOvr>
-</p:sld>
-</file>
-
-<file path=ppt/slides/slide34.xml><?xml version="1.0" encoding="utf-8"?>
 <p:sld xmlns:a="http://schemas.openxmlformats.org/drawingml/2006/main" xmlns:r="http://schemas.openxmlformats.org/officeDocument/2006/relationships" xmlns:p="http://schemas.openxmlformats.org/presentationml/2006/main">
   <p:cSld>
     <p:spTree>

--- a/source/lessons/lsn9-10/Lsn9-10.pptx
+++ b/source/lessons/lsn9-10/Lsn9-10.pptx
@@ -1383,7 +1383,7 @@
           <a:p>
             <a:fld id="{834513E8-165F-4932-9E2D-FD497CB9A4FD}" type="datetimeFigureOut">
               <a:rPr lang="en-US" smtClean="0"/>
-              <a:t>7/31/2018</a:t>
+              <a:t>8/8/2018</a:t>
             </a:fld>
             <a:endParaRPr lang="en-US"/>
           </a:p>
@@ -1660,7 +1660,7 @@
           <a:p>
             <a:fld id="{834513E8-165F-4932-9E2D-FD497CB9A4FD}" type="datetimeFigureOut">
               <a:rPr lang="en-US" smtClean="0"/>
-              <a:t>7/31/2018</a:t>
+              <a:t>8/8/2018</a:t>
             </a:fld>
             <a:endParaRPr lang="en-US"/>
           </a:p>
@@ -1913,7 +1913,7 @@
           <a:p>
             <a:fld id="{834513E8-165F-4932-9E2D-FD497CB9A4FD}" type="datetimeFigureOut">
               <a:rPr lang="en-US" smtClean="0"/>
-              <a:t>7/31/2018</a:t>
+              <a:t>8/8/2018</a:t>
             </a:fld>
             <a:endParaRPr lang="en-US"/>
           </a:p>
@@ -2083,7 +2083,7 @@
           <a:p>
             <a:fld id="{834513E8-165F-4932-9E2D-FD497CB9A4FD}" type="datetimeFigureOut">
               <a:rPr lang="en-US" smtClean="0"/>
-              <a:t>7/31/2018</a:t>
+              <a:t>8/8/2018</a:t>
             </a:fld>
             <a:endParaRPr lang="en-US"/>
           </a:p>
@@ -2263,7 +2263,7 @@
           <a:p>
             <a:fld id="{834513E8-165F-4932-9E2D-FD497CB9A4FD}" type="datetimeFigureOut">
               <a:rPr lang="en-US" smtClean="0"/>
-              <a:t>7/31/2018</a:t>
+              <a:t>8/8/2018</a:t>
             </a:fld>
             <a:endParaRPr lang="en-US"/>
           </a:p>
@@ -3007,7 +3007,7 @@
           <a:p>
             <a:fld id="{834513E8-165F-4932-9E2D-FD497CB9A4FD}" type="datetimeFigureOut">
               <a:rPr lang="en-US" smtClean="0"/>
-              <a:t>7/31/2018</a:t>
+              <a:t>8/8/2018</a:t>
             </a:fld>
             <a:endParaRPr lang="en-US"/>
           </a:p>
@@ -3177,7 +3177,7 @@
           <a:p>
             <a:fld id="{834513E8-165F-4932-9E2D-FD497CB9A4FD}" type="datetimeFigureOut">
               <a:rPr lang="en-US" smtClean="0"/>
-              <a:t>7/31/2018</a:t>
+              <a:t>8/8/2018</a:t>
             </a:fld>
             <a:endParaRPr lang="en-US"/>
           </a:p>
@@ -3423,7 +3423,7 @@
           <a:p>
             <a:fld id="{834513E8-165F-4932-9E2D-FD497CB9A4FD}" type="datetimeFigureOut">
               <a:rPr lang="en-US" smtClean="0"/>
-              <a:t>7/31/2018</a:t>
+              <a:t>8/8/2018</a:t>
             </a:fld>
             <a:endParaRPr lang="en-US"/>
           </a:p>
@@ -3655,7 +3655,7 @@
           <a:p>
             <a:fld id="{834513E8-165F-4932-9E2D-FD497CB9A4FD}" type="datetimeFigureOut">
               <a:rPr lang="en-US" smtClean="0"/>
-              <a:t>7/31/2018</a:t>
+              <a:t>8/8/2018</a:t>
             </a:fld>
             <a:endParaRPr lang="en-US"/>
           </a:p>
@@ -4022,7 +4022,7 @@
           <a:p>
             <a:fld id="{834513E8-165F-4932-9E2D-FD497CB9A4FD}" type="datetimeFigureOut">
               <a:rPr lang="en-US" smtClean="0"/>
-              <a:t>7/31/2018</a:t>
+              <a:t>8/8/2018</a:t>
             </a:fld>
             <a:endParaRPr lang="en-US"/>
           </a:p>
@@ -4140,7 +4140,7 @@
           <a:p>
             <a:fld id="{834513E8-165F-4932-9E2D-FD497CB9A4FD}" type="datetimeFigureOut">
               <a:rPr lang="en-US" smtClean="0"/>
-              <a:t>7/31/2018</a:t>
+              <a:t>8/8/2018</a:t>
             </a:fld>
             <a:endParaRPr lang="en-US"/>
           </a:p>
@@ -5956,7 +5956,7 @@
           <a:p>
             <a:fld id="{834513E8-165F-4932-9E2D-FD497CB9A4FD}" type="datetimeFigureOut">
               <a:rPr lang="en-US" smtClean="0"/>
-              <a:t>7/31/2018</a:t>
+              <a:t>8/8/2018</a:t>
             </a:fld>
             <a:endParaRPr lang="en-US"/>
           </a:p>
@@ -19265,7 +19265,7 @@
         <p:spPr>
           <a:xfrm>
             <a:off x="376038" y="1568487"/>
-            <a:ext cx="8493642" cy="4724400"/>
+            <a:ext cx="8421121" cy="4724400"/>
           </a:xfrm>
         </p:spPr>
         <p:txBody>
@@ -19451,6 +19451,30 @@
           </a:p>
         </p:txBody>
       </p:sp>
+      <p:pic>
+        <p:nvPicPr>
+          <p:cNvPr id="4" name="Picture 3"/>
+          <p:cNvPicPr>
+            <a:picLocks noChangeAspect="1"/>
+          </p:cNvPicPr>
+          <p:nvPr/>
+        </p:nvPicPr>
+        <p:blipFill>
+          <a:blip r:embed="rId2"/>
+          <a:stretch>
+            <a:fillRect/>
+          </a:stretch>
+        </p:blipFill>
+        <p:spPr>
+          <a:xfrm>
+            <a:off x="5712607" y="3476297"/>
+            <a:ext cx="3433162" cy="2398328"/>
+          </a:xfrm>
+          <a:prstGeom prst="rect">
+            <a:avLst/>
+          </a:prstGeom>
+        </p:spPr>
+      </p:pic>
     </p:spTree>
     <p:extLst>
       <p:ext uri="{BB962C8B-B14F-4D97-AF65-F5344CB8AC3E}">

--- a/source/lessons/lsn9-10/Lsn9-10.pptx
+++ b/source/lessons/lsn9-10/Lsn9-10.pptx
@@ -1383,7 +1383,7 @@
           <a:p>
             <a:fld id="{834513E8-165F-4932-9E2D-FD497CB9A4FD}" type="datetimeFigureOut">
               <a:rPr lang="en-US" smtClean="0"/>
-              <a:t>8/8/2018</a:t>
+              <a:t>8/14/2018</a:t>
             </a:fld>
             <a:endParaRPr lang="en-US"/>
           </a:p>
@@ -1660,7 +1660,7 @@
           <a:p>
             <a:fld id="{834513E8-165F-4932-9E2D-FD497CB9A4FD}" type="datetimeFigureOut">
               <a:rPr lang="en-US" smtClean="0"/>
-              <a:t>8/8/2018</a:t>
+              <a:t>8/14/2018</a:t>
             </a:fld>
             <a:endParaRPr lang="en-US"/>
           </a:p>
@@ -1913,7 +1913,7 @@
           <a:p>
             <a:fld id="{834513E8-165F-4932-9E2D-FD497CB9A4FD}" type="datetimeFigureOut">
               <a:rPr lang="en-US" smtClean="0"/>
-              <a:t>8/8/2018</a:t>
+              <a:t>8/14/2018</a:t>
             </a:fld>
             <a:endParaRPr lang="en-US"/>
           </a:p>
@@ -2083,7 +2083,7 @@
           <a:p>
             <a:fld id="{834513E8-165F-4932-9E2D-FD497CB9A4FD}" type="datetimeFigureOut">
               <a:rPr lang="en-US" smtClean="0"/>
-              <a:t>8/8/2018</a:t>
+              <a:t>8/14/2018</a:t>
             </a:fld>
             <a:endParaRPr lang="en-US"/>
           </a:p>
@@ -2263,7 +2263,7 @@
           <a:p>
             <a:fld id="{834513E8-165F-4932-9E2D-FD497CB9A4FD}" type="datetimeFigureOut">
               <a:rPr lang="en-US" smtClean="0"/>
-              <a:t>8/8/2018</a:t>
+              <a:t>8/14/2018</a:t>
             </a:fld>
             <a:endParaRPr lang="en-US"/>
           </a:p>
@@ -3007,7 +3007,7 @@
           <a:p>
             <a:fld id="{834513E8-165F-4932-9E2D-FD497CB9A4FD}" type="datetimeFigureOut">
               <a:rPr lang="en-US" smtClean="0"/>
-              <a:t>8/8/2018</a:t>
+              <a:t>8/14/2018</a:t>
             </a:fld>
             <a:endParaRPr lang="en-US"/>
           </a:p>
@@ -3177,7 +3177,7 @@
           <a:p>
             <a:fld id="{834513E8-165F-4932-9E2D-FD497CB9A4FD}" type="datetimeFigureOut">
               <a:rPr lang="en-US" smtClean="0"/>
-              <a:t>8/8/2018</a:t>
+              <a:t>8/14/2018</a:t>
             </a:fld>
             <a:endParaRPr lang="en-US"/>
           </a:p>
@@ -3423,7 +3423,7 @@
           <a:p>
             <a:fld id="{834513E8-165F-4932-9E2D-FD497CB9A4FD}" type="datetimeFigureOut">
               <a:rPr lang="en-US" smtClean="0"/>
-              <a:t>8/8/2018</a:t>
+              <a:t>8/14/2018</a:t>
             </a:fld>
             <a:endParaRPr lang="en-US"/>
           </a:p>
@@ -3655,7 +3655,7 @@
           <a:p>
             <a:fld id="{834513E8-165F-4932-9E2D-FD497CB9A4FD}" type="datetimeFigureOut">
               <a:rPr lang="en-US" smtClean="0"/>
-              <a:t>8/8/2018</a:t>
+              <a:t>8/14/2018</a:t>
             </a:fld>
             <a:endParaRPr lang="en-US"/>
           </a:p>
@@ -4022,7 +4022,7 @@
           <a:p>
             <a:fld id="{834513E8-165F-4932-9E2D-FD497CB9A4FD}" type="datetimeFigureOut">
               <a:rPr lang="en-US" smtClean="0"/>
-              <a:t>8/8/2018</a:t>
+              <a:t>8/14/2018</a:t>
             </a:fld>
             <a:endParaRPr lang="en-US"/>
           </a:p>
@@ -4140,7 +4140,7 @@
           <a:p>
             <a:fld id="{834513E8-165F-4932-9E2D-FD497CB9A4FD}" type="datetimeFigureOut">
               <a:rPr lang="en-US" smtClean="0"/>
-              <a:t>8/8/2018</a:t>
+              <a:t>8/14/2018</a:t>
             </a:fld>
             <a:endParaRPr lang="en-US"/>
           </a:p>
@@ -5956,7 +5956,7 @@
           <a:p>
             <a:fld id="{834513E8-165F-4932-9E2D-FD497CB9A4FD}" type="datetimeFigureOut">
               <a:rPr lang="en-US" smtClean="0"/>
-              <a:t>8/8/2018</a:t>
+              <a:t>8/14/2018</a:t>
             </a:fld>
             <a:endParaRPr lang="en-US"/>
           </a:p>
@@ -19689,96 +19689,6 @@
           </a:p>
           <a:p>
             <a:endParaRPr lang="en-US" sz="2000" dirty="0"/>
-          </a:p>
-        </p:txBody>
-      </p:sp>
-      <p:sp>
-        <p:nvSpPr>
-          <p:cNvPr id="4" name="Rectangle 3"/>
-          <p:cNvSpPr/>
-          <p:nvPr/>
-        </p:nvSpPr>
-        <p:spPr bwMode="auto">
-          <a:xfrm>
-            <a:off x="1079938" y="5431221"/>
-            <a:ext cx="7055069" cy="885313"/>
-          </a:xfrm>
-          <a:prstGeom prst="rect">
-            <a:avLst/>
-          </a:prstGeom>
-          <a:solidFill>
-            <a:srgbClr val="0C2D83"/>
-          </a:solidFill>
-          <a:ln w="12700" cap="flat" cmpd="sng" algn="ctr">
-            <a:solidFill>
-              <a:schemeClr val="accent6">
-                <a:lumMod val="40000"/>
-                <a:lumOff val="60000"/>
-              </a:schemeClr>
-            </a:solidFill>
-            <a:prstDash val="solid"/>
-            <a:round/>
-            <a:headEnd type="none" w="med" len="med"/>
-            <a:tailEnd type="none" w="med" len="med"/>
-          </a:ln>
-          <a:effectLst/>
-        </p:spPr>
-        <p:txBody>
-          <a:bodyPr vert="horz" wrap="square" lIns="91440" tIns="45720" rIns="91440" bIns="45720" numCol="1" rtlCol="0" anchor="ctr" anchorCtr="0" compatLnSpc="1">
-            <a:prstTxWarp prst="textNoShape">
-              <a:avLst/>
-            </a:prstTxWarp>
-          </a:bodyPr>
-          <a:lstStyle/>
-          <a:p>
-            <a:pPr marL="0" marR="0" indent="0" algn="ctr" defTabSz="914400" rtl="0" eaLnBrk="0" fontAlgn="base" latinLnBrk="0" hangingPunct="0">
-              <a:lnSpc>
-                <a:spcPct val="100000"/>
-              </a:lnSpc>
-              <a:spcBef>
-                <a:spcPct val="0"/>
-              </a:spcBef>
-              <a:spcAft>
-                <a:spcPct val="0"/>
-              </a:spcAft>
-              <a:buClrTx/>
-              <a:buSzTx/>
-              <a:buFontTx/>
-              <a:buNone/>
-              <a:tabLst/>
-            </a:pPr>
-            <a:r>
-              <a:rPr kumimoji="0" lang="en-US" sz="1600" b="0" i="0" u="none" strike="noStrike" cap="none" normalizeH="0" baseline="0" dirty="0" smtClean="0">
-                <a:ln>
-                  <a:noFill/>
-                </a:ln>
-                <a:solidFill>
-                  <a:schemeClr val="bg1"/>
-                </a:solidFill>
-                <a:effectLst/>
-                <a:latin typeface="Arial" charset="0"/>
-              </a:rPr>
-              <a:t>If you follow the ABI (???)</a:t>
-            </a:r>
-            <a:r>
-              <a:rPr lang="en-US" sz="1600" dirty="0" smtClean="0">
-                <a:solidFill>
-                  <a:schemeClr val="bg1"/>
-                </a:solidFill>
-                <a:latin typeface="Arial" charset="0"/>
-              </a:rPr>
-              <a:t>, it should be easy write reusable, modular code</a:t>
-            </a:r>
-            <a:endParaRPr kumimoji="0" lang="en-US" sz="1600" b="0" i="0" u="none" strike="noStrike" cap="none" normalizeH="0" baseline="0" dirty="0" smtClean="0">
-              <a:ln>
-                <a:noFill/>
-              </a:ln>
-              <a:solidFill>
-                <a:schemeClr val="bg1"/>
-              </a:solidFill>
-              <a:effectLst/>
-              <a:latin typeface="Arial" charset="0"/>
-            </a:endParaRPr>
           </a:p>
         </p:txBody>
       </p:sp>

--- a/source/lessons/lsn9-10/Lsn9-10.pptx
+++ b/source/lessons/lsn9-10/Lsn9-10.pptx
@@ -7,10 +7,10 @@
     <p:sldMasterId id="2147483667" r:id="rId3"/>
   </p:sldMasterIdLst>
   <p:notesMasterIdLst>
-    <p:notesMasterId r:id="rId37"/>
+    <p:notesMasterId r:id="rId38"/>
   </p:notesMasterIdLst>
   <p:handoutMasterIdLst>
-    <p:handoutMasterId r:id="rId38"/>
+    <p:handoutMasterId r:id="rId39"/>
   </p:handoutMasterIdLst>
   <p:sldIdLst>
     <p:sldId id="352" r:id="rId4"/>
@@ -36,16 +36,17 @@
     <p:sldId id="375" r:id="rId24"/>
     <p:sldId id="376" r:id="rId25"/>
     <p:sldId id="377" r:id="rId26"/>
-    <p:sldId id="389" r:id="rId27"/>
-    <p:sldId id="380" r:id="rId28"/>
-    <p:sldId id="379" r:id="rId29"/>
-    <p:sldId id="381" r:id="rId30"/>
-    <p:sldId id="382" r:id="rId31"/>
-    <p:sldId id="383" r:id="rId32"/>
-    <p:sldId id="385" r:id="rId33"/>
-    <p:sldId id="387" r:id="rId34"/>
-    <p:sldId id="386" r:id="rId35"/>
-    <p:sldId id="353" r:id="rId36"/>
+    <p:sldId id="390" r:id="rId27"/>
+    <p:sldId id="389" r:id="rId28"/>
+    <p:sldId id="380" r:id="rId29"/>
+    <p:sldId id="379" r:id="rId30"/>
+    <p:sldId id="381" r:id="rId31"/>
+    <p:sldId id="382" r:id="rId32"/>
+    <p:sldId id="383" r:id="rId33"/>
+    <p:sldId id="385" r:id="rId34"/>
+    <p:sldId id="387" r:id="rId35"/>
+    <p:sldId id="386" r:id="rId36"/>
+    <p:sldId id="353" r:id="rId37"/>
   </p:sldIdLst>
   <p:sldSz cx="9144000" cy="6858000" type="screen4x3"/>
   <p:notesSz cx="7010400" cy="9296400"/>
@@ -1383,7 +1384,7 @@
           <a:p>
             <a:fld id="{834513E8-165F-4932-9E2D-FD497CB9A4FD}" type="datetimeFigureOut">
               <a:rPr lang="en-US" smtClean="0"/>
-              <a:t>8/14/2018</a:t>
+              <a:t>8/15/2018</a:t>
             </a:fld>
             <a:endParaRPr lang="en-US"/>
           </a:p>
@@ -1660,7 +1661,7 @@
           <a:p>
             <a:fld id="{834513E8-165F-4932-9E2D-FD497CB9A4FD}" type="datetimeFigureOut">
               <a:rPr lang="en-US" smtClean="0"/>
-              <a:t>8/14/2018</a:t>
+              <a:t>8/15/2018</a:t>
             </a:fld>
             <a:endParaRPr lang="en-US"/>
           </a:p>
@@ -1913,7 +1914,7 @@
           <a:p>
             <a:fld id="{834513E8-165F-4932-9E2D-FD497CB9A4FD}" type="datetimeFigureOut">
               <a:rPr lang="en-US" smtClean="0"/>
-              <a:t>8/14/2018</a:t>
+              <a:t>8/15/2018</a:t>
             </a:fld>
             <a:endParaRPr lang="en-US"/>
           </a:p>
@@ -2083,7 +2084,7 @@
           <a:p>
             <a:fld id="{834513E8-165F-4932-9E2D-FD497CB9A4FD}" type="datetimeFigureOut">
               <a:rPr lang="en-US" smtClean="0"/>
-              <a:t>8/14/2018</a:t>
+              <a:t>8/15/2018</a:t>
             </a:fld>
             <a:endParaRPr lang="en-US"/>
           </a:p>
@@ -2263,7 +2264,7 @@
           <a:p>
             <a:fld id="{834513E8-165F-4932-9E2D-FD497CB9A4FD}" type="datetimeFigureOut">
               <a:rPr lang="en-US" smtClean="0"/>
-              <a:t>8/14/2018</a:t>
+              <a:t>8/15/2018</a:t>
             </a:fld>
             <a:endParaRPr lang="en-US"/>
           </a:p>
@@ -3007,7 +3008,7 @@
           <a:p>
             <a:fld id="{834513E8-165F-4932-9E2D-FD497CB9A4FD}" type="datetimeFigureOut">
               <a:rPr lang="en-US" smtClean="0"/>
-              <a:t>8/14/2018</a:t>
+              <a:t>8/15/2018</a:t>
             </a:fld>
             <a:endParaRPr lang="en-US"/>
           </a:p>
@@ -3177,7 +3178,7 @@
           <a:p>
             <a:fld id="{834513E8-165F-4932-9E2D-FD497CB9A4FD}" type="datetimeFigureOut">
               <a:rPr lang="en-US" smtClean="0"/>
-              <a:t>8/14/2018</a:t>
+              <a:t>8/15/2018</a:t>
             </a:fld>
             <a:endParaRPr lang="en-US"/>
           </a:p>
@@ -3423,7 +3424,7 @@
           <a:p>
             <a:fld id="{834513E8-165F-4932-9E2D-FD497CB9A4FD}" type="datetimeFigureOut">
               <a:rPr lang="en-US" smtClean="0"/>
-              <a:t>8/14/2018</a:t>
+              <a:t>8/15/2018</a:t>
             </a:fld>
             <a:endParaRPr lang="en-US"/>
           </a:p>
@@ -3655,7 +3656,7 @@
           <a:p>
             <a:fld id="{834513E8-165F-4932-9E2D-FD497CB9A4FD}" type="datetimeFigureOut">
               <a:rPr lang="en-US" smtClean="0"/>
-              <a:t>8/14/2018</a:t>
+              <a:t>8/15/2018</a:t>
             </a:fld>
             <a:endParaRPr lang="en-US"/>
           </a:p>
@@ -4022,7 +4023,7 @@
           <a:p>
             <a:fld id="{834513E8-165F-4932-9E2D-FD497CB9A4FD}" type="datetimeFigureOut">
               <a:rPr lang="en-US" smtClean="0"/>
-              <a:t>8/14/2018</a:t>
+              <a:t>8/15/2018</a:t>
             </a:fld>
             <a:endParaRPr lang="en-US"/>
           </a:p>
@@ -4140,7 +4141,7 @@
           <a:p>
             <a:fld id="{834513E8-165F-4932-9E2D-FD497CB9A4FD}" type="datetimeFigureOut">
               <a:rPr lang="en-US" smtClean="0"/>
-              <a:t>8/14/2018</a:t>
+              <a:t>8/15/2018</a:t>
             </a:fld>
             <a:endParaRPr lang="en-US"/>
           </a:p>
@@ -5956,7 +5957,7 @@
           <a:p>
             <a:fld id="{834513E8-165F-4932-9E2D-FD497CB9A4FD}" type="datetimeFigureOut">
               <a:rPr lang="en-US" smtClean="0"/>
-              <a:t>8/14/2018</a:t>
+              <a:t>8/15/2018</a:t>
             </a:fld>
             <a:endParaRPr lang="en-US"/>
           </a:p>
@@ -16563,7 +16564,7 @@
           <a:p>
             <a:r>
               <a:rPr lang="en-US" dirty="0" smtClean="0"/>
-              <a:t>Subroutines</a:t>
+              <a:t>Stack Summary</a:t>
             </a:r>
             <a:endParaRPr lang="en-US" dirty="0"/>
           </a:p>
@@ -16586,6 +16587,107 @@
           <a:p>
             <a:r>
               <a:rPr lang="en-US" dirty="0" smtClean="0"/>
+              <a:t>Students have trouble with the stack at first</a:t>
+            </a:r>
+          </a:p>
+          <a:p>
+            <a:r>
+              <a:rPr lang="en-US" dirty="0" smtClean="0"/>
+              <a:t>It is a FILO</a:t>
+            </a:r>
+          </a:p>
+          <a:p>
+            <a:r>
+              <a:rPr lang="en-US" dirty="0" smtClean="0"/>
+              <a:t>ALWAYS make sure your program has the same number of pushes and pops</a:t>
+            </a:r>
+          </a:p>
+          <a:p>
+            <a:pPr lvl="1"/>
+            <a:r>
+              <a:rPr lang="en-US" dirty="0" smtClean="0"/>
+              <a:t>If you don’t bad things could happen!</a:t>
+            </a:r>
+          </a:p>
+          <a:p>
+            <a:r>
+              <a:rPr lang="en-US" dirty="0" smtClean="0"/>
+              <a:t>The stack always decrements by 2 BEFORE it writes</a:t>
+            </a:r>
+            <a:endParaRPr lang="en-US" dirty="0"/>
+          </a:p>
+        </p:txBody>
+      </p:sp>
+    </p:spTree>
+    <p:extLst>
+      <p:ext uri="{BB962C8B-B14F-4D97-AF65-F5344CB8AC3E}">
+        <p14:creationId xmlns:p14="http://schemas.microsoft.com/office/powerpoint/2010/main" val="1726017659"/>
+      </p:ext>
+    </p:extLst>
+  </p:cSld>
+  <p:clrMapOvr>
+    <a:masterClrMapping/>
+  </p:clrMapOvr>
+</p:sld>
+</file>
+
+<file path=ppt/slides/slide25.xml><?xml version="1.0" encoding="utf-8"?>
+<p:sld xmlns:a="http://schemas.openxmlformats.org/drawingml/2006/main" xmlns:r="http://schemas.openxmlformats.org/officeDocument/2006/relationships" xmlns:p="http://schemas.openxmlformats.org/presentationml/2006/main">
+  <p:cSld>
+    <p:spTree>
+      <p:nvGrpSpPr>
+        <p:cNvPr id="1" name=""/>
+        <p:cNvGrpSpPr/>
+        <p:nvPr/>
+      </p:nvGrpSpPr>
+      <p:grpSpPr>
+        <a:xfrm>
+          <a:off x="0" y="0"/>
+          <a:ext cx="0" cy="0"/>
+          <a:chOff x="0" y="0"/>
+          <a:chExt cx="0" cy="0"/>
+        </a:xfrm>
+      </p:grpSpPr>
+      <p:sp>
+        <p:nvSpPr>
+          <p:cNvPr id="2" name="Title 1"/>
+          <p:cNvSpPr>
+            <a:spLocks noGrp="1"/>
+          </p:cNvSpPr>
+          <p:nvPr>
+            <p:ph type="title"/>
+          </p:nvPr>
+        </p:nvSpPr>
+        <p:spPr/>
+        <p:txBody>
+          <a:bodyPr/>
+          <a:lstStyle/>
+          <a:p>
+            <a:r>
+              <a:rPr lang="en-US" dirty="0" smtClean="0"/>
+              <a:t>Subroutines</a:t>
+            </a:r>
+            <a:endParaRPr lang="en-US" dirty="0"/>
+          </a:p>
+        </p:txBody>
+      </p:sp>
+      <p:sp>
+        <p:nvSpPr>
+          <p:cNvPr id="3" name="Content Placeholder 2"/>
+          <p:cNvSpPr>
+            <a:spLocks noGrp="1"/>
+          </p:cNvSpPr>
+          <p:nvPr>
+            <p:ph idx="1"/>
+          </p:nvPr>
+        </p:nvSpPr>
+        <p:spPr/>
+        <p:txBody>
+          <a:bodyPr/>
+          <a:lstStyle/>
+          <a:p>
+            <a:r>
+              <a:rPr lang="en-US" dirty="0" smtClean="0"/>
               <a:t>Subroutines are a way to break up large code into smaller, reusable chunks of code</a:t>
             </a:r>
           </a:p>
@@ -16642,7 +16744,7 @@
 </p:sld>
 </file>
 
-<file path=ppt/slides/slide25.xml><?xml version="1.0" encoding="utf-8"?>
+<file path=ppt/slides/slide26.xml><?xml version="1.0" encoding="utf-8"?>
 <p:sld xmlns:a="http://schemas.openxmlformats.org/drawingml/2006/main" xmlns:r="http://schemas.openxmlformats.org/officeDocument/2006/relationships" xmlns:p="http://schemas.openxmlformats.org/presentationml/2006/main">
   <p:cSld>
     <p:spTree>
@@ -17363,7 +17465,7 @@
 </p:sld>
 </file>
 
-<file path=ppt/slides/slide26.xml><?xml version="1.0" encoding="utf-8"?>
+<file path=ppt/slides/slide27.xml><?xml version="1.0" encoding="utf-8"?>
 <p:sld xmlns:a="http://schemas.openxmlformats.org/drawingml/2006/main" xmlns:r="http://schemas.openxmlformats.org/officeDocument/2006/relationships" xmlns:p="http://schemas.openxmlformats.org/presentationml/2006/main">
   <p:cSld>
     <p:spTree>
@@ -18402,317 +18504,6 @@
 </p:sld>
 </file>
 
-<file path=ppt/slides/slide27.xml><?xml version="1.0" encoding="utf-8"?>
-<p:sld xmlns:a="http://schemas.openxmlformats.org/drawingml/2006/main" xmlns:r="http://schemas.openxmlformats.org/officeDocument/2006/relationships" xmlns:p="http://schemas.openxmlformats.org/presentationml/2006/main">
-  <p:cSld>
-    <p:spTree>
-      <p:nvGrpSpPr>
-        <p:cNvPr id="1" name=""/>
-        <p:cNvGrpSpPr/>
-        <p:nvPr/>
-      </p:nvGrpSpPr>
-      <p:grpSpPr>
-        <a:xfrm>
-          <a:off x="0" y="0"/>
-          <a:ext cx="0" cy="0"/>
-          <a:chOff x="0" y="0"/>
-          <a:chExt cx="0" cy="0"/>
-        </a:xfrm>
-      </p:grpSpPr>
-      <p:sp>
-        <p:nvSpPr>
-          <p:cNvPr id="2" name="Title 1"/>
-          <p:cNvSpPr>
-            <a:spLocks noGrp="1"/>
-          </p:cNvSpPr>
-          <p:nvPr>
-            <p:ph type="title"/>
-          </p:nvPr>
-        </p:nvSpPr>
-        <p:spPr/>
-        <p:txBody>
-          <a:bodyPr/>
-          <a:lstStyle/>
-          <a:p>
-            <a:r>
-              <a:rPr lang="en-US" b="1" dirty="0" smtClean="0"/>
-              <a:t>Arguments</a:t>
-            </a:r>
-            <a:endParaRPr lang="en-US" dirty="0"/>
-          </a:p>
-        </p:txBody>
-      </p:sp>
-      <p:sp>
-        <p:nvSpPr>
-          <p:cNvPr id="3" name="Content Placeholder 2"/>
-          <p:cNvSpPr>
-            <a:spLocks noGrp="1"/>
-          </p:cNvSpPr>
-          <p:nvPr>
-            <p:ph idx="1"/>
-          </p:nvPr>
-        </p:nvSpPr>
-        <p:spPr>
-          <a:xfrm>
-            <a:off x="517928" y="1592133"/>
-            <a:ext cx="8003334" cy="4724400"/>
-          </a:xfrm>
-        </p:spPr>
-        <p:txBody>
-          <a:bodyPr/>
-          <a:lstStyle/>
-          <a:p>
-            <a:r>
-              <a:rPr lang="en-US" sz="2000" dirty="0" smtClean="0">
-                <a:solidFill>
-                  <a:schemeClr val="accent2"/>
-                </a:solidFill>
-              </a:rPr>
-              <a:t>Arguments are the parameters (or data) passed to and from a subroutine</a:t>
-            </a:r>
-            <a:endParaRPr lang="en-US" sz="2000" dirty="0">
-              <a:solidFill>
-                <a:schemeClr val="accent2"/>
-              </a:solidFill>
-            </a:endParaRPr>
-          </a:p>
-          <a:p>
-            <a:pPr marL="457200" lvl="1" indent="0">
-              <a:buNone/>
-            </a:pPr>
-            <a:r>
-              <a:rPr lang="en-US" sz="1400" dirty="0">
-                <a:latin typeface="Courier New" pitchFamily="49" charset="0"/>
-                <a:cs typeface="Courier New" pitchFamily="49" charset="0"/>
-              </a:rPr>
-              <a:t>;---------------------------------------------------</a:t>
-            </a:r>
-          </a:p>
-          <a:p>
-            <a:pPr marL="457200" lvl="1" indent="0">
-              <a:buNone/>
-            </a:pPr>
-            <a:r>
-              <a:rPr lang="en-US" sz="1400" dirty="0" smtClean="0">
-                <a:latin typeface="Courier New" pitchFamily="49" charset="0"/>
-                <a:cs typeface="Courier New" pitchFamily="49" charset="0"/>
-              </a:rPr>
-              <a:t>; Function</a:t>
-            </a:r>
-            <a:r>
-              <a:rPr lang="en-US" sz="1400" dirty="0">
-                <a:latin typeface="Courier New" pitchFamily="49" charset="0"/>
-                <a:cs typeface="Courier New" pitchFamily="49" charset="0"/>
-              </a:rPr>
-              <a:t>: Adds two numbers</a:t>
-            </a:r>
-          </a:p>
-          <a:p>
-            <a:pPr marL="457200" lvl="1" indent="0">
-              <a:buNone/>
-            </a:pPr>
-            <a:r>
-              <a:rPr lang="en-US" sz="1400" dirty="0" smtClean="0">
-                <a:latin typeface="Courier New" pitchFamily="49" charset="0"/>
-                <a:cs typeface="Courier New" pitchFamily="49" charset="0"/>
-              </a:rPr>
-              <a:t>; Inputs</a:t>
-            </a:r>
-            <a:r>
-              <a:rPr lang="en-US" sz="1400" dirty="0">
-                <a:latin typeface="Courier New" pitchFamily="49" charset="0"/>
-                <a:cs typeface="Courier New" pitchFamily="49" charset="0"/>
-              </a:rPr>
-              <a:t>: </a:t>
-            </a:r>
-            <a:r>
-              <a:rPr lang="en-US" sz="1400" dirty="0" smtClean="0">
-                <a:latin typeface="Courier New" pitchFamily="49" charset="0"/>
-                <a:cs typeface="Courier New" pitchFamily="49" charset="0"/>
-              </a:rPr>
-              <a:t>Op1 (r10), Op2 (r11)</a:t>
-            </a:r>
-            <a:endParaRPr lang="en-US" sz="1400" dirty="0">
-              <a:latin typeface="Courier New" pitchFamily="49" charset="0"/>
-              <a:cs typeface="Courier New" pitchFamily="49" charset="0"/>
-            </a:endParaRPr>
-          </a:p>
-          <a:p>
-            <a:pPr marL="457200" lvl="1" indent="0">
-              <a:buNone/>
-            </a:pPr>
-            <a:r>
-              <a:rPr lang="en-US" sz="1400" dirty="0" smtClean="0">
-                <a:latin typeface="Courier New" pitchFamily="49" charset="0"/>
-                <a:cs typeface="Courier New" pitchFamily="49" charset="0"/>
-              </a:rPr>
-              <a:t>; Outputs</a:t>
-            </a:r>
-            <a:r>
-              <a:rPr lang="en-US" sz="1400" dirty="0">
-                <a:latin typeface="Courier New" pitchFamily="49" charset="0"/>
-                <a:cs typeface="Courier New" pitchFamily="49" charset="0"/>
-              </a:rPr>
-              <a:t>: result </a:t>
-            </a:r>
-            <a:r>
-              <a:rPr lang="en-US" sz="1400" dirty="0" smtClean="0">
-                <a:latin typeface="Courier New" pitchFamily="49" charset="0"/>
-                <a:cs typeface="Courier New" pitchFamily="49" charset="0"/>
-              </a:rPr>
-              <a:t>(r11)</a:t>
-            </a:r>
-            <a:endParaRPr lang="en-US" sz="1400" dirty="0">
-              <a:latin typeface="Courier New" pitchFamily="49" charset="0"/>
-              <a:cs typeface="Courier New" pitchFamily="49" charset="0"/>
-            </a:endParaRPr>
-          </a:p>
-          <a:p>
-            <a:pPr marL="457200" lvl="1" indent="0">
-              <a:buNone/>
-            </a:pPr>
-            <a:r>
-              <a:rPr lang="en-US" sz="1400" dirty="0" smtClean="0">
-                <a:latin typeface="Courier New" pitchFamily="49" charset="0"/>
-                <a:cs typeface="Courier New" pitchFamily="49" charset="0"/>
-              </a:rPr>
-              <a:t>; </a:t>
-            </a:r>
-            <a:r>
-              <a:rPr lang="en-US" sz="1400" dirty="0" smtClean="0">
-                <a:solidFill>
-                  <a:srgbClr val="FF0000"/>
-                </a:solidFill>
-                <a:latin typeface="Courier New" pitchFamily="49" charset="0"/>
-                <a:cs typeface="Courier New" pitchFamily="49" charset="0"/>
-              </a:rPr>
-              <a:t>Registers </a:t>
-            </a:r>
-            <a:r>
-              <a:rPr lang="en-US" sz="1400" dirty="0">
-                <a:solidFill>
-                  <a:srgbClr val="FF0000"/>
-                </a:solidFill>
-                <a:latin typeface="Courier New" pitchFamily="49" charset="0"/>
-                <a:cs typeface="Courier New" pitchFamily="49" charset="0"/>
-              </a:rPr>
-              <a:t>destroyed: r11</a:t>
-            </a:r>
-          </a:p>
-          <a:p>
-            <a:pPr marL="457200" lvl="1" indent="0">
-              <a:buNone/>
-            </a:pPr>
-            <a:r>
-              <a:rPr lang="en-US" sz="1400" dirty="0" smtClean="0">
-                <a:latin typeface="Courier New" pitchFamily="49" charset="0"/>
-                <a:cs typeface="Courier New" pitchFamily="49" charset="0"/>
-              </a:rPr>
-              <a:t>;---------------------------------------------------</a:t>
-            </a:r>
-            <a:endParaRPr lang="en-US" sz="1400" dirty="0">
-              <a:latin typeface="Courier New" pitchFamily="49" charset="0"/>
-              <a:cs typeface="Courier New" pitchFamily="49" charset="0"/>
-            </a:endParaRPr>
-          </a:p>
-          <a:p>
-            <a:pPr marL="457200" lvl="1" indent="0">
-              <a:buNone/>
-            </a:pPr>
-            <a:r>
-              <a:rPr lang="en-US" sz="1400" dirty="0">
-                <a:latin typeface="Courier New" pitchFamily="49" charset="0"/>
-                <a:cs typeface="Courier New" pitchFamily="49" charset="0"/>
-              </a:rPr>
-              <a:t>addition:</a:t>
-            </a:r>
-          </a:p>
-          <a:p>
-            <a:pPr marL="457200" lvl="1" indent="0">
-              <a:buNone/>
-            </a:pPr>
-            <a:r>
-              <a:rPr lang="en-US" sz="1400" dirty="0">
-                <a:latin typeface="Courier New" pitchFamily="49" charset="0"/>
-                <a:cs typeface="Courier New" pitchFamily="49" charset="0"/>
-              </a:rPr>
-              <a:t>    </a:t>
-            </a:r>
-            <a:r>
-              <a:rPr lang="en-US" sz="1400" dirty="0" err="1">
-                <a:latin typeface="Courier New" pitchFamily="49" charset="0"/>
-                <a:cs typeface="Courier New" pitchFamily="49" charset="0"/>
-              </a:rPr>
-              <a:t>add.w</a:t>
-            </a:r>
-            <a:r>
-              <a:rPr lang="en-US" sz="1400" dirty="0">
-                <a:latin typeface="Courier New" pitchFamily="49" charset="0"/>
-                <a:cs typeface="Courier New" pitchFamily="49" charset="0"/>
-              </a:rPr>
-              <a:t>   r10, r11 </a:t>
-            </a:r>
-          </a:p>
-          <a:p>
-            <a:pPr marL="457200" lvl="1" indent="0">
-              <a:buNone/>
-            </a:pPr>
-            <a:r>
-              <a:rPr lang="en-US" sz="1400" dirty="0">
-                <a:latin typeface="Courier New" pitchFamily="49" charset="0"/>
-                <a:cs typeface="Courier New" pitchFamily="49" charset="0"/>
-              </a:rPr>
-              <a:t>    ret</a:t>
-            </a:r>
-            <a:endParaRPr lang="en-US" sz="1400" dirty="0" smtClean="0">
-              <a:latin typeface="Courier New" pitchFamily="49" charset="0"/>
-              <a:cs typeface="Courier New" pitchFamily="49" charset="0"/>
-            </a:endParaRPr>
-          </a:p>
-          <a:p>
-            <a:pPr lvl="1"/>
-            <a:endParaRPr lang="en-US" sz="2000" dirty="0"/>
-          </a:p>
-          <a:p>
-            <a:r>
-              <a:rPr lang="en-US" sz="2000" dirty="0" smtClean="0">
-                <a:solidFill>
-                  <a:schemeClr val="accent2"/>
-                </a:solidFill>
-              </a:rPr>
-              <a:t>How could I avoid destroying registers used in a subroutine?</a:t>
-            </a:r>
-            <a:endParaRPr lang="en-US" sz="2000" dirty="0" smtClean="0"/>
-          </a:p>
-          <a:p>
-            <a:endParaRPr lang="en-US" sz="2000" dirty="0" smtClean="0">
-              <a:solidFill>
-                <a:schemeClr val="accent2"/>
-              </a:solidFill>
-            </a:endParaRPr>
-          </a:p>
-        </p:txBody>
-      </p:sp>
-    </p:spTree>
-    <p:extLst>
-      <p:ext uri="{BB962C8B-B14F-4D97-AF65-F5344CB8AC3E}">
-        <p14:creationId xmlns:p14="http://schemas.microsoft.com/office/powerpoint/2010/main" val="3564922033"/>
-      </p:ext>
-    </p:extLst>
-  </p:cSld>
-  <p:clrMapOvr>
-    <a:masterClrMapping/>
-  </p:clrMapOvr>
-  <p:timing>
-    <p:tnLst>
-      <p:par>
-        <p:cTn id="1" dur="indefinite" restart="never" nodeType="tmRoot"/>
-      </p:par>
-    </p:tnLst>
-  </p:timing>
-</p:sld>
-</file>
-
 <file path=ppt/slides/slide28.xml><?xml version="1.0" encoding="utf-8"?>
 <p:sld xmlns:a="http://schemas.openxmlformats.org/drawingml/2006/main" xmlns:r="http://schemas.openxmlformats.org/officeDocument/2006/relationships" xmlns:p="http://schemas.openxmlformats.org/presentationml/2006/main">
   <p:cSld>
@@ -18765,8 +18556,8 @@
         </p:nvSpPr>
         <p:spPr>
           <a:xfrm>
-            <a:off x="376038" y="1702494"/>
-            <a:ext cx="8493642" cy="4724400"/>
+            <a:off x="517928" y="1592133"/>
+            <a:ext cx="8003334" cy="4724400"/>
           </a:xfrm>
         </p:spPr>
         <p:txBody>
@@ -18779,7 +18570,7 @@
                   <a:schemeClr val="accent2"/>
                 </a:solidFill>
               </a:rPr>
-              <a:t>Use a stack to avoid destroying registers</a:t>
+              <a:t>Arguments are the parameters (or data) passed to and from a subroutine</a:t>
             </a:r>
             <a:endParaRPr lang="en-US" sz="2000" dirty="0">
               <a:solidFill>
@@ -18792,11 +18583,11 @@
               <a:buNone/>
             </a:pPr>
             <a:r>
-              <a:rPr lang="pt-BR" sz="1400" dirty="0">
+              <a:rPr lang="en-US" sz="1400" dirty="0">
                 <a:latin typeface="Courier New" pitchFamily="49" charset="0"/>
                 <a:cs typeface="Courier New" pitchFamily="49" charset="0"/>
               </a:rPr>
-              <a:t>mySubroutine:</a:t>
+              <a:t>;---------------------------------------------------</a:t>
             </a:r>
           </a:p>
           <a:p>
@@ -18804,33 +18595,46 @@
               <a:buNone/>
             </a:pPr>
             <a:r>
-              <a:rPr lang="pt-BR" sz="1400" dirty="0">
+              <a:rPr lang="en-US" sz="1400" dirty="0" smtClean="0">
                 <a:latin typeface="Courier New" pitchFamily="49" charset="0"/>
                 <a:cs typeface="Courier New" pitchFamily="49" charset="0"/>
               </a:rPr>
-              <a:t>    push.w  </a:t>
-            </a:r>
-            <a:r>
-              <a:rPr lang="pt-BR" sz="1400" dirty="0" smtClean="0">
+              <a:t>; Function</a:t>
+            </a:r>
+            <a:r>
+              <a:rPr lang="en-US" sz="1400" dirty="0">
                 <a:latin typeface="Courier New" pitchFamily="49" charset="0"/>
                 <a:cs typeface="Courier New" pitchFamily="49" charset="0"/>
               </a:rPr>
-              <a:t>r5  </a:t>
-            </a:r>
-            <a:r>
-              <a:rPr lang="pt-BR" sz="1400" dirty="0" smtClean="0">
-                <a:solidFill>
-                  <a:srgbClr val="00B050"/>
-                </a:solidFill>
+              <a:t>: Adds two numbers</a:t>
+            </a:r>
+          </a:p>
+          <a:p>
+            <a:pPr marL="457200" lvl="1" indent="0">
+              <a:buNone/>
+            </a:pPr>
+            <a:r>
+              <a:rPr lang="en-US" sz="1400" dirty="0" smtClean="0">
                 <a:latin typeface="Courier New" pitchFamily="49" charset="0"/>
                 <a:cs typeface="Courier New" pitchFamily="49" charset="0"/>
               </a:rPr>
-              <a:t>; let’s save these registers</a:t>
-            </a:r>
-            <a:endParaRPr lang="pt-BR" sz="1400" dirty="0">
-              <a:solidFill>
-                <a:srgbClr val="00B050"/>
-              </a:solidFill>
+              <a:t>; Inputs</a:t>
+            </a:r>
+            <a:r>
+              <a:rPr lang="en-US" sz="1400" dirty="0">
+                <a:latin typeface="Courier New" pitchFamily="49" charset="0"/>
+                <a:cs typeface="Courier New" pitchFamily="49" charset="0"/>
+              </a:rPr>
+              <a:t>: </a:t>
+            </a:r>
+            <a:r>
+              <a:rPr lang="en-US" sz="1400" dirty="0" smtClean="0">
+                <a:latin typeface="Courier New" pitchFamily="49" charset="0"/>
+                <a:cs typeface="Courier New" pitchFamily="49" charset="0"/>
+              </a:rPr>
+              <a:t>Op1 (r10), Op2 (r11)</a:t>
+            </a:r>
+            <a:endParaRPr lang="en-US" sz="1400" dirty="0">
               <a:latin typeface="Courier New" pitchFamily="49" charset="0"/>
               <a:cs typeface="Courier New" pitchFamily="49" charset="0"/>
             </a:endParaRPr>
@@ -18840,37 +18644,27 @@
               <a:buNone/>
             </a:pPr>
             <a:r>
-              <a:rPr lang="pt-BR" sz="1400" dirty="0">
+              <a:rPr lang="en-US" sz="1400" dirty="0" smtClean="0">
                 <a:latin typeface="Courier New" pitchFamily="49" charset="0"/>
                 <a:cs typeface="Courier New" pitchFamily="49" charset="0"/>
               </a:rPr>
-              <a:t>    push.w  r6</a:t>
-            </a:r>
-          </a:p>
-          <a:p>
-            <a:pPr marL="457200" lvl="1" indent="0">
-              <a:buNone/>
-            </a:pPr>
-            <a:r>
-              <a:rPr lang="pt-BR" sz="1400" dirty="0">
+              <a:t>; Outputs</a:t>
+            </a:r>
+            <a:r>
+              <a:rPr lang="en-US" sz="1400" dirty="0">
                 <a:latin typeface="Courier New" pitchFamily="49" charset="0"/>
                 <a:cs typeface="Courier New" pitchFamily="49" charset="0"/>
               </a:rPr>
-              <a:t>    push.w  </a:t>
-            </a:r>
-            <a:r>
-              <a:rPr lang="pt-BR" sz="1400" dirty="0" smtClean="0">
+              <a:t>: result </a:t>
+            </a:r>
+            <a:r>
+              <a:rPr lang="en-US" sz="1400" dirty="0" smtClean="0">
                 <a:latin typeface="Courier New" pitchFamily="49" charset="0"/>
                 <a:cs typeface="Courier New" pitchFamily="49" charset="0"/>
               </a:rPr>
-              <a:t>r7</a:t>
-            </a:r>
-          </a:p>
-          <a:p>
-            <a:pPr marL="457200" lvl="1" indent="0">
-              <a:buNone/>
-            </a:pPr>
-            <a:endParaRPr lang="pt-BR" sz="1400" dirty="0">
+              <a:t>(r11)</a:t>
+            </a:r>
+            <a:endParaRPr lang="en-US" sz="1400" dirty="0">
               <a:latin typeface="Courier New" pitchFamily="49" charset="0"/>
               <a:cs typeface="Courier New" pitchFamily="49" charset="0"/>
             </a:endParaRPr>
@@ -18880,28 +18674,45 @@
               <a:buNone/>
             </a:pPr>
             <a:r>
-              <a:rPr lang="pt-BR" sz="1400" dirty="0" smtClean="0">
+              <a:rPr lang="en-US" sz="1400" dirty="0" smtClean="0">
                 <a:latin typeface="Courier New" pitchFamily="49" charset="0"/>
                 <a:cs typeface="Courier New" pitchFamily="49" charset="0"/>
               </a:rPr>
-              <a:t>    </a:t>
-            </a:r>
-            <a:r>
-              <a:rPr lang="pt-BR" sz="1400" dirty="0" smtClean="0">
-                <a:solidFill>
-                  <a:srgbClr val="00B050"/>
+              <a:t>; </a:t>
+            </a:r>
+            <a:r>
+              <a:rPr lang="en-US" sz="1400" dirty="0" smtClean="0">
+                <a:solidFill>
+                  <a:srgbClr val="FF0000"/>
                 </a:solidFill>
                 <a:latin typeface="Courier New" pitchFamily="49" charset="0"/>
                 <a:cs typeface="Courier New" pitchFamily="49" charset="0"/>
               </a:rPr>
-              <a:t>;... Do subroutine work here ....</a:t>
+              <a:t>Registers </a:t>
+            </a:r>
+            <a:r>
+              <a:rPr lang="en-US" sz="1400" dirty="0">
+                <a:solidFill>
+                  <a:srgbClr val="FF0000"/>
+                </a:solidFill>
+                <a:latin typeface="Courier New" pitchFamily="49" charset="0"/>
+                <a:cs typeface="Courier New" pitchFamily="49" charset="0"/>
+              </a:rPr>
+              <a:t>destroyed: r11</a:t>
             </a:r>
           </a:p>
           <a:p>
             <a:pPr marL="457200" lvl="1" indent="0">
               <a:buNone/>
             </a:pPr>
-            <a:endParaRPr lang="pt-BR" sz="1400" dirty="0">
+            <a:r>
+              <a:rPr lang="en-US" sz="1400" dirty="0" smtClean="0">
+                <a:latin typeface="Courier New" pitchFamily="49" charset="0"/>
+                <a:cs typeface="Courier New" pitchFamily="49" charset="0"/>
+              </a:rPr>
+              <a:t>;---------------------------------------------------</a:t>
+            </a:r>
+            <a:endParaRPr lang="en-US" sz="1400" dirty="0">
               <a:latin typeface="Courier New" pitchFamily="49" charset="0"/>
               <a:cs typeface="Courier New" pitchFamily="49" charset="0"/>
             </a:endParaRPr>
@@ -18911,84 +18722,57 @@
               <a:buNone/>
             </a:pPr>
             <a:r>
-              <a:rPr lang="pt-BR" sz="1400" dirty="0">
+              <a:rPr lang="en-US" sz="1400" dirty="0">
                 <a:latin typeface="Courier New" pitchFamily="49" charset="0"/>
                 <a:cs typeface="Courier New" pitchFamily="49" charset="0"/>
               </a:rPr>
-              <a:t>    pop.w   </a:t>
-            </a:r>
-            <a:r>
-              <a:rPr lang="pt-BR" sz="1400" dirty="0" smtClean="0">
+              <a:t>addition:</a:t>
+            </a:r>
+          </a:p>
+          <a:p>
+            <a:pPr marL="457200" lvl="1" indent="0">
+              <a:buNone/>
+            </a:pPr>
+            <a:r>
+              <a:rPr lang="en-US" sz="1400" dirty="0">
                 <a:latin typeface="Courier New" pitchFamily="49" charset="0"/>
                 <a:cs typeface="Courier New" pitchFamily="49" charset="0"/>
               </a:rPr>
-              <a:t>r7  </a:t>
-            </a:r>
-            <a:r>
-              <a:rPr lang="pt-BR" sz="1400" dirty="0" smtClean="0">
-                <a:solidFill>
-                  <a:srgbClr val="00B050"/>
-                </a:solidFill>
+              <a:t>    </a:t>
+            </a:r>
+            <a:r>
+              <a:rPr lang="en-US" sz="1400" dirty="0" err="1">
                 <a:latin typeface="Courier New" pitchFamily="49" charset="0"/>
                 <a:cs typeface="Courier New" pitchFamily="49" charset="0"/>
               </a:rPr>
-              <a:t>; all done, let’s restore them</a:t>
-            </a:r>
-            <a:endParaRPr lang="pt-BR" sz="1400" dirty="0">
-              <a:solidFill>
-                <a:srgbClr val="00B050"/>
-              </a:solidFill>
+              <a:t>add.w</a:t>
+            </a:r>
+            <a:r>
+              <a:rPr lang="en-US" sz="1400" dirty="0">
+                <a:latin typeface="Courier New" pitchFamily="49" charset="0"/>
+                <a:cs typeface="Courier New" pitchFamily="49" charset="0"/>
+              </a:rPr>
+              <a:t>   r10, r11 </a:t>
+            </a:r>
+          </a:p>
+          <a:p>
+            <a:pPr marL="457200" lvl="1" indent="0">
+              <a:buNone/>
+            </a:pPr>
+            <a:r>
+              <a:rPr lang="en-US" sz="1400" dirty="0">
+                <a:latin typeface="Courier New" pitchFamily="49" charset="0"/>
+                <a:cs typeface="Courier New" pitchFamily="49" charset="0"/>
+              </a:rPr>
+              <a:t>    ret</a:t>
+            </a:r>
+            <a:endParaRPr lang="en-US" sz="1400" dirty="0" smtClean="0">
               <a:latin typeface="Courier New" pitchFamily="49" charset="0"/>
               <a:cs typeface="Courier New" pitchFamily="49" charset="0"/>
             </a:endParaRPr>
           </a:p>
           <a:p>
-            <a:pPr marL="457200" lvl="1" indent="0">
-              <a:buNone/>
-            </a:pPr>
-            <a:r>
-              <a:rPr lang="pt-BR" sz="1400" dirty="0">
-                <a:latin typeface="Courier New" pitchFamily="49" charset="0"/>
-                <a:cs typeface="Courier New" pitchFamily="49" charset="0"/>
-              </a:rPr>
-              <a:t>    pop.w   r6</a:t>
-            </a:r>
-          </a:p>
-          <a:p>
-            <a:pPr marL="457200" lvl="1" indent="0">
-              <a:buNone/>
-            </a:pPr>
-            <a:r>
-              <a:rPr lang="pt-BR" sz="1400" dirty="0">
-                <a:latin typeface="Courier New" pitchFamily="49" charset="0"/>
-                <a:cs typeface="Courier New" pitchFamily="49" charset="0"/>
-              </a:rPr>
-              <a:t>    pop.w   r5</a:t>
-            </a:r>
-          </a:p>
-          <a:p>
-            <a:pPr marL="457200" lvl="1" indent="0">
-              <a:buNone/>
-            </a:pPr>
-            <a:r>
-              <a:rPr lang="pt-BR" sz="1400" dirty="0">
-                <a:latin typeface="Courier New" pitchFamily="49" charset="0"/>
-                <a:cs typeface="Courier New" pitchFamily="49" charset="0"/>
-              </a:rPr>
-              <a:t>    </a:t>
-            </a:r>
-            <a:r>
-              <a:rPr lang="pt-BR" sz="1400" dirty="0" smtClean="0">
-                <a:latin typeface="Courier New" pitchFamily="49" charset="0"/>
-                <a:cs typeface="Courier New" pitchFamily="49" charset="0"/>
-              </a:rPr>
-              <a:t>ret</a:t>
-            </a:r>
-          </a:p>
-          <a:p>
-            <a:pPr marL="457200" lvl="1" indent="0">
-              <a:buNone/>
-            </a:pPr>
+            <a:pPr lvl="1"/>
             <a:endParaRPr lang="en-US" sz="2000" dirty="0"/>
           </a:p>
           <a:p>
@@ -18998,7 +18782,7 @@
                   <a:schemeClr val="accent2"/>
                 </a:solidFill>
               </a:rPr>
-              <a:t>What is Pass-by-Value and Pass-by-Reference?</a:t>
+              <a:t>How could I avoid destroying registers used in a subroutine?</a:t>
             </a:r>
             <a:endParaRPr lang="en-US" sz="2000" dirty="0" smtClean="0"/>
           </a:p>
@@ -19014,7 +18798,7 @@
     </p:spTree>
     <p:extLst>
       <p:ext uri="{BB962C8B-B14F-4D97-AF65-F5344CB8AC3E}">
-        <p14:creationId xmlns:p14="http://schemas.microsoft.com/office/powerpoint/2010/main" val="235014974"/>
+        <p14:creationId xmlns:p14="http://schemas.microsoft.com/office/powerpoint/2010/main" val="3564922033"/>
       </p:ext>
     </p:extLst>
   </p:cSld>
@@ -19083,7 +18867,7 @@
         </p:nvSpPr>
         <p:spPr>
           <a:xfrm>
-            <a:off x="376038" y="1592134"/>
+            <a:off x="376038" y="1702494"/>
             <a:ext cx="8493642" cy="4724400"/>
           </a:xfrm>
         </p:spPr>
@@ -19097,7 +18881,7 @@
                   <a:schemeClr val="accent2"/>
                 </a:solidFill>
               </a:rPr>
-              <a:t>Pass-by-Value</a:t>
+              <a:t>Use a stack to avoid destroying registers</a:t>
             </a:r>
             <a:endParaRPr lang="en-US" sz="2000" dirty="0">
               <a:solidFill>
@@ -19106,15 +18890,219 @@
             </a:endParaRPr>
           </a:p>
           <a:p>
-            <a:pPr lvl="1"/>
-            <a:r>
-              <a:rPr lang="en-US" sz="2000" dirty="0"/>
-              <a:t>pass the actual values of the arguments to a </a:t>
-            </a:r>
-            <a:r>
-              <a:rPr lang="en-US" sz="2000" dirty="0" smtClean="0"/>
-              <a:t>subroutine</a:t>
-            </a:r>
+            <a:pPr marL="457200" lvl="1" indent="0">
+              <a:buNone/>
+            </a:pPr>
+            <a:r>
+              <a:rPr lang="pt-BR" sz="1400" dirty="0">
+                <a:latin typeface="Courier New" pitchFamily="49" charset="0"/>
+                <a:cs typeface="Courier New" pitchFamily="49" charset="0"/>
+              </a:rPr>
+              <a:t>mySubroutine:</a:t>
+            </a:r>
+          </a:p>
+          <a:p>
+            <a:pPr marL="457200" lvl="1" indent="0">
+              <a:buNone/>
+            </a:pPr>
+            <a:r>
+              <a:rPr lang="pt-BR" sz="1400" dirty="0">
+                <a:latin typeface="Courier New" pitchFamily="49" charset="0"/>
+                <a:cs typeface="Courier New" pitchFamily="49" charset="0"/>
+              </a:rPr>
+              <a:t>    push.w  </a:t>
+            </a:r>
+            <a:r>
+              <a:rPr lang="pt-BR" sz="1400" dirty="0" smtClean="0">
+                <a:latin typeface="Courier New" pitchFamily="49" charset="0"/>
+                <a:cs typeface="Courier New" pitchFamily="49" charset="0"/>
+              </a:rPr>
+              <a:t>r5  </a:t>
+            </a:r>
+            <a:r>
+              <a:rPr lang="pt-BR" sz="1400" dirty="0" smtClean="0">
+                <a:solidFill>
+                  <a:srgbClr val="00B050"/>
+                </a:solidFill>
+                <a:latin typeface="Courier New" pitchFamily="49" charset="0"/>
+                <a:cs typeface="Courier New" pitchFamily="49" charset="0"/>
+              </a:rPr>
+              <a:t>; let’s save these registers</a:t>
+            </a:r>
+            <a:endParaRPr lang="pt-BR" sz="1400" dirty="0">
+              <a:solidFill>
+                <a:srgbClr val="00B050"/>
+              </a:solidFill>
+              <a:latin typeface="Courier New" pitchFamily="49" charset="0"/>
+              <a:cs typeface="Courier New" pitchFamily="49" charset="0"/>
+            </a:endParaRPr>
+          </a:p>
+          <a:p>
+            <a:pPr marL="457200" lvl="1" indent="0">
+              <a:buNone/>
+            </a:pPr>
+            <a:r>
+              <a:rPr lang="pt-BR" sz="1400" dirty="0">
+                <a:latin typeface="Courier New" pitchFamily="49" charset="0"/>
+                <a:cs typeface="Courier New" pitchFamily="49" charset="0"/>
+              </a:rPr>
+              <a:t>    push.w  r6</a:t>
+            </a:r>
+          </a:p>
+          <a:p>
+            <a:pPr marL="457200" lvl="1" indent="0">
+              <a:buNone/>
+            </a:pPr>
+            <a:r>
+              <a:rPr lang="pt-BR" sz="1400" dirty="0">
+                <a:latin typeface="Courier New" pitchFamily="49" charset="0"/>
+                <a:cs typeface="Courier New" pitchFamily="49" charset="0"/>
+              </a:rPr>
+              <a:t>    push.w  </a:t>
+            </a:r>
+            <a:r>
+              <a:rPr lang="pt-BR" sz="1400" dirty="0" smtClean="0">
+                <a:latin typeface="Courier New" pitchFamily="49" charset="0"/>
+                <a:cs typeface="Courier New" pitchFamily="49" charset="0"/>
+              </a:rPr>
+              <a:t>r7</a:t>
+            </a:r>
+          </a:p>
+          <a:p>
+            <a:pPr marL="457200" lvl="1" indent="0">
+              <a:buNone/>
+            </a:pPr>
+            <a:endParaRPr lang="pt-BR" sz="1400" dirty="0">
+              <a:latin typeface="Courier New" pitchFamily="49" charset="0"/>
+              <a:cs typeface="Courier New" pitchFamily="49" charset="0"/>
+            </a:endParaRPr>
+          </a:p>
+          <a:p>
+            <a:pPr marL="457200" lvl="1" indent="0">
+              <a:buNone/>
+            </a:pPr>
+            <a:r>
+              <a:rPr lang="pt-BR" sz="1400" dirty="0" smtClean="0">
+                <a:latin typeface="Courier New" pitchFamily="49" charset="0"/>
+                <a:cs typeface="Courier New" pitchFamily="49" charset="0"/>
+              </a:rPr>
+              <a:t>    </a:t>
+            </a:r>
+            <a:r>
+              <a:rPr lang="pt-BR" sz="1400" dirty="0" smtClean="0">
+                <a:solidFill>
+                  <a:srgbClr val="00B050"/>
+                </a:solidFill>
+                <a:latin typeface="Courier New" pitchFamily="49" charset="0"/>
+                <a:cs typeface="Courier New" pitchFamily="49" charset="0"/>
+              </a:rPr>
+              <a:t>;... Do subroutine work here ....</a:t>
+            </a:r>
+          </a:p>
+          <a:p>
+            <a:pPr marL="457200" lvl="1" indent="0">
+              <a:buNone/>
+            </a:pPr>
+            <a:endParaRPr lang="pt-BR" sz="1400" dirty="0">
+              <a:latin typeface="Courier New" pitchFamily="49" charset="0"/>
+              <a:cs typeface="Courier New" pitchFamily="49" charset="0"/>
+            </a:endParaRPr>
+          </a:p>
+          <a:p>
+            <a:pPr marL="457200" lvl="1" indent="0">
+              <a:buNone/>
+            </a:pPr>
+            <a:r>
+              <a:rPr lang="pt-BR" sz="1400" dirty="0">
+                <a:latin typeface="Courier New" pitchFamily="49" charset="0"/>
+                <a:cs typeface="Courier New" pitchFamily="49" charset="0"/>
+              </a:rPr>
+              <a:t>    pop.w   </a:t>
+            </a:r>
+            <a:r>
+              <a:rPr lang="pt-BR" sz="1400" dirty="0" smtClean="0">
+                <a:latin typeface="Courier New" pitchFamily="49" charset="0"/>
+                <a:cs typeface="Courier New" pitchFamily="49" charset="0"/>
+              </a:rPr>
+              <a:t>r7  </a:t>
+            </a:r>
+            <a:r>
+              <a:rPr lang="pt-BR" sz="1400" dirty="0" smtClean="0">
+                <a:solidFill>
+                  <a:srgbClr val="00B050"/>
+                </a:solidFill>
+                <a:latin typeface="Courier New" pitchFamily="49" charset="0"/>
+                <a:cs typeface="Courier New" pitchFamily="49" charset="0"/>
+              </a:rPr>
+              <a:t>; all done, let’s restore them</a:t>
+            </a:r>
+            <a:endParaRPr lang="pt-BR" sz="1400" dirty="0">
+              <a:solidFill>
+                <a:srgbClr val="00B050"/>
+              </a:solidFill>
+              <a:latin typeface="Courier New" pitchFamily="49" charset="0"/>
+              <a:cs typeface="Courier New" pitchFamily="49" charset="0"/>
+            </a:endParaRPr>
+          </a:p>
+          <a:p>
+            <a:pPr marL="457200" lvl="1" indent="0">
+              <a:buNone/>
+            </a:pPr>
+            <a:r>
+              <a:rPr lang="pt-BR" sz="1400" dirty="0">
+                <a:latin typeface="Courier New" pitchFamily="49" charset="0"/>
+                <a:cs typeface="Courier New" pitchFamily="49" charset="0"/>
+              </a:rPr>
+              <a:t>    pop.w   r6</a:t>
+            </a:r>
+          </a:p>
+          <a:p>
+            <a:pPr marL="457200" lvl="1" indent="0">
+              <a:buNone/>
+            </a:pPr>
+            <a:r>
+              <a:rPr lang="pt-BR" sz="1400" dirty="0">
+                <a:latin typeface="Courier New" pitchFamily="49" charset="0"/>
+                <a:cs typeface="Courier New" pitchFamily="49" charset="0"/>
+              </a:rPr>
+              <a:t>    pop.w   r5</a:t>
+            </a:r>
+          </a:p>
+          <a:p>
+            <a:pPr marL="457200" lvl="1" indent="0">
+              <a:buNone/>
+            </a:pPr>
+            <a:r>
+              <a:rPr lang="pt-BR" sz="1400" dirty="0">
+                <a:latin typeface="Courier New" pitchFamily="49" charset="0"/>
+                <a:cs typeface="Courier New" pitchFamily="49" charset="0"/>
+              </a:rPr>
+              <a:t>    </a:t>
+            </a:r>
+            <a:r>
+              <a:rPr lang="pt-BR" sz="1400" dirty="0" smtClean="0">
+                <a:latin typeface="Courier New" pitchFamily="49" charset="0"/>
+                <a:cs typeface="Courier New" pitchFamily="49" charset="0"/>
+              </a:rPr>
+              <a:t>ret</a:t>
+            </a:r>
+          </a:p>
+          <a:p>
+            <a:pPr marL="457200" lvl="1" indent="0">
+              <a:buNone/>
+            </a:pPr>
+            <a:endParaRPr lang="en-US" sz="2000" dirty="0"/>
+          </a:p>
+          <a:p>
+            <a:r>
+              <a:rPr lang="en-US" sz="2000" dirty="0" smtClean="0">
+                <a:solidFill>
+                  <a:schemeClr val="accent2"/>
+                </a:solidFill>
+              </a:rPr>
+              <a:t>What is Pass-by-Value and Pass-by-Reference?</a:t>
+            </a:r>
+            <a:endParaRPr lang="en-US" sz="2000" dirty="0" smtClean="0"/>
           </a:p>
           <a:p>
             <a:endParaRPr lang="en-US" sz="2000" dirty="0" smtClean="0">
@@ -19123,79 +19111,198 @@
               </a:solidFill>
             </a:endParaRPr>
           </a:p>
-          <a:p>
-            <a:r>
-              <a:rPr lang="en-US" sz="2000" dirty="0" smtClean="0">
-                <a:solidFill>
-                  <a:schemeClr val="accent2"/>
-                </a:solidFill>
-              </a:rPr>
-              <a:t>Pass-by-Reference</a:t>
-            </a:r>
-            <a:endParaRPr lang="en-US" sz="2000" dirty="0">
+        </p:txBody>
+      </p:sp>
+      <p:sp>
+        <p:nvSpPr>
+          <p:cNvPr id="4" name="Right Brace 3"/>
+          <p:cNvSpPr/>
+          <p:nvPr/>
+        </p:nvSpPr>
+        <p:spPr bwMode="auto">
+          <a:xfrm>
+            <a:off x="6182833" y="2174358"/>
+            <a:ext cx="462516" cy="850605"/>
+          </a:xfrm>
+          <a:prstGeom prst="rightBrace">
+            <a:avLst/>
+          </a:prstGeom>
+          <a:noFill/>
+          <a:ln w="12700" cap="flat" cmpd="sng" algn="ctr">
+            <a:solidFill>
+              <a:schemeClr val="tx1"/>
+            </a:solidFill>
+            <a:prstDash val="solid"/>
+            <a:round/>
+            <a:headEnd type="none" w="med" len="med"/>
+            <a:tailEnd type="none" w="med" len="med"/>
+          </a:ln>
+          <a:effectLst/>
+        </p:spPr>
+        <p:txBody>
+          <a:bodyPr vert="horz" wrap="square" lIns="91440" tIns="45720" rIns="91440" bIns="45720" numCol="1" rtlCol="0" anchor="t" anchorCtr="0" compatLnSpc="1">
+            <a:prstTxWarp prst="textNoShape">
+              <a:avLst/>
+            </a:prstTxWarp>
+          </a:bodyPr>
+          <a:lstStyle/>
+          <a:p>
+            <a:pPr marL="0" marR="0" indent="0" algn="ctr" defTabSz="914400" rtl="0" eaLnBrk="0" fontAlgn="base" latinLnBrk="0" hangingPunct="0">
+              <a:lnSpc>
+                <a:spcPct val="100000"/>
+              </a:lnSpc>
+              <a:spcBef>
+                <a:spcPct val="0"/>
+              </a:spcBef>
+              <a:spcAft>
+                <a:spcPct val="0"/>
+              </a:spcAft>
+              <a:buClrTx/>
+              <a:buSzTx/>
+              <a:buFontTx/>
+              <a:buNone/>
+              <a:tabLst/>
+            </a:pPr>
+            <a:endParaRPr kumimoji="0" lang="en-US" sz="1600" b="0" i="0" u="none" strike="noStrike" cap="none" normalizeH="0" baseline="0" dirty="0" smtClean="0">
+              <a:ln>
+                <a:noFill/>
+              </a:ln>
               <a:solidFill>
-                <a:schemeClr val="accent2"/>
+                <a:schemeClr val="tx1"/>
               </a:solidFill>
+              <a:effectLst/>
+              <a:latin typeface="Arial" charset="0"/>
             </a:endParaRPr>
           </a:p>
-          <a:p>
-            <a:pPr lvl="1"/>
-            <a:r>
-              <a:rPr lang="en-US" sz="2000" dirty="0" smtClean="0"/>
-              <a:t>Pass the address of the argument to a subroutine</a:t>
-            </a:r>
-          </a:p>
-          <a:p>
-            <a:endParaRPr lang="en-US" sz="2200" dirty="0" smtClean="0">
+        </p:txBody>
+      </p:sp>
+      <p:sp>
+        <p:nvSpPr>
+          <p:cNvPr id="5" name="TextBox 4"/>
+          <p:cNvSpPr txBox="1"/>
+          <p:nvPr/>
+        </p:nvSpPr>
+        <p:spPr>
+          <a:xfrm>
+            <a:off x="6645349" y="2368827"/>
+            <a:ext cx="1253869" cy="461665"/>
+          </a:xfrm>
+          <a:prstGeom prst="rect">
+            <a:avLst/>
+          </a:prstGeom>
+          <a:noFill/>
+        </p:spPr>
+        <p:txBody>
+          <a:bodyPr wrap="none" rtlCol="0">
+            <a:spAutoFit/>
+          </a:bodyPr>
+          <a:lstStyle/>
+          <a:p>
+            <a:r>
+              <a:rPr lang="en-US" dirty="0" smtClean="0"/>
+              <a:t>3 pushes</a:t>
+            </a:r>
+            <a:endParaRPr lang="en-US" dirty="0"/>
+          </a:p>
+        </p:txBody>
+      </p:sp>
+      <p:sp>
+        <p:nvSpPr>
+          <p:cNvPr id="6" name="TextBox 5"/>
+          <p:cNvSpPr txBox="1"/>
+          <p:nvPr/>
+        </p:nvSpPr>
+        <p:spPr>
+          <a:xfrm>
+            <a:off x="6645349" y="4087269"/>
+            <a:ext cx="997389" cy="461665"/>
+          </a:xfrm>
+          <a:prstGeom prst="rect">
+            <a:avLst/>
+          </a:prstGeom>
+          <a:noFill/>
+        </p:spPr>
+        <p:txBody>
+          <a:bodyPr wrap="none" rtlCol="0">
+            <a:spAutoFit/>
+          </a:bodyPr>
+          <a:lstStyle/>
+          <a:p>
+            <a:r>
+              <a:rPr lang="en-US" dirty="0" smtClean="0"/>
+              <a:t>3 pops</a:t>
+            </a:r>
+            <a:endParaRPr lang="en-US" dirty="0"/>
+          </a:p>
+        </p:txBody>
+      </p:sp>
+      <p:sp>
+        <p:nvSpPr>
+          <p:cNvPr id="7" name="Right Brace 6"/>
+          <p:cNvSpPr/>
+          <p:nvPr/>
+        </p:nvSpPr>
+        <p:spPr bwMode="auto">
+          <a:xfrm>
+            <a:off x="6153594" y="3898143"/>
+            <a:ext cx="462516" cy="850605"/>
+          </a:xfrm>
+          <a:prstGeom prst="rightBrace">
+            <a:avLst/>
+          </a:prstGeom>
+          <a:noFill/>
+          <a:ln w="12700" cap="flat" cmpd="sng" algn="ctr">
+            <a:solidFill>
+              <a:schemeClr val="tx1"/>
+            </a:solidFill>
+            <a:prstDash val="solid"/>
+            <a:round/>
+            <a:headEnd type="none" w="med" len="med"/>
+            <a:tailEnd type="none" w="med" len="med"/>
+          </a:ln>
+          <a:effectLst/>
+        </p:spPr>
+        <p:txBody>
+          <a:bodyPr vert="horz" wrap="square" lIns="91440" tIns="45720" rIns="91440" bIns="45720" numCol="1" rtlCol="0" anchor="t" anchorCtr="0" compatLnSpc="1">
+            <a:prstTxWarp prst="textNoShape">
+              <a:avLst/>
+            </a:prstTxWarp>
+          </a:bodyPr>
+          <a:lstStyle/>
+          <a:p>
+            <a:pPr marL="0" marR="0" indent="0" algn="ctr" defTabSz="914400" rtl="0" eaLnBrk="0" fontAlgn="base" latinLnBrk="0" hangingPunct="0">
+              <a:lnSpc>
+                <a:spcPct val="100000"/>
+              </a:lnSpc>
+              <a:spcBef>
+                <a:spcPct val="0"/>
+              </a:spcBef>
+              <a:spcAft>
+                <a:spcPct val="0"/>
+              </a:spcAft>
+              <a:buClrTx/>
+              <a:buSzTx/>
+              <a:buFontTx/>
+              <a:buNone/>
+              <a:tabLst/>
+            </a:pPr>
+            <a:endParaRPr kumimoji="0" lang="en-US" sz="1600" b="0" i="0" u="none" strike="noStrike" cap="none" normalizeH="0" baseline="0" dirty="0" smtClean="0">
+              <a:ln>
+                <a:noFill/>
+              </a:ln>
               <a:solidFill>
-                <a:schemeClr val="accent2"/>
+                <a:schemeClr val="tx1"/>
               </a:solidFill>
+              <a:effectLst/>
+              <a:latin typeface="Arial" charset="0"/>
             </a:endParaRPr>
-          </a:p>
-          <a:p>
-            <a:r>
-              <a:rPr lang="en-US" sz="2200" dirty="0" smtClean="0">
-                <a:solidFill>
-                  <a:schemeClr val="accent2"/>
-                </a:solidFill>
-              </a:rPr>
-              <a:t>Which did we do in the Addition subroutine?</a:t>
-            </a:r>
-          </a:p>
-          <a:p>
-            <a:r>
-              <a:rPr lang="en-US" sz="2200" dirty="0" smtClean="0">
-                <a:solidFill>
-                  <a:schemeClr val="accent2"/>
-                </a:solidFill>
-              </a:rPr>
-              <a:t>Which method can modify the original source data, and which can only modify a copy of the source data?</a:t>
-            </a:r>
-          </a:p>
-          <a:p>
-            <a:r>
-              <a:rPr lang="en-US" sz="2200" dirty="0" smtClean="0">
-                <a:solidFill>
-                  <a:schemeClr val="accent2"/>
-                </a:solidFill>
-              </a:rPr>
-              <a:t>Which is best if you are passing an array of 1000 values?</a:t>
-            </a:r>
-            <a:endParaRPr lang="en-US" sz="2200" dirty="0">
-              <a:solidFill>
-                <a:schemeClr val="accent2"/>
-              </a:solidFill>
-            </a:endParaRPr>
-          </a:p>
-          <a:p>
-            <a:endParaRPr lang="en-US" sz="2000" dirty="0"/>
           </a:p>
         </p:txBody>
       </p:sp>
     </p:spTree>
     <p:extLst>
       <p:ext uri="{BB962C8B-B14F-4D97-AF65-F5344CB8AC3E}">
-        <p14:creationId xmlns:p14="http://schemas.microsoft.com/office/powerpoint/2010/main" val="2187222902"/>
+        <p14:creationId xmlns:p14="http://schemas.microsoft.com/office/powerpoint/2010/main" val="235014974"/>
       </p:ext>
     </p:extLst>
   </p:cSld>
@@ -19528,6 +19635,213 @@
           <a:lstStyle/>
           <a:p>
             <a:r>
+              <a:rPr lang="en-US" b="1" dirty="0" smtClean="0"/>
+              <a:t>Arguments</a:t>
+            </a:r>
+            <a:endParaRPr lang="en-US" dirty="0"/>
+          </a:p>
+        </p:txBody>
+      </p:sp>
+      <p:sp>
+        <p:nvSpPr>
+          <p:cNvPr id="3" name="Content Placeholder 2"/>
+          <p:cNvSpPr>
+            <a:spLocks noGrp="1"/>
+          </p:cNvSpPr>
+          <p:nvPr>
+            <p:ph idx="1"/>
+          </p:nvPr>
+        </p:nvSpPr>
+        <p:spPr>
+          <a:xfrm>
+            <a:off x="376038" y="1592134"/>
+            <a:ext cx="8493642" cy="4724400"/>
+          </a:xfrm>
+        </p:spPr>
+        <p:txBody>
+          <a:bodyPr/>
+          <a:lstStyle/>
+          <a:p>
+            <a:r>
+              <a:rPr lang="en-US" sz="2000" dirty="0" smtClean="0">
+                <a:solidFill>
+                  <a:schemeClr val="accent2"/>
+                </a:solidFill>
+              </a:rPr>
+              <a:t>Pass-by-Value</a:t>
+            </a:r>
+            <a:endParaRPr lang="en-US" sz="2000" dirty="0">
+              <a:solidFill>
+                <a:schemeClr val="accent2"/>
+              </a:solidFill>
+            </a:endParaRPr>
+          </a:p>
+          <a:p>
+            <a:pPr lvl="1"/>
+            <a:r>
+              <a:rPr lang="en-US" sz="2000" dirty="0"/>
+              <a:t>pass the actual values of the arguments to a </a:t>
+            </a:r>
+            <a:r>
+              <a:rPr lang="en-US" sz="2000" dirty="0" smtClean="0"/>
+              <a:t>subroutine</a:t>
+            </a:r>
+          </a:p>
+          <a:p>
+            <a:pPr lvl="1"/>
+            <a:r>
+              <a:rPr lang="en-US" dirty="0" smtClean="0"/>
+              <a:t>This creates a copy of the data</a:t>
+            </a:r>
+          </a:p>
+          <a:p>
+            <a:pPr lvl="2"/>
+            <a:r>
+              <a:rPr lang="en-US" sz="1800" dirty="0" smtClean="0"/>
+              <a:t>Imagine we are passing an1600 x 1400 color image … is this an issue?</a:t>
+            </a:r>
+            <a:endParaRPr lang="en-US" sz="2000" dirty="0" smtClean="0">
+              <a:solidFill>
+                <a:schemeClr val="accent2"/>
+              </a:solidFill>
+            </a:endParaRPr>
+          </a:p>
+          <a:p>
+            <a:r>
+              <a:rPr lang="en-US" sz="2000" dirty="0" smtClean="0">
+                <a:solidFill>
+                  <a:schemeClr val="accent2"/>
+                </a:solidFill>
+              </a:rPr>
+              <a:t>Pass-by-Reference</a:t>
+            </a:r>
+            <a:endParaRPr lang="en-US" sz="2000" dirty="0">
+              <a:solidFill>
+                <a:schemeClr val="accent2"/>
+              </a:solidFill>
+            </a:endParaRPr>
+          </a:p>
+          <a:p>
+            <a:pPr lvl="1"/>
+            <a:r>
+              <a:rPr lang="en-US" sz="2000" dirty="0" smtClean="0"/>
+              <a:t>Pass the address of the argument to a </a:t>
+            </a:r>
+            <a:r>
+              <a:rPr lang="en-US" sz="2000" dirty="0" smtClean="0"/>
+              <a:t>subroutine</a:t>
+            </a:r>
+          </a:p>
+          <a:p>
+            <a:pPr lvl="1"/>
+            <a:r>
+              <a:rPr lang="en-US" dirty="0" smtClean="0"/>
+              <a:t>This also is referred to as a pointer</a:t>
+            </a:r>
+            <a:endParaRPr lang="en-US" sz="2200" dirty="0" smtClean="0">
+              <a:solidFill>
+                <a:schemeClr val="accent2"/>
+              </a:solidFill>
+            </a:endParaRPr>
+          </a:p>
+          <a:p>
+            <a:endParaRPr lang="en-US" sz="2200" dirty="0" smtClean="0">
+              <a:solidFill>
+                <a:schemeClr val="accent2"/>
+              </a:solidFill>
+            </a:endParaRPr>
+          </a:p>
+          <a:p>
+            <a:r>
+              <a:rPr lang="en-US" sz="2200" dirty="0" smtClean="0">
+                <a:solidFill>
+                  <a:schemeClr val="accent2"/>
+                </a:solidFill>
+              </a:rPr>
+              <a:t>Which </a:t>
+            </a:r>
+            <a:r>
+              <a:rPr lang="en-US" sz="2200" dirty="0" smtClean="0">
+                <a:solidFill>
+                  <a:schemeClr val="accent2"/>
+                </a:solidFill>
+              </a:rPr>
+              <a:t>method can modify the original source data, and which can only modify a copy of the source data?</a:t>
+            </a:r>
+          </a:p>
+          <a:p>
+            <a:r>
+              <a:rPr lang="en-US" sz="2200" dirty="0" smtClean="0">
+                <a:solidFill>
+                  <a:schemeClr val="accent2"/>
+                </a:solidFill>
+              </a:rPr>
+              <a:t>Which is best if you are passing an array of 1000 values?</a:t>
+            </a:r>
+            <a:endParaRPr lang="en-US" sz="2200" dirty="0">
+              <a:solidFill>
+                <a:schemeClr val="accent2"/>
+              </a:solidFill>
+            </a:endParaRPr>
+          </a:p>
+          <a:p>
+            <a:endParaRPr lang="en-US" sz="2000" dirty="0"/>
+          </a:p>
+        </p:txBody>
+      </p:sp>
+    </p:spTree>
+    <p:extLst>
+      <p:ext uri="{BB962C8B-B14F-4D97-AF65-F5344CB8AC3E}">
+        <p14:creationId xmlns:p14="http://schemas.microsoft.com/office/powerpoint/2010/main" val="2187222902"/>
+      </p:ext>
+    </p:extLst>
+  </p:cSld>
+  <p:clrMapOvr>
+    <a:masterClrMapping/>
+  </p:clrMapOvr>
+  <p:timing>
+    <p:tnLst>
+      <p:par>
+        <p:cTn id="1" dur="indefinite" restart="never" nodeType="tmRoot"/>
+      </p:par>
+    </p:tnLst>
+  </p:timing>
+</p:sld>
+</file>
+
+<file path=ppt/slides/slide31.xml><?xml version="1.0" encoding="utf-8"?>
+<p:sld xmlns:a="http://schemas.openxmlformats.org/drawingml/2006/main" xmlns:r="http://schemas.openxmlformats.org/officeDocument/2006/relationships" xmlns:p="http://schemas.openxmlformats.org/presentationml/2006/main">
+  <p:cSld>
+    <p:spTree>
+      <p:nvGrpSpPr>
+        <p:cNvPr id="1" name=""/>
+        <p:cNvGrpSpPr/>
+        <p:nvPr/>
+      </p:nvGrpSpPr>
+      <p:grpSpPr>
+        <a:xfrm>
+          <a:off x="0" y="0"/>
+          <a:ext cx="0" cy="0"/>
+          <a:chOff x="0" y="0"/>
+          <a:chExt cx="0" cy="0"/>
+        </a:xfrm>
+      </p:grpSpPr>
+      <p:sp>
+        <p:nvSpPr>
+          <p:cNvPr id="2" name="Title 1"/>
+          <p:cNvSpPr>
+            <a:spLocks noGrp="1"/>
+          </p:cNvSpPr>
+          <p:nvPr>
+            <p:ph type="title"/>
+          </p:nvPr>
+        </p:nvSpPr>
+        <p:spPr/>
+        <p:txBody>
+          <a:bodyPr/>
+          <a:lstStyle/>
+          <a:p>
+            <a:r>
               <a:rPr lang="en-US" b="1" dirty="0"/>
               <a:t>Key Subroutine Rules</a:t>
             </a:r>
@@ -19712,7 +20026,7 @@
 </p:sld>
 </file>
 
-<file path=ppt/slides/slide31.xml><?xml version="1.0" encoding="utf-8"?>
+<file path=ppt/slides/slide32.xml><?xml version="1.0" encoding="utf-8"?>
 <p:sld xmlns:a="http://schemas.openxmlformats.org/drawingml/2006/main" xmlns:r="http://schemas.openxmlformats.org/officeDocument/2006/relationships" xmlns:p="http://schemas.openxmlformats.org/presentationml/2006/main">
   <p:cSld>
     <p:spTree>
@@ -20481,7 +20795,7 @@
 </p:sld>
 </file>
 
-<file path=ppt/slides/slide32.xml><?xml version="1.0" encoding="utf-8"?>
+<file path=ppt/slides/slide33.xml><?xml version="1.0" encoding="utf-8"?>
 <p:sld xmlns:a="http://schemas.openxmlformats.org/drawingml/2006/main" xmlns:r="http://schemas.openxmlformats.org/officeDocument/2006/relationships" xmlns:p="http://schemas.openxmlformats.org/presentationml/2006/main">
   <p:cSld>
     <p:spTree>
@@ -20621,7 +20935,7 @@
 </p:sld>
 </file>
 
-<file path=ppt/slides/slide33.xml><?xml version="1.0" encoding="utf-8"?>
+<file path=ppt/slides/slide34.xml><?xml version="1.0" encoding="utf-8"?>
 <p:sld xmlns:a="http://schemas.openxmlformats.org/drawingml/2006/main" xmlns:r="http://schemas.openxmlformats.org/officeDocument/2006/relationships" xmlns:p="http://schemas.openxmlformats.org/presentationml/2006/main">
   <p:cSld>
     <p:spTree>

--- a/source/lessons/lsn9-10/Lsn9-10.pptx
+++ b/source/lessons/lsn9-10/Lsn9-10.pptx
@@ -7,10 +7,10 @@
     <p:sldMasterId id="2147483667" r:id="rId3"/>
   </p:sldMasterIdLst>
   <p:notesMasterIdLst>
-    <p:notesMasterId r:id="rId38"/>
+    <p:notesMasterId r:id="rId37"/>
   </p:notesMasterIdLst>
   <p:handoutMasterIdLst>
-    <p:handoutMasterId r:id="rId39"/>
+    <p:handoutMasterId r:id="rId38"/>
   </p:handoutMasterIdLst>
   <p:sldIdLst>
     <p:sldId id="352" r:id="rId4"/>
@@ -18,35 +18,34 @@
     <p:sldId id="356" r:id="rId6"/>
     <p:sldId id="357" r:id="rId7"/>
     <p:sldId id="358" r:id="rId8"/>
-    <p:sldId id="359" r:id="rId9"/>
-    <p:sldId id="360" r:id="rId10"/>
-    <p:sldId id="362" r:id="rId11"/>
-    <p:sldId id="363" r:id="rId12"/>
-    <p:sldId id="364" r:id="rId13"/>
-    <p:sldId id="365" r:id="rId14"/>
-    <p:sldId id="366" r:id="rId15"/>
-    <p:sldId id="367" r:id="rId16"/>
-    <p:sldId id="368" r:id="rId17"/>
-    <p:sldId id="369" r:id="rId18"/>
-    <p:sldId id="370" r:id="rId19"/>
-    <p:sldId id="371" r:id="rId20"/>
-    <p:sldId id="372" r:id="rId21"/>
-    <p:sldId id="373" r:id="rId22"/>
-    <p:sldId id="374" r:id="rId23"/>
-    <p:sldId id="375" r:id="rId24"/>
-    <p:sldId id="376" r:id="rId25"/>
-    <p:sldId id="377" r:id="rId26"/>
-    <p:sldId id="390" r:id="rId27"/>
-    <p:sldId id="389" r:id="rId28"/>
-    <p:sldId id="380" r:id="rId29"/>
-    <p:sldId id="379" r:id="rId30"/>
-    <p:sldId id="381" r:id="rId31"/>
-    <p:sldId id="382" r:id="rId32"/>
-    <p:sldId id="383" r:id="rId33"/>
-    <p:sldId id="385" r:id="rId34"/>
-    <p:sldId id="387" r:id="rId35"/>
-    <p:sldId id="386" r:id="rId36"/>
-    <p:sldId id="353" r:id="rId37"/>
+    <p:sldId id="360" r:id="rId9"/>
+    <p:sldId id="362" r:id="rId10"/>
+    <p:sldId id="363" r:id="rId11"/>
+    <p:sldId id="364" r:id="rId12"/>
+    <p:sldId id="365" r:id="rId13"/>
+    <p:sldId id="366" r:id="rId14"/>
+    <p:sldId id="367" r:id="rId15"/>
+    <p:sldId id="368" r:id="rId16"/>
+    <p:sldId id="369" r:id="rId17"/>
+    <p:sldId id="370" r:id="rId18"/>
+    <p:sldId id="371" r:id="rId19"/>
+    <p:sldId id="372" r:id="rId20"/>
+    <p:sldId id="373" r:id="rId21"/>
+    <p:sldId id="374" r:id="rId22"/>
+    <p:sldId id="375" r:id="rId23"/>
+    <p:sldId id="376" r:id="rId24"/>
+    <p:sldId id="377" r:id="rId25"/>
+    <p:sldId id="390" r:id="rId26"/>
+    <p:sldId id="389" r:id="rId27"/>
+    <p:sldId id="380" r:id="rId28"/>
+    <p:sldId id="379" r:id="rId29"/>
+    <p:sldId id="381" r:id="rId30"/>
+    <p:sldId id="382" r:id="rId31"/>
+    <p:sldId id="383" r:id="rId32"/>
+    <p:sldId id="385" r:id="rId33"/>
+    <p:sldId id="387" r:id="rId34"/>
+    <p:sldId id="386" r:id="rId35"/>
+    <p:sldId id="353" r:id="rId36"/>
   </p:sldIdLst>
   <p:sldSz cx="9144000" cy="6858000" type="screen4x3"/>
   <p:notesSz cx="7010400" cy="9296400"/>
@@ -1384,7 +1383,7 @@
           <a:p>
             <a:fld id="{834513E8-165F-4932-9E2D-FD497CB9A4FD}" type="datetimeFigureOut">
               <a:rPr lang="en-US" smtClean="0"/>
-              <a:t>8/15/2018</a:t>
+              <a:t>8/30/2018</a:t>
             </a:fld>
             <a:endParaRPr lang="en-US"/>
           </a:p>
@@ -1661,7 +1660,7 @@
           <a:p>
             <a:fld id="{834513E8-165F-4932-9E2D-FD497CB9A4FD}" type="datetimeFigureOut">
               <a:rPr lang="en-US" smtClean="0"/>
-              <a:t>8/15/2018</a:t>
+              <a:t>8/30/2018</a:t>
             </a:fld>
             <a:endParaRPr lang="en-US"/>
           </a:p>
@@ -1914,7 +1913,7 @@
           <a:p>
             <a:fld id="{834513E8-165F-4932-9E2D-FD497CB9A4FD}" type="datetimeFigureOut">
               <a:rPr lang="en-US" smtClean="0"/>
-              <a:t>8/15/2018</a:t>
+              <a:t>8/30/2018</a:t>
             </a:fld>
             <a:endParaRPr lang="en-US"/>
           </a:p>
@@ -2084,7 +2083,7 @@
           <a:p>
             <a:fld id="{834513E8-165F-4932-9E2D-FD497CB9A4FD}" type="datetimeFigureOut">
               <a:rPr lang="en-US" smtClean="0"/>
-              <a:t>8/15/2018</a:t>
+              <a:t>8/30/2018</a:t>
             </a:fld>
             <a:endParaRPr lang="en-US"/>
           </a:p>
@@ -2264,7 +2263,7 @@
           <a:p>
             <a:fld id="{834513E8-165F-4932-9E2D-FD497CB9A4FD}" type="datetimeFigureOut">
               <a:rPr lang="en-US" smtClean="0"/>
-              <a:t>8/15/2018</a:t>
+              <a:t>8/30/2018</a:t>
             </a:fld>
             <a:endParaRPr lang="en-US"/>
           </a:p>
@@ -3008,7 +3007,7 @@
           <a:p>
             <a:fld id="{834513E8-165F-4932-9E2D-FD497CB9A4FD}" type="datetimeFigureOut">
               <a:rPr lang="en-US" smtClean="0"/>
-              <a:t>8/15/2018</a:t>
+              <a:t>8/30/2018</a:t>
             </a:fld>
             <a:endParaRPr lang="en-US"/>
           </a:p>
@@ -3178,7 +3177,7 @@
           <a:p>
             <a:fld id="{834513E8-165F-4932-9E2D-FD497CB9A4FD}" type="datetimeFigureOut">
               <a:rPr lang="en-US" smtClean="0"/>
-              <a:t>8/15/2018</a:t>
+              <a:t>8/30/2018</a:t>
             </a:fld>
             <a:endParaRPr lang="en-US"/>
           </a:p>
@@ -3424,7 +3423,7 @@
           <a:p>
             <a:fld id="{834513E8-165F-4932-9E2D-FD497CB9A4FD}" type="datetimeFigureOut">
               <a:rPr lang="en-US" smtClean="0"/>
-              <a:t>8/15/2018</a:t>
+              <a:t>8/30/2018</a:t>
             </a:fld>
             <a:endParaRPr lang="en-US"/>
           </a:p>
@@ -3656,7 +3655,7 @@
           <a:p>
             <a:fld id="{834513E8-165F-4932-9E2D-FD497CB9A4FD}" type="datetimeFigureOut">
               <a:rPr lang="en-US" smtClean="0"/>
-              <a:t>8/15/2018</a:t>
+              <a:t>8/30/2018</a:t>
             </a:fld>
             <a:endParaRPr lang="en-US"/>
           </a:p>
@@ -4023,7 +4022,7 @@
           <a:p>
             <a:fld id="{834513E8-165F-4932-9E2D-FD497CB9A4FD}" type="datetimeFigureOut">
               <a:rPr lang="en-US" smtClean="0"/>
-              <a:t>8/15/2018</a:t>
+              <a:t>8/30/2018</a:t>
             </a:fld>
             <a:endParaRPr lang="en-US"/>
           </a:p>
@@ -4141,7 +4140,7 @@
           <a:p>
             <a:fld id="{834513E8-165F-4932-9E2D-FD497CB9A4FD}" type="datetimeFigureOut">
               <a:rPr lang="en-US" smtClean="0"/>
-              <a:t>8/15/2018</a:t>
+              <a:t>8/30/2018</a:t>
             </a:fld>
             <a:endParaRPr lang="en-US"/>
           </a:p>
@@ -5957,7 +5956,7 @@
           <a:p>
             <a:fld id="{834513E8-165F-4932-9E2D-FD497CB9A4FD}" type="datetimeFigureOut">
               <a:rPr lang="en-US" smtClean="0"/>
-              <a:t>8/15/2018</a:t>
+              <a:t>8/30/2018</a:t>
             </a:fld>
             <a:endParaRPr lang="en-US"/>
           </a:p>
@@ -6992,779 +6991,6 @@
           <a:p>
             <a:r>
               <a:rPr lang="en-US" dirty="0" err="1"/>
-              <a:t>push.w</a:t>
-            </a:r>
-            <a:r>
-              <a:rPr lang="en-US" dirty="0"/>
-              <a:t>      #0xdfec</a:t>
-            </a:r>
-          </a:p>
-        </p:txBody>
-      </p:sp>
-      <p:pic>
-        <p:nvPicPr>
-          <p:cNvPr id="7" name="Picture 2"/>
-          <p:cNvPicPr>
-            <a:picLocks noChangeAspect="1" noChangeArrowheads="1"/>
-          </p:cNvPicPr>
-          <p:nvPr/>
-        </p:nvPicPr>
-        <p:blipFill rotWithShape="1">
-          <a:blip r:embed="rId2">
-            <a:extLst>
-              <a:ext uri="{28A0092B-C50C-407E-A947-70E740481C1C}">
-                <a14:useLocalDpi xmlns:a14="http://schemas.microsoft.com/office/drawing/2010/main" val="0"/>
-              </a:ext>
-            </a:extLst>
-          </a:blip>
-          <a:srcRect t="17399" r="65271" b="7084"/>
-          <a:stretch/>
-        </p:blipFill>
-        <p:spPr bwMode="auto">
-          <a:xfrm>
-            <a:off x="290744" y="1600200"/>
-            <a:ext cx="2434701" cy="3604335"/>
-          </a:xfrm>
-          <a:prstGeom prst="rect">
-            <a:avLst/>
-          </a:prstGeom>
-          <a:noFill/>
-          <a:ln>
-            <a:noFill/>
-          </a:ln>
-          <a:effectLst/>
-          <a:extLst>
-            <a:ext uri="{909E8E84-426E-40DD-AFC4-6F175D3DCCD1}">
-              <a14:hiddenFill xmlns:a14="http://schemas.microsoft.com/office/drawing/2010/main">
-                <a:solidFill>
-                  <a:schemeClr val="accent1"/>
-                </a:solidFill>
-              </a14:hiddenFill>
-            </a:ext>
-            <a:ext uri="{91240B29-F687-4F45-9708-019B960494DF}">
-              <a14:hiddenLine xmlns:a14="http://schemas.microsoft.com/office/drawing/2010/main" w="9525">
-                <a:solidFill>
-                  <a:schemeClr val="tx1"/>
-                </a:solidFill>
-                <a:miter lim="800000"/>
-                <a:headEnd/>
-                <a:tailEnd/>
-              </a14:hiddenLine>
-            </a:ext>
-            <a:ext uri="{AF507438-7753-43E0-B8FC-AC1667EBCBE1}">
-              <a14:hiddenEffects xmlns:a14="http://schemas.microsoft.com/office/drawing/2010/main">
-                <a:effectLst>
-                  <a:outerShdw dist="35921" dir="2700000" algn="ctr" rotWithShape="0">
-                    <a:schemeClr val="bg2"/>
-                  </a:outerShdw>
-                </a:effectLst>
-              </a14:hiddenEffects>
-            </a:ext>
-          </a:extLst>
-        </p:spPr>
-      </p:pic>
-      <p:sp>
-        <p:nvSpPr>
-          <p:cNvPr id="8" name="Content Placeholder 2"/>
-          <p:cNvSpPr txBox="1">
-            <a:spLocks/>
-          </p:cNvSpPr>
-          <p:nvPr/>
-        </p:nvSpPr>
-        <p:spPr>
-          <a:xfrm>
-            <a:off x="5867400" y="1600200"/>
-            <a:ext cx="2819400" cy="4525963"/>
-          </a:xfrm>
-          <a:prstGeom prst="rect">
-            <a:avLst/>
-          </a:prstGeom>
-          <a:solidFill>
-            <a:schemeClr val="bg1">
-              <a:lumMod val="85000"/>
-            </a:schemeClr>
-          </a:solidFill>
-        </p:spPr>
-        <p:txBody>
-          <a:bodyPr vert="horz" lIns="91440" tIns="45720" rIns="91440" bIns="45720" rtlCol="0">
-            <a:normAutofit/>
-          </a:bodyPr>
-          <a:lstStyle>
-            <a:lvl1pPr marL="342900" indent="-342900" algn="l" defTabSz="914400" rtl="0" eaLnBrk="1" latinLnBrk="0" hangingPunct="1">
-              <a:spcBef>
-                <a:spcPct val="20000"/>
-              </a:spcBef>
-              <a:buFont typeface="Arial" panose="020B0604020202020204" pitchFamily="34" charset="0"/>
-              <a:buChar char="•"/>
-              <a:defRPr sz="3200" kern="1200">
-                <a:solidFill>
-                  <a:schemeClr val="tx1"/>
-                </a:solidFill>
-                <a:latin typeface="+mn-lt"/>
-                <a:ea typeface="+mn-ea"/>
-                <a:cs typeface="+mn-cs"/>
-              </a:defRPr>
-            </a:lvl1pPr>
-            <a:lvl2pPr marL="742950" indent="-285750" algn="l" defTabSz="914400" rtl="0" eaLnBrk="1" latinLnBrk="0" hangingPunct="1">
-              <a:spcBef>
-                <a:spcPct val="20000"/>
-              </a:spcBef>
-              <a:buFont typeface="Arial" panose="020B0604020202020204" pitchFamily="34" charset="0"/>
-              <a:buChar char="–"/>
-              <a:defRPr sz="2800" kern="1200">
-                <a:solidFill>
-                  <a:schemeClr val="tx1"/>
-                </a:solidFill>
-                <a:latin typeface="+mn-lt"/>
-                <a:ea typeface="+mn-ea"/>
-                <a:cs typeface="+mn-cs"/>
-              </a:defRPr>
-            </a:lvl2pPr>
-            <a:lvl3pPr marL="1143000" indent="-228600" algn="l" defTabSz="914400" rtl="0" eaLnBrk="1" latinLnBrk="0" hangingPunct="1">
-              <a:spcBef>
-                <a:spcPct val="20000"/>
-              </a:spcBef>
-              <a:buFont typeface="Arial" panose="020B0604020202020204" pitchFamily="34" charset="0"/>
-              <a:buChar char="•"/>
-              <a:defRPr sz="2400" kern="1200">
-                <a:solidFill>
-                  <a:schemeClr val="tx1"/>
-                </a:solidFill>
-                <a:latin typeface="+mn-lt"/>
-                <a:ea typeface="+mn-ea"/>
-                <a:cs typeface="+mn-cs"/>
-              </a:defRPr>
-            </a:lvl3pPr>
-            <a:lvl4pPr marL="1600200" indent="-228600" algn="l" defTabSz="914400" rtl="0" eaLnBrk="1" latinLnBrk="0" hangingPunct="1">
-              <a:spcBef>
-                <a:spcPct val="20000"/>
-              </a:spcBef>
-              <a:buFont typeface="Arial" panose="020B0604020202020204" pitchFamily="34" charset="0"/>
-              <a:buChar char="–"/>
-              <a:defRPr sz="2000" kern="1200">
-                <a:solidFill>
-                  <a:schemeClr val="tx1"/>
-                </a:solidFill>
-                <a:latin typeface="+mn-lt"/>
-                <a:ea typeface="+mn-ea"/>
-                <a:cs typeface="+mn-cs"/>
-              </a:defRPr>
-            </a:lvl4pPr>
-            <a:lvl5pPr marL="2057400" indent="-228600" algn="l" defTabSz="914400" rtl="0" eaLnBrk="1" latinLnBrk="0" hangingPunct="1">
-              <a:spcBef>
-                <a:spcPct val="20000"/>
-              </a:spcBef>
-              <a:buFont typeface="Arial" panose="020B0604020202020204" pitchFamily="34" charset="0"/>
-              <a:buChar char="»"/>
-              <a:defRPr sz="2000" kern="1200">
-                <a:solidFill>
-                  <a:schemeClr val="tx1"/>
-                </a:solidFill>
-                <a:latin typeface="+mn-lt"/>
-                <a:ea typeface="+mn-ea"/>
-                <a:cs typeface="+mn-cs"/>
-              </a:defRPr>
-            </a:lvl5pPr>
-            <a:lvl6pPr marL="2514600" indent="-228600" algn="l" defTabSz="914400" rtl="0" eaLnBrk="1" latinLnBrk="0" hangingPunct="1">
-              <a:spcBef>
-                <a:spcPct val="20000"/>
-              </a:spcBef>
-              <a:buFont typeface="Arial" panose="020B0604020202020204" pitchFamily="34" charset="0"/>
-              <a:buChar char="•"/>
-              <a:defRPr sz="2000" kern="1200">
-                <a:solidFill>
-                  <a:schemeClr val="tx1"/>
-                </a:solidFill>
-                <a:latin typeface="+mn-lt"/>
-                <a:ea typeface="+mn-ea"/>
-                <a:cs typeface="+mn-cs"/>
-              </a:defRPr>
-            </a:lvl6pPr>
-            <a:lvl7pPr marL="2971800" indent="-228600" algn="l" defTabSz="914400" rtl="0" eaLnBrk="1" latinLnBrk="0" hangingPunct="1">
-              <a:spcBef>
-                <a:spcPct val="20000"/>
-              </a:spcBef>
-              <a:buFont typeface="Arial" panose="020B0604020202020204" pitchFamily="34" charset="0"/>
-              <a:buChar char="•"/>
-              <a:defRPr sz="2000" kern="1200">
-                <a:solidFill>
-                  <a:schemeClr val="tx1"/>
-                </a:solidFill>
-                <a:latin typeface="+mn-lt"/>
-                <a:ea typeface="+mn-ea"/>
-                <a:cs typeface="+mn-cs"/>
-              </a:defRPr>
-            </a:lvl7pPr>
-            <a:lvl8pPr marL="3429000" indent="-228600" algn="l" defTabSz="914400" rtl="0" eaLnBrk="1" latinLnBrk="0" hangingPunct="1">
-              <a:spcBef>
-                <a:spcPct val="20000"/>
-              </a:spcBef>
-              <a:buFont typeface="Arial" panose="020B0604020202020204" pitchFamily="34" charset="0"/>
-              <a:buChar char="•"/>
-              <a:defRPr sz="2000" kern="1200">
-                <a:solidFill>
-                  <a:schemeClr val="tx1"/>
-                </a:solidFill>
-                <a:latin typeface="+mn-lt"/>
-                <a:ea typeface="+mn-ea"/>
-                <a:cs typeface="+mn-cs"/>
-              </a:defRPr>
-            </a:lvl8pPr>
-            <a:lvl9pPr marL="3886200" indent="-228600" algn="l" defTabSz="914400" rtl="0" eaLnBrk="1" latinLnBrk="0" hangingPunct="1">
-              <a:spcBef>
-                <a:spcPct val="20000"/>
-              </a:spcBef>
-              <a:buFont typeface="Arial" panose="020B0604020202020204" pitchFamily="34" charset="0"/>
-              <a:buChar char="•"/>
-              <a:defRPr sz="2000" kern="1200">
-                <a:solidFill>
-                  <a:schemeClr val="tx1"/>
-                </a:solidFill>
-                <a:latin typeface="+mn-lt"/>
-                <a:ea typeface="+mn-ea"/>
-                <a:cs typeface="+mn-cs"/>
-              </a:defRPr>
-            </a:lvl9pPr>
-          </a:lstStyle>
-          <a:p>
-            <a:pPr marL="0" indent="0" fontAlgn="auto">
-              <a:spcAft>
-                <a:spcPts val="0"/>
-              </a:spcAft>
-              <a:buFont typeface="Arial" panose="020B0604020202020204" pitchFamily="34" charset="0"/>
-              <a:buNone/>
-            </a:pPr>
-            <a:r>
-              <a:rPr lang="en-US" dirty="0" smtClean="0">
-                <a:solidFill>
-                  <a:prstClr val="black"/>
-                </a:solidFill>
-              </a:rPr>
-              <a:t>SP	</a:t>
-            </a:r>
-            <a:r>
-              <a:rPr lang="en-US" dirty="0" smtClean="0">
-                <a:solidFill>
-                  <a:srgbClr val="FF0000"/>
-                </a:solidFill>
-              </a:rPr>
-              <a:t>0x03FE</a:t>
-            </a:r>
-          </a:p>
-          <a:p>
-            <a:pPr marL="0" indent="0" fontAlgn="auto">
-              <a:spcAft>
-                <a:spcPts val="0"/>
-              </a:spcAft>
-              <a:buFont typeface="Arial" panose="020B0604020202020204" pitchFamily="34" charset="0"/>
-              <a:buNone/>
-            </a:pPr>
-            <a:endParaRPr lang="en-US" dirty="0" smtClean="0">
-              <a:solidFill>
-                <a:prstClr val="black"/>
-              </a:solidFill>
-            </a:endParaRPr>
-          </a:p>
-          <a:p>
-            <a:pPr marL="0" indent="0" fontAlgn="auto">
-              <a:spcAft>
-                <a:spcPts val="0"/>
-              </a:spcAft>
-              <a:buFont typeface="Arial" panose="020B0604020202020204" pitchFamily="34" charset="0"/>
-              <a:buNone/>
-            </a:pPr>
-            <a:r>
-              <a:rPr lang="en-US" dirty="0" smtClean="0">
-                <a:solidFill>
-                  <a:prstClr val="black"/>
-                </a:solidFill>
-              </a:rPr>
-              <a:t>R5	0x0000</a:t>
-            </a:r>
-          </a:p>
-          <a:p>
-            <a:pPr marL="0" indent="0" fontAlgn="auto">
-              <a:spcAft>
-                <a:spcPts val="0"/>
-              </a:spcAft>
-              <a:buFont typeface="Arial" panose="020B0604020202020204" pitchFamily="34" charset="0"/>
-              <a:buNone/>
-            </a:pPr>
-            <a:r>
-              <a:rPr lang="en-US" dirty="0" smtClean="0">
-                <a:solidFill>
-                  <a:prstClr val="black"/>
-                </a:solidFill>
-              </a:rPr>
-              <a:t>R6	0x0000</a:t>
-            </a:r>
-          </a:p>
-          <a:p>
-            <a:pPr marL="0" indent="0" fontAlgn="auto">
-              <a:spcAft>
-                <a:spcPts val="0"/>
-              </a:spcAft>
-              <a:buFont typeface="Arial" panose="020B0604020202020204" pitchFamily="34" charset="0"/>
-              <a:buNone/>
-            </a:pPr>
-            <a:r>
-              <a:rPr lang="en-US" dirty="0" smtClean="0">
-                <a:solidFill>
-                  <a:prstClr val="black"/>
-                </a:solidFill>
-              </a:rPr>
-              <a:t>R7	0x0000</a:t>
-            </a:r>
-          </a:p>
-          <a:p>
-            <a:pPr marL="0" indent="0" fontAlgn="auto">
-              <a:spcAft>
-                <a:spcPts val="0"/>
-              </a:spcAft>
-              <a:buFont typeface="Arial" panose="020B0604020202020204" pitchFamily="34" charset="0"/>
-              <a:buNone/>
-            </a:pPr>
-            <a:endParaRPr lang="en-US" dirty="0" smtClean="0">
-              <a:solidFill>
-                <a:prstClr val="black"/>
-              </a:solidFill>
-            </a:endParaRPr>
-          </a:p>
-          <a:p>
-            <a:pPr marL="0" indent="0" fontAlgn="auto">
-              <a:spcAft>
-                <a:spcPts val="0"/>
-              </a:spcAft>
-              <a:buFont typeface="Arial" panose="020B0604020202020204" pitchFamily="34" charset="0"/>
-              <a:buNone/>
-            </a:pPr>
-            <a:r>
-              <a:rPr lang="en-US" dirty="0" smtClean="0">
-                <a:solidFill>
-                  <a:prstClr val="black"/>
-                </a:solidFill>
-              </a:rPr>
-              <a:t>R10	0x0000</a:t>
-            </a:r>
-          </a:p>
-          <a:p>
-            <a:pPr marL="0" indent="0" fontAlgn="auto">
-              <a:spcAft>
-                <a:spcPts val="0"/>
-              </a:spcAft>
-              <a:buFont typeface="Arial" panose="020B0604020202020204" pitchFamily="34" charset="0"/>
-              <a:buNone/>
-            </a:pPr>
-            <a:endParaRPr lang="en-US" dirty="0" smtClean="0">
-              <a:solidFill>
-                <a:prstClr val="black"/>
-              </a:solidFill>
-            </a:endParaRPr>
-          </a:p>
-          <a:p>
-            <a:pPr marL="0" indent="0" fontAlgn="auto">
-              <a:spcAft>
-                <a:spcPts val="0"/>
-              </a:spcAft>
-              <a:buFont typeface="Arial" panose="020B0604020202020204" pitchFamily="34" charset="0"/>
-              <a:buNone/>
-            </a:pPr>
-            <a:endParaRPr lang="en-US" dirty="0" smtClean="0">
-              <a:solidFill>
-                <a:prstClr val="black"/>
-              </a:solidFill>
-            </a:endParaRPr>
-          </a:p>
-          <a:p>
-            <a:pPr marL="0" indent="0" fontAlgn="auto">
-              <a:spcAft>
-                <a:spcPts val="0"/>
-              </a:spcAft>
-              <a:buFont typeface="Arial" panose="020B0604020202020204" pitchFamily="34" charset="0"/>
-              <a:buNone/>
-            </a:pPr>
-            <a:endParaRPr lang="en-US" dirty="0">
-              <a:solidFill>
-                <a:prstClr val="black"/>
-              </a:solidFill>
-            </a:endParaRPr>
-          </a:p>
-        </p:txBody>
-      </p:sp>
-      <p:sp>
-        <p:nvSpPr>
-          <p:cNvPr id="9" name="Right Arrow 8"/>
-          <p:cNvSpPr/>
-          <p:nvPr/>
-        </p:nvSpPr>
-        <p:spPr>
-          <a:xfrm>
-            <a:off x="0" y="2133600"/>
-            <a:ext cx="290744" cy="152400"/>
-          </a:xfrm>
-          <a:prstGeom prst="rightArrow">
-            <a:avLst/>
-          </a:prstGeom>
-        </p:spPr>
-        <p:style>
-          <a:lnRef idx="2">
-            <a:schemeClr val="accent3">
-              <a:shade val="50000"/>
-            </a:schemeClr>
-          </a:lnRef>
-          <a:fillRef idx="1">
-            <a:schemeClr val="accent3"/>
-          </a:fillRef>
-          <a:effectRef idx="0">
-            <a:schemeClr val="accent3"/>
-          </a:effectRef>
-          <a:fontRef idx="minor">
-            <a:schemeClr val="lt1"/>
-          </a:fontRef>
-        </p:style>
-        <p:txBody>
-          <a:bodyPr rtlCol="0" anchor="ctr"/>
-          <a:lstStyle/>
-          <a:p>
-            <a:pPr algn="ctr" fontAlgn="auto">
-              <a:spcBef>
-                <a:spcPts val="0"/>
-              </a:spcBef>
-              <a:spcAft>
-                <a:spcPts val="0"/>
-              </a:spcAft>
-            </a:pPr>
-            <a:endParaRPr lang="en-US" sz="1800">
-              <a:solidFill>
-                <a:prstClr val="white"/>
-              </a:solidFill>
-            </a:endParaRPr>
-          </a:p>
-        </p:txBody>
-      </p:sp>
-      <p:pic>
-        <p:nvPicPr>
-          <p:cNvPr id="10" name="Picture 9"/>
-          <p:cNvPicPr/>
-          <p:nvPr/>
-        </p:nvPicPr>
-        <p:blipFill rotWithShape="1">
-          <a:blip r:embed="rId3"/>
-          <a:srcRect t="13187"/>
-          <a:stretch/>
-        </p:blipFill>
-        <p:spPr bwMode="auto">
-          <a:xfrm>
-            <a:off x="2895600" y="1600200"/>
-            <a:ext cx="2819400" cy="3651354"/>
-          </a:xfrm>
-          <a:prstGeom prst="rect">
-            <a:avLst/>
-          </a:prstGeom>
-          <a:ln>
-            <a:noFill/>
-          </a:ln>
-          <a:extLst>
-            <a:ext uri="{53640926-AAD7-44D8-BBD7-CCE9431645EC}">
-              <a14:shadowObscured xmlns:a14="http://schemas.microsoft.com/office/drawing/2010/main"/>
-            </a:ext>
-          </a:extLst>
-        </p:spPr>
-      </p:pic>
-      <p:sp>
-        <p:nvSpPr>
-          <p:cNvPr id="12" name="TextBox 11"/>
-          <p:cNvSpPr txBox="1"/>
-          <p:nvPr/>
-        </p:nvSpPr>
-        <p:spPr>
-          <a:xfrm>
-            <a:off x="290744" y="5092456"/>
-            <a:ext cx="3747856" cy="1384995"/>
-          </a:xfrm>
-          <a:prstGeom prst="rect">
-            <a:avLst/>
-          </a:prstGeom>
-          <a:noFill/>
-        </p:spPr>
-        <p:txBody>
-          <a:bodyPr wrap="square" rtlCol="0">
-            <a:spAutoFit/>
-          </a:bodyPr>
-          <a:lstStyle/>
-          <a:p>
-            <a:pPr fontAlgn="auto">
-              <a:spcBef>
-                <a:spcPts val="0"/>
-              </a:spcBef>
-              <a:spcAft>
-                <a:spcPts val="0"/>
-              </a:spcAft>
-            </a:pPr>
-            <a:r>
-              <a:rPr lang="en-US" sz="2800" b="1" dirty="0" smtClean="0">
-                <a:solidFill>
-                  <a:prstClr val="black"/>
-                </a:solidFill>
-                <a:latin typeface="Calibri"/>
-              </a:rPr>
-              <a:t>PUSH</a:t>
-            </a:r>
-          </a:p>
-          <a:p>
-            <a:pPr marL="342900" indent="-342900" fontAlgn="auto">
-              <a:spcBef>
-                <a:spcPts val="0"/>
-              </a:spcBef>
-              <a:spcAft>
-                <a:spcPts val="0"/>
-              </a:spcAft>
-              <a:buFontTx/>
-              <a:buAutoNum type="arabicParenR"/>
-            </a:pPr>
-            <a:r>
-              <a:rPr lang="en-US" sz="2800" dirty="0" smtClean="0">
-                <a:solidFill>
-                  <a:prstClr val="black"/>
-                </a:solidFill>
-                <a:latin typeface="Calibri"/>
-              </a:rPr>
-              <a:t>SP – 2  SP</a:t>
-            </a:r>
-          </a:p>
-          <a:p>
-            <a:pPr marL="342900" indent="-342900" fontAlgn="auto">
-              <a:spcBef>
-                <a:spcPts val="0"/>
-              </a:spcBef>
-              <a:spcAft>
-                <a:spcPts val="0"/>
-              </a:spcAft>
-              <a:buFontTx/>
-              <a:buAutoNum type="arabicParenR"/>
-            </a:pPr>
-            <a:r>
-              <a:rPr lang="en-US" sz="2800" dirty="0" err="1" smtClean="0">
-                <a:solidFill>
-                  <a:prstClr val="black"/>
-                </a:solidFill>
-                <a:latin typeface="Calibri"/>
-              </a:rPr>
-              <a:t>src</a:t>
-            </a:r>
-            <a:r>
-              <a:rPr lang="en-US" sz="2800" dirty="0" smtClean="0">
-                <a:solidFill>
-                  <a:prstClr val="black"/>
-                </a:solidFill>
-                <a:latin typeface="Calibri"/>
-              </a:rPr>
-              <a:t>  @SP</a:t>
-            </a:r>
-            <a:endParaRPr lang="en-US" sz="2800" dirty="0">
-              <a:solidFill>
-                <a:prstClr val="black"/>
-              </a:solidFill>
-              <a:latin typeface="Calibri"/>
-            </a:endParaRPr>
-          </a:p>
-        </p:txBody>
-      </p:sp>
-      <p:sp>
-        <p:nvSpPr>
-          <p:cNvPr id="11" name="Rectangular Callout 10"/>
-          <p:cNvSpPr/>
-          <p:nvPr/>
-        </p:nvSpPr>
-        <p:spPr>
-          <a:xfrm>
-            <a:off x="3503479" y="5784953"/>
-            <a:ext cx="4423041" cy="805033"/>
-          </a:xfrm>
-          <a:prstGeom prst="wedgeRectCallout">
-            <a:avLst>
-              <a:gd name="adj1" fmla="val -73256"/>
-              <a:gd name="adj2" fmla="val -41725"/>
-            </a:avLst>
-          </a:prstGeom>
-        </p:spPr>
-        <p:style>
-          <a:lnRef idx="2">
-            <a:schemeClr val="accent1">
-              <a:shade val="50000"/>
-            </a:schemeClr>
-          </a:lnRef>
-          <a:fillRef idx="1">
-            <a:schemeClr val="accent1"/>
-          </a:fillRef>
-          <a:effectRef idx="0">
-            <a:schemeClr val="accent1"/>
-          </a:effectRef>
-          <a:fontRef idx="minor">
-            <a:schemeClr val="lt1"/>
-          </a:fontRef>
-        </p:style>
-        <p:txBody>
-          <a:bodyPr rtlCol="0" anchor="ctr"/>
-          <a:lstStyle/>
-          <a:p>
-            <a:pPr algn="ctr" fontAlgn="auto">
-              <a:spcBef>
-                <a:spcPts val="0"/>
-              </a:spcBef>
-              <a:spcAft>
-                <a:spcPts val="0"/>
-              </a:spcAft>
-            </a:pPr>
-            <a:r>
-              <a:rPr lang="en-US" sz="1800" i="1" dirty="0" smtClean="0">
-                <a:solidFill>
-                  <a:prstClr val="white"/>
-                </a:solidFill>
-              </a:rPr>
-              <a:t>Notice what happened? Decrement SP, then write the data!</a:t>
-            </a:r>
-            <a:endParaRPr lang="en-US" sz="1800" dirty="0">
-              <a:solidFill>
-                <a:prstClr val="white"/>
-              </a:solidFill>
-            </a:endParaRPr>
-          </a:p>
-        </p:txBody>
-      </p:sp>
-    </p:spTree>
-    <p:extLst>
-      <p:ext uri="{BB962C8B-B14F-4D97-AF65-F5344CB8AC3E}">
-        <p14:creationId xmlns:p14="http://schemas.microsoft.com/office/powerpoint/2010/main" val="3266017419"/>
-      </p:ext>
-    </p:extLst>
-  </p:cSld>
-  <p:clrMapOvr>
-    <a:masterClrMapping/>
-  </p:clrMapOvr>
-  <p:timing>
-    <p:tnLst>
-      <p:par>
-        <p:cTn id="1" dur="indefinite" restart="never" nodeType="tmRoot">
-          <p:childTnLst>
-            <p:seq concurrent="1" nextAc="seek">
-              <p:cTn id="2" dur="indefinite" nodeType="mainSeq">
-                <p:childTnLst>
-                  <p:par>
-                    <p:cTn id="3" fill="hold">
-                      <p:stCondLst>
-                        <p:cond delay="indefinite"/>
-                      </p:stCondLst>
-                      <p:childTnLst>
-                        <p:par>
-                          <p:cTn id="4" fill="hold">
-                            <p:stCondLst>
-                              <p:cond delay="0"/>
-                            </p:stCondLst>
-                            <p:childTnLst>
-                              <p:par>
-                                <p:cTn id="5" presetID="10" presetClass="entr" presetSubtype="0" fill="hold" grpId="0" nodeType="clickEffect">
-                                  <p:stCondLst>
-                                    <p:cond delay="0"/>
-                                  </p:stCondLst>
-                                  <p:childTnLst>
-                                    <p:set>
-                                      <p:cBhvr>
-                                        <p:cTn id="6" dur="1" fill="hold">
-                                          <p:stCondLst>
-                                            <p:cond delay="0"/>
-                                          </p:stCondLst>
-                                        </p:cTn>
-                                        <p:tgtEl>
-                                          <p:spTgt spid="11"/>
-                                        </p:tgtEl>
-                                        <p:attrNameLst>
-                                          <p:attrName>style.visibility</p:attrName>
-                                        </p:attrNameLst>
-                                      </p:cBhvr>
-                                      <p:to>
-                                        <p:strVal val="visible"/>
-                                      </p:to>
-                                    </p:set>
-                                    <p:animEffect transition="in" filter="fade">
-                                      <p:cBhvr>
-                                        <p:cTn id="7" dur="500"/>
-                                        <p:tgtEl>
-                                          <p:spTgt spid="11"/>
-                                        </p:tgtEl>
-                                      </p:cBhvr>
-                                    </p:animEffect>
-                                  </p:childTnLst>
-                                </p:cTn>
-                              </p:par>
-                            </p:childTnLst>
-                          </p:cTn>
-                        </p:par>
-                      </p:childTnLst>
-                    </p:cTn>
-                  </p:par>
-                </p:childTnLst>
-              </p:cTn>
-              <p:prevCondLst>
-                <p:cond evt="onPrev" delay="0">
-                  <p:tgtEl>
-                    <p:sldTgt/>
-                  </p:tgtEl>
-                </p:cond>
-              </p:prevCondLst>
-              <p:nextCondLst>
-                <p:cond evt="onNext" delay="0">
-                  <p:tgtEl>
-                    <p:sldTgt/>
-                  </p:tgtEl>
-                </p:cond>
-              </p:nextCondLst>
-            </p:seq>
-          </p:childTnLst>
-        </p:cTn>
-      </p:par>
-    </p:tnLst>
-    <p:bldLst>
-      <p:bldP spid="11" grpId="0" animBg="1"/>
-    </p:bldLst>
-  </p:timing>
-</p:sld>
-</file>
-
-<file path=ppt/slides/slide11.xml><?xml version="1.0" encoding="utf-8"?>
-<p:sld xmlns:a="http://schemas.openxmlformats.org/drawingml/2006/main" xmlns:r="http://schemas.openxmlformats.org/officeDocument/2006/relationships" xmlns:p="http://schemas.openxmlformats.org/presentationml/2006/main">
-  <p:cSld>
-    <p:spTree>
-      <p:nvGrpSpPr>
-        <p:cNvPr id="1" name=""/>
-        <p:cNvGrpSpPr/>
-        <p:nvPr/>
-      </p:nvGrpSpPr>
-      <p:grpSpPr>
-        <a:xfrm>
-          <a:off x="0" y="0"/>
-          <a:ext cx="0" cy="0"/>
-          <a:chOff x="0" y="0"/>
-          <a:chExt cx="0" cy="0"/>
-        </a:xfrm>
-      </p:grpSpPr>
-      <p:sp>
-        <p:nvSpPr>
-          <p:cNvPr id="2" name="Title 1"/>
-          <p:cNvSpPr>
-            <a:spLocks noGrp="1"/>
-          </p:cNvSpPr>
-          <p:nvPr>
-            <p:ph type="title"/>
-          </p:nvPr>
-        </p:nvSpPr>
-        <p:spPr/>
-        <p:txBody>
-          <a:bodyPr/>
-          <a:lstStyle/>
-          <a:p>
-            <a:r>
-              <a:rPr lang="en-US" dirty="0" err="1"/>
               <a:t>pop.w</a:t>
             </a:r>
             <a:r>
@@ -8405,7 +7631,7 @@
 </p:sld>
 </file>
 
-<file path=ppt/slides/slide12.xml><?xml version="1.0" encoding="utf-8"?>
+<file path=ppt/slides/slide11.xml><?xml version="1.0" encoding="utf-8"?>
 <p:sld xmlns:a="http://schemas.openxmlformats.org/drawingml/2006/main" xmlns:r="http://schemas.openxmlformats.org/officeDocument/2006/relationships" xmlns:p="http://schemas.openxmlformats.org/presentationml/2006/main">
   <p:cSld>
     <p:spTree>
@@ -8962,7 +8188,7 @@
 </p:sld>
 </file>
 
-<file path=ppt/slides/slide13.xml><?xml version="1.0" encoding="utf-8"?>
+<file path=ppt/slides/slide12.xml><?xml version="1.0" encoding="utf-8"?>
 <p:sld xmlns:a="http://schemas.openxmlformats.org/drawingml/2006/main" xmlns:r="http://schemas.openxmlformats.org/officeDocument/2006/relationships" xmlns:p="http://schemas.openxmlformats.org/presentationml/2006/main">
   <p:cSld>
     <p:spTree>
@@ -9758,7 +8984,7 @@
 </p:sld>
 </file>
 
-<file path=ppt/slides/slide14.xml><?xml version="1.0" encoding="utf-8"?>
+<file path=ppt/slides/slide13.xml><?xml version="1.0" encoding="utf-8"?>
 <p:sld xmlns:a="http://schemas.openxmlformats.org/drawingml/2006/main" xmlns:r="http://schemas.openxmlformats.org/officeDocument/2006/relationships" xmlns:p="http://schemas.openxmlformats.org/presentationml/2006/main">
   <p:cSld>
     <p:spTree>
@@ -10315,7 +9541,7 @@
 </p:sld>
 </file>
 
-<file path=ppt/slides/slide15.xml><?xml version="1.0" encoding="utf-8"?>
+<file path=ppt/slides/slide14.xml><?xml version="1.0" encoding="utf-8"?>
 <p:sld xmlns:a="http://schemas.openxmlformats.org/drawingml/2006/main" xmlns:r="http://schemas.openxmlformats.org/officeDocument/2006/relationships" xmlns:p="http://schemas.openxmlformats.org/presentationml/2006/main">
   <p:cSld>
     <p:spTree>
@@ -10880,7 +10106,7 @@
 </p:sld>
 </file>
 
-<file path=ppt/slides/slide16.xml><?xml version="1.0" encoding="utf-8"?>
+<file path=ppt/slides/slide15.xml><?xml version="1.0" encoding="utf-8"?>
 <p:sld xmlns:a="http://schemas.openxmlformats.org/drawingml/2006/main" xmlns:r="http://schemas.openxmlformats.org/officeDocument/2006/relationships" xmlns:p="http://schemas.openxmlformats.org/presentationml/2006/main">
   <p:cSld>
     <p:spTree>
@@ -11449,7 +10675,7 @@
 </p:sld>
 </file>
 
-<file path=ppt/slides/slide17.xml><?xml version="1.0" encoding="utf-8"?>
+<file path=ppt/slides/slide16.xml><?xml version="1.0" encoding="utf-8"?>
 <p:sld xmlns:a="http://schemas.openxmlformats.org/drawingml/2006/main" xmlns:r="http://schemas.openxmlformats.org/officeDocument/2006/relationships" xmlns:p="http://schemas.openxmlformats.org/presentationml/2006/main">
   <p:cSld>
     <p:spTree>
@@ -12014,7 +11240,7 @@
 </p:sld>
 </file>
 
-<file path=ppt/slides/slide18.xml><?xml version="1.0" encoding="utf-8"?>
+<file path=ppt/slides/slide17.xml><?xml version="1.0" encoding="utf-8"?>
 <p:sld xmlns:a="http://schemas.openxmlformats.org/drawingml/2006/main" xmlns:r="http://schemas.openxmlformats.org/officeDocument/2006/relationships" xmlns:p="http://schemas.openxmlformats.org/presentationml/2006/main">
   <p:cSld>
     <p:spTree>
@@ -12587,7 +11813,7 @@
 </p:sld>
 </file>
 
-<file path=ppt/slides/slide19.xml><?xml version="1.0" encoding="utf-8"?>
+<file path=ppt/slides/slide18.xml><?xml version="1.0" encoding="utf-8"?>
 <p:sld xmlns:a="http://schemas.openxmlformats.org/drawingml/2006/main" xmlns:r="http://schemas.openxmlformats.org/officeDocument/2006/relationships" xmlns:p="http://schemas.openxmlformats.org/presentationml/2006/main">
   <p:cSld>
     <p:spTree>
@@ -13383,188 +12609,7 @@
 </p:sld>
 </file>
 
-<file path=ppt/slides/slide2.xml><?xml version="1.0" encoding="utf-8"?>
-<p:sld xmlns:a="http://schemas.openxmlformats.org/drawingml/2006/main" xmlns:r="http://schemas.openxmlformats.org/officeDocument/2006/relationships" xmlns:p="http://schemas.openxmlformats.org/presentationml/2006/main">
-  <p:cSld>
-    <p:spTree>
-      <p:nvGrpSpPr>
-        <p:cNvPr id="1" name=""/>
-        <p:cNvGrpSpPr/>
-        <p:nvPr/>
-      </p:nvGrpSpPr>
-      <p:grpSpPr>
-        <a:xfrm>
-          <a:off x="0" y="0"/>
-          <a:ext cx="0" cy="0"/>
-          <a:chOff x="0" y="0"/>
-          <a:chExt cx="0" cy="0"/>
-        </a:xfrm>
-      </p:grpSpPr>
-      <p:sp>
-        <p:nvSpPr>
-          <p:cNvPr id="2" name="Title 1"/>
-          <p:cNvSpPr>
-            <a:spLocks noGrp="1"/>
-          </p:cNvSpPr>
-          <p:nvPr>
-            <p:ph type="title"/>
-          </p:nvPr>
-        </p:nvSpPr>
-        <p:spPr/>
-        <p:txBody>
-          <a:bodyPr/>
-          <a:lstStyle/>
-          <a:p>
-            <a:r>
-              <a:rPr lang="en-US" dirty="0" smtClean="0"/>
-              <a:t>Overview</a:t>
-            </a:r>
-            <a:endParaRPr lang="en-US" dirty="0"/>
-          </a:p>
-        </p:txBody>
-      </p:sp>
-      <p:sp>
-        <p:nvSpPr>
-          <p:cNvPr id="3" name="Subtitle 2"/>
-          <p:cNvSpPr>
-            <a:spLocks noGrp="1"/>
-          </p:cNvSpPr>
-          <p:nvPr>
-            <p:ph idx="1"/>
-          </p:nvPr>
-        </p:nvSpPr>
-        <p:spPr/>
-        <p:txBody>
-          <a:bodyPr/>
-          <a:lstStyle/>
-          <a:p>
-            <a:pPr algn="l"/>
-            <a:r>
-              <a:rPr lang="en-US" sz="2800" b="1" dirty="0" smtClean="0"/>
-              <a:t>Lesson Outline</a:t>
-            </a:r>
-            <a:endParaRPr lang="en-US" sz="2800" b="1" dirty="0" smtClean="0">
-              <a:solidFill>
-                <a:srgbClr val="0070C0"/>
-              </a:solidFill>
-            </a:endParaRPr>
-          </a:p>
-          <a:p>
-            <a:pPr marL="800100" lvl="1" indent="-342900" algn="l">
-              <a:buFont typeface="Arial" panose="020B0604020202020204" pitchFamily="34" charset="0"/>
-              <a:buChar char="•"/>
-            </a:pPr>
-            <a:r>
-              <a:rPr lang="en-US" sz="2000" dirty="0" smtClean="0">
-                <a:solidFill>
-                  <a:srgbClr val="0070C0"/>
-                </a:solidFill>
-              </a:rPr>
-              <a:t>The Stack</a:t>
-            </a:r>
-          </a:p>
-          <a:p>
-            <a:pPr marL="800100" lvl="1" indent="-342900" algn="l">
-              <a:buFont typeface="Arial" panose="020B0604020202020204" pitchFamily="34" charset="0"/>
-              <a:buChar char="•"/>
-            </a:pPr>
-            <a:r>
-              <a:rPr lang="en-US" sz="2000" dirty="0" smtClean="0">
-                <a:solidFill>
-                  <a:srgbClr val="0070C0"/>
-                </a:solidFill>
-              </a:rPr>
-              <a:t>Subroutines (like functions)</a:t>
-            </a:r>
-          </a:p>
-          <a:p>
-            <a:pPr marL="800100" lvl="1" indent="-342900" algn="l">
-              <a:buFont typeface="Arial" panose="020B0604020202020204" pitchFamily="34" charset="0"/>
-              <a:buChar char="•"/>
-            </a:pPr>
-            <a:r>
-              <a:rPr lang="en-US" dirty="0" smtClean="0">
-                <a:solidFill>
-                  <a:srgbClr val="0070C0"/>
-                </a:solidFill>
-              </a:rPr>
-              <a:t>Application (ABI)</a:t>
-            </a:r>
-          </a:p>
-          <a:p>
-            <a:r>
-              <a:rPr lang="en-US" sz="2800" dirty="0"/>
-              <a:t>Why</a:t>
-            </a:r>
-            <a:r>
-              <a:rPr lang="en-US" sz="2800" dirty="0" smtClean="0"/>
-              <a:t>?</a:t>
-            </a:r>
-          </a:p>
-          <a:p>
-            <a:pPr lvl="1"/>
-            <a:r>
-              <a:rPr lang="en-US" dirty="0" smtClean="0"/>
-              <a:t>Modular code: we want to break things up into small, testable pieces of code that we can reuse … subroutines help us do this</a:t>
-            </a:r>
-          </a:p>
-          <a:p>
-            <a:pPr lvl="1"/>
-            <a:r>
-              <a:rPr lang="en-US" dirty="0" smtClean="0"/>
-              <a:t>ABI helps ensure binary compatibility of modular code</a:t>
-            </a:r>
-          </a:p>
-          <a:p>
-            <a:pPr lvl="1"/>
-            <a:r>
-              <a:rPr lang="en-US" dirty="0" smtClean="0"/>
-              <a:t>Subroutines use the stack to do their job</a:t>
-            </a:r>
-          </a:p>
-          <a:p>
-            <a:pPr lvl="2"/>
-            <a:r>
-              <a:rPr lang="en-US" dirty="0"/>
-              <a:t>B</a:t>
-            </a:r>
-            <a:r>
-              <a:rPr lang="en-US" dirty="0" smtClean="0"/>
-              <a:t>ut understanding how the stack works also allows you to do “stack manipulation” and maybe write a virus or patch broken code</a:t>
-            </a:r>
-          </a:p>
-          <a:p>
-            <a:pPr lvl="1"/>
-            <a:endParaRPr lang="en-US" dirty="0"/>
-          </a:p>
-          <a:p>
-            <a:pPr algn="l"/>
-            <a:endParaRPr lang="en-US" sz="2400" dirty="0" smtClean="0"/>
-          </a:p>
-        </p:txBody>
-      </p:sp>
-    </p:spTree>
-    <p:extLst>
-      <p:ext uri="{BB962C8B-B14F-4D97-AF65-F5344CB8AC3E}">
-        <p14:creationId xmlns:p14="http://schemas.microsoft.com/office/powerpoint/2010/main" val="4001633631"/>
-      </p:ext>
-    </p:extLst>
-  </p:cSld>
-  <p:clrMapOvr>
-    <a:masterClrMapping/>
-  </p:clrMapOvr>
-  <p:transition spd="med"/>
-  <p:timing>
-    <p:tnLst>
-      <p:par>
-        <p:cTn id="1" dur="indefinite" restart="never" nodeType="tmRoot"/>
-      </p:par>
-    </p:tnLst>
-  </p:timing>
-</p:sld>
-</file>
-
-<file path=ppt/slides/slide20.xml><?xml version="1.0" encoding="utf-8"?>
+<file path=ppt/slides/slide19.xml><?xml version="1.0" encoding="utf-8"?>
 <p:sld xmlns:a="http://schemas.openxmlformats.org/drawingml/2006/main" xmlns:r="http://schemas.openxmlformats.org/officeDocument/2006/relationships" xmlns:p="http://schemas.openxmlformats.org/presentationml/2006/main">
   <p:cSld>
     <p:spTree>
@@ -14121,7 +13166,188 @@
 </p:sld>
 </file>
 
-<file path=ppt/slides/slide21.xml><?xml version="1.0" encoding="utf-8"?>
+<file path=ppt/slides/slide2.xml><?xml version="1.0" encoding="utf-8"?>
+<p:sld xmlns:a="http://schemas.openxmlformats.org/drawingml/2006/main" xmlns:r="http://schemas.openxmlformats.org/officeDocument/2006/relationships" xmlns:p="http://schemas.openxmlformats.org/presentationml/2006/main">
+  <p:cSld>
+    <p:spTree>
+      <p:nvGrpSpPr>
+        <p:cNvPr id="1" name=""/>
+        <p:cNvGrpSpPr/>
+        <p:nvPr/>
+      </p:nvGrpSpPr>
+      <p:grpSpPr>
+        <a:xfrm>
+          <a:off x="0" y="0"/>
+          <a:ext cx="0" cy="0"/>
+          <a:chOff x="0" y="0"/>
+          <a:chExt cx="0" cy="0"/>
+        </a:xfrm>
+      </p:grpSpPr>
+      <p:sp>
+        <p:nvSpPr>
+          <p:cNvPr id="2" name="Title 1"/>
+          <p:cNvSpPr>
+            <a:spLocks noGrp="1"/>
+          </p:cNvSpPr>
+          <p:nvPr>
+            <p:ph type="title"/>
+          </p:nvPr>
+        </p:nvSpPr>
+        <p:spPr/>
+        <p:txBody>
+          <a:bodyPr/>
+          <a:lstStyle/>
+          <a:p>
+            <a:r>
+              <a:rPr lang="en-US" dirty="0" smtClean="0"/>
+              <a:t>Overview</a:t>
+            </a:r>
+            <a:endParaRPr lang="en-US" dirty="0"/>
+          </a:p>
+        </p:txBody>
+      </p:sp>
+      <p:sp>
+        <p:nvSpPr>
+          <p:cNvPr id="3" name="Subtitle 2"/>
+          <p:cNvSpPr>
+            <a:spLocks noGrp="1"/>
+          </p:cNvSpPr>
+          <p:nvPr>
+            <p:ph idx="1"/>
+          </p:nvPr>
+        </p:nvSpPr>
+        <p:spPr/>
+        <p:txBody>
+          <a:bodyPr/>
+          <a:lstStyle/>
+          <a:p>
+            <a:pPr algn="l"/>
+            <a:r>
+              <a:rPr lang="en-US" sz="2800" b="1" dirty="0" smtClean="0"/>
+              <a:t>Lesson Outline</a:t>
+            </a:r>
+            <a:endParaRPr lang="en-US" sz="2800" b="1" dirty="0" smtClean="0">
+              <a:solidFill>
+                <a:srgbClr val="0070C0"/>
+              </a:solidFill>
+            </a:endParaRPr>
+          </a:p>
+          <a:p>
+            <a:pPr marL="800100" lvl="1" indent="-342900" algn="l">
+              <a:buFont typeface="Arial" panose="020B0604020202020204" pitchFamily="34" charset="0"/>
+              <a:buChar char="•"/>
+            </a:pPr>
+            <a:r>
+              <a:rPr lang="en-US" sz="2000" dirty="0" smtClean="0">
+                <a:solidFill>
+                  <a:srgbClr val="0070C0"/>
+                </a:solidFill>
+              </a:rPr>
+              <a:t>The Stack</a:t>
+            </a:r>
+          </a:p>
+          <a:p>
+            <a:pPr marL="800100" lvl="1" indent="-342900" algn="l">
+              <a:buFont typeface="Arial" panose="020B0604020202020204" pitchFamily="34" charset="0"/>
+              <a:buChar char="•"/>
+            </a:pPr>
+            <a:r>
+              <a:rPr lang="en-US" sz="2000" dirty="0" smtClean="0">
+                <a:solidFill>
+                  <a:srgbClr val="0070C0"/>
+                </a:solidFill>
+              </a:rPr>
+              <a:t>Subroutines (like functions)</a:t>
+            </a:r>
+          </a:p>
+          <a:p>
+            <a:pPr marL="800100" lvl="1" indent="-342900" algn="l">
+              <a:buFont typeface="Arial" panose="020B0604020202020204" pitchFamily="34" charset="0"/>
+              <a:buChar char="•"/>
+            </a:pPr>
+            <a:r>
+              <a:rPr lang="en-US" dirty="0" smtClean="0">
+                <a:solidFill>
+                  <a:srgbClr val="0070C0"/>
+                </a:solidFill>
+              </a:rPr>
+              <a:t>Application (ABI)</a:t>
+            </a:r>
+          </a:p>
+          <a:p>
+            <a:r>
+              <a:rPr lang="en-US" sz="2800" dirty="0"/>
+              <a:t>Why</a:t>
+            </a:r>
+            <a:r>
+              <a:rPr lang="en-US" sz="2800" dirty="0" smtClean="0"/>
+              <a:t>?</a:t>
+            </a:r>
+          </a:p>
+          <a:p>
+            <a:pPr lvl="1"/>
+            <a:r>
+              <a:rPr lang="en-US" dirty="0" smtClean="0"/>
+              <a:t>Modular code: we want to break things up into small, testable pieces of code that we can reuse … subroutines help us do this</a:t>
+            </a:r>
+          </a:p>
+          <a:p>
+            <a:pPr lvl="1"/>
+            <a:r>
+              <a:rPr lang="en-US" dirty="0" smtClean="0"/>
+              <a:t>ABI helps ensure binary compatibility of modular code</a:t>
+            </a:r>
+          </a:p>
+          <a:p>
+            <a:pPr lvl="1"/>
+            <a:r>
+              <a:rPr lang="en-US" dirty="0" smtClean="0"/>
+              <a:t>Subroutines use the stack to do their job</a:t>
+            </a:r>
+          </a:p>
+          <a:p>
+            <a:pPr lvl="2"/>
+            <a:r>
+              <a:rPr lang="en-US" dirty="0"/>
+              <a:t>B</a:t>
+            </a:r>
+            <a:r>
+              <a:rPr lang="en-US" dirty="0" smtClean="0"/>
+              <a:t>ut understanding how the stack works also allows you to do “stack manipulation” and maybe write a virus or patch broken code</a:t>
+            </a:r>
+          </a:p>
+          <a:p>
+            <a:pPr lvl="1"/>
+            <a:endParaRPr lang="en-US" dirty="0"/>
+          </a:p>
+          <a:p>
+            <a:pPr algn="l"/>
+            <a:endParaRPr lang="en-US" sz="2400" dirty="0" smtClean="0"/>
+          </a:p>
+        </p:txBody>
+      </p:sp>
+    </p:spTree>
+    <p:extLst>
+      <p:ext uri="{BB962C8B-B14F-4D97-AF65-F5344CB8AC3E}">
+        <p14:creationId xmlns:p14="http://schemas.microsoft.com/office/powerpoint/2010/main" val="4001633631"/>
+      </p:ext>
+    </p:extLst>
+  </p:cSld>
+  <p:clrMapOvr>
+    <a:masterClrMapping/>
+  </p:clrMapOvr>
+  <p:transition spd="med"/>
+  <p:timing>
+    <p:tnLst>
+      <p:par>
+        <p:cTn id="1" dur="indefinite" restart="never" nodeType="tmRoot"/>
+      </p:par>
+    </p:tnLst>
+  </p:timing>
+</p:sld>
+</file>
+
+<file path=ppt/slides/slide20.xml><?xml version="1.0" encoding="utf-8"?>
 <p:sld xmlns:a="http://schemas.openxmlformats.org/drawingml/2006/main" xmlns:r="http://schemas.openxmlformats.org/officeDocument/2006/relationships" xmlns:p="http://schemas.openxmlformats.org/presentationml/2006/main">
   <p:cSld>
     <p:spTree>
@@ -14825,7 +14051,7 @@
 </p:sld>
 </file>
 
-<file path=ppt/slides/slide22.xml><?xml version="1.0" encoding="utf-8"?>
+<file path=ppt/slides/slide21.xml><?xml version="1.0" encoding="utf-8"?>
 <p:sld xmlns:a="http://schemas.openxmlformats.org/drawingml/2006/main" xmlns:r="http://schemas.openxmlformats.org/officeDocument/2006/relationships" xmlns:p="http://schemas.openxmlformats.org/presentationml/2006/main">
   <p:cSld>
     <p:spTree>
@@ -15830,7 +15056,7 @@
 </p:sld>
 </file>
 
-<file path=ppt/slides/slide23.xml><?xml version="1.0" encoding="utf-8"?>
+<file path=ppt/slides/slide22.xml><?xml version="1.0" encoding="utf-8"?>
 <p:sld xmlns:a="http://schemas.openxmlformats.org/drawingml/2006/main" xmlns:r="http://schemas.openxmlformats.org/officeDocument/2006/relationships" xmlns:p="http://schemas.openxmlformats.org/presentationml/2006/main">
   <p:cSld>
     <p:spTree>
@@ -16530,6 +15756,332 @@
 </p:sld>
 </file>
 
+<file path=ppt/slides/slide23.xml><?xml version="1.0" encoding="utf-8"?>
+<p:sld xmlns:a="http://schemas.openxmlformats.org/drawingml/2006/main" xmlns:r="http://schemas.openxmlformats.org/officeDocument/2006/relationships" xmlns:p="http://schemas.openxmlformats.org/presentationml/2006/main">
+  <p:cSld>
+    <p:spTree>
+      <p:nvGrpSpPr>
+        <p:cNvPr id="1" name=""/>
+        <p:cNvGrpSpPr/>
+        <p:nvPr/>
+      </p:nvGrpSpPr>
+      <p:grpSpPr>
+        <a:xfrm>
+          <a:off x="0" y="0"/>
+          <a:ext cx="0" cy="0"/>
+          <a:chOff x="0" y="0"/>
+          <a:chExt cx="0" cy="0"/>
+        </a:xfrm>
+      </p:grpSpPr>
+      <p:sp>
+        <p:nvSpPr>
+          <p:cNvPr id="2" name="Title 1"/>
+          <p:cNvSpPr>
+            <a:spLocks noGrp="1"/>
+          </p:cNvSpPr>
+          <p:nvPr>
+            <p:ph type="title"/>
+          </p:nvPr>
+        </p:nvSpPr>
+        <p:spPr/>
+        <p:txBody>
+          <a:bodyPr/>
+          <a:lstStyle/>
+          <a:p>
+            <a:r>
+              <a:rPr lang="en-US" dirty="0" smtClean="0"/>
+              <a:t>Stack Summary</a:t>
+            </a:r>
+            <a:endParaRPr lang="en-US" dirty="0"/>
+          </a:p>
+        </p:txBody>
+      </p:sp>
+      <p:sp>
+        <p:nvSpPr>
+          <p:cNvPr id="3" name="Content Placeholder 2"/>
+          <p:cNvSpPr>
+            <a:spLocks noGrp="1"/>
+          </p:cNvSpPr>
+          <p:nvPr>
+            <p:ph idx="1"/>
+          </p:nvPr>
+        </p:nvSpPr>
+        <p:spPr>
+          <a:xfrm>
+            <a:off x="365760" y="1463040"/>
+            <a:ext cx="8412480" cy="2363893"/>
+          </a:xfrm>
+        </p:spPr>
+        <p:txBody>
+          <a:bodyPr>
+            <a:normAutofit fontScale="92500" lnSpcReduction="20000"/>
+          </a:bodyPr>
+          <a:lstStyle/>
+          <a:p>
+            <a:r>
+              <a:rPr lang="en-US" dirty="0" smtClean="0"/>
+              <a:t>Students have trouble with the stack at first</a:t>
+            </a:r>
+          </a:p>
+          <a:p>
+            <a:r>
+              <a:rPr lang="en-US" dirty="0" smtClean="0"/>
+              <a:t>It is a FILO</a:t>
+            </a:r>
+          </a:p>
+          <a:p>
+            <a:r>
+              <a:rPr lang="en-US" dirty="0" smtClean="0"/>
+              <a:t>ALWAYS make sure your program has the same number of pushes and pops</a:t>
+            </a:r>
+          </a:p>
+          <a:p>
+            <a:pPr lvl="1"/>
+            <a:r>
+              <a:rPr lang="en-US" dirty="0" smtClean="0"/>
+              <a:t>If you don’t bad things could happen!</a:t>
+            </a:r>
+          </a:p>
+          <a:p>
+            <a:r>
+              <a:rPr lang="en-US" dirty="0" smtClean="0"/>
+              <a:t>The stack always decrements by </a:t>
+            </a:r>
+            <a:r>
+              <a:rPr lang="en-US" dirty="0" smtClean="0">
+                <a:solidFill>
+                  <a:srgbClr val="FF0000"/>
+                </a:solidFill>
+              </a:rPr>
+              <a:t>2 BEFORE </a:t>
+            </a:r>
+            <a:r>
+              <a:rPr lang="en-US" dirty="0" smtClean="0"/>
+              <a:t>it </a:t>
+            </a:r>
+            <a:r>
+              <a:rPr lang="en-US" dirty="0" smtClean="0"/>
+              <a:t>writes</a:t>
+            </a:r>
+          </a:p>
+          <a:p>
+            <a:r>
+              <a:rPr lang="en-US" dirty="0" smtClean="0"/>
+              <a:t>Remember the difference between word and byte ops</a:t>
+            </a:r>
+            <a:endParaRPr lang="en-US" dirty="0"/>
+          </a:p>
+        </p:txBody>
+      </p:sp>
+      <p:pic>
+        <p:nvPicPr>
+          <p:cNvPr id="4" name="Picture 3"/>
+          <p:cNvPicPr>
+            <a:picLocks noChangeAspect="1"/>
+          </p:cNvPicPr>
+          <p:nvPr/>
+        </p:nvPicPr>
+        <p:blipFill>
+          <a:blip r:embed="rId2"/>
+          <a:stretch>
+            <a:fillRect/>
+          </a:stretch>
+        </p:blipFill>
+        <p:spPr>
+          <a:xfrm>
+            <a:off x="2647674" y="4002472"/>
+            <a:ext cx="3433162" cy="2398328"/>
+          </a:xfrm>
+          <a:prstGeom prst="rect">
+            <a:avLst/>
+          </a:prstGeom>
+        </p:spPr>
+      </p:pic>
+      <p:sp>
+        <p:nvSpPr>
+          <p:cNvPr id="5" name="Rectangle 4"/>
+          <p:cNvSpPr/>
+          <p:nvPr/>
+        </p:nvSpPr>
+        <p:spPr bwMode="auto">
+          <a:xfrm>
+            <a:off x="482600" y="4859867"/>
+            <a:ext cx="8001000" cy="889000"/>
+          </a:xfrm>
+          <a:prstGeom prst="rect">
+            <a:avLst/>
+          </a:prstGeom>
+          <a:solidFill>
+            <a:srgbClr val="0C2D83"/>
+          </a:solidFill>
+          <a:ln w="12700" cap="flat" cmpd="sng" algn="ctr">
+            <a:solidFill>
+              <a:schemeClr val="accent6">
+                <a:lumMod val="40000"/>
+                <a:lumOff val="60000"/>
+              </a:schemeClr>
+            </a:solidFill>
+            <a:prstDash val="solid"/>
+            <a:round/>
+            <a:headEnd type="none" w="med" len="med"/>
+            <a:tailEnd type="none" w="med" len="med"/>
+          </a:ln>
+          <a:effectLst/>
+        </p:spPr>
+        <p:txBody>
+          <a:bodyPr vert="horz" wrap="square" lIns="91440" tIns="45720" rIns="91440" bIns="45720" numCol="1" rtlCol="0" anchor="ctr" anchorCtr="0" compatLnSpc="1">
+            <a:prstTxWarp prst="textNoShape">
+              <a:avLst/>
+            </a:prstTxWarp>
+          </a:bodyPr>
+          <a:lstStyle/>
+          <a:p>
+            <a:pPr marL="0" marR="0" indent="0" algn="ctr" defTabSz="914400" rtl="0" eaLnBrk="0" fontAlgn="base" latinLnBrk="0" hangingPunct="0">
+              <a:lnSpc>
+                <a:spcPct val="100000"/>
+              </a:lnSpc>
+              <a:spcBef>
+                <a:spcPct val="0"/>
+              </a:spcBef>
+              <a:spcAft>
+                <a:spcPct val="0"/>
+              </a:spcAft>
+              <a:buClrTx/>
+              <a:buSzTx/>
+              <a:buFontTx/>
+              <a:buNone/>
+              <a:tabLst/>
+            </a:pPr>
+            <a:r>
+              <a:rPr kumimoji="0" lang="en-US" sz="1600" b="0" i="0" u="none" strike="noStrike" cap="none" normalizeH="0" baseline="0" dirty="0" smtClean="0">
+                <a:ln>
+                  <a:noFill/>
+                </a:ln>
+                <a:solidFill>
+                  <a:schemeClr val="bg1"/>
+                </a:solidFill>
+                <a:effectLst/>
+                <a:latin typeface="Arial" charset="0"/>
+              </a:rPr>
+              <a:t>I strongly</a:t>
+            </a:r>
+            <a:r>
+              <a:rPr kumimoji="0" lang="en-US" sz="1600" b="0" i="0" u="none" strike="noStrike" cap="none" normalizeH="0" dirty="0" smtClean="0">
+                <a:ln>
+                  <a:noFill/>
+                </a:ln>
+                <a:solidFill>
+                  <a:schemeClr val="bg1"/>
+                </a:solidFill>
+                <a:effectLst/>
+                <a:latin typeface="Arial" charset="0"/>
+              </a:rPr>
+              <a:t> suggest you play with CCS and do push(.b)/pop(.b) like we did in class. A lot of student fail to understand this straight forward topic until they play with the code</a:t>
+            </a:r>
+            <a:endParaRPr kumimoji="0" lang="en-US" sz="1600" b="0" i="0" u="none" strike="noStrike" cap="none" normalizeH="0" baseline="0" dirty="0" smtClean="0">
+              <a:ln>
+                <a:noFill/>
+              </a:ln>
+              <a:solidFill>
+                <a:schemeClr val="bg1"/>
+              </a:solidFill>
+              <a:effectLst/>
+              <a:latin typeface="Arial" charset="0"/>
+            </a:endParaRPr>
+          </a:p>
+        </p:txBody>
+      </p:sp>
+    </p:spTree>
+    <p:extLst>
+      <p:ext uri="{BB962C8B-B14F-4D97-AF65-F5344CB8AC3E}">
+        <p14:creationId xmlns:p14="http://schemas.microsoft.com/office/powerpoint/2010/main" val="1726017659"/>
+      </p:ext>
+    </p:extLst>
+  </p:cSld>
+  <p:clrMapOvr>
+    <a:masterClrMapping/>
+  </p:clrMapOvr>
+  <p:timing>
+    <p:tnLst>
+      <p:par>
+        <p:cTn id="1" dur="indefinite" restart="never" nodeType="tmRoot">
+          <p:childTnLst>
+            <p:seq concurrent="1" nextAc="seek">
+              <p:cTn id="2" dur="indefinite" nodeType="mainSeq">
+                <p:childTnLst>
+                  <p:par>
+                    <p:cTn id="3" fill="hold">
+                      <p:stCondLst>
+                        <p:cond delay="indefinite"/>
+                      </p:stCondLst>
+                      <p:childTnLst>
+                        <p:par>
+                          <p:cTn id="4" fill="hold">
+                            <p:stCondLst>
+                              <p:cond delay="0"/>
+                            </p:stCondLst>
+                            <p:childTnLst>
+                              <p:par>
+                                <p:cTn id="5" presetID="1" presetClass="entr" presetSubtype="0" fill="hold" grpId="0" nodeType="clickEffect">
+                                  <p:stCondLst>
+                                    <p:cond delay="0"/>
+                                  </p:stCondLst>
+                                  <p:childTnLst>
+                                    <p:set>
+                                      <p:cBhvr>
+                                        <p:cTn id="6" dur="1" fill="hold">
+                                          <p:stCondLst>
+                                            <p:cond delay="0"/>
+                                          </p:stCondLst>
+                                        </p:cTn>
+                                        <p:tgtEl>
+                                          <p:spTgt spid="5"/>
+                                        </p:tgtEl>
+                                        <p:attrNameLst>
+                                          <p:attrName>style.visibility</p:attrName>
+                                        </p:attrNameLst>
+                                      </p:cBhvr>
+                                      <p:to>
+                                        <p:strVal val="visible"/>
+                                      </p:to>
+                                    </p:set>
+                                  </p:childTnLst>
+                                </p:cTn>
+                              </p:par>
+                            </p:childTnLst>
+                          </p:cTn>
+                        </p:par>
+                      </p:childTnLst>
+                    </p:cTn>
+                  </p:par>
+                </p:childTnLst>
+              </p:cTn>
+              <p:prevCondLst>
+                <p:cond evt="onPrev" delay="0">
+                  <p:tgtEl>
+                    <p:sldTgt/>
+                  </p:tgtEl>
+                </p:cond>
+              </p:prevCondLst>
+              <p:nextCondLst>
+                <p:cond evt="onNext" delay="0">
+                  <p:tgtEl>
+                    <p:sldTgt/>
+                  </p:tgtEl>
+                </p:cond>
+              </p:nextCondLst>
+            </p:seq>
+          </p:childTnLst>
+        </p:cTn>
+      </p:par>
+    </p:tnLst>
+    <p:bldLst>
+      <p:bldP spid="5" grpId="0" animBg="1"/>
+    </p:bldLst>
+  </p:timing>
+</p:sld>
+</file>
+
 <file path=ppt/slides/slide24.xml><?xml version="1.0" encoding="utf-8"?>
 <p:sld xmlns:a="http://schemas.openxmlformats.org/drawingml/2006/main" xmlns:r="http://schemas.openxmlformats.org/officeDocument/2006/relationships" xmlns:p="http://schemas.openxmlformats.org/presentationml/2006/main">
   <p:cSld>
@@ -16564,7 +16116,7 @@
           <a:p>
             <a:r>
               <a:rPr lang="en-US" dirty="0" smtClean="0"/>
-              <a:t>Stack Summary</a:t>
+              <a:t>Subroutines</a:t>
             </a:r>
             <a:endParaRPr lang="en-US" dirty="0"/>
           </a:p>
@@ -16587,32 +16139,44 @@
           <a:p>
             <a:r>
               <a:rPr lang="en-US" dirty="0" smtClean="0"/>
-              <a:t>Students have trouble with the stack at first</a:t>
+              <a:t>Subroutines are a way to break up large code into smaller, reusable chunks of code</a:t>
             </a:r>
           </a:p>
           <a:p>
             <a:r>
               <a:rPr lang="en-US" dirty="0" smtClean="0"/>
-              <a:t>It is a FILO</a:t>
+              <a:t>They also make it easier to debug</a:t>
             </a:r>
           </a:p>
           <a:p>
             <a:r>
               <a:rPr lang="en-US" dirty="0" smtClean="0"/>
-              <a:t>ALWAYS make sure your program has the same number of pushes and pops</a:t>
+              <a:t>Once debugged, if you don’t modify them, you should never introduce new bugs from them</a:t>
+            </a:r>
+          </a:p>
+          <a:p>
+            <a:r>
+              <a:rPr lang="en-US" dirty="0" smtClean="0"/>
+              <a:t>In higher level languages (C, C++, python, </a:t>
+            </a:r>
+            <a:r>
+              <a:rPr lang="en-US" dirty="0" err="1" smtClean="0"/>
+              <a:t>etc</a:t>
+            </a:r>
+            <a:r>
+              <a:rPr lang="en-US" dirty="0" smtClean="0"/>
+              <a:t>) we would call these functions</a:t>
             </a:r>
           </a:p>
           <a:p>
             <a:pPr lvl="1"/>
             <a:r>
               <a:rPr lang="en-US" dirty="0" smtClean="0"/>
-              <a:t>If you don’t bad things could happen!</a:t>
-            </a:r>
-          </a:p>
-          <a:p>
-            <a:r>
-              <a:rPr lang="en-US" dirty="0" smtClean="0"/>
-              <a:t>The stack always decrements by 2 BEFORE it writes</a:t>
+              <a:t>We’ll talk about this later when we cover C after </a:t>
+            </a:r>
+            <a:r>
+              <a:rPr lang="en-US" dirty="0" err="1" smtClean="0"/>
+              <a:t>prog</a:t>
             </a:r>
             <a:endParaRPr lang="en-US" dirty="0"/>
           </a:p>
@@ -16621,13 +16185,20 @@
     </p:spTree>
     <p:extLst>
       <p:ext uri="{BB962C8B-B14F-4D97-AF65-F5344CB8AC3E}">
-        <p14:creationId xmlns:p14="http://schemas.microsoft.com/office/powerpoint/2010/main" val="1726017659"/>
+        <p14:creationId xmlns:p14="http://schemas.microsoft.com/office/powerpoint/2010/main" val="1199781546"/>
       </p:ext>
     </p:extLst>
   </p:cSld>
   <p:clrMapOvr>
     <a:masterClrMapping/>
   </p:clrMapOvr>
+  <p:timing>
+    <p:tnLst>
+      <p:par>
+        <p:cTn id="1" dur="indefinite" restart="never" nodeType="tmRoot"/>
+      </p:par>
+    </p:tnLst>
+  </p:timing>
 </p:sld>
 </file>
 
@@ -16664,119 +16235,6 @@
           <a:lstStyle/>
           <a:p>
             <a:r>
-              <a:rPr lang="en-US" dirty="0" smtClean="0"/>
-              <a:t>Subroutines</a:t>
-            </a:r>
-            <a:endParaRPr lang="en-US" dirty="0"/>
-          </a:p>
-        </p:txBody>
-      </p:sp>
-      <p:sp>
-        <p:nvSpPr>
-          <p:cNvPr id="3" name="Content Placeholder 2"/>
-          <p:cNvSpPr>
-            <a:spLocks noGrp="1"/>
-          </p:cNvSpPr>
-          <p:nvPr>
-            <p:ph idx="1"/>
-          </p:nvPr>
-        </p:nvSpPr>
-        <p:spPr/>
-        <p:txBody>
-          <a:bodyPr/>
-          <a:lstStyle/>
-          <a:p>
-            <a:r>
-              <a:rPr lang="en-US" dirty="0" smtClean="0"/>
-              <a:t>Subroutines are a way to break up large code into smaller, reusable chunks of code</a:t>
-            </a:r>
-          </a:p>
-          <a:p>
-            <a:r>
-              <a:rPr lang="en-US" dirty="0" smtClean="0"/>
-              <a:t>They also make it easier to debug</a:t>
-            </a:r>
-          </a:p>
-          <a:p>
-            <a:r>
-              <a:rPr lang="en-US" dirty="0" smtClean="0"/>
-              <a:t>Once debugged, if you don’t modify them, you should never introduce new bugs from them</a:t>
-            </a:r>
-          </a:p>
-          <a:p>
-            <a:r>
-              <a:rPr lang="en-US" dirty="0" smtClean="0"/>
-              <a:t>In higher level languages (C, C++, python, </a:t>
-            </a:r>
-            <a:r>
-              <a:rPr lang="en-US" dirty="0" err="1" smtClean="0"/>
-              <a:t>etc</a:t>
-            </a:r>
-            <a:r>
-              <a:rPr lang="en-US" dirty="0" smtClean="0"/>
-              <a:t>) we would call these functions</a:t>
-            </a:r>
-          </a:p>
-          <a:p>
-            <a:pPr lvl="1"/>
-            <a:r>
-              <a:rPr lang="en-US" dirty="0" smtClean="0"/>
-              <a:t>We’ll talk about this later when we cover C after </a:t>
-            </a:r>
-            <a:r>
-              <a:rPr lang="en-US" dirty="0" err="1" smtClean="0"/>
-              <a:t>prog</a:t>
-            </a:r>
-            <a:endParaRPr lang="en-US" dirty="0"/>
-          </a:p>
-        </p:txBody>
-      </p:sp>
-    </p:spTree>
-    <p:extLst>
-      <p:ext uri="{BB962C8B-B14F-4D97-AF65-F5344CB8AC3E}">
-        <p14:creationId xmlns:p14="http://schemas.microsoft.com/office/powerpoint/2010/main" val="1199781546"/>
-      </p:ext>
-    </p:extLst>
-  </p:cSld>
-  <p:clrMapOvr>
-    <a:masterClrMapping/>
-  </p:clrMapOvr>
-</p:sld>
-</file>
-
-<file path=ppt/slides/slide26.xml><?xml version="1.0" encoding="utf-8"?>
-<p:sld xmlns:a="http://schemas.openxmlformats.org/drawingml/2006/main" xmlns:r="http://schemas.openxmlformats.org/officeDocument/2006/relationships" xmlns:p="http://schemas.openxmlformats.org/presentationml/2006/main">
-  <p:cSld>
-    <p:spTree>
-      <p:nvGrpSpPr>
-        <p:cNvPr id="1" name=""/>
-        <p:cNvGrpSpPr/>
-        <p:nvPr/>
-      </p:nvGrpSpPr>
-      <p:grpSpPr>
-        <a:xfrm>
-          <a:off x="0" y="0"/>
-          <a:ext cx="0" cy="0"/>
-          <a:chOff x="0" y="0"/>
-          <a:chExt cx="0" cy="0"/>
-        </a:xfrm>
-      </p:grpSpPr>
-      <p:sp>
-        <p:nvSpPr>
-          <p:cNvPr id="2" name="Title 1"/>
-          <p:cNvSpPr>
-            <a:spLocks noGrp="1"/>
-          </p:cNvSpPr>
-          <p:nvPr>
-            <p:ph type="title"/>
-          </p:nvPr>
-        </p:nvSpPr>
-        <p:spPr/>
-        <p:txBody>
-          <a:bodyPr/>
-          <a:lstStyle/>
-          <a:p>
-            <a:r>
               <a:rPr lang="en-US" b="1" dirty="0" smtClean="0"/>
               <a:t>Example Subroutine</a:t>
             </a:r>
@@ -16900,32 +16358,32 @@
                 <a:latin typeface="Courier New" pitchFamily="49" charset="0"/>
                 <a:cs typeface="Courier New" pitchFamily="49" charset="0"/>
               </a:rPr>
-              <a:t>    call    #addition</a:t>
-            </a:r>
-          </a:p>
-          <a:p>
-            <a:pPr marL="0" indent="0">
-              <a:buNone/>
-            </a:pPr>
-            <a:r>
-              <a:rPr lang="en-US" sz="1400" dirty="0">
+              <a:t>    call    #</a:t>
+            </a:r>
+            <a:r>
+              <a:rPr lang="en-US" sz="1400" dirty="0" smtClean="0">
                 <a:solidFill>
                   <a:schemeClr val="accent2"/>
                 </a:solidFill>
                 <a:latin typeface="Courier New" pitchFamily="49" charset="0"/>
                 <a:cs typeface="Courier New" pitchFamily="49" charset="0"/>
               </a:rPr>
-              <a:t>    </a:t>
-            </a:r>
-            <a:r>
-              <a:rPr lang="en-US" sz="1400" dirty="0" err="1">
+              <a:t>addition</a:t>
+            </a:r>
+          </a:p>
+          <a:p>
+            <a:pPr marL="0" indent="0">
+              <a:buNone/>
+            </a:pPr>
+            <a:r>
+              <a:rPr lang="en-US" sz="1400" dirty="0" smtClean="0">
                 <a:solidFill>
                   <a:schemeClr val="accent2"/>
                 </a:solidFill>
                 <a:latin typeface="Courier New" pitchFamily="49" charset="0"/>
                 <a:cs typeface="Courier New" pitchFamily="49" charset="0"/>
               </a:rPr>
-              <a:t>nop</a:t>
+              <a:t>    …</a:t>
             </a:r>
             <a:endParaRPr lang="en-US" sz="1400" dirty="0">
               <a:solidFill>
@@ -16940,26 +16398,268 @@
               <a:buNone/>
             </a:pPr>
             <a:r>
-              <a:rPr lang="en-US" sz="1400" dirty="0">
-                <a:solidFill>
-                  <a:schemeClr val="accent2"/>
+              <a:rPr lang="en-US" sz="1200" dirty="0" smtClean="0">
+                <a:solidFill>
+                  <a:srgbClr val="00B050"/>
                 </a:solidFill>
                 <a:latin typeface="Courier New" pitchFamily="49" charset="0"/>
                 <a:cs typeface="Courier New" pitchFamily="49" charset="0"/>
               </a:rPr>
-              <a:t>    </a:t>
-            </a:r>
-            <a:r>
-              <a:rPr lang="en-US" sz="1400" dirty="0" err="1">
-                <a:solidFill>
-                  <a:schemeClr val="accent2"/>
+              <a:t>;---------------------------------------------------</a:t>
+            </a:r>
+          </a:p>
+          <a:p>
+            <a:pPr marL="0" indent="0">
+              <a:buNone/>
+            </a:pPr>
+            <a:r>
+              <a:rPr lang="en-US" sz="1200" dirty="0" smtClean="0">
+                <a:solidFill>
+                  <a:srgbClr val="00B050"/>
                 </a:solidFill>
                 <a:latin typeface="Courier New" pitchFamily="49" charset="0"/>
                 <a:cs typeface="Courier New" pitchFamily="49" charset="0"/>
               </a:rPr>
-              <a:t>nop</a:t>
-            </a:r>
-            <a:endParaRPr lang="en-US" sz="1400" dirty="0">
+              <a:t>; </a:t>
+            </a:r>
+            <a:r>
+              <a:rPr lang="en-US" sz="1200" dirty="0">
+                <a:solidFill>
+                  <a:srgbClr val="00B050"/>
+                </a:solidFill>
+                <a:latin typeface="Courier New" pitchFamily="49" charset="0"/>
+                <a:cs typeface="Courier New" pitchFamily="49" charset="0"/>
+              </a:rPr>
+              <a:t>Function: Adds two </a:t>
+            </a:r>
+            <a:r>
+              <a:rPr lang="en-US" sz="1200" dirty="0" smtClean="0">
+                <a:solidFill>
+                  <a:srgbClr val="00B050"/>
+                </a:solidFill>
+                <a:latin typeface="Courier New" pitchFamily="49" charset="0"/>
+                <a:cs typeface="Courier New" pitchFamily="49" charset="0"/>
+              </a:rPr>
+              <a:t>numbers</a:t>
+            </a:r>
+          </a:p>
+          <a:p>
+            <a:pPr marL="0" indent="0">
+              <a:buNone/>
+            </a:pPr>
+            <a:r>
+              <a:rPr lang="en-US" sz="1200" dirty="0" smtClean="0">
+                <a:solidFill>
+                  <a:srgbClr val="00B050"/>
+                </a:solidFill>
+                <a:latin typeface="Courier New" pitchFamily="49" charset="0"/>
+                <a:cs typeface="Courier New" pitchFamily="49" charset="0"/>
+              </a:rPr>
+              <a:t>; </a:t>
+            </a:r>
+            <a:r>
+              <a:rPr lang="en-US" sz="1200" dirty="0">
+                <a:solidFill>
+                  <a:srgbClr val="00B050"/>
+                </a:solidFill>
+                <a:latin typeface="Courier New" pitchFamily="49" charset="0"/>
+                <a:cs typeface="Courier New" pitchFamily="49" charset="0"/>
+              </a:rPr>
+              <a:t>Inputs: Op1 (r10), Op2 (r11</a:t>
+            </a:r>
+            <a:r>
+              <a:rPr lang="en-US" sz="1200" dirty="0" smtClean="0">
+                <a:solidFill>
+                  <a:srgbClr val="00B050"/>
+                </a:solidFill>
+                <a:latin typeface="Courier New" pitchFamily="49" charset="0"/>
+                <a:cs typeface="Courier New" pitchFamily="49" charset="0"/>
+              </a:rPr>
+              <a:t>)</a:t>
+            </a:r>
+          </a:p>
+          <a:p>
+            <a:pPr marL="0" indent="0">
+              <a:buNone/>
+            </a:pPr>
+            <a:r>
+              <a:rPr lang="en-US" sz="1200" dirty="0" smtClean="0">
+                <a:solidFill>
+                  <a:srgbClr val="00B050"/>
+                </a:solidFill>
+                <a:latin typeface="Courier New" pitchFamily="49" charset="0"/>
+                <a:cs typeface="Courier New" pitchFamily="49" charset="0"/>
+              </a:rPr>
+              <a:t>; </a:t>
+            </a:r>
+            <a:r>
+              <a:rPr lang="en-US" sz="1200" dirty="0">
+                <a:solidFill>
+                  <a:srgbClr val="00B050"/>
+                </a:solidFill>
+                <a:latin typeface="Courier New" pitchFamily="49" charset="0"/>
+                <a:cs typeface="Courier New" pitchFamily="49" charset="0"/>
+              </a:rPr>
+              <a:t>Outputs: result (r11</a:t>
+            </a:r>
+            <a:r>
+              <a:rPr lang="en-US" sz="1200" dirty="0" smtClean="0">
+                <a:solidFill>
+                  <a:srgbClr val="00B050"/>
+                </a:solidFill>
+                <a:latin typeface="Courier New" pitchFamily="49" charset="0"/>
+                <a:cs typeface="Courier New" pitchFamily="49" charset="0"/>
+              </a:rPr>
+              <a:t>)</a:t>
+            </a:r>
+          </a:p>
+          <a:p>
+            <a:pPr marL="0" indent="0">
+              <a:buNone/>
+            </a:pPr>
+            <a:r>
+              <a:rPr lang="en-US" sz="1200" dirty="0" smtClean="0">
+                <a:solidFill>
+                  <a:srgbClr val="00B050"/>
+                </a:solidFill>
+                <a:latin typeface="Courier New" pitchFamily="49" charset="0"/>
+                <a:cs typeface="Courier New" pitchFamily="49" charset="0"/>
+              </a:rPr>
+              <a:t>; </a:t>
+            </a:r>
+            <a:r>
+              <a:rPr lang="en-US" sz="1200" dirty="0">
+                <a:solidFill>
+                  <a:srgbClr val="00B050"/>
+                </a:solidFill>
+                <a:latin typeface="Courier New" pitchFamily="49" charset="0"/>
+                <a:cs typeface="Courier New" pitchFamily="49" charset="0"/>
+              </a:rPr>
+              <a:t>Registers destroyed: </a:t>
+            </a:r>
+            <a:r>
+              <a:rPr lang="en-US" sz="1200" dirty="0" smtClean="0">
+                <a:solidFill>
+                  <a:srgbClr val="00B050"/>
+                </a:solidFill>
+                <a:latin typeface="Courier New" pitchFamily="49" charset="0"/>
+                <a:cs typeface="Courier New" pitchFamily="49" charset="0"/>
+              </a:rPr>
+              <a:t>r11</a:t>
+            </a:r>
+          </a:p>
+          <a:p>
+            <a:pPr marL="0" indent="0">
+              <a:buNone/>
+            </a:pPr>
+            <a:r>
+              <a:rPr lang="en-US" sz="1200" dirty="0" smtClean="0">
+                <a:solidFill>
+                  <a:srgbClr val="00B050"/>
+                </a:solidFill>
+                <a:latin typeface="Courier New" pitchFamily="49" charset="0"/>
+                <a:cs typeface="Courier New" pitchFamily="49" charset="0"/>
+              </a:rPr>
+              <a:t>;---------------------------------------------------</a:t>
+            </a:r>
+            <a:endParaRPr lang="en-US" sz="1200" dirty="0">
+              <a:solidFill>
+                <a:srgbClr val="00B050"/>
+              </a:solidFill>
+              <a:latin typeface="Courier New" pitchFamily="49" charset="0"/>
+              <a:cs typeface="Courier New" pitchFamily="49" charset="0"/>
+            </a:endParaRPr>
+          </a:p>
+          <a:p>
+            <a:pPr marL="0" indent="0">
+              <a:buNone/>
+            </a:pPr>
+            <a:r>
+              <a:rPr lang="en-US" sz="1400" dirty="0" smtClean="0">
+                <a:solidFill>
+                  <a:schemeClr val="accent2"/>
+                </a:solidFill>
+                <a:latin typeface="Courier New" pitchFamily="49" charset="0"/>
+                <a:cs typeface="Courier New" pitchFamily="49" charset="0"/>
+              </a:rPr>
+              <a:t>addition</a:t>
+            </a:r>
+            <a:r>
+              <a:rPr lang="en-US" sz="1400" dirty="0">
+                <a:solidFill>
+                  <a:schemeClr val="accent2"/>
+                </a:solidFill>
+                <a:latin typeface="Courier New" pitchFamily="49" charset="0"/>
+                <a:cs typeface="Courier New" pitchFamily="49" charset="0"/>
+              </a:rPr>
+              <a:t>:</a:t>
+            </a:r>
+          </a:p>
+          <a:p>
+            <a:pPr marL="0" indent="0">
+              <a:buNone/>
+            </a:pPr>
+            <a:r>
+              <a:rPr lang="en-US" sz="1400" dirty="0">
+                <a:solidFill>
+                  <a:schemeClr val="accent2"/>
+                </a:solidFill>
+                <a:latin typeface="Courier New" pitchFamily="49" charset="0"/>
+                <a:cs typeface="Courier New" pitchFamily="49" charset="0"/>
+              </a:rPr>
+              <a:t>    </a:t>
+            </a:r>
+            <a:r>
+              <a:rPr lang="en-US" sz="1400" dirty="0" err="1">
+                <a:solidFill>
+                  <a:schemeClr val="accent2"/>
+                </a:solidFill>
+                <a:latin typeface="Courier New" pitchFamily="49" charset="0"/>
+                <a:cs typeface="Courier New" pitchFamily="49" charset="0"/>
+              </a:rPr>
+              <a:t>add.w</a:t>
+            </a:r>
+            <a:r>
+              <a:rPr lang="en-US" sz="1400" dirty="0">
+                <a:solidFill>
+                  <a:schemeClr val="accent2"/>
+                </a:solidFill>
+                <a:latin typeface="Courier New" pitchFamily="49" charset="0"/>
+                <a:cs typeface="Courier New" pitchFamily="49" charset="0"/>
+              </a:rPr>
+              <a:t>   r10, r11 </a:t>
+            </a:r>
+          </a:p>
+          <a:p>
+            <a:pPr marL="0" indent="0">
+              <a:buNone/>
+            </a:pPr>
+            <a:r>
+              <a:rPr lang="en-US" sz="1400" dirty="0">
+                <a:solidFill>
+                  <a:schemeClr val="accent2"/>
+                </a:solidFill>
+                <a:latin typeface="Courier New" pitchFamily="49" charset="0"/>
+                <a:cs typeface="Courier New" pitchFamily="49" charset="0"/>
+              </a:rPr>
+              <a:t>    </a:t>
+            </a:r>
+            <a:r>
+              <a:rPr lang="en-US" sz="1400" dirty="0" smtClean="0">
+                <a:solidFill>
+                  <a:schemeClr val="accent2"/>
+                </a:solidFill>
+                <a:latin typeface="Courier New" pitchFamily="49" charset="0"/>
+                <a:cs typeface="Courier New" pitchFamily="49" charset="0"/>
+              </a:rPr>
+              <a:t>ret</a:t>
+            </a:r>
+          </a:p>
+          <a:p>
+            <a:pPr marL="0" indent="0">
+              <a:buNone/>
+            </a:pPr>
+            <a:endParaRPr lang="en-US" sz="1000" dirty="0">
               <a:solidFill>
                 <a:schemeClr val="accent2"/>
               </a:solidFill>
@@ -16979,25 +16679,18 @@
                 <a:latin typeface="Courier New" pitchFamily="49" charset="0"/>
                 <a:cs typeface="Courier New" pitchFamily="49" charset="0"/>
               </a:rPr>
-              <a:t>    </a:t>
-            </a:r>
-            <a:r>
-              <a:rPr lang="en-US" sz="1400" dirty="0" err="1">
+              <a:t>s</a:t>
+            </a:r>
+            <a:r>
+              <a:rPr lang="en-US" sz="1400" dirty="0" smtClean="0">
                 <a:solidFill>
                   <a:schemeClr val="accent2"/>
                 </a:solidFill>
                 <a:latin typeface="Courier New" pitchFamily="49" charset="0"/>
                 <a:cs typeface="Courier New" pitchFamily="49" charset="0"/>
               </a:rPr>
-              <a:t>nop</a:t>
-            </a:r>
-            <a:endParaRPr lang="en-US" sz="1400" dirty="0">
-              <a:solidFill>
-                <a:schemeClr val="accent2"/>
-              </a:solidFill>
-              <a:latin typeface="Courier New" pitchFamily="49" charset="0"/>
-              <a:cs typeface="Courier New" pitchFamily="49" charset="0"/>
-            </a:endParaRPr>
+              <a:t>ubtraction:</a:t>
+            </a:r>
           </a:p>
           <a:p>
             <a:pPr marL="0" indent="0">
@@ -17011,190 +16704,34 @@
                 <a:latin typeface="Courier New" pitchFamily="49" charset="0"/>
                 <a:cs typeface="Courier New" pitchFamily="49" charset="0"/>
               </a:rPr>
-              <a:t>    </a:t>
-            </a:r>
-            <a:r>
-              <a:rPr lang="en-US" sz="1400" dirty="0" err="1">
+              <a:t> </a:t>
+            </a:r>
+            <a:r>
+              <a:rPr lang="en-US" sz="1400" dirty="0" smtClean="0">
                 <a:solidFill>
                   <a:schemeClr val="accent2"/>
                 </a:solidFill>
                 <a:latin typeface="Courier New" pitchFamily="49" charset="0"/>
                 <a:cs typeface="Courier New" pitchFamily="49" charset="0"/>
               </a:rPr>
-              <a:t>nop</a:t>
-            </a:r>
-            <a:endParaRPr lang="en-US" sz="1400" dirty="0">
-              <a:solidFill>
-                <a:schemeClr val="accent2"/>
-              </a:solidFill>
-              <a:latin typeface="Courier New" pitchFamily="49" charset="0"/>
-              <a:cs typeface="Courier New" pitchFamily="49" charset="0"/>
-            </a:endParaRPr>
-          </a:p>
-          <a:p>
-            <a:pPr marL="0" indent="0">
-              <a:buNone/>
-            </a:pPr>
-            <a:endParaRPr lang="en-US" sz="1400" dirty="0">
-              <a:solidFill>
-                <a:schemeClr val="accent2"/>
-              </a:solidFill>
-              <a:latin typeface="Courier New" pitchFamily="49" charset="0"/>
-              <a:cs typeface="Courier New" pitchFamily="49" charset="0"/>
-            </a:endParaRPr>
-          </a:p>
-          <a:p>
-            <a:pPr marL="0" indent="0">
-              <a:buNone/>
-            </a:pPr>
-            <a:r>
-              <a:rPr lang="en-US" sz="1400" dirty="0">
-                <a:solidFill>
-                  <a:schemeClr val="accent2"/>
+              <a:t>   …  </a:t>
+            </a:r>
+            <a:r>
+              <a:rPr lang="en-US" sz="1400" dirty="0" smtClean="0">
+                <a:solidFill>
+                  <a:srgbClr val="00B050"/>
                 </a:solidFill>
                 <a:latin typeface="Courier New" pitchFamily="49" charset="0"/>
                 <a:cs typeface="Courier New" pitchFamily="49" charset="0"/>
               </a:rPr>
-              <a:t>addition:</a:t>
+              <a:t>; code here</a:t>
             </a:r>
           </a:p>
           <a:p>
             <a:pPr marL="0" indent="0">
               <a:buNone/>
             </a:pPr>
-            <a:r>
-              <a:rPr lang="en-US" sz="1400" dirty="0">
-                <a:solidFill>
-                  <a:schemeClr val="accent2"/>
-                </a:solidFill>
-                <a:latin typeface="Courier New" pitchFamily="49" charset="0"/>
-                <a:cs typeface="Courier New" pitchFamily="49" charset="0"/>
-              </a:rPr>
-              <a:t>    </a:t>
-            </a:r>
-            <a:r>
-              <a:rPr lang="en-US" sz="1400" dirty="0" err="1">
-                <a:solidFill>
-                  <a:schemeClr val="accent2"/>
-                </a:solidFill>
-                <a:latin typeface="Courier New" pitchFamily="49" charset="0"/>
-                <a:cs typeface="Courier New" pitchFamily="49" charset="0"/>
-              </a:rPr>
-              <a:t>add.w</a:t>
-            </a:r>
-            <a:r>
-              <a:rPr lang="en-US" sz="1400" dirty="0">
-                <a:solidFill>
-                  <a:schemeClr val="accent2"/>
-                </a:solidFill>
-                <a:latin typeface="Courier New" pitchFamily="49" charset="0"/>
-                <a:cs typeface="Courier New" pitchFamily="49" charset="0"/>
-              </a:rPr>
-              <a:t>   r10, r11 </a:t>
-            </a:r>
-          </a:p>
-          <a:p>
-            <a:pPr marL="0" indent="0">
-              <a:buNone/>
-            </a:pPr>
-            <a:r>
-              <a:rPr lang="en-US" sz="1400" dirty="0">
-                <a:solidFill>
-                  <a:schemeClr val="accent2"/>
-                </a:solidFill>
-                <a:latin typeface="Courier New" pitchFamily="49" charset="0"/>
-                <a:cs typeface="Courier New" pitchFamily="49" charset="0"/>
-              </a:rPr>
-              <a:t>    </a:t>
-            </a:r>
-            <a:r>
-              <a:rPr lang="en-US" sz="1400" dirty="0" smtClean="0">
-                <a:solidFill>
-                  <a:schemeClr val="accent2"/>
-                </a:solidFill>
-                <a:latin typeface="Courier New" pitchFamily="49" charset="0"/>
-                <a:cs typeface="Courier New" pitchFamily="49" charset="0"/>
-              </a:rPr>
-              <a:t>ret</a:t>
-            </a:r>
-          </a:p>
-          <a:p>
-            <a:pPr marL="0" indent="0">
-              <a:buNone/>
-            </a:pPr>
-            <a:endParaRPr lang="en-US" sz="1400" dirty="0">
-              <a:solidFill>
-                <a:schemeClr val="accent2"/>
-              </a:solidFill>
-              <a:latin typeface="Courier New" pitchFamily="49" charset="0"/>
-              <a:cs typeface="Courier New" pitchFamily="49" charset="0"/>
-            </a:endParaRPr>
-          </a:p>
-          <a:p>
-            <a:pPr marL="0" indent="0">
-              <a:buNone/>
-            </a:pPr>
-            <a:r>
-              <a:rPr lang="en-US" sz="1400" dirty="0">
-                <a:solidFill>
-                  <a:schemeClr val="accent2"/>
-                </a:solidFill>
-                <a:latin typeface="Courier New" pitchFamily="49" charset="0"/>
-                <a:cs typeface="Courier New" pitchFamily="49" charset="0"/>
-              </a:rPr>
-              <a:t>s</a:t>
-            </a:r>
-            <a:r>
-              <a:rPr lang="en-US" sz="1400" dirty="0" smtClean="0">
-                <a:solidFill>
-                  <a:schemeClr val="accent2"/>
-                </a:solidFill>
-                <a:latin typeface="Courier New" pitchFamily="49" charset="0"/>
-                <a:cs typeface="Courier New" pitchFamily="49" charset="0"/>
-              </a:rPr>
-              <a:t>ubtraction:</a:t>
-            </a:r>
-          </a:p>
-          <a:p>
-            <a:pPr marL="0" indent="0">
-              <a:buNone/>
-            </a:pPr>
-            <a:r>
-              <a:rPr lang="en-US" sz="1400" dirty="0">
-                <a:solidFill>
-                  <a:schemeClr val="accent2"/>
-                </a:solidFill>
-                <a:latin typeface="Courier New" pitchFamily="49" charset="0"/>
-                <a:cs typeface="Courier New" pitchFamily="49" charset="0"/>
-              </a:rPr>
-              <a:t> </a:t>
-            </a:r>
-            <a:r>
-              <a:rPr lang="en-US" sz="1400" dirty="0" smtClean="0">
-                <a:solidFill>
-                  <a:schemeClr val="accent2"/>
-                </a:solidFill>
-                <a:latin typeface="Courier New" pitchFamily="49" charset="0"/>
-                <a:cs typeface="Courier New" pitchFamily="49" charset="0"/>
-              </a:rPr>
-              <a:t>   …  </a:t>
-            </a:r>
-            <a:r>
-              <a:rPr lang="en-US" sz="1400" dirty="0" smtClean="0">
-                <a:solidFill>
-                  <a:srgbClr val="00B050"/>
-                </a:solidFill>
-                <a:latin typeface="Courier New" pitchFamily="49" charset="0"/>
-                <a:cs typeface="Courier New" pitchFamily="49" charset="0"/>
-              </a:rPr>
-              <a:t>; code here</a:t>
-            </a:r>
-          </a:p>
-          <a:p>
-            <a:pPr marL="0" indent="0">
-              <a:buNone/>
-            </a:pPr>
-            <a:endParaRPr lang="en-US" sz="1400" dirty="0">
+            <a:endParaRPr lang="en-US" sz="1000" dirty="0">
               <a:solidFill>
                 <a:schemeClr val="accent2"/>
               </a:solidFill>
@@ -17272,8 +16809,8 @@
         </p:nvSpPr>
         <p:spPr bwMode="auto">
           <a:xfrm>
-            <a:off x="3026980" y="3902402"/>
-            <a:ext cx="512379" cy="2372711"/>
+            <a:off x="2864216" y="4132217"/>
+            <a:ext cx="512379" cy="2211113"/>
           </a:xfrm>
           <a:prstGeom prst="rightBrace">
             <a:avLst/>
@@ -17351,7 +16888,19 @@
           <a:p>
             <a:r>
               <a:rPr lang="en-US" dirty="0" smtClean="0"/>
-              <a:t>You could write an entire library of functions and use them in different projects (once they are tested)</a:t>
+              <a:t>You could write an entire library of functions and use them in different projects (</a:t>
+            </a:r>
+            <a:r>
+              <a:rPr lang="en-US" dirty="0" smtClean="0">
+                <a:solidFill>
+                  <a:srgbClr val="FF0000"/>
+                </a:solidFill>
+              </a:rPr>
+              <a:t>once they are tested</a:t>
+            </a:r>
+            <a:r>
+              <a:rPr lang="en-US" dirty="0" smtClean="0"/>
+              <a:t>)</a:t>
             </a:r>
             <a:endParaRPr lang="en-US" dirty="0"/>
           </a:p>
@@ -17445,6 +16994,80 @@
           </a:p>
         </p:txBody>
       </p:sp>
+      <p:sp>
+        <p:nvSpPr>
+          <p:cNvPr id="7" name="Rectangular Callout 6"/>
+          <p:cNvSpPr/>
+          <p:nvPr/>
+        </p:nvSpPr>
+        <p:spPr bwMode="auto">
+          <a:xfrm>
+            <a:off x="5225160" y="3241465"/>
+            <a:ext cx="2420241" cy="890752"/>
+          </a:xfrm>
+          <a:prstGeom prst="wedgeRectCallout">
+            <a:avLst>
+              <a:gd name="adj1" fmla="val -128245"/>
+              <a:gd name="adj2" fmla="val 36666"/>
+            </a:avLst>
+          </a:prstGeom>
+          <a:solidFill>
+            <a:srgbClr val="FFFF00"/>
+          </a:solidFill>
+          <a:ln w="12700" cap="flat" cmpd="sng" algn="ctr">
+            <a:solidFill>
+              <a:schemeClr val="accent6">
+                <a:lumMod val="40000"/>
+                <a:lumOff val="60000"/>
+              </a:schemeClr>
+            </a:solidFill>
+            <a:prstDash val="solid"/>
+            <a:round/>
+            <a:headEnd type="none" w="med" len="med"/>
+            <a:tailEnd type="none" w="med" len="med"/>
+          </a:ln>
+          <a:effectLst/>
+        </p:spPr>
+        <p:txBody>
+          <a:bodyPr vert="horz" wrap="square" lIns="91440" tIns="45720" rIns="91440" bIns="45720" numCol="1" rtlCol="0" anchor="ctr" anchorCtr="0" compatLnSpc="1">
+            <a:prstTxWarp prst="textNoShape">
+              <a:avLst/>
+            </a:prstTxWarp>
+          </a:bodyPr>
+          <a:lstStyle/>
+          <a:p>
+            <a:pPr marL="0" marR="0" indent="0" algn="ctr" defTabSz="914400" rtl="0" eaLnBrk="0" fontAlgn="base" latinLnBrk="0" hangingPunct="0">
+              <a:lnSpc>
+                <a:spcPct val="100000"/>
+              </a:lnSpc>
+              <a:spcBef>
+                <a:spcPct val="0"/>
+              </a:spcBef>
+              <a:spcAft>
+                <a:spcPct val="0"/>
+              </a:spcAft>
+              <a:buClrTx/>
+              <a:buSzTx/>
+              <a:buFontTx/>
+              <a:buNone/>
+              <a:tabLst/>
+            </a:pPr>
+            <a:r>
+              <a:rPr lang="en-US" sz="1600" dirty="0" smtClean="0">
+                <a:latin typeface="Arial" charset="0"/>
+              </a:rPr>
+              <a:t>Why is this comment (documentation) important about r11?</a:t>
+            </a:r>
+            <a:endParaRPr kumimoji="0" lang="en-US" sz="1600" b="0" i="0" u="none" strike="noStrike" cap="none" normalizeH="0" baseline="0" dirty="0" smtClean="0">
+              <a:ln>
+                <a:noFill/>
+              </a:ln>
+              <a:effectLst/>
+              <a:latin typeface="Arial" charset="0"/>
+            </a:endParaRPr>
+          </a:p>
+        </p:txBody>
+      </p:sp>
     </p:spTree>
     <p:extLst>
       <p:ext uri="{BB962C8B-B14F-4D97-AF65-F5344CB8AC3E}">
@@ -17458,14 +17081,131 @@
   <p:timing>
     <p:tnLst>
       <p:par>
-        <p:cTn id="1" dur="indefinite" restart="never" nodeType="tmRoot"/>
+        <p:cTn id="1" dur="indefinite" restart="never" nodeType="tmRoot">
+          <p:childTnLst>
+            <p:seq concurrent="1" nextAc="seek">
+              <p:cTn id="2" dur="indefinite" nodeType="mainSeq">
+                <p:childTnLst>
+                  <p:par>
+                    <p:cTn id="3" fill="hold">
+                      <p:stCondLst>
+                        <p:cond delay="indefinite"/>
+                      </p:stCondLst>
+                      <p:childTnLst>
+                        <p:par>
+                          <p:cTn id="4" fill="hold">
+                            <p:stCondLst>
+                              <p:cond delay="0"/>
+                            </p:stCondLst>
+                            <p:childTnLst>
+                              <p:par>
+                                <p:cTn id="5" presetID="1" presetClass="entr" presetSubtype="0" fill="hold" grpId="0" nodeType="clickEffect">
+                                  <p:stCondLst>
+                                    <p:cond delay="0"/>
+                                  </p:stCondLst>
+                                  <p:childTnLst>
+                                    <p:set>
+                                      <p:cBhvr>
+                                        <p:cTn id="6" dur="1" fill="hold">
+                                          <p:stCondLst>
+                                            <p:cond delay="0"/>
+                                          </p:stCondLst>
+                                        </p:cTn>
+                                        <p:tgtEl>
+                                          <p:spTgt spid="6"/>
+                                        </p:tgtEl>
+                                        <p:attrNameLst>
+                                          <p:attrName>style.visibility</p:attrName>
+                                        </p:attrNameLst>
+                                      </p:cBhvr>
+                                      <p:to>
+                                        <p:strVal val="visible"/>
+                                      </p:to>
+                                    </p:set>
+                                  </p:childTnLst>
+                                </p:cTn>
+                              </p:par>
+                            </p:childTnLst>
+                          </p:cTn>
+                        </p:par>
+                      </p:childTnLst>
+                    </p:cTn>
+                  </p:par>
+                  <p:par>
+                    <p:cTn id="7" fill="hold">
+                      <p:stCondLst>
+                        <p:cond delay="indefinite"/>
+                      </p:stCondLst>
+                      <p:childTnLst>
+                        <p:par>
+                          <p:cTn id="8" fill="hold">
+                            <p:stCondLst>
+                              <p:cond delay="0"/>
+                            </p:stCondLst>
+                            <p:childTnLst>
+                              <p:par>
+                                <p:cTn id="9" presetID="1" presetClass="entr" presetSubtype="0" fill="hold" grpId="0" nodeType="clickEffect">
+                                  <p:stCondLst>
+                                    <p:cond delay="0"/>
+                                  </p:stCondLst>
+                                  <p:childTnLst>
+                                    <p:set>
+                                      <p:cBhvr>
+                                        <p:cTn id="10" dur="1" fill="hold">
+                                          <p:stCondLst>
+                                            <p:cond delay="0"/>
+                                          </p:stCondLst>
+                                        </p:cTn>
+                                        <p:tgtEl>
+                                          <p:spTgt spid="7"/>
+                                        </p:tgtEl>
+                                        <p:attrNameLst>
+                                          <p:attrName>style.visibility</p:attrName>
+                                        </p:attrNameLst>
+                                      </p:cBhvr>
+                                      <p:to>
+                                        <p:strVal val="visible"/>
+                                      </p:to>
+                                    </p:set>
+                                  </p:childTnLst>
+                                </p:cTn>
+                              </p:par>
+                            </p:childTnLst>
+                          </p:cTn>
+                        </p:par>
+                      </p:childTnLst>
+                    </p:cTn>
+                  </p:par>
+                </p:childTnLst>
+              </p:cTn>
+              <p:prevCondLst>
+                <p:cond evt="onPrev" delay="0">
+                  <p:tgtEl>
+                    <p:sldTgt/>
+                  </p:tgtEl>
+                </p:cond>
+              </p:prevCondLst>
+              <p:nextCondLst>
+                <p:cond evt="onNext" delay="0">
+                  <p:tgtEl>
+                    <p:sldTgt/>
+                  </p:tgtEl>
+                </p:cond>
+              </p:nextCondLst>
+            </p:seq>
+          </p:childTnLst>
+        </p:cTn>
       </p:par>
     </p:tnLst>
+    <p:bldLst>
+      <p:bldP spid="6" grpId="0" animBg="1"/>
+      <p:bldP spid="7" grpId="0" animBg="1"/>
+    </p:bldLst>
   </p:timing>
 </p:sld>
 </file>
 
-<file path=ppt/slides/slide27.xml><?xml version="1.0" encoding="utf-8"?>
+<file path=ppt/slides/slide26.xml><?xml version="1.0" encoding="utf-8"?>
 <p:sld xmlns:a="http://schemas.openxmlformats.org/drawingml/2006/main" xmlns:r="http://schemas.openxmlformats.org/officeDocument/2006/relationships" xmlns:p="http://schemas.openxmlformats.org/presentationml/2006/main">
   <p:cSld>
     <p:spTree>
@@ -18484,10 +18224,593 @@
           </a:p>
         </p:txBody>
       </p:sp>
+      <p:sp>
+        <p:nvSpPr>
+          <p:cNvPr id="6" name="Rounded Rectangle 5"/>
+          <p:cNvSpPr/>
+          <p:nvPr/>
+        </p:nvSpPr>
+        <p:spPr bwMode="auto">
+          <a:xfrm>
+            <a:off x="4004733" y="2870200"/>
+            <a:ext cx="558800" cy="237067"/>
+          </a:xfrm>
+          <a:prstGeom prst="roundRect">
+            <a:avLst/>
+          </a:prstGeom>
+          <a:noFill/>
+          <a:ln w="12700" cap="flat" cmpd="sng" algn="ctr">
+            <a:solidFill>
+              <a:srgbClr val="FF0000"/>
+            </a:solidFill>
+            <a:prstDash val="solid"/>
+            <a:round/>
+            <a:headEnd type="none" w="med" len="med"/>
+            <a:tailEnd type="none" w="med" len="med"/>
+          </a:ln>
+          <a:effectLst/>
+        </p:spPr>
+        <p:txBody>
+          <a:bodyPr vert="horz" wrap="square" lIns="91440" tIns="45720" rIns="91440" bIns="45720" numCol="1" rtlCol="0" anchor="ctr" anchorCtr="0" compatLnSpc="1">
+            <a:prstTxWarp prst="textNoShape">
+              <a:avLst/>
+            </a:prstTxWarp>
+          </a:bodyPr>
+          <a:lstStyle/>
+          <a:p>
+            <a:pPr marL="0" marR="0" indent="0" algn="ctr" defTabSz="914400" rtl="0" eaLnBrk="0" fontAlgn="base" latinLnBrk="0" hangingPunct="0">
+              <a:lnSpc>
+                <a:spcPct val="100000"/>
+              </a:lnSpc>
+              <a:spcBef>
+                <a:spcPct val="0"/>
+              </a:spcBef>
+              <a:spcAft>
+                <a:spcPct val="0"/>
+              </a:spcAft>
+              <a:buClrTx/>
+              <a:buSzTx/>
+              <a:buFontTx/>
+              <a:buNone/>
+              <a:tabLst/>
+            </a:pPr>
+            <a:endParaRPr kumimoji="0" lang="en-US" sz="1600" b="0" i="0" u="none" strike="noStrike" cap="none" normalizeH="0" baseline="0" dirty="0" smtClean="0">
+              <a:ln>
+                <a:noFill/>
+              </a:ln>
+              <a:solidFill>
+                <a:schemeClr val="bg1"/>
+              </a:solidFill>
+              <a:effectLst/>
+              <a:latin typeface="Arial" charset="0"/>
+            </a:endParaRPr>
+          </a:p>
+        </p:txBody>
+      </p:sp>
+      <p:sp>
+        <p:nvSpPr>
+          <p:cNvPr id="7" name="Rectangular Callout 6"/>
+          <p:cNvSpPr/>
+          <p:nvPr/>
+        </p:nvSpPr>
+        <p:spPr bwMode="auto">
+          <a:xfrm>
+            <a:off x="4682067" y="1544575"/>
+            <a:ext cx="2023533" cy="470492"/>
+          </a:xfrm>
+          <a:prstGeom prst="wedgeRectCallout">
+            <a:avLst>
+              <a:gd name="adj1" fmla="val -63929"/>
+              <a:gd name="adj2" fmla="val 226258"/>
+            </a:avLst>
+          </a:prstGeom>
+          <a:solidFill>
+            <a:srgbClr val="FFFF00"/>
+          </a:solidFill>
+          <a:ln w="12700" cap="flat" cmpd="sng" algn="ctr">
+            <a:solidFill>
+              <a:schemeClr val="accent6">
+                <a:lumMod val="40000"/>
+                <a:lumOff val="60000"/>
+              </a:schemeClr>
+            </a:solidFill>
+            <a:prstDash val="solid"/>
+            <a:round/>
+            <a:headEnd type="none" w="med" len="med"/>
+            <a:tailEnd type="none" w="med" len="med"/>
+          </a:ln>
+          <a:effectLst/>
+        </p:spPr>
+        <p:txBody>
+          <a:bodyPr vert="horz" wrap="square" lIns="91440" tIns="45720" rIns="91440" bIns="45720" numCol="1" rtlCol="0" anchor="ctr" anchorCtr="0" compatLnSpc="1">
+            <a:prstTxWarp prst="textNoShape">
+              <a:avLst/>
+            </a:prstTxWarp>
+          </a:bodyPr>
+          <a:lstStyle/>
+          <a:p>
+            <a:pPr marL="0" marR="0" indent="0" algn="ctr" defTabSz="914400" rtl="0" eaLnBrk="0" fontAlgn="base" latinLnBrk="0" hangingPunct="0">
+              <a:lnSpc>
+                <a:spcPct val="100000"/>
+              </a:lnSpc>
+              <a:spcBef>
+                <a:spcPct val="0"/>
+              </a:spcBef>
+              <a:spcAft>
+                <a:spcPct val="0"/>
+              </a:spcAft>
+              <a:buClrTx/>
+              <a:buSzTx/>
+              <a:buFontTx/>
+              <a:buNone/>
+              <a:tabLst/>
+            </a:pPr>
+            <a:r>
+              <a:rPr kumimoji="0" lang="en-US" sz="1600" b="0" i="0" u="none" strike="noStrike" cap="none" normalizeH="0" baseline="0" dirty="0" smtClean="0">
+                <a:ln>
+                  <a:noFill/>
+                </a:ln>
+                <a:effectLst/>
+                <a:latin typeface="Arial" charset="0"/>
+              </a:rPr>
+              <a:t>The stack!!</a:t>
+            </a:r>
+            <a:endParaRPr kumimoji="0" lang="en-US" sz="1600" b="0" i="0" u="none" strike="noStrike" cap="none" normalizeH="0" baseline="0" dirty="0" smtClean="0">
+              <a:ln>
+                <a:noFill/>
+              </a:ln>
+              <a:effectLst/>
+              <a:latin typeface="Arial" charset="0"/>
+            </a:endParaRPr>
+          </a:p>
+        </p:txBody>
+      </p:sp>
     </p:spTree>
     <p:extLst>
       <p:ext uri="{BB962C8B-B14F-4D97-AF65-F5344CB8AC3E}">
         <p14:creationId xmlns:p14="http://schemas.microsoft.com/office/powerpoint/2010/main" val="1919397761"/>
+      </p:ext>
+    </p:extLst>
+  </p:cSld>
+  <p:clrMapOvr>
+    <a:masterClrMapping/>
+  </p:clrMapOvr>
+  <p:timing>
+    <p:tnLst>
+      <p:par>
+        <p:cTn id="1" dur="indefinite" restart="never" nodeType="tmRoot">
+          <p:childTnLst>
+            <p:seq concurrent="1" nextAc="seek">
+              <p:cTn id="2" dur="indefinite" nodeType="mainSeq">
+                <p:childTnLst>
+                  <p:par>
+                    <p:cTn id="3" fill="hold">
+                      <p:stCondLst>
+                        <p:cond delay="indefinite"/>
+                      </p:stCondLst>
+                      <p:childTnLst>
+                        <p:par>
+                          <p:cTn id="4" fill="hold">
+                            <p:stCondLst>
+                              <p:cond delay="0"/>
+                            </p:stCondLst>
+                            <p:childTnLst>
+                              <p:par>
+                                <p:cTn id="5" presetID="1" presetClass="entr" presetSubtype="0" fill="hold" grpId="0" nodeType="clickEffect">
+                                  <p:stCondLst>
+                                    <p:cond delay="0"/>
+                                  </p:stCondLst>
+                                  <p:childTnLst>
+                                    <p:set>
+                                      <p:cBhvr>
+                                        <p:cTn id="6" dur="1" fill="hold">
+                                          <p:stCondLst>
+                                            <p:cond delay="0"/>
+                                          </p:stCondLst>
+                                        </p:cTn>
+                                        <p:tgtEl>
+                                          <p:spTgt spid="7"/>
+                                        </p:tgtEl>
+                                        <p:attrNameLst>
+                                          <p:attrName>style.visibility</p:attrName>
+                                        </p:attrNameLst>
+                                      </p:cBhvr>
+                                      <p:to>
+                                        <p:strVal val="visible"/>
+                                      </p:to>
+                                    </p:set>
+                                  </p:childTnLst>
+                                </p:cTn>
+                              </p:par>
+                              <p:par>
+                                <p:cTn id="7" presetID="1" presetClass="entr" presetSubtype="0" fill="hold" grpId="0" nodeType="withEffect">
+                                  <p:stCondLst>
+                                    <p:cond delay="0"/>
+                                  </p:stCondLst>
+                                  <p:childTnLst>
+                                    <p:set>
+                                      <p:cBhvr>
+                                        <p:cTn id="8" dur="1" fill="hold">
+                                          <p:stCondLst>
+                                            <p:cond delay="0"/>
+                                          </p:stCondLst>
+                                        </p:cTn>
+                                        <p:tgtEl>
+                                          <p:spTgt spid="6"/>
+                                        </p:tgtEl>
+                                        <p:attrNameLst>
+                                          <p:attrName>style.visibility</p:attrName>
+                                        </p:attrNameLst>
+                                      </p:cBhvr>
+                                      <p:to>
+                                        <p:strVal val="visible"/>
+                                      </p:to>
+                                    </p:set>
+                                  </p:childTnLst>
+                                </p:cTn>
+                              </p:par>
+                            </p:childTnLst>
+                          </p:cTn>
+                        </p:par>
+                      </p:childTnLst>
+                    </p:cTn>
+                  </p:par>
+                </p:childTnLst>
+              </p:cTn>
+              <p:prevCondLst>
+                <p:cond evt="onPrev" delay="0">
+                  <p:tgtEl>
+                    <p:sldTgt/>
+                  </p:tgtEl>
+                </p:cond>
+              </p:prevCondLst>
+              <p:nextCondLst>
+                <p:cond evt="onNext" delay="0">
+                  <p:tgtEl>
+                    <p:sldTgt/>
+                  </p:tgtEl>
+                </p:cond>
+              </p:nextCondLst>
+            </p:seq>
+          </p:childTnLst>
+        </p:cTn>
+      </p:par>
+    </p:tnLst>
+    <p:bldLst>
+      <p:bldP spid="6" grpId="0" animBg="1"/>
+      <p:bldP spid="7" grpId="0" animBg="1"/>
+    </p:bldLst>
+  </p:timing>
+</p:sld>
+</file>
+
+<file path=ppt/slides/slide27.xml><?xml version="1.0" encoding="utf-8"?>
+<p:sld xmlns:a="http://schemas.openxmlformats.org/drawingml/2006/main" xmlns:r="http://schemas.openxmlformats.org/officeDocument/2006/relationships" xmlns:p="http://schemas.openxmlformats.org/presentationml/2006/main">
+  <p:cSld>
+    <p:spTree>
+      <p:nvGrpSpPr>
+        <p:cNvPr id="1" name=""/>
+        <p:cNvGrpSpPr/>
+        <p:nvPr/>
+      </p:nvGrpSpPr>
+      <p:grpSpPr>
+        <a:xfrm>
+          <a:off x="0" y="0"/>
+          <a:ext cx="0" cy="0"/>
+          <a:chOff x="0" y="0"/>
+          <a:chExt cx="0" cy="0"/>
+        </a:xfrm>
+      </p:grpSpPr>
+      <p:sp>
+        <p:nvSpPr>
+          <p:cNvPr id="2" name="Title 1"/>
+          <p:cNvSpPr>
+            <a:spLocks noGrp="1"/>
+          </p:cNvSpPr>
+          <p:nvPr>
+            <p:ph type="title"/>
+          </p:nvPr>
+        </p:nvSpPr>
+        <p:spPr/>
+        <p:txBody>
+          <a:bodyPr/>
+          <a:lstStyle/>
+          <a:p>
+            <a:r>
+              <a:rPr lang="en-US" b="1" dirty="0" smtClean="0"/>
+              <a:t>Arguments</a:t>
+            </a:r>
+            <a:endParaRPr lang="en-US" dirty="0"/>
+          </a:p>
+        </p:txBody>
+      </p:sp>
+      <p:sp>
+        <p:nvSpPr>
+          <p:cNvPr id="3" name="Content Placeholder 2"/>
+          <p:cNvSpPr>
+            <a:spLocks noGrp="1"/>
+          </p:cNvSpPr>
+          <p:nvPr>
+            <p:ph idx="1"/>
+          </p:nvPr>
+        </p:nvSpPr>
+        <p:spPr>
+          <a:xfrm>
+            <a:off x="517928" y="1592133"/>
+            <a:ext cx="8003334" cy="4724400"/>
+          </a:xfrm>
+        </p:spPr>
+        <p:txBody>
+          <a:bodyPr/>
+          <a:lstStyle/>
+          <a:p>
+            <a:r>
+              <a:rPr lang="en-US" sz="2000" dirty="0" smtClean="0">
+                <a:solidFill>
+                  <a:schemeClr val="accent2"/>
+                </a:solidFill>
+              </a:rPr>
+              <a:t>Arguments are the parameters (or data) passed to and from a subroutine</a:t>
+            </a:r>
+            <a:endParaRPr lang="en-US" sz="2000" dirty="0">
+              <a:solidFill>
+                <a:schemeClr val="accent2"/>
+              </a:solidFill>
+            </a:endParaRPr>
+          </a:p>
+          <a:p>
+            <a:pPr marL="457200" lvl="1" indent="0">
+              <a:buNone/>
+            </a:pPr>
+            <a:r>
+              <a:rPr lang="en-US" sz="1400" dirty="0">
+                <a:solidFill>
+                  <a:srgbClr val="00B050"/>
+                </a:solidFill>
+                <a:latin typeface="Courier New" pitchFamily="49" charset="0"/>
+                <a:cs typeface="Courier New" pitchFamily="49" charset="0"/>
+              </a:rPr>
+              <a:t>;---------------------------------------------------</a:t>
+            </a:r>
+          </a:p>
+          <a:p>
+            <a:pPr marL="457200" lvl="1" indent="0">
+              <a:buNone/>
+            </a:pPr>
+            <a:r>
+              <a:rPr lang="en-US" sz="1400" dirty="0" smtClean="0">
+                <a:solidFill>
+                  <a:srgbClr val="00B050"/>
+                </a:solidFill>
+                <a:latin typeface="Courier New" pitchFamily="49" charset="0"/>
+                <a:cs typeface="Courier New" pitchFamily="49" charset="0"/>
+              </a:rPr>
+              <a:t>; Function</a:t>
+            </a:r>
+            <a:r>
+              <a:rPr lang="en-US" sz="1400" dirty="0">
+                <a:solidFill>
+                  <a:srgbClr val="00B050"/>
+                </a:solidFill>
+                <a:latin typeface="Courier New" pitchFamily="49" charset="0"/>
+                <a:cs typeface="Courier New" pitchFamily="49" charset="0"/>
+              </a:rPr>
+              <a:t>: Adds two numbers</a:t>
+            </a:r>
+          </a:p>
+          <a:p>
+            <a:pPr marL="457200" lvl="1" indent="0">
+              <a:buNone/>
+            </a:pPr>
+            <a:r>
+              <a:rPr lang="en-US" sz="1400" dirty="0" smtClean="0">
+                <a:solidFill>
+                  <a:srgbClr val="00B050"/>
+                </a:solidFill>
+                <a:latin typeface="Courier New" pitchFamily="49" charset="0"/>
+                <a:cs typeface="Courier New" pitchFamily="49" charset="0"/>
+              </a:rPr>
+              <a:t>; Inputs</a:t>
+            </a:r>
+            <a:r>
+              <a:rPr lang="en-US" sz="1400" dirty="0">
+                <a:solidFill>
+                  <a:srgbClr val="00B050"/>
+                </a:solidFill>
+                <a:latin typeface="Courier New" pitchFamily="49" charset="0"/>
+                <a:cs typeface="Courier New" pitchFamily="49" charset="0"/>
+              </a:rPr>
+              <a:t>: </a:t>
+            </a:r>
+            <a:r>
+              <a:rPr lang="en-US" sz="1400" dirty="0" smtClean="0">
+                <a:solidFill>
+                  <a:srgbClr val="00B050"/>
+                </a:solidFill>
+                <a:latin typeface="Courier New" pitchFamily="49" charset="0"/>
+                <a:cs typeface="Courier New" pitchFamily="49" charset="0"/>
+              </a:rPr>
+              <a:t>Op1 (r10), Op2 (r11)</a:t>
+            </a:r>
+            <a:endParaRPr lang="en-US" sz="1400" dirty="0">
+              <a:solidFill>
+                <a:srgbClr val="00B050"/>
+              </a:solidFill>
+              <a:latin typeface="Courier New" pitchFamily="49" charset="0"/>
+              <a:cs typeface="Courier New" pitchFamily="49" charset="0"/>
+            </a:endParaRPr>
+          </a:p>
+          <a:p>
+            <a:pPr marL="457200" lvl="1" indent="0">
+              <a:buNone/>
+            </a:pPr>
+            <a:r>
+              <a:rPr lang="en-US" sz="1400" dirty="0" smtClean="0">
+                <a:solidFill>
+                  <a:srgbClr val="00B050"/>
+                </a:solidFill>
+                <a:latin typeface="Courier New" pitchFamily="49" charset="0"/>
+                <a:cs typeface="Courier New" pitchFamily="49" charset="0"/>
+              </a:rPr>
+              <a:t>; Outputs</a:t>
+            </a:r>
+            <a:r>
+              <a:rPr lang="en-US" sz="1400" dirty="0">
+                <a:solidFill>
+                  <a:srgbClr val="00B050"/>
+                </a:solidFill>
+                <a:latin typeface="Courier New" pitchFamily="49" charset="0"/>
+                <a:cs typeface="Courier New" pitchFamily="49" charset="0"/>
+              </a:rPr>
+              <a:t>: result </a:t>
+            </a:r>
+            <a:r>
+              <a:rPr lang="en-US" sz="1400" dirty="0" smtClean="0">
+                <a:solidFill>
+                  <a:srgbClr val="00B050"/>
+                </a:solidFill>
+                <a:latin typeface="Courier New" pitchFamily="49" charset="0"/>
+                <a:cs typeface="Courier New" pitchFamily="49" charset="0"/>
+              </a:rPr>
+              <a:t>(r11)</a:t>
+            </a:r>
+            <a:endParaRPr lang="en-US" sz="1400" dirty="0">
+              <a:solidFill>
+                <a:srgbClr val="00B050"/>
+              </a:solidFill>
+              <a:latin typeface="Courier New" pitchFamily="49" charset="0"/>
+              <a:cs typeface="Courier New" pitchFamily="49" charset="0"/>
+            </a:endParaRPr>
+          </a:p>
+          <a:p>
+            <a:pPr marL="457200" lvl="1" indent="0">
+              <a:buNone/>
+            </a:pPr>
+            <a:r>
+              <a:rPr lang="en-US" sz="1400" dirty="0" smtClean="0">
+                <a:solidFill>
+                  <a:srgbClr val="00B050"/>
+                </a:solidFill>
+                <a:latin typeface="Courier New" pitchFamily="49" charset="0"/>
+                <a:cs typeface="Courier New" pitchFamily="49" charset="0"/>
+              </a:rPr>
+              <a:t>; Registers </a:t>
+            </a:r>
+            <a:r>
+              <a:rPr lang="en-US" sz="1400" dirty="0">
+                <a:solidFill>
+                  <a:srgbClr val="00B050"/>
+                </a:solidFill>
+                <a:latin typeface="Courier New" pitchFamily="49" charset="0"/>
+                <a:cs typeface="Courier New" pitchFamily="49" charset="0"/>
+              </a:rPr>
+              <a:t>destroyed: r11</a:t>
+            </a:r>
+          </a:p>
+          <a:p>
+            <a:pPr marL="457200" lvl="1" indent="0">
+              <a:buNone/>
+            </a:pPr>
+            <a:r>
+              <a:rPr lang="en-US" sz="1400" dirty="0" smtClean="0">
+                <a:solidFill>
+                  <a:srgbClr val="00B050"/>
+                </a:solidFill>
+                <a:latin typeface="Courier New" pitchFamily="49" charset="0"/>
+                <a:cs typeface="Courier New" pitchFamily="49" charset="0"/>
+              </a:rPr>
+              <a:t>;---------------------------------------------------</a:t>
+            </a:r>
+            <a:endParaRPr lang="en-US" sz="1400" dirty="0">
+              <a:solidFill>
+                <a:srgbClr val="00B050"/>
+              </a:solidFill>
+              <a:latin typeface="Courier New" pitchFamily="49" charset="0"/>
+              <a:cs typeface="Courier New" pitchFamily="49" charset="0"/>
+            </a:endParaRPr>
+          </a:p>
+          <a:p>
+            <a:pPr marL="457200" lvl="1" indent="0">
+              <a:buNone/>
+            </a:pPr>
+            <a:r>
+              <a:rPr lang="en-US" sz="1400" dirty="0">
+                <a:latin typeface="Courier New" pitchFamily="49" charset="0"/>
+                <a:cs typeface="Courier New" pitchFamily="49" charset="0"/>
+              </a:rPr>
+              <a:t>addition:</a:t>
+            </a:r>
+          </a:p>
+          <a:p>
+            <a:pPr marL="457200" lvl="1" indent="0">
+              <a:buNone/>
+            </a:pPr>
+            <a:r>
+              <a:rPr lang="en-US" sz="1400" dirty="0">
+                <a:latin typeface="Courier New" pitchFamily="49" charset="0"/>
+                <a:cs typeface="Courier New" pitchFamily="49" charset="0"/>
+              </a:rPr>
+              <a:t>    </a:t>
+            </a:r>
+            <a:r>
+              <a:rPr lang="en-US" sz="1400" dirty="0" err="1">
+                <a:latin typeface="Courier New" pitchFamily="49" charset="0"/>
+                <a:cs typeface="Courier New" pitchFamily="49" charset="0"/>
+              </a:rPr>
+              <a:t>add.w</a:t>
+            </a:r>
+            <a:r>
+              <a:rPr lang="en-US" sz="1400" dirty="0">
+                <a:latin typeface="Courier New" pitchFamily="49" charset="0"/>
+                <a:cs typeface="Courier New" pitchFamily="49" charset="0"/>
+              </a:rPr>
+              <a:t>   r10, r11 </a:t>
+            </a:r>
+          </a:p>
+          <a:p>
+            <a:pPr marL="457200" lvl="1" indent="0">
+              <a:buNone/>
+            </a:pPr>
+            <a:r>
+              <a:rPr lang="en-US" sz="1400" dirty="0">
+                <a:latin typeface="Courier New" pitchFamily="49" charset="0"/>
+                <a:cs typeface="Courier New" pitchFamily="49" charset="0"/>
+              </a:rPr>
+              <a:t>    ret</a:t>
+            </a:r>
+            <a:endParaRPr lang="en-US" sz="1400" dirty="0" smtClean="0">
+              <a:latin typeface="Courier New" pitchFamily="49" charset="0"/>
+              <a:cs typeface="Courier New" pitchFamily="49" charset="0"/>
+            </a:endParaRPr>
+          </a:p>
+          <a:p>
+            <a:pPr lvl="1"/>
+            <a:endParaRPr lang="en-US" sz="2000" dirty="0"/>
+          </a:p>
+          <a:p>
+            <a:r>
+              <a:rPr lang="en-US" sz="2000" dirty="0" smtClean="0">
+                <a:solidFill>
+                  <a:schemeClr val="accent2"/>
+                </a:solidFill>
+              </a:rPr>
+              <a:t>Load up ex_subroutine.asm in CCS and let’s watch this execute</a:t>
+            </a:r>
+            <a:endParaRPr lang="en-US" sz="2000" dirty="0" smtClean="0"/>
+          </a:p>
+          <a:p>
+            <a:endParaRPr lang="en-US" sz="2000" dirty="0" smtClean="0">
+              <a:solidFill>
+                <a:schemeClr val="accent2"/>
+              </a:solidFill>
+            </a:endParaRPr>
+          </a:p>
+        </p:txBody>
+      </p:sp>
+    </p:spTree>
+    <p:extLst>
+      <p:ext uri="{BB962C8B-B14F-4D97-AF65-F5344CB8AC3E}">
+        <p14:creationId xmlns:p14="http://schemas.microsoft.com/office/powerpoint/2010/main" val="3564922033"/>
       </p:ext>
     </p:extLst>
   </p:cSld>
@@ -18556,8 +18879,8 @@
         </p:nvSpPr>
         <p:spPr>
           <a:xfrm>
-            <a:off x="517928" y="1592133"/>
-            <a:ext cx="8003334" cy="4724400"/>
+            <a:off x="376038" y="1702494"/>
+            <a:ext cx="8493642" cy="4724400"/>
           </a:xfrm>
         </p:spPr>
         <p:txBody>
@@ -18570,7 +18893,7 @@
                   <a:schemeClr val="accent2"/>
                 </a:solidFill>
               </a:rPr>
-              <a:t>Arguments are the parameters (or data) passed to and from a subroutine</a:t>
+              <a:t>Use a stack to avoid destroying registers</a:t>
             </a:r>
             <a:endParaRPr lang="en-US" sz="2000" dirty="0">
               <a:solidFill>
@@ -18583,11 +18906,11 @@
               <a:buNone/>
             </a:pPr>
             <a:r>
-              <a:rPr lang="en-US" sz="1400" dirty="0">
+              <a:rPr lang="pt-BR" sz="1400" dirty="0">
                 <a:latin typeface="Courier New" pitchFamily="49" charset="0"/>
                 <a:cs typeface="Courier New" pitchFamily="49" charset="0"/>
               </a:rPr>
-              <a:t>;---------------------------------------------------</a:t>
+              <a:t>mySubroutine:</a:t>
             </a:r>
           </a:p>
           <a:p>
@@ -18595,46 +18918,33 @@
               <a:buNone/>
             </a:pPr>
             <a:r>
-              <a:rPr lang="en-US" sz="1400" dirty="0" smtClean="0">
+              <a:rPr lang="pt-BR" sz="1400" dirty="0">
                 <a:latin typeface="Courier New" pitchFamily="49" charset="0"/>
                 <a:cs typeface="Courier New" pitchFamily="49" charset="0"/>
               </a:rPr>
-              <a:t>; Function</a:t>
-            </a:r>
-            <a:r>
-              <a:rPr lang="en-US" sz="1400" dirty="0">
+              <a:t>    push.w  </a:t>
+            </a:r>
+            <a:r>
+              <a:rPr lang="pt-BR" sz="1400" dirty="0" smtClean="0">
                 <a:latin typeface="Courier New" pitchFamily="49" charset="0"/>
                 <a:cs typeface="Courier New" pitchFamily="49" charset="0"/>
               </a:rPr>
-              <a:t>: Adds two numbers</a:t>
-            </a:r>
-          </a:p>
-          <a:p>
-            <a:pPr marL="457200" lvl="1" indent="0">
-              <a:buNone/>
-            </a:pPr>
-            <a:r>
-              <a:rPr lang="en-US" sz="1400" dirty="0" smtClean="0">
+              <a:t>r5  </a:t>
+            </a:r>
+            <a:r>
+              <a:rPr lang="pt-BR" sz="1400" dirty="0" smtClean="0">
+                <a:solidFill>
+                  <a:srgbClr val="00B050"/>
+                </a:solidFill>
                 <a:latin typeface="Courier New" pitchFamily="49" charset="0"/>
                 <a:cs typeface="Courier New" pitchFamily="49" charset="0"/>
               </a:rPr>
-              <a:t>; Inputs</a:t>
-            </a:r>
-            <a:r>
-              <a:rPr lang="en-US" sz="1400" dirty="0">
-                <a:latin typeface="Courier New" pitchFamily="49" charset="0"/>
-                <a:cs typeface="Courier New" pitchFamily="49" charset="0"/>
-              </a:rPr>
-              <a:t>: </a:t>
-            </a:r>
-            <a:r>
-              <a:rPr lang="en-US" sz="1400" dirty="0" smtClean="0">
-                <a:latin typeface="Courier New" pitchFamily="49" charset="0"/>
-                <a:cs typeface="Courier New" pitchFamily="49" charset="0"/>
-              </a:rPr>
-              <a:t>Op1 (r10), Op2 (r11)</a:t>
-            </a:r>
-            <a:endParaRPr lang="en-US" sz="1400" dirty="0">
+              <a:t>; let’s save these registers</a:t>
+            </a:r>
+            <a:endParaRPr lang="pt-BR" sz="1400" dirty="0">
+              <a:solidFill>
+                <a:srgbClr val="00B050"/>
+              </a:solidFill>
               <a:latin typeface="Courier New" pitchFamily="49" charset="0"/>
               <a:cs typeface="Courier New" pitchFamily="49" charset="0"/>
             </a:endParaRPr>
@@ -18644,27 +18954,37 @@
               <a:buNone/>
             </a:pPr>
             <a:r>
-              <a:rPr lang="en-US" sz="1400" dirty="0" smtClean="0">
+              <a:rPr lang="pt-BR" sz="1400" dirty="0">
                 <a:latin typeface="Courier New" pitchFamily="49" charset="0"/>
                 <a:cs typeface="Courier New" pitchFamily="49" charset="0"/>
               </a:rPr>
-              <a:t>; Outputs</a:t>
-            </a:r>
-            <a:r>
-              <a:rPr lang="en-US" sz="1400" dirty="0">
+              <a:t>    push.w  r6</a:t>
+            </a:r>
+          </a:p>
+          <a:p>
+            <a:pPr marL="457200" lvl="1" indent="0">
+              <a:buNone/>
+            </a:pPr>
+            <a:r>
+              <a:rPr lang="pt-BR" sz="1400" dirty="0">
                 <a:latin typeface="Courier New" pitchFamily="49" charset="0"/>
                 <a:cs typeface="Courier New" pitchFamily="49" charset="0"/>
               </a:rPr>
-              <a:t>: result </a:t>
-            </a:r>
-            <a:r>
-              <a:rPr lang="en-US" sz="1400" dirty="0" smtClean="0">
+              <a:t>    push.w  </a:t>
+            </a:r>
+            <a:r>
+              <a:rPr lang="pt-BR" sz="1400" dirty="0" smtClean="0">
                 <a:latin typeface="Courier New" pitchFamily="49" charset="0"/>
                 <a:cs typeface="Courier New" pitchFamily="49" charset="0"/>
               </a:rPr>
-              <a:t>(r11)</a:t>
-            </a:r>
-            <a:endParaRPr lang="en-US" sz="1400" dirty="0">
+              <a:t>r7</a:t>
+            </a:r>
+          </a:p>
+          <a:p>
+            <a:pPr marL="457200" lvl="1" indent="0">
+              <a:buNone/>
+            </a:pPr>
+            <a:endParaRPr lang="pt-BR" sz="1400" dirty="0">
               <a:latin typeface="Courier New" pitchFamily="49" charset="0"/>
               <a:cs typeface="Courier New" pitchFamily="49" charset="0"/>
             </a:endParaRPr>
@@ -18674,45 +18994,28 @@
               <a:buNone/>
             </a:pPr>
             <a:r>
-              <a:rPr lang="en-US" sz="1400" dirty="0" smtClean="0">
+              <a:rPr lang="pt-BR" sz="1400" dirty="0" smtClean="0">
                 <a:latin typeface="Courier New" pitchFamily="49" charset="0"/>
                 <a:cs typeface="Courier New" pitchFamily="49" charset="0"/>
               </a:rPr>
-              <a:t>; </a:t>
-            </a:r>
-            <a:r>
-              <a:rPr lang="en-US" sz="1400" dirty="0" smtClean="0">
-                <a:solidFill>
-                  <a:srgbClr val="FF0000"/>
+              <a:t>    </a:t>
+            </a:r>
+            <a:r>
+              <a:rPr lang="pt-BR" sz="1400" dirty="0" smtClean="0">
+                <a:solidFill>
+                  <a:srgbClr val="00B050"/>
                 </a:solidFill>
                 <a:latin typeface="Courier New" pitchFamily="49" charset="0"/>
                 <a:cs typeface="Courier New" pitchFamily="49" charset="0"/>
               </a:rPr>
-              <a:t>Registers </a:t>
-            </a:r>
-            <a:r>
-              <a:rPr lang="en-US" sz="1400" dirty="0">
-                <a:solidFill>
-                  <a:srgbClr val="FF0000"/>
-                </a:solidFill>
-                <a:latin typeface="Courier New" pitchFamily="49" charset="0"/>
-                <a:cs typeface="Courier New" pitchFamily="49" charset="0"/>
-              </a:rPr>
-              <a:t>destroyed: r11</a:t>
+              <a:t>;... Do subroutine work here ....</a:t>
             </a:r>
           </a:p>
           <a:p>
             <a:pPr marL="457200" lvl="1" indent="0">
               <a:buNone/>
             </a:pPr>
-            <a:r>
-              <a:rPr lang="en-US" sz="1400" dirty="0" smtClean="0">
-                <a:latin typeface="Courier New" pitchFamily="49" charset="0"/>
-                <a:cs typeface="Courier New" pitchFamily="49" charset="0"/>
-              </a:rPr>
-              <a:t>;---------------------------------------------------</a:t>
-            </a:r>
-            <a:endParaRPr lang="en-US" sz="1400" dirty="0">
+            <a:endParaRPr lang="pt-BR" sz="1400" dirty="0">
               <a:latin typeface="Courier New" pitchFamily="49" charset="0"/>
               <a:cs typeface="Courier New" pitchFamily="49" charset="0"/>
             </a:endParaRPr>
@@ -18722,57 +19025,84 @@
               <a:buNone/>
             </a:pPr>
             <a:r>
-              <a:rPr lang="en-US" sz="1400" dirty="0">
+              <a:rPr lang="pt-BR" sz="1400" dirty="0">
                 <a:latin typeface="Courier New" pitchFamily="49" charset="0"/>
                 <a:cs typeface="Courier New" pitchFamily="49" charset="0"/>
               </a:rPr>
-              <a:t>addition:</a:t>
-            </a:r>
-          </a:p>
-          <a:p>
-            <a:pPr marL="457200" lvl="1" indent="0">
-              <a:buNone/>
-            </a:pPr>
-            <a:r>
-              <a:rPr lang="en-US" sz="1400" dirty="0">
+              <a:t>    pop.w   </a:t>
+            </a:r>
+            <a:r>
+              <a:rPr lang="pt-BR" sz="1400" dirty="0" smtClean="0">
                 <a:latin typeface="Courier New" pitchFamily="49" charset="0"/>
                 <a:cs typeface="Courier New" pitchFamily="49" charset="0"/>
               </a:rPr>
-              <a:t>    </a:t>
-            </a:r>
-            <a:r>
-              <a:rPr lang="en-US" sz="1400" dirty="0" err="1">
+              <a:t>r7  </a:t>
+            </a:r>
+            <a:r>
+              <a:rPr lang="pt-BR" sz="1400" dirty="0" smtClean="0">
+                <a:solidFill>
+                  <a:srgbClr val="00B050"/>
+                </a:solidFill>
                 <a:latin typeface="Courier New" pitchFamily="49" charset="0"/>
                 <a:cs typeface="Courier New" pitchFamily="49" charset="0"/>
               </a:rPr>
-              <a:t>add.w</a:t>
-            </a:r>
-            <a:r>
-              <a:rPr lang="en-US" sz="1400" dirty="0">
-                <a:latin typeface="Courier New" pitchFamily="49" charset="0"/>
-                <a:cs typeface="Courier New" pitchFamily="49" charset="0"/>
-              </a:rPr>
-              <a:t>   r10, r11 </a:t>
-            </a:r>
-          </a:p>
-          <a:p>
-            <a:pPr marL="457200" lvl="1" indent="0">
-              <a:buNone/>
-            </a:pPr>
-            <a:r>
-              <a:rPr lang="en-US" sz="1400" dirty="0">
-                <a:latin typeface="Courier New" pitchFamily="49" charset="0"/>
-                <a:cs typeface="Courier New" pitchFamily="49" charset="0"/>
-              </a:rPr>
-              <a:t>    ret</a:t>
-            </a:r>
-            <a:endParaRPr lang="en-US" sz="1400" dirty="0" smtClean="0">
+              <a:t>; all done, let’s restore them</a:t>
+            </a:r>
+            <a:endParaRPr lang="pt-BR" sz="1400" dirty="0">
+              <a:solidFill>
+                <a:srgbClr val="00B050"/>
+              </a:solidFill>
               <a:latin typeface="Courier New" pitchFamily="49" charset="0"/>
               <a:cs typeface="Courier New" pitchFamily="49" charset="0"/>
             </a:endParaRPr>
           </a:p>
           <a:p>
-            <a:pPr lvl="1"/>
+            <a:pPr marL="457200" lvl="1" indent="0">
+              <a:buNone/>
+            </a:pPr>
+            <a:r>
+              <a:rPr lang="pt-BR" sz="1400" dirty="0">
+                <a:latin typeface="Courier New" pitchFamily="49" charset="0"/>
+                <a:cs typeface="Courier New" pitchFamily="49" charset="0"/>
+              </a:rPr>
+              <a:t>    pop.w   r6</a:t>
+            </a:r>
+          </a:p>
+          <a:p>
+            <a:pPr marL="457200" lvl="1" indent="0">
+              <a:buNone/>
+            </a:pPr>
+            <a:r>
+              <a:rPr lang="pt-BR" sz="1400" dirty="0">
+                <a:latin typeface="Courier New" pitchFamily="49" charset="0"/>
+                <a:cs typeface="Courier New" pitchFamily="49" charset="0"/>
+              </a:rPr>
+              <a:t>    pop.w   r5</a:t>
+            </a:r>
+          </a:p>
+          <a:p>
+            <a:pPr marL="457200" lvl="1" indent="0">
+              <a:buNone/>
+            </a:pPr>
+            <a:r>
+              <a:rPr lang="pt-BR" sz="1400" dirty="0">
+                <a:latin typeface="Courier New" pitchFamily="49" charset="0"/>
+                <a:cs typeface="Courier New" pitchFamily="49" charset="0"/>
+              </a:rPr>
+              <a:t>    </a:t>
+            </a:r>
+            <a:r>
+              <a:rPr lang="pt-BR" sz="1400" dirty="0" smtClean="0">
+                <a:latin typeface="Courier New" pitchFamily="49" charset="0"/>
+                <a:cs typeface="Courier New" pitchFamily="49" charset="0"/>
+              </a:rPr>
+              <a:t>ret</a:t>
+            </a:r>
+          </a:p>
+          <a:p>
+            <a:pPr marL="457200" lvl="1" indent="0">
+              <a:buNone/>
+            </a:pPr>
             <a:endParaRPr lang="en-US" sz="2000" dirty="0"/>
           </a:p>
           <a:p>
@@ -18782,7 +19112,7 @@
                   <a:schemeClr val="accent2"/>
                 </a:solidFill>
               </a:rPr>
-              <a:t>How could I avoid destroying registers used in a subroutine?</a:t>
+              <a:t>What is Pass-by-Value and Pass-by-Reference?</a:t>
             </a:r>
             <a:endParaRPr lang="en-US" sz="2000" dirty="0" smtClean="0"/>
           </a:p>
@@ -18795,10 +19125,196 @@
           </a:p>
         </p:txBody>
       </p:sp>
+      <p:sp>
+        <p:nvSpPr>
+          <p:cNvPr id="4" name="Right Brace 3"/>
+          <p:cNvSpPr/>
+          <p:nvPr/>
+        </p:nvSpPr>
+        <p:spPr bwMode="auto">
+          <a:xfrm>
+            <a:off x="6182833" y="2174358"/>
+            <a:ext cx="462516" cy="850605"/>
+          </a:xfrm>
+          <a:prstGeom prst="rightBrace">
+            <a:avLst/>
+          </a:prstGeom>
+          <a:noFill/>
+          <a:ln w="12700" cap="flat" cmpd="sng" algn="ctr">
+            <a:solidFill>
+              <a:schemeClr val="tx1"/>
+            </a:solidFill>
+            <a:prstDash val="solid"/>
+            <a:round/>
+            <a:headEnd type="none" w="med" len="med"/>
+            <a:tailEnd type="none" w="med" len="med"/>
+          </a:ln>
+          <a:effectLst/>
+        </p:spPr>
+        <p:txBody>
+          <a:bodyPr vert="horz" wrap="square" lIns="91440" tIns="45720" rIns="91440" bIns="45720" numCol="1" rtlCol="0" anchor="t" anchorCtr="0" compatLnSpc="1">
+            <a:prstTxWarp prst="textNoShape">
+              <a:avLst/>
+            </a:prstTxWarp>
+          </a:bodyPr>
+          <a:lstStyle/>
+          <a:p>
+            <a:pPr marL="0" marR="0" indent="0" algn="ctr" defTabSz="914400" rtl="0" eaLnBrk="0" fontAlgn="base" latinLnBrk="0" hangingPunct="0">
+              <a:lnSpc>
+                <a:spcPct val="100000"/>
+              </a:lnSpc>
+              <a:spcBef>
+                <a:spcPct val="0"/>
+              </a:spcBef>
+              <a:spcAft>
+                <a:spcPct val="0"/>
+              </a:spcAft>
+              <a:buClrTx/>
+              <a:buSzTx/>
+              <a:buFontTx/>
+              <a:buNone/>
+              <a:tabLst/>
+            </a:pPr>
+            <a:endParaRPr kumimoji="0" lang="en-US" sz="1600" b="0" i="0" u="none" strike="noStrike" cap="none" normalizeH="0" baseline="0" dirty="0" smtClean="0">
+              <a:ln>
+                <a:noFill/>
+              </a:ln>
+              <a:solidFill>
+                <a:schemeClr val="tx1"/>
+              </a:solidFill>
+              <a:effectLst/>
+              <a:latin typeface="Arial" charset="0"/>
+            </a:endParaRPr>
+          </a:p>
+        </p:txBody>
+      </p:sp>
+      <p:sp>
+        <p:nvSpPr>
+          <p:cNvPr id="5" name="TextBox 4"/>
+          <p:cNvSpPr txBox="1"/>
+          <p:nvPr/>
+        </p:nvSpPr>
+        <p:spPr>
+          <a:xfrm>
+            <a:off x="6645349" y="2368827"/>
+            <a:ext cx="1253869" cy="461665"/>
+          </a:xfrm>
+          <a:prstGeom prst="rect">
+            <a:avLst/>
+          </a:prstGeom>
+          <a:noFill/>
+        </p:spPr>
+        <p:txBody>
+          <a:bodyPr wrap="none" rtlCol="0">
+            <a:spAutoFit/>
+          </a:bodyPr>
+          <a:lstStyle/>
+          <a:p>
+            <a:r>
+              <a:rPr lang="en-US" dirty="0" smtClean="0"/>
+              <a:t>3 pushes</a:t>
+            </a:r>
+            <a:endParaRPr lang="en-US" dirty="0"/>
+          </a:p>
+        </p:txBody>
+      </p:sp>
+      <p:sp>
+        <p:nvSpPr>
+          <p:cNvPr id="6" name="TextBox 5"/>
+          <p:cNvSpPr txBox="1"/>
+          <p:nvPr/>
+        </p:nvSpPr>
+        <p:spPr>
+          <a:xfrm>
+            <a:off x="6645349" y="4087269"/>
+            <a:ext cx="997389" cy="461665"/>
+          </a:xfrm>
+          <a:prstGeom prst="rect">
+            <a:avLst/>
+          </a:prstGeom>
+          <a:noFill/>
+        </p:spPr>
+        <p:txBody>
+          <a:bodyPr wrap="none" rtlCol="0">
+            <a:spAutoFit/>
+          </a:bodyPr>
+          <a:lstStyle/>
+          <a:p>
+            <a:r>
+              <a:rPr lang="en-US" dirty="0" smtClean="0"/>
+              <a:t>3 pops</a:t>
+            </a:r>
+            <a:endParaRPr lang="en-US" dirty="0"/>
+          </a:p>
+        </p:txBody>
+      </p:sp>
+      <p:sp>
+        <p:nvSpPr>
+          <p:cNvPr id="7" name="Right Brace 6"/>
+          <p:cNvSpPr/>
+          <p:nvPr/>
+        </p:nvSpPr>
+        <p:spPr bwMode="auto">
+          <a:xfrm>
+            <a:off x="6153594" y="3898143"/>
+            <a:ext cx="462516" cy="850605"/>
+          </a:xfrm>
+          <a:prstGeom prst="rightBrace">
+            <a:avLst/>
+          </a:prstGeom>
+          <a:noFill/>
+          <a:ln w="12700" cap="flat" cmpd="sng" algn="ctr">
+            <a:solidFill>
+              <a:schemeClr val="tx1"/>
+            </a:solidFill>
+            <a:prstDash val="solid"/>
+            <a:round/>
+            <a:headEnd type="none" w="med" len="med"/>
+            <a:tailEnd type="none" w="med" len="med"/>
+          </a:ln>
+          <a:effectLst/>
+        </p:spPr>
+        <p:txBody>
+          <a:bodyPr vert="horz" wrap="square" lIns="91440" tIns="45720" rIns="91440" bIns="45720" numCol="1" rtlCol="0" anchor="t" anchorCtr="0" compatLnSpc="1">
+            <a:prstTxWarp prst="textNoShape">
+              <a:avLst/>
+            </a:prstTxWarp>
+          </a:bodyPr>
+          <a:lstStyle/>
+          <a:p>
+            <a:pPr marL="0" marR="0" indent="0" algn="ctr" defTabSz="914400" rtl="0" eaLnBrk="0" fontAlgn="base" latinLnBrk="0" hangingPunct="0">
+              <a:lnSpc>
+                <a:spcPct val="100000"/>
+              </a:lnSpc>
+              <a:spcBef>
+                <a:spcPct val="0"/>
+              </a:spcBef>
+              <a:spcAft>
+                <a:spcPct val="0"/>
+              </a:spcAft>
+              <a:buClrTx/>
+              <a:buSzTx/>
+              <a:buFontTx/>
+              <a:buNone/>
+              <a:tabLst/>
+            </a:pPr>
+            <a:endParaRPr kumimoji="0" lang="en-US" sz="1600" b="0" i="0" u="none" strike="noStrike" cap="none" normalizeH="0" baseline="0" dirty="0" smtClean="0">
+              <a:ln>
+                <a:noFill/>
+              </a:ln>
+              <a:solidFill>
+                <a:schemeClr val="tx1"/>
+              </a:solidFill>
+              <a:effectLst/>
+              <a:latin typeface="Arial" charset="0"/>
+            </a:endParaRPr>
+          </a:p>
+        </p:txBody>
+      </p:sp>
     </p:spTree>
     <p:extLst>
       <p:ext uri="{BB962C8B-B14F-4D97-AF65-F5344CB8AC3E}">
-        <p14:creationId xmlns:p14="http://schemas.microsoft.com/office/powerpoint/2010/main" val="3564922033"/>
+        <p14:creationId xmlns:p14="http://schemas.microsoft.com/office/powerpoint/2010/main" val="235014974"/>
       </p:ext>
     </p:extLst>
   </p:cSld>
@@ -18867,7 +19383,7 @@
         </p:nvSpPr>
         <p:spPr>
           <a:xfrm>
-            <a:off x="376038" y="1702494"/>
+            <a:off x="376038" y="1592134"/>
             <a:ext cx="8493642" cy="4724400"/>
           </a:xfrm>
         </p:spPr>
@@ -18881,7 +19397,7 @@
                   <a:schemeClr val="accent2"/>
                 </a:solidFill>
               </a:rPr>
-              <a:t>Use a stack to avoid destroying registers</a:t>
+              <a:t>Pass-by-Value</a:t>
             </a:r>
             <a:endParaRPr lang="en-US" sz="2000" dirty="0">
               <a:solidFill>
@@ -18890,419 +19406,110 @@
             </a:endParaRPr>
           </a:p>
           <a:p>
-            <a:pPr marL="457200" lvl="1" indent="0">
-              <a:buNone/>
-            </a:pPr>
-            <a:r>
-              <a:rPr lang="pt-BR" sz="1400" dirty="0">
-                <a:latin typeface="Courier New" pitchFamily="49" charset="0"/>
-                <a:cs typeface="Courier New" pitchFamily="49" charset="0"/>
-              </a:rPr>
-              <a:t>mySubroutine:</a:t>
-            </a:r>
-          </a:p>
-          <a:p>
-            <a:pPr marL="457200" lvl="1" indent="0">
-              <a:buNone/>
-            </a:pPr>
-            <a:r>
-              <a:rPr lang="pt-BR" sz="1400" dirty="0">
-                <a:latin typeface="Courier New" pitchFamily="49" charset="0"/>
-                <a:cs typeface="Courier New" pitchFamily="49" charset="0"/>
-              </a:rPr>
-              <a:t>    push.w  </a:t>
-            </a:r>
-            <a:r>
-              <a:rPr lang="pt-BR" sz="1400" dirty="0" smtClean="0">
-                <a:latin typeface="Courier New" pitchFamily="49" charset="0"/>
-                <a:cs typeface="Courier New" pitchFamily="49" charset="0"/>
-              </a:rPr>
-              <a:t>r5  </a:t>
-            </a:r>
-            <a:r>
-              <a:rPr lang="pt-BR" sz="1400" dirty="0" smtClean="0">
-                <a:solidFill>
-                  <a:srgbClr val="00B050"/>
-                </a:solidFill>
-                <a:latin typeface="Courier New" pitchFamily="49" charset="0"/>
-                <a:cs typeface="Courier New" pitchFamily="49" charset="0"/>
-              </a:rPr>
-              <a:t>; let’s save these registers</a:t>
-            </a:r>
-            <a:endParaRPr lang="pt-BR" sz="1400" dirty="0">
-              <a:solidFill>
-                <a:srgbClr val="00B050"/>
-              </a:solidFill>
-              <a:latin typeface="Courier New" pitchFamily="49" charset="0"/>
-              <a:cs typeface="Courier New" pitchFamily="49" charset="0"/>
-            </a:endParaRPr>
-          </a:p>
-          <a:p>
-            <a:pPr marL="457200" lvl="1" indent="0">
-              <a:buNone/>
-            </a:pPr>
-            <a:r>
-              <a:rPr lang="pt-BR" sz="1400" dirty="0">
-                <a:latin typeface="Courier New" pitchFamily="49" charset="0"/>
-                <a:cs typeface="Courier New" pitchFamily="49" charset="0"/>
-              </a:rPr>
-              <a:t>    push.w  r6</a:t>
-            </a:r>
-          </a:p>
-          <a:p>
-            <a:pPr marL="457200" lvl="1" indent="0">
-              <a:buNone/>
-            </a:pPr>
-            <a:r>
-              <a:rPr lang="pt-BR" sz="1400" dirty="0">
-                <a:latin typeface="Courier New" pitchFamily="49" charset="0"/>
-                <a:cs typeface="Courier New" pitchFamily="49" charset="0"/>
-              </a:rPr>
-              <a:t>    push.w  </a:t>
-            </a:r>
-            <a:r>
-              <a:rPr lang="pt-BR" sz="1400" dirty="0" smtClean="0">
-                <a:latin typeface="Courier New" pitchFamily="49" charset="0"/>
-                <a:cs typeface="Courier New" pitchFamily="49" charset="0"/>
-              </a:rPr>
-              <a:t>r7</a:t>
-            </a:r>
-          </a:p>
-          <a:p>
-            <a:pPr marL="457200" lvl="1" indent="0">
-              <a:buNone/>
-            </a:pPr>
-            <a:endParaRPr lang="pt-BR" sz="1400" dirty="0">
-              <a:latin typeface="Courier New" pitchFamily="49" charset="0"/>
-              <a:cs typeface="Courier New" pitchFamily="49" charset="0"/>
-            </a:endParaRPr>
-          </a:p>
-          <a:p>
-            <a:pPr marL="457200" lvl="1" indent="0">
-              <a:buNone/>
-            </a:pPr>
-            <a:r>
-              <a:rPr lang="pt-BR" sz="1400" dirty="0" smtClean="0">
-                <a:latin typeface="Courier New" pitchFamily="49" charset="0"/>
-                <a:cs typeface="Courier New" pitchFamily="49" charset="0"/>
-              </a:rPr>
-              <a:t>    </a:t>
-            </a:r>
-            <a:r>
-              <a:rPr lang="pt-BR" sz="1400" dirty="0" smtClean="0">
-                <a:solidFill>
-                  <a:srgbClr val="00B050"/>
-                </a:solidFill>
-                <a:latin typeface="Courier New" pitchFamily="49" charset="0"/>
-                <a:cs typeface="Courier New" pitchFamily="49" charset="0"/>
-              </a:rPr>
-              <a:t>;... Do subroutine work here ....</a:t>
-            </a:r>
-          </a:p>
-          <a:p>
-            <a:pPr marL="457200" lvl="1" indent="0">
-              <a:buNone/>
-            </a:pPr>
-            <a:endParaRPr lang="pt-BR" sz="1400" dirty="0">
-              <a:latin typeface="Courier New" pitchFamily="49" charset="0"/>
-              <a:cs typeface="Courier New" pitchFamily="49" charset="0"/>
-            </a:endParaRPr>
-          </a:p>
-          <a:p>
-            <a:pPr marL="457200" lvl="1" indent="0">
-              <a:buNone/>
-            </a:pPr>
-            <a:r>
-              <a:rPr lang="pt-BR" sz="1400" dirty="0">
-                <a:latin typeface="Courier New" pitchFamily="49" charset="0"/>
-                <a:cs typeface="Courier New" pitchFamily="49" charset="0"/>
-              </a:rPr>
-              <a:t>    pop.w   </a:t>
-            </a:r>
-            <a:r>
-              <a:rPr lang="pt-BR" sz="1400" dirty="0" smtClean="0">
-                <a:latin typeface="Courier New" pitchFamily="49" charset="0"/>
-                <a:cs typeface="Courier New" pitchFamily="49" charset="0"/>
-              </a:rPr>
-              <a:t>r7  </a:t>
-            </a:r>
-            <a:r>
-              <a:rPr lang="pt-BR" sz="1400" dirty="0" smtClean="0">
-                <a:solidFill>
-                  <a:srgbClr val="00B050"/>
-                </a:solidFill>
-                <a:latin typeface="Courier New" pitchFamily="49" charset="0"/>
-                <a:cs typeface="Courier New" pitchFamily="49" charset="0"/>
-              </a:rPr>
-              <a:t>; all done, let’s restore them</a:t>
-            </a:r>
-            <a:endParaRPr lang="pt-BR" sz="1400" dirty="0">
-              <a:solidFill>
-                <a:srgbClr val="00B050"/>
-              </a:solidFill>
-              <a:latin typeface="Courier New" pitchFamily="49" charset="0"/>
-              <a:cs typeface="Courier New" pitchFamily="49" charset="0"/>
-            </a:endParaRPr>
-          </a:p>
-          <a:p>
-            <a:pPr marL="457200" lvl="1" indent="0">
-              <a:buNone/>
-            </a:pPr>
-            <a:r>
-              <a:rPr lang="pt-BR" sz="1400" dirty="0">
-                <a:latin typeface="Courier New" pitchFamily="49" charset="0"/>
-                <a:cs typeface="Courier New" pitchFamily="49" charset="0"/>
-              </a:rPr>
-              <a:t>    pop.w   r6</a:t>
-            </a:r>
-          </a:p>
-          <a:p>
-            <a:pPr marL="457200" lvl="1" indent="0">
-              <a:buNone/>
-            </a:pPr>
-            <a:r>
-              <a:rPr lang="pt-BR" sz="1400" dirty="0">
-                <a:latin typeface="Courier New" pitchFamily="49" charset="0"/>
-                <a:cs typeface="Courier New" pitchFamily="49" charset="0"/>
-              </a:rPr>
-              <a:t>    pop.w   r5</a:t>
-            </a:r>
-          </a:p>
-          <a:p>
-            <a:pPr marL="457200" lvl="1" indent="0">
-              <a:buNone/>
-            </a:pPr>
-            <a:r>
-              <a:rPr lang="pt-BR" sz="1400" dirty="0">
-                <a:latin typeface="Courier New" pitchFamily="49" charset="0"/>
-                <a:cs typeface="Courier New" pitchFamily="49" charset="0"/>
-              </a:rPr>
-              <a:t>    </a:t>
-            </a:r>
-            <a:r>
-              <a:rPr lang="pt-BR" sz="1400" dirty="0" smtClean="0">
-                <a:latin typeface="Courier New" pitchFamily="49" charset="0"/>
-                <a:cs typeface="Courier New" pitchFamily="49" charset="0"/>
-              </a:rPr>
-              <a:t>ret</a:t>
-            </a:r>
-          </a:p>
-          <a:p>
-            <a:pPr marL="457200" lvl="1" indent="0">
-              <a:buNone/>
-            </a:pPr>
-            <a:endParaRPr lang="en-US" sz="2000" dirty="0"/>
-          </a:p>
-          <a:p>
-            <a:r>
-              <a:rPr lang="en-US" sz="2000" dirty="0" smtClean="0">
-                <a:solidFill>
-                  <a:schemeClr val="accent2"/>
-                </a:solidFill>
-              </a:rPr>
-              <a:t>What is Pass-by-Value and Pass-by-Reference?</a:t>
-            </a:r>
-            <a:endParaRPr lang="en-US" sz="2000" dirty="0" smtClean="0"/>
-          </a:p>
-          <a:p>
+            <a:pPr lvl="1"/>
+            <a:r>
+              <a:rPr lang="en-US" sz="2000" dirty="0"/>
+              <a:t>pass the actual values of the arguments to a </a:t>
+            </a:r>
+            <a:r>
+              <a:rPr lang="en-US" sz="2000" dirty="0" smtClean="0"/>
+              <a:t>subroutine</a:t>
+            </a:r>
+          </a:p>
+          <a:p>
+            <a:pPr lvl="1"/>
+            <a:r>
+              <a:rPr lang="en-US" dirty="0" smtClean="0"/>
+              <a:t>This creates a copy of the data</a:t>
+            </a:r>
+          </a:p>
+          <a:p>
+            <a:pPr lvl="2"/>
+            <a:r>
+              <a:rPr lang="en-US" sz="1800" dirty="0" smtClean="0"/>
+              <a:t>Imagine we are passing an1600 x 1400 color image … is this an issue?</a:t>
+            </a:r>
             <a:endParaRPr lang="en-US" sz="2000" dirty="0" smtClean="0">
               <a:solidFill>
                 <a:schemeClr val="accent2"/>
               </a:solidFill>
             </a:endParaRPr>
           </a:p>
-        </p:txBody>
-      </p:sp>
-      <p:sp>
-        <p:nvSpPr>
-          <p:cNvPr id="4" name="Right Brace 3"/>
-          <p:cNvSpPr/>
-          <p:nvPr/>
-        </p:nvSpPr>
-        <p:spPr bwMode="auto">
-          <a:xfrm>
-            <a:off x="6182833" y="2174358"/>
-            <a:ext cx="462516" cy="850605"/>
-          </a:xfrm>
-          <a:prstGeom prst="rightBrace">
-            <a:avLst/>
-          </a:prstGeom>
-          <a:noFill/>
-          <a:ln w="12700" cap="flat" cmpd="sng" algn="ctr">
-            <a:solidFill>
-              <a:schemeClr val="tx1"/>
-            </a:solidFill>
-            <a:prstDash val="solid"/>
-            <a:round/>
-            <a:headEnd type="none" w="med" len="med"/>
-            <a:tailEnd type="none" w="med" len="med"/>
-          </a:ln>
-          <a:effectLst/>
-        </p:spPr>
-        <p:txBody>
-          <a:bodyPr vert="horz" wrap="square" lIns="91440" tIns="45720" rIns="91440" bIns="45720" numCol="1" rtlCol="0" anchor="t" anchorCtr="0" compatLnSpc="1">
-            <a:prstTxWarp prst="textNoShape">
-              <a:avLst/>
-            </a:prstTxWarp>
-          </a:bodyPr>
-          <a:lstStyle/>
-          <a:p>
-            <a:pPr marL="0" marR="0" indent="0" algn="ctr" defTabSz="914400" rtl="0" eaLnBrk="0" fontAlgn="base" latinLnBrk="0" hangingPunct="0">
-              <a:lnSpc>
-                <a:spcPct val="100000"/>
-              </a:lnSpc>
-              <a:spcBef>
-                <a:spcPct val="0"/>
-              </a:spcBef>
-              <a:spcAft>
-                <a:spcPct val="0"/>
-              </a:spcAft>
-              <a:buClrTx/>
-              <a:buSzTx/>
-              <a:buFontTx/>
-              <a:buNone/>
-              <a:tabLst/>
-            </a:pPr>
-            <a:endParaRPr kumimoji="0" lang="en-US" sz="1600" b="0" i="0" u="none" strike="noStrike" cap="none" normalizeH="0" baseline="0" dirty="0" smtClean="0">
-              <a:ln>
-                <a:noFill/>
-              </a:ln>
+          <a:p>
+            <a:r>
+              <a:rPr lang="en-US" sz="2000" dirty="0" smtClean="0">
+                <a:solidFill>
+                  <a:schemeClr val="accent2"/>
+                </a:solidFill>
+              </a:rPr>
+              <a:t>Pass-by-Reference</a:t>
+            </a:r>
+            <a:endParaRPr lang="en-US" sz="2000" dirty="0">
               <a:solidFill>
-                <a:schemeClr val="tx1"/>
+                <a:schemeClr val="accent2"/>
               </a:solidFill>
-              <a:effectLst/>
-              <a:latin typeface="Arial" charset="0"/>
             </a:endParaRPr>
           </a:p>
-        </p:txBody>
-      </p:sp>
-      <p:sp>
-        <p:nvSpPr>
-          <p:cNvPr id="5" name="TextBox 4"/>
-          <p:cNvSpPr txBox="1"/>
-          <p:nvPr/>
-        </p:nvSpPr>
-        <p:spPr>
-          <a:xfrm>
-            <a:off x="6645349" y="2368827"/>
-            <a:ext cx="1253869" cy="461665"/>
-          </a:xfrm>
-          <a:prstGeom prst="rect">
-            <a:avLst/>
-          </a:prstGeom>
-          <a:noFill/>
-        </p:spPr>
-        <p:txBody>
-          <a:bodyPr wrap="none" rtlCol="0">
-            <a:spAutoFit/>
-          </a:bodyPr>
-          <a:lstStyle/>
-          <a:p>
+          <a:p>
+            <a:pPr lvl="1"/>
+            <a:r>
+              <a:rPr lang="en-US" sz="2000" dirty="0" smtClean="0"/>
+              <a:t>Pass the address of the argument to a subroutine</a:t>
+            </a:r>
+          </a:p>
+          <a:p>
+            <a:pPr lvl="1"/>
             <a:r>
               <a:rPr lang="en-US" dirty="0" smtClean="0"/>
-              <a:t>3 pushes</a:t>
-            </a:r>
-            <a:endParaRPr lang="en-US" dirty="0"/>
-          </a:p>
-        </p:txBody>
-      </p:sp>
-      <p:sp>
-        <p:nvSpPr>
-          <p:cNvPr id="6" name="TextBox 5"/>
-          <p:cNvSpPr txBox="1"/>
-          <p:nvPr/>
-        </p:nvSpPr>
-        <p:spPr>
-          <a:xfrm>
-            <a:off x="6645349" y="4087269"/>
-            <a:ext cx="997389" cy="461665"/>
-          </a:xfrm>
-          <a:prstGeom prst="rect">
-            <a:avLst/>
-          </a:prstGeom>
-          <a:noFill/>
-        </p:spPr>
-        <p:txBody>
-          <a:bodyPr wrap="none" rtlCol="0">
-            <a:spAutoFit/>
-          </a:bodyPr>
-          <a:lstStyle/>
-          <a:p>
-            <a:r>
-              <a:rPr lang="en-US" dirty="0" smtClean="0"/>
-              <a:t>3 pops</a:t>
-            </a:r>
-            <a:endParaRPr lang="en-US" dirty="0"/>
-          </a:p>
-        </p:txBody>
-      </p:sp>
-      <p:sp>
-        <p:nvSpPr>
-          <p:cNvPr id="7" name="Right Brace 6"/>
-          <p:cNvSpPr/>
-          <p:nvPr/>
-        </p:nvSpPr>
-        <p:spPr bwMode="auto">
-          <a:xfrm>
-            <a:off x="6153594" y="3898143"/>
-            <a:ext cx="462516" cy="850605"/>
-          </a:xfrm>
-          <a:prstGeom prst="rightBrace">
-            <a:avLst/>
-          </a:prstGeom>
-          <a:noFill/>
-          <a:ln w="12700" cap="flat" cmpd="sng" algn="ctr">
-            <a:solidFill>
-              <a:schemeClr val="tx1"/>
-            </a:solidFill>
-            <a:prstDash val="solid"/>
-            <a:round/>
-            <a:headEnd type="none" w="med" len="med"/>
-            <a:tailEnd type="none" w="med" len="med"/>
-          </a:ln>
-          <a:effectLst/>
-        </p:spPr>
-        <p:txBody>
-          <a:bodyPr vert="horz" wrap="square" lIns="91440" tIns="45720" rIns="91440" bIns="45720" numCol="1" rtlCol="0" anchor="t" anchorCtr="0" compatLnSpc="1">
-            <a:prstTxWarp prst="textNoShape">
-              <a:avLst/>
-            </a:prstTxWarp>
-          </a:bodyPr>
-          <a:lstStyle/>
-          <a:p>
-            <a:pPr marL="0" marR="0" indent="0" algn="ctr" defTabSz="914400" rtl="0" eaLnBrk="0" fontAlgn="base" latinLnBrk="0" hangingPunct="0">
-              <a:lnSpc>
-                <a:spcPct val="100000"/>
-              </a:lnSpc>
-              <a:spcBef>
-                <a:spcPct val="0"/>
-              </a:spcBef>
-              <a:spcAft>
-                <a:spcPct val="0"/>
-              </a:spcAft>
-              <a:buClrTx/>
-              <a:buSzTx/>
-              <a:buFontTx/>
-              <a:buNone/>
-              <a:tabLst/>
-            </a:pPr>
-            <a:endParaRPr kumimoji="0" lang="en-US" sz="1600" b="0" i="0" u="none" strike="noStrike" cap="none" normalizeH="0" baseline="0" dirty="0" smtClean="0">
-              <a:ln>
-                <a:noFill/>
-              </a:ln>
+              <a:t>This also is referred to as a pointer</a:t>
+            </a:r>
+            <a:endParaRPr lang="en-US" sz="2200" dirty="0" smtClean="0">
               <a:solidFill>
-                <a:schemeClr val="tx1"/>
+                <a:schemeClr val="accent2"/>
               </a:solidFill>
-              <a:effectLst/>
-              <a:latin typeface="Arial" charset="0"/>
             </a:endParaRPr>
+          </a:p>
+          <a:p>
+            <a:endParaRPr lang="en-US" sz="2200" dirty="0" smtClean="0">
+              <a:solidFill>
+                <a:schemeClr val="accent2"/>
+              </a:solidFill>
+            </a:endParaRPr>
+          </a:p>
+          <a:p>
+            <a:r>
+              <a:rPr lang="en-US" sz="2200" dirty="0" smtClean="0">
+                <a:solidFill>
+                  <a:schemeClr val="accent2"/>
+                </a:solidFill>
+              </a:rPr>
+              <a:t>Which method can modify the original source data, and which can only modify a copy of the source data?</a:t>
+            </a:r>
+          </a:p>
+          <a:p>
+            <a:r>
+              <a:rPr lang="en-US" sz="2200" dirty="0" smtClean="0">
+                <a:solidFill>
+                  <a:schemeClr val="accent2"/>
+                </a:solidFill>
+              </a:rPr>
+              <a:t>Which is best if you are passing an array of 1000 values?</a:t>
+            </a:r>
+            <a:endParaRPr lang="en-US" sz="2200" dirty="0">
+              <a:solidFill>
+                <a:schemeClr val="accent2"/>
+              </a:solidFill>
+            </a:endParaRPr>
+          </a:p>
+          <a:p>
+            <a:endParaRPr lang="en-US" sz="2000" dirty="0"/>
           </a:p>
         </p:txBody>
       </p:sp>
     </p:spTree>
     <p:extLst>
       <p:ext uri="{BB962C8B-B14F-4D97-AF65-F5344CB8AC3E}">
-        <p14:creationId xmlns:p14="http://schemas.microsoft.com/office/powerpoint/2010/main" val="235014974"/>
+        <p14:creationId xmlns:p14="http://schemas.microsoft.com/office/powerpoint/2010/main" val="2187222902"/>
       </p:ext>
     </p:extLst>
   </p:cSld>
@@ -19635,213 +19842,6 @@
           <a:lstStyle/>
           <a:p>
             <a:r>
-              <a:rPr lang="en-US" b="1" dirty="0" smtClean="0"/>
-              <a:t>Arguments</a:t>
-            </a:r>
-            <a:endParaRPr lang="en-US" dirty="0"/>
-          </a:p>
-        </p:txBody>
-      </p:sp>
-      <p:sp>
-        <p:nvSpPr>
-          <p:cNvPr id="3" name="Content Placeholder 2"/>
-          <p:cNvSpPr>
-            <a:spLocks noGrp="1"/>
-          </p:cNvSpPr>
-          <p:nvPr>
-            <p:ph idx="1"/>
-          </p:nvPr>
-        </p:nvSpPr>
-        <p:spPr>
-          <a:xfrm>
-            <a:off x="376038" y="1592134"/>
-            <a:ext cx="8493642" cy="4724400"/>
-          </a:xfrm>
-        </p:spPr>
-        <p:txBody>
-          <a:bodyPr/>
-          <a:lstStyle/>
-          <a:p>
-            <a:r>
-              <a:rPr lang="en-US" sz="2000" dirty="0" smtClean="0">
-                <a:solidFill>
-                  <a:schemeClr val="accent2"/>
-                </a:solidFill>
-              </a:rPr>
-              <a:t>Pass-by-Value</a:t>
-            </a:r>
-            <a:endParaRPr lang="en-US" sz="2000" dirty="0">
-              <a:solidFill>
-                <a:schemeClr val="accent2"/>
-              </a:solidFill>
-            </a:endParaRPr>
-          </a:p>
-          <a:p>
-            <a:pPr lvl="1"/>
-            <a:r>
-              <a:rPr lang="en-US" sz="2000" dirty="0"/>
-              <a:t>pass the actual values of the arguments to a </a:t>
-            </a:r>
-            <a:r>
-              <a:rPr lang="en-US" sz="2000" dirty="0" smtClean="0"/>
-              <a:t>subroutine</a:t>
-            </a:r>
-          </a:p>
-          <a:p>
-            <a:pPr lvl="1"/>
-            <a:r>
-              <a:rPr lang="en-US" dirty="0" smtClean="0"/>
-              <a:t>This creates a copy of the data</a:t>
-            </a:r>
-          </a:p>
-          <a:p>
-            <a:pPr lvl="2"/>
-            <a:r>
-              <a:rPr lang="en-US" sz="1800" dirty="0" smtClean="0"/>
-              <a:t>Imagine we are passing an1600 x 1400 color image … is this an issue?</a:t>
-            </a:r>
-            <a:endParaRPr lang="en-US" sz="2000" dirty="0" smtClean="0">
-              <a:solidFill>
-                <a:schemeClr val="accent2"/>
-              </a:solidFill>
-            </a:endParaRPr>
-          </a:p>
-          <a:p>
-            <a:r>
-              <a:rPr lang="en-US" sz="2000" dirty="0" smtClean="0">
-                <a:solidFill>
-                  <a:schemeClr val="accent2"/>
-                </a:solidFill>
-              </a:rPr>
-              <a:t>Pass-by-Reference</a:t>
-            </a:r>
-            <a:endParaRPr lang="en-US" sz="2000" dirty="0">
-              <a:solidFill>
-                <a:schemeClr val="accent2"/>
-              </a:solidFill>
-            </a:endParaRPr>
-          </a:p>
-          <a:p>
-            <a:pPr lvl="1"/>
-            <a:r>
-              <a:rPr lang="en-US" sz="2000" dirty="0" smtClean="0"/>
-              <a:t>Pass the address of the argument to a </a:t>
-            </a:r>
-            <a:r>
-              <a:rPr lang="en-US" sz="2000" dirty="0" smtClean="0"/>
-              <a:t>subroutine</a:t>
-            </a:r>
-          </a:p>
-          <a:p>
-            <a:pPr lvl="1"/>
-            <a:r>
-              <a:rPr lang="en-US" dirty="0" smtClean="0"/>
-              <a:t>This also is referred to as a pointer</a:t>
-            </a:r>
-            <a:endParaRPr lang="en-US" sz="2200" dirty="0" smtClean="0">
-              <a:solidFill>
-                <a:schemeClr val="accent2"/>
-              </a:solidFill>
-            </a:endParaRPr>
-          </a:p>
-          <a:p>
-            <a:endParaRPr lang="en-US" sz="2200" dirty="0" smtClean="0">
-              <a:solidFill>
-                <a:schemeClr val="accent2"/>
-              </a:solidFill>
-            </a:endParaRPr>
-          </a:p>
-          <a:p>
-            <a:r>
-              <a:rPr lang="en-US" sz="2200" dirty="0" smtClean="0">
-                <a:solidFill>
-                  <a:schemeClr val="accent2"/>
-                </a:solidFill>
-              </a:rPr>
-              <a:t>Which </a:t>
-            </a:r>
-            <a:r>
-              <a:rPr lang="en-US" sz="2200" dirty="0" smtClean="0">
-                <a:solidFill>
-                  <a:schemeClr val="accent2"/>
-                </a:solidFill>
-              </a:rPr>
-              <a:t>method can modify the original source data, and which can only modify a copy of the source data?</a:t>
-            </a:r>
-          </a:p>
-          <a:p>
-            <a:r>
-              <a:rPr lang="en-US" sz="2200" dirty="0" smtClean="0">
-                <a:solidFill>
-                  <a:schemeClr val="accent2"/>
-                </a:solidFill>
-              </a:rPr>
-              <a:t>Which is best if you are passing an array of 1000 values?</a:t>
-            </a:r>
-            <a:endParaRPr lang="en-US" sz="2200" dirty="0">
-              <a:solidFill>
-                <a:schemeClr val="accent2"/>
-              </a:solidFill>
-            </a:endParaRPr>
-          </a:p>
-          <a:p>
-            <a:endParaRPr lang="en-US" sz="2000" dirty="0"/>
-          </a:p>
-        </p:txBody>
-      </p:sp>
-    </p:spTree>
-    <p:extLst>
-      <p:ext uri="{BB962C8B-B14F-4D97-AF65-F5344CB8AC3E}">
-        <p14:creationId xmlns:p14="http://schemas.microsoft.com/office/powerpoint/2010/main" val="2187222902"/>
-      </p:ext>
-    </p:extLst>
-  </p:cSld>
-  <p:clrMapOvr>
-    <a:masterClrMapping/>
-  </p:clrMapOvr>
-  <p:timing>
-    <p:tnLst>
-      <p:par>
-        <p:cTn id="1" dur="indefinite" restart="never" nodeType="tmRoot"/>
-      </p:par>
-    </p:tnLst>
-  </p:timing>
-</p:sld>
-</file>
-
-<file path=ppt/slides/slide31.xml><?xml version="1.0" encoding="utf-8"?>
-<p:sld xmlns:a="http://schemas.openxmlformats.org/drawingml/2006/main" xmlns:r="http://schemas.openxmlformats.org/officeDocument/2006/relationships" xmlns:p="http://schemas.openxmlformats.org/presentationml/2006/main">
-  <p:cSld>
-    <p:spTree>
-      <p:nvGrpSpPr>
-        <p:cNvPr id="1" name=""/>
-        <p:cNvGrpSpPr/>
-        <p:nvPr/>
-      </p:nvGrpSpPr>
-      <p:grpSpPr>
-        <a:xfrm>
-          <a:off x="0" y="0"/>
-          <a:ext cx="0" cy="0"/>
-          <a:chOff x="0" y="0"/>
-          <a:chExt cx="0" cy="0"/>
-        </a:xfrm>
-      </p:grpSpPr>
-      <p:sp>
-        <p:nvSpPr>
-          <p:cNvPr id="2" name="Title 1"/>
-          <p:cNvSpPr>
-            <a:spLocks noGrp="1"/>
-          </p:cNvSpPr>
-          <p:nvPr>
-            <p:ph type="title"/>
-          </p:nvPr>
-        </p:nvSpPr>
-        <p:spPr/>
-        <p:txBody>
-          <a:bodyPr/>
-          <a:lstStyle/>
-          <a:p>
-            <a:r>
               <a:rPr lang="en-US" b="1" dirty="0"/>
               <a:t>Key Subroutine Rules</a:t>
             </a:r>
@@ -20026,7 +20026,7 @@
 </p:sld>
 </file>
 
-<file path=ppt/slides/slide32.xml><?xml version="1.0" encoding="utf-8"?>
+<file path=ppt/slides/slide31.xml><?xml version="1.0" encoding="utf-8"?>
 <p:sld xmlns:a="http://schemas.openxmlformats.org/drawingml/2006/main" xmlns:r="http://schemas.openxmlformats.org/officeDocument/2006/relationships" xmlns:p="http://schemas.openxmlformats.org/presentationml/2006/main">
   <p:cSld>
     <p:spTree>
@@ -20792,10 +20792,17 @@
   <p:clrMapOvr>
     <a:masterClrMapping/>
   </p:clrMapOvr>
+  <p:timing>
+    <p:tnLst>
+      <p:par>
+        <p:cTn id="1" dur="indefinite" restart="never" nodeType="tmRoot"/>
+      </p:par>
+    </p:tnLst>
+  </p:timing>
 </p:sld>
 </file>
 
-<file path=ppt/slides/slide33.xml><?xml version="1.0" encoding="utf-8"?>
+<file path=ppt/slides/slide32.xml><?xml version="1.0" encoding="utf-8"?>
 <p:sld xmlns:a="http://schemas.openxmlformats.org/drawingml/2006/main" xmlns:r="http://schemas.openxmlformats.org/officeDocument/2006/relationships" xmlns:p="http://schemas.openxmlformats.org/presentationml/2006/main">
   <p:cSld>
     <p:spTree>
@@ -20935,7 +20942,7 @@
 </p:sld>
 </file>
 
-<file path=ppt/slides/slide34.xml><?xml version="1.0" encoding="utf-8"?>
+<file path=ppt/slides/slide33.xml><?xml version="1.0" encoding="utf-8"?>
 <p:sld xmlns:a="http://schemas.openxmlformats.org/drawingml/2006/main" xmlns:r="http://schemas.openxmlformats.org/officeDocument/2006/relationships" xmlns:p="http://schemas.openxmlformats.org/presentationml/2006/main">
   <p:cSld>
     <p:spTree>
@@ -21908,6 +21915,360 @@
           </a:extLst>
         </p:spPr>
       </p:pic>
+      <p:sp>
+        <p:nvSpPr>
+          <p:cNvPr id="4" name="Oval 3"/>
+          <p:cNvSpPr/>
+          <p:nvPr/>
+        </p:nvSpPr>
+        <p:spPr bwMode="auto">
+          <a:xfrm>
+            <a:off x="5198533" y="2488207"/>
+            <a:ext cx="1430866" cy="333929"/>
+          </a:xfrm>
+          <a:prstGeom prst="ellipse">
+            <a:avLst/>
+          </a:prstGeom>
+          <a:noFill/>
+          <a:ln w="12700" cap="flat" cmpd="sng" algn="ctr">
+            <a:solidFill>
+              <a:srgbClr val="FF0000"/>
+            </a:solidFill>
+            <a:prstDash val="solid"/>
+            <a:round/>
+            <a:headEnd type="none" w="med" len="med"/>
+            <a:tailEnd type="none" w="med" len="med"/>
+          </a:ln>
+          <a:effectLst/>
+        </p:spPr>
+        <p:txBody>
+          <a:bodyPr vert="horz" wrap="square" lIns="91440" tIns="45720" rIns="91440" bIns="45720" numCol="1" rtlCol="0" anchor="ctr" anchorCtr="0" compatLnSpc="1">
+            <a:prstTxWarp prst="textNoShape">
+              <a:avLst/>
+            </a:prstTxWarp>
+          </a:bodyPr>
+          <a:lstStyle/>
+          <a:p>
+            <a:pPr marL="0" marR="0" indent="0" algn="ctr" defTabSz="914400" rtl="0" eaLnBrk="0" fontAlgn="base" latinLnBrk="0" hangingPunct="0">
+              <a:lnSpc>
+                <a:spcPct val="100000"/>
+              </a:lnSpc>
+              <a:spcBef>
+                <a:spcPct val="0"/>
+              </a:spcBef>
+              <a:spcAft>
+                <a:spcPct val="0"/>
+              </a:spcAft>
+              <a:buClrTx/>
+              <a:buSzTx/>
+              <a:buFontTx/>
+              <a:buNone/>
+              <a:tabLst/>
+            </a:pPr>
+            <a:endParaRPr kumimoji="0" lang="en-US" sz="1600" b="0" i="0" u="none" strike="noStrike" cap="none" normalizeH="0" baseline="0" dirty="0" smtClean="0">
+              <a:ln>
+                <a:noFill/>
+              </a:ln>
+              <a:solidFill>
+                <a:schemeClr val="bg1"/>
+              </a:solidFill>
+              <a:effectLst/>
+              <a:latin typeface="Arial" charset="0"/>
+            </a:endParaRPr>
+          </a:p>
+        </p:txBody>
+      </p:sp>
+      <p:sp>
+        <p:nvSpPr>
+          <p:cNvPr id="9" name="Oval 8"/>
+          <p:cNvSpPr/>
+          <p:nvPr/>
+        </p:nvSpPr>
+        <p:spPr bwMode="auto">
+          <a:xfrm>
+            <a:off x="5384799" y="3105084"/>
+            <a:ext cx="905933" cy="333929"/>
+          </a:xfrm>
+          <a:prstGeom prst="ellipse">
+            <a:avLst/>
+          </a:prstGeom>
+          <a:noFill/>
+          <a:ln w="12700" cap="flat" cmpd="sng" algn="ctr">
+            <a:solidFill>
+              <a:srgbClr val="FF0000"/>
+            </a:solidFill>
+            <a:prstDash val="solid"/>
+            <a:round/>
+            <a:headEnd type="none" w="med" len="med"/>
+            <a:tailEnd type="none" w="med" len="med"/>
+          </a:ln>
+          <a:effectLst/>
+        </p:spPr>
+        <p:txBody>
+          <a:bodyPr vert="horz" wrap="square" lIns="91440" tIns="45720" rIns="91440" bIns="45720" numCol="1" rtlCol="0" anchor="ctr" anchorCtr="0" compatLnSpc="1">
+            <a:prstTxWarp prst="textNoShape">
+              <a:avLst/>
+            </a:prstTxWarp>
+          </a:bodyPr>
+          <a:lstStyle/>
+          <a:p>
+            <a:pPr marL="0" marR="0" indent="0" algn="ctr" defTabSz="914400" rtl="0" eaLnBrk="0" fontAlgn="base" latinLnBrk="0" hangingPunct="0">
+              <a:lnSpc>
+                <a:spcPct val="100000"/>
+              </a:lnSpc>
+              <a:spcBef>
+                <a:spcPct val="0"/>
+              </a:spcBef>
+              <a:spcAft>
+                <a:spcPct val="0"/>
+              </a:spcAft>
+              <a:buClrTx/>
+              <a:buSzTx/>
+              <a:buFontTx/>
+              <a:buNone/>
+              <a:tabLst/>
+            </a:pPr>
+            <a:endParaRPr kumimoji="0" lang="en-US" sz="1600" b="0" i="0" u="none" strike="noStrike" cap="none" normalizeH="0" baseline="0" dirty="0" smtClean="0">
+              <a:ln>
+                <a:noFill/>
+              </a:ln>
+              <a:solidFill>
+                <a:schemeClr val="bg1"/>
+              </a:solidFill>
+              <a:effectLst/>
+              <a:latin typeface="Arial" charset="0"/>
+            </a:endParaRPr>
+          </a:p>
+        </p:txBody>
+      </p:sp>
+      <p:sp>
+        <p:nvSpPr>
+          <p:cNvPr id="5" name="Rectangular Callout 4"/>
+          <p:cNvSpPr/>
+          <p:nvPr/>
+        </p:nvSpPr>
+        <p:spPr bwMode="auto">
+          <a:xfrm>
+            <a:off x="6290732" y="3843866"/>
+            <a:ext cx="2726268" cy="2023533"/>
+          </a:xfrm>
+          <a:prstGeom prst="wedgeRectCallout">
+            <a:avLst>
+              <a:gd name="adj1" fmla="val -51873"/>
+              <a:gd name="adj2" fmla="val -73303"/>
+            </a:avLst>
+          </a:prstGeom>
+          <a:solidFill>
+            <a:srgbClr val="FFFF00"/>
+          </a:solidFill>
+          <a:ln w="12700" cap="flat" cmpd="sng" algn="ctr">
+            <a:solidFill>
+              <a:schemeClr val="accent6">
+                <a:lumMod val="40000"/>
+                <a:lumOff val="60000"/>
+              </a:schemeClr>
+            </a:solidFill>
+            <a:prstDash val="solid"/>
+            <a:round/>
+            <a:headEnd type="none" w="med" len="med"/>
+            <a:tailEnd type="none" w="med" len="med"/>
+          </a:ln>
+          <a:effectLst/>
+        </p:spPr>
+        <p:txBody>
+          <a:bodyPr vert="horz" wrap="square" lIns="91440" tIns="45720" rIns="91440" bIns="45720" numCol="1" rtlCol="0" anchor="ctr" anchorCtr="0" compatLnSpc="1">
+            <a:prstTxWarp prst="textNoShape">
+              <a:avLst/>
+            </a:prstTxWarp>
+          </a:bodyPr>
+          <a:lstStyle/>
+          <a:p>
+            <a:pPr marL="0" marR="0" indent="0" defTabSz="914400" rtl="0" eaLnBrk="0" fontAlgn="base" latinLnBrk="0" hangingPunct="0">
+              <a:lnSpc>
+                <a:spcPct val="100000"/>
+              </a:lnSpc>
+              <a:spcBef>
+                <a:spcPct val="0"/>
+              </a:spcBef>
+              <a:spcAft>
+                <a:spcPct val="0"/>
+              </a:spcAft>
+              <a:buClrTx/>
+              <a:buSzTx/>
+              <a:buFontTx/>
+              <a:buNone/>
+              <a:tabLst/>
+            </a:pPr>
+            <a:r>
+              <a:rPr kumimoji="0" lang="en-US" sz="1600" b="0" i="0" u="none" strike="noStrike" cap="none" normalizeH="0" baseline="0" dirty="0" smtClean="0">
+                <a:ln>
+                  <a:noFill/>
+                </a:ln>
+                <a:effectLst/>
+                <a:latin typeface="Arial" charset="0"/>
+              </a:rPr>
+              <a:t>Be careful</a:t>
+            </a:r>
+            <a:r>
+              <a:rPr lang="en-US" sz="1600" dirty="0" smtClean="0">
+                <a:latin typeface="Arial" charset="0"/>
+              </a:rPr>
+              <a:t> you are not thinking backwards:</a:t>
+            </a:r>
+          </a:p>
+          <a:p>
+            <a:pPr marL="0" marR="0" indent="0" defTabSz="914400" rtl="0" eaLnBrk="0" fontAlgn="base" latinLnBrk="0" hangingPunct="0">
+              <a:lnSpc>
+                <a:spcPct val="100000"/>
+              </a:lnSpc>
+              <a:spcBef>
+                <a:spcPct val="0"/>
+              </a:spcBef>
+              <a:spcAft>
+                <a:spcPct val="0"/>
+              </a:spcAft>
+              <a:buClrTx/>
+              <a:buSzTx/>
+              <a:buFontTx/>
+              <a:buNone/>
+              <a:tabLst/>
+            </a:pPr>
+            <a:endParaRPr lang="en-US" sz="1600" dirty="0" smtClean="0">
+              <a:latin typeface="Arial" charset="0"/>
+            </a:endParaRPr>
+          </a:p>
+          <a:p>
+            <a:pPr marL="285750" marR="0" indent="-285750" defTabSz="914400" rtl="0" eaLnBrk="0" fontAlgn="base" latinLnBrk="0" hangingPunct="0">
+              <a:lnSpc>
+                <a:spcPct val="100000"/>
+              </a:lnSpc>
+              <a:spcBef>
+                <a:spcPct val="0"/>
+              </a:spcBef>
+              <a:spcAft>
+                <a:spcPct val="0"/>
+              </a:spcAft>
+              <a:buClrTx/>
+              <a:buSzTx/>
+              <a:buFont typeface="Arial" panose="020B0604020202020204" pitchFamily="34" charset="0"/>
+              <a:buChar char="•"/>
+              <a:tabLst/>
+            </a:pPr>
+            <a:r>
+              <a:rPr kumimoji="0" lang="en-US" sz="1600" b="0" i="0" u="none" strike="noStrike" cap="none" normalizeH="0" baseline="0" dirty="0" smtClean="0">
+                <a:ln>
+                  <a:noFill/>
+                </a:ln>
+                <a:effectLst/>
+                <a:latin typeface="Arial" charset="0"/>
+              </a:rPr>
+              <a:t>Push: </a:t>
+            </a:r>
+            <a:r>
+              <a:rPr kumimoji="0" lang="en-US" sz="1600" b="0" i="0" u="none" strike="noStrike" cap="none" normalizeH="0" baseline="0" dirty="0" err="1" smtClean="0">
+                <a:ln>
+                  <a:noFill/>
+                </a:ln>
+                <a:effectLst/>
+                <a:latin typeface="Arial" charset="0"/>
+              </a:rPr>
+              <a:t>dec</a:t>
+            </a:r>
+            <a:endParaRPr kumimoji="0" lang="en-US" sz="1600" b="0" i="0" u="none" strike="noStrike" cap="none" normalizeH="0" baseline="0" dirty="0" smtClean="0">
+              <a:ln>
+                <a:noFill/>
+              </a:ln>
+              <a:effectLst/>
+              <a:latin typeface="Arial" charset="0"/>
+            </a:endParaRPr>
+          </a:p>
+          <a:p>
+            <a:pPr marL="285750" marR="0" indent="-285750" defTabSz="914400" rtl="0" eaLnBrk="0" fontAlgn="base" latinLnBrk="0" hangingPunct="0">
+              <a:lnSpc>
+                <a:spcPct val="100000"/>
+              </a:lnSpc>
+              <a:spcBef>
+                <a:spcPct val="0"/>
+              </a:spcBef>
+              <a:spcAft>
+                <a:spcPct val="0"/>
+              </a:spcAft>
+              <a:buClrTx/>
+              <a:buSzTx/>
+              <a:buFont typeface="Arial" panose="020B0604020202020204" pitchFamily="34" charset="0"/>
+              <a:buChar char="•"/>
+              <a:tabLst/>
+            </a:pPr>
+            <a:r>
+              <a:rPr lang="en-US" sz="1600" dirty="0" smtClean="0">
+                <a:latin typeface="Arial" charset="0"/>
+              </a:rPr>
+              <a:t>Pop: </a:t>
+            </a:r>
+            <a:r>
+              <a:rPr lang="en-US" sz="1600" dirty="0" err="1" smtClean="0">
+                <a:latin typeface="Arial" charset="0"/>
+              </a:rPr>
+              <a:t>inc</a:t>
+            </a:r>
+            <a:endParaRPr lang="en-US" sz="1600" dirty="0" smtClean="0">
+              <a:latin typeface="Arial" charset="0"/>
+            </a:endParaRPr>
+          </a:p>
+          <a:p>
+            <a:pPr marR="0" defTabSz="914400" rtl="0" eaLnBrk="0" fontAlgn="base" latinLnBrk="0" hangingPunct="0">
+              <a:lnSpc>
+                <a:spcPct val="100000"/>
+              </a:lnSpc>
+              <a:spcBef>
+                <a:spcPct val="0"/>
+              </a:spcBef>
+              <a:spcAft>
+                <a:spcPct val="0"/>
+              </a:spcAft>
+              <a:buClrTx/>
+              <a:buSzTx/>
+              <a:tabLst/>
+            </a:pPr>
+            <a:endParaRPr kumimoji="0" lang="en-US" sz="1600" b="0" i="0" u="none" strike="noStrike" cap="none" normalizeH="0" baseline="0" dirty="0">
+              <a:ln>
+                <a:noFill/>
+              </a:ln>
+              <a:effectLst/>
+              <a:latin typeface="Arial" charset="0"/>
+            </a:endParaRPr>
+          </a:p>
+          <a:p>
+            <a:pPr marR="0" defTabSz="914400" rtl="0" eaLnBrk="0" fontAlgn="base" latinLnBrk="0" hangingPunct="0">
+              <a:lnSpc>
+                <a:spcPct val="100000"/>
+              </a:lnSpc>
+              <a:spcBef>
+                <a:spcPct val="0"/>
+              </a:spcBef>
+              <a:spcAft>
+                <a:spcPct val="0"/>
+              </a:spcAft>
+              <a:buClrTx/>
+              <a:buSzTx/>
+              <a:tabLst/>
+            </a:pPr>
+            <a:r>
+              <a:rPr lang="en-US" sz="1600" dirty="0" smtClean="0">
+                <a:latin typeface="Arial" charset="0"/>
+              </a:rPr>
+              <a:t>The stack is upside down!</a:t>
+            </a:r>
+            <a:endParaRPr kumimoji="0" lang="en-US" sz="1600" b="0" i="0" u="none" strike="noStrike" cap="none" normalizeH="0" baseline="0" dirty="0" smtClean="0">
+              <a:ln>
+                <a:noFill/>
+              </a:ln>
+              <a:effectLst/>
+              <a:latin typeface="Arial" charset="0"/>
+            </a:endParaRPr>
+          </a:p>
+        </p:txBody>
+      </p:sp>
     </p:spTree>
     <p:extLst>
       <p:ext uri="{BB962C8B-B14F-4D97-AF65-F5344CB8AC3E}">
@@ -21921,9 +22282,136 @@
   <p:timing>
     <p:tnLst>
       <p:par>
-        <p:cTn id="1" dur="indefinite" restart="never" nodeType="tmRoot"/>
+        <p:cTn id="1" dur="indefinite" restart="never" nodeType="tmRoot">
+          <p:childTnLst>
+            <p:seq concurrent="1" nextAc="seek">
+              <p:cTn id="2" dur="indefinite" nodeType="mainSeq">
+                <p:childTnLst>
+                  <p:par>
+                    <p:cTn id="3" fill="hold">
+                      <p:stCondLst>
+                        <p:cond delay="indefinite"/>
+                      </p:stCondLst>
+                      <p:childTnLst>
+                        <p:par>
+                          <p:cTn id="4" fill="hold">
+                            <p:stCondLst>
+                              <p:cond delay="0"/>
+                            </p:stCondLst>
+                            <p:childTnLst>
+                              <p:par>
+                                <p:cTn id="5" presetID="1" presetClass="entr" presetSubtype="0" fill="hold" grpId="0" nodeType="clickEffect">
+                                  <p:stCondLst>
+                                    <p:cond delay="0"/>
+                                  </p:stCondLst>
+                                  <p:childTnLst>
+                                    <p:set>
+                                      <p:cBhvr>
+                                        <p:cTn id="6" dur="1" fill="hold">
+                                          <p:stCondLst>
+                                            <p:cond delay="0"/>
+                                          </p:stCondLst>
+                                        </p:cTn>
+                                        <p:tgtEl>
+                                          <p:spTgt spid="5"/>
+                                        </p:tgtEl>
+                                        <p:attrNameLst>
+                                          <p:attrName>style.visibility</p:attrName>
+                                        </p:attrNameLst>
+                                      </p:cBhvr>
+                                      <p:to>
+                                        <p:strVal val="visible"/>
+                                      </p:to>
+                                    </p:set>
+                                  </p:childTnLst>
+                                </p:cTn>
+                              </p:par>
+                              <p:par>
+                                <p:cTn id="7" presetID="1" presetClass="entr" presetSubtype="0" fill="hold" grpId="0" nodeType="withEffect">
+                                  <p:stCondLst>
+                                    <p:cond delay="0"/>
+                                  </p:stCondLst>
+                                  <p:childTnLst>
+                                    <p:set>
+                                      <p:cBhvr>
+                                        <p:cTn id="8" dur="1" fill="hold">
+                                          <p:stCondLst>
+                                            <p:cond delay="0"/>
+                                          </p:stCondLst>
+                                        </p:cTn>
+                                        <p:tgtEl>
+                                          <p:spTgt spid="9"/>
+                                        </p:tgtEl>
+                                        <p:attrNameLst>
+                                          <p:attrName>style.visibility</p:attrName>
+                                        </p:attrNameLst>
+                                      </p:cBhvr>
+                                      <p:to>
+                                        <p:strVal val="visible"/>
+                                      </p:to>
+                                    </p:set>
+                                  </p:childTnLst>
+                                </p:cTn>
+                              </p:par>
+                              <p:par>
+                                <p:cTn id="9" presetID="1" presetClass="entr" presetSubtype="0" fill="hold" grpId="0" nodeType="withEffect">
+                                  <p:stCondLst>
+                                    <p:cond delay="0"/>
+                                  </p:stCondLst>
+                                  <p:childTnLst>
+                                    <p:set>
+                                      <p:cBhvr>
+                                        <p:cTn id="10" dur="1" fill="hold">
+                                          <p:stCondLst>
+                                            <p:cond delay="0"/>
+                                          </p:stCondLst>
+                                        </p:cTn>
+                                        <p:tgtEl>
+                                          <p:spTgt spid="4"/>
+                                        </p:tgtEl>
+                                        <p:attrNameLst>
+                                          <p:attrName>style.visibility</p:attrName>
+                                        </p:attrNameLst>
+                                      </p:cBhvr>
+                                      <p:to>
+                                        <p:strVal val="visible"/>
+                                      </p:to>
+                                    </p:set>
+                                  </p:childTnLst>
+                                </p:cTn>
+                              </p:par>
+                            </p:childTnLst>
+                          </p:cTn>
+                        </p:par>
+                      </p:childTnLst>
+                    </p:cTn>
+                  </p:par>
+                </p:childTnLst>
+              </p:cTn>
+              <p:prevCondLst>
+                <p:cond evt="onPrev" delay="0">
+                  <p:tgtEl>
+                    <p:sldTgt/>
+                  </p:tgtEl>
+                </p:cond>
+              </p:prevCondLst>
+              <p:nextCondLst>
+                <p:cond evt="onNext" delay="0">
+                  <p:tgtEl>
+                    <p:sldTgt/>
+                  </p:tgtEl>
+                </p:cond>
+              </p:nextCondLst>
+            </p:seq>
+          </p:childTnLst>
+        </p:cTn>
       </p:par>
     </p:tnLst>
+    <p:bldLst>
+      <p:bldP spid="4" grpId="0" animBg="1"/>
+      <p:bldP spid="9" grpId="0" animBg="1"/>
+      <p:bldP spid="5" grpId="0" animBg="1"/>
+    </p:bldLst>
   </p:timing>
 </p:sld>
 </file>
@@ -22016,16 +22504,26 @@
             </a:r>
           </a:p>
           <a:p>
+            <a:pPr lvl="1"/>
+            <a:r>
+              <a:rPr lang="en-US" sz="1600" dirty="0" smtClean="0"/>
+              <a:t>need </a:t>
+            </a:r>
+            <a:r>
+              <a:rPr lang="en-US" sz="1600" dirty="0" smtClean="0"/>
+              <a:t>to read and write to it</a:t>
+            </a:r>
+          </a:p>
+          <a:p>
             <a:r>
               <a:rPr lang="en-US" sz="2000" dirty="0" smtClean="0"/>
-              <a:t>- need to read and write to it</a:t>
-            </a:r>
-          </a:p>
-          <a:p>
+              <a:t>RAM is from 0x200 to </a:t>
+            </a:r>
             <a:r>
               <a:rPr lang="en-US" sz="2000" dirty="0" smtClean="0"/>
-              <a:t>RAM is from 0x200 to 0x400</a:t>
-            </a:r>
+              <a:t>0x400</a:t>
+            </a:r>
+            <a:endParaRPr lang="en-US" sz="2000" dirty="0" smtClean="0"/>
           </a:p>
           <a:p>
             <a:pPr marL="0" indent="0">
@@ -22051,7 +22549,36 @@
                   <a:srgbClr val="0070C0"/>
                 </a:solidFill>
               </a:rPr>
-              <a:t>Where in RAM should you initialize the Stack Pointer to point to?</a:t>
+              <a:t>Where in RAM should you initialize the Stack Pointer to point to</a:t>
+            </a:r>
+            <a:r>
+              <a:rPr lang="en-US" sz="2000" dirty="0" smtClean="0">
+                <a:solidFill>
+                  <a:srgbClr val="0070C0"/>
+                </a:solidFill>
+              </a:rPr>
+              <a:t>?</a:t>
+            </a:r>
+          </a:p>
+          <a:p>
+            <a:pPr marL="0" indent="0">
+              <a:buNone/>
+            </a:pPr>
+            <a:r>
+              <a:rPr lang="en-US" sz="2000" i="1" dirty="0" smtClean="0">
+                <a:solidFill>
+                  <a:srgbClr val="0070C0"/>
+                </a:solidFill>
+              </a:rPr>
+              <a:t>Hint:</a:t>
+            </a:r>
+            <a:r>
+              <a:rPr lang="en-US" sz="2000" dirty="0" smtClean="0">
+                <a:solidFill>
+                  <a:srgbClr val="0070C0"/>
+                </a:solidFill>
+              </a:rPr>
+              <a:t> remember it works backwards!</a:t>
             </a:r>
             <a:endParaRPr lang="en-US" sz="2000" dirty="0"/>
           </a:p>
@@ -22090,6 +22617,70 @@
           </a:prstGeom>
         </p:spPr>
       </p:pic>
+      <p:sp>
+        <p:nvSpPr>
+          <p:cNvPr id="5" name="Rectangle 4"/>
+          <p:cNvSpPr/>
+          <p:nvPr/>
+        </p:nvSpPr>
+        <p:spPr>
+          <a:xfrm>
+            <a:off x="4221910" y="5213276"/>
+            <a:ext cx="4572000" cy="1015663"/>
+          </a:xfrm>
+          <a:prstGeom prst="rect">
+            <a:avLst/>
+          </a:prstGeom>
+        </p:spPr>
+        <p:txBody>
+          <a:bodyPr>
+            <a:spAutoFit/>
+          </a:bodyPr>
+          <a:lstStyle/>
+          <a:p>
+            <a:pPr marL="0" indent="0">
+              <a:buNone/>
+            </a:pPr>
+            <a:r>
+              <a:rPr lang="en-US" dirty="0"/>
+              <a:t> </a:t>
+            </a:r>
+            <a:r>
+              <a:rPr lang="en-US" dirty="0">
+                <a:solidFill>
+                  <a:srgbClr val="00B050"/>
+                </a:solidFill>
+              </a:rPr>
+              <a:t>0x400</a:t>
+            </a:r>
+          </a:p>
+          <a:p>
+            <a:pPr marL="0" indent="0">
+              <a:buNone/>
+            </a:pPr>
+            <a:r>
+              <a:rPr lang="en-US" dirty="0"/>
+              <a:t> </a:t>
+            </a:r>
+            <a:r>
+              <a:rPr lang="en-US" dirty="0" smtClean="0">
+                <a:solidFill>
+                  <a:srgbClr val="FF0000"/>
+                </a:solidFill>
+              </a:rPr>
+              <a:t>0x200 </a:t>
+            </a:r>
+            <a:r>
+              <a:rPr lang="en-US" dirty="0">
+                <a:solidFill>
+                  <a:srgbClr val="FF0000"/>
+                </a:solidFill>
+              </a:rPr>
+              <a:t>would be bad!</a:t>
+            </a:r>
+          </a:p>
+        </p:txBody>
+      </p:sp>
     </p:spTree>
     <p:extLst>
       <p:ext uri="{BB962C8B-B14F-4D97-AF65-F5344CB8AC3E}">
@@ -22111,171 +22702,86 @@
   <p:timing>
     <p:tnLst>
       <p:par>
-        <p:cTn id="1" dur="indefinite" restart="never" nodeType="tmRoot"/>
+        <p:cTn id="1" dur="indefinite" restart="never" nodeType="tmRoot">
+          <p:childTnLst>
+            <p:seq concurrent="1" nextAc="seek">
+              <p:cTn id="2" dur="indefinite" nodeType="mainSeq">
+                <p:childTnLst>
+                  <p:par>
+                    <p:cTn id="3" fill="hold">
+                      <p:stCondLst>
+                        <p:cond delay="indefinite"/>
+                      </p:stCondLst>
+                      <p:childTnLst>
+                        <p:par>
+                          <p:cTn id="4" fill="hold">
+                            <p:stCondLst>
+                              <p:cond delay="0"/>
+                            </p:stCondLst>
+                            <p:childTnLst>
+                              <p:par>
+                                <p:cTn id="5" presetID="1" presetClass="entr" presetSubtype="0" fill="hold" grpId="0" nodeType="clickEffect">
+                                  <p:stCondLst>
+                                    <p:cond delay="0"/>
+                                  </p:stCondLst>
+                                  <p:childTnLst>
+                                    <p:set>
+                                      <p:cBhvr>
+                                        <p:cTn id="6" dur="1" fill="hold">
+                                          <p:stCondLst>
+                                            <p:cond delay="0"/>
+                                          </p:stCondLst>
+                                        </p:cTn>
+                                        <p:tgtEl>
+                                          <p:spTgt spid="5"/>
+                                        </p:tgtEl>
+                                        <p:attrNameLst>
+                                          <p:attrName>style.visibility</p:attrName>
+                                        </p:attrNameLst>
+                                      </p:cBhvr>
+                                      <p:to>
+                                        <p:strVal val="visible"/>
+                                      </p:to>
+                                    </p:set>
+                                  </p:childTnLst>
+                                </p:cTn>
+                              </p:par>
+                            </p:childTnLst>
+                          </p:cTn>
+                        </p:par>
+                      </p:childTnLst>
+                    </p:cTn>
+                  </p:par>
+                </p:childTnLst>
+              </p:cTn>
+              <p:prevCondLst>
+                <p:cond evt="onPrev" delay="0">
+                  <p:tgtEl>
+                    <p:sldTgt/>
+                  </p:tgtEl>
+                </p:cond>
+              </p:prevCondLst>
+              <p:nextCondLst>
+                <p:cond evt="onNext" delay="0">
+                  <p:tgtEl>
+                    <p:sldTgt/>
+                  </p:tgtEl>
+                </p:cond>
+              </p:nextCondLst>
+            </p:seq>
+          </p:childTnLst>
+        </p:cTn>
       </p:par>
     </p:tnLst>
+    <p:bldLst>
+      <p:bldP spid="5" grpId="0"/>
+    </p:bldLst>
   </p:timing>
 </p:sld>
 </file>
 
 <file path=ppt/slides/slide6.xml><?xml version="1.0" encoding="utf-8"?>
 <p:sld xmlns:a="http://schemas.openxmlformats.org/drawingml/2006/main" xmlns:r="http://schemas.openxmlformats.org/officeDocument/2006/relationships" xmlns:p="http://schemas.openxmlformats.org/presentationml/2006/main">
-  <p:cSld>
-    <p:spTree>
-      <p:nvGrpSpPr>
-        <p:cNvPr id="1" name=""/>
-        <p:cNvGrpSpPr/>
-        <p:nvPr/>
-      </p:nvGrpSpPr>
-      <p:grpSpPr>
-        <a:xfrm>
-          <a:off x="0" y="0"/>
-          <a:ext cx="0" cy="0"/>
-          <a:chOff x="0" y="0"/>
-          <a:chExt cx="0" cy="0"/>
-        </a:xfrm>
-      </p:grpSpPr>
-      <p:sp>
-        <p:nvSpPr>
-          <p:cNvPr id="2" name="Title 1"/>
-          <p:cNvSpPr>
-            <a:spLocks noGrp="1"/>
-          </p:cNvSpPr>
-          <p:nvPr>
-            <p:ph type="title"/>
-          </p:nvPr>
-        </p:nvSpPr>
-        <p:spPr/>
-        <p:txBody>
-          <a:bodyPr/>
-          <a:lstStyle/>
-          <a:p>
-            <a:r>
-              <a:rPr lang="en-US" dirty="0" smtClean="0"/>
-              <a:t>Stack</a:t>
-            </a:r>
-            <a:endParaRPr lang="en-US" dirty="0"/>
-          </a:p>
-        </p:txBody>
-      </p:sp>
-      <p:sp>
-        <p:nvSpPr>
-          <p:cNvPr id="3" name="Content Placeholder 2"/>
-          <p:cNvSpPr>
-            <a:spLocks noGrp="1"/>
-          </p:cNvSpPr>
-          <p:nvPr>
-            <p:ph idx="1"/>
-          </p:nvPr>
-        </p:nvSpPr>
-        <p:spPr>
-          <a:xfrm>
-            <a:off x="3908881" y="1577209"/>
-            <a:ext cx="4760140" cy="4724400"/>
-          </a:xfrm>
-        </p:spPr>
-        <p:txBody>
-          <a:bodyPr/>
-          <a:lstStyle/>
-          <a:p>
-            <a:endParaRPr lang="en-US" sz="2000" dirty="0" smtClean="0"/>
-          </a:p>
-          <a:p>
-            <a:r>
-              <a:rPr lang="en-US" sz="2000" dirty="0" smtClean="0">
-                <a:solidFill>
-                  <a:srgbClr val="0070C0"/>
-                </a:solidFill>
-              </a:rPr>
-              <a:t>Where in RAM should you initialize the Stack Point too?</a:t>
-            </a:r>
-            <a:endParaRPr lang="en-US" sz="2000" dirty="0"/>
-          </a:p>
-          <a:p>
-            <a:pPr marL="0" indent="0">
-              <a:buNone/>
-            </a:pPr>
-            <a:r>
-              <a:rPr lang="en-US" dirty="0" smtClean="0"/>
-              <a:t>    0x400</a:t>
-            </a:r>
-          </a:p>
-          <a:p>
-            <a:pPr marL="0" indent="0">
-              <a:buNone/>
-            </a:pPr>
-            <a:r>
-              <a:rPr lang="en-US" dirty="0"/>
-              <a:t> </a:t>
-            </a:r>
-            <a:r>
-              <a:rPr lang="en-US" dirty="0" smtClean="0"/>
-              <a:t>   0x200 would be bad!</a:t>
-            </a:r>
-            <a:endParaRPr lang="en-US" dirty="0"/>
-          </a:p>
-        </p:txBody>
-      </p:sp>
-      <p:pic>
-        <p:nvPicPr>
-          <p:cNvPr id="4" name="Picture 3"/>
-          <p:cNvPicPr>
-            <a:picLocks noChangeAspect="1"/>
-          </p:cNvPicPr>
-          <p:nvPr/>
-        </p:nvPicPr>
-        <p:blipFill>
-          <a:blip r:embed="rId2">
-            <a:extLst>
-              <a:ext uri="{28A0092B-C50C-407E-A947-70E740481C1C}">
-                <a14:useLocalDpi xmlns:a14="http://schemas.microsoft.com/office/drawing/2010/main" val="0"/>
-              </a:ext>
-            </a:extLst>
-          </a:blip>
-          <a:stretch>
-            <a:fillRect/>
-          </a:stretch>
-        </p:blipFill>
-        <p:spPr>
-          <a:xfrm>
-            <a:off x="417787" y="1577209"/>
-            <a:ext cx="3491094" cy="4772848"/>
-          </a:xfrm>
-          <a:prstGeom prst="rect">
-            <a:avLst/>
-          </a:prstGeom>
-        </p:spPr>
-      </p:pic>
-    </p:spTree>
-    <p:extLst>
-      <p:ext uri="{BB962C8B-B14F-4D97-AF65-F5344CB8AC3E}">
-        <p14:creationId xmlns:p14="http://schemas.microsoft.com/office/powerpoint/2010/main" val="642774705"/>
-      </p:ext>
-    </p:extLst>
-  </p:cSld>
-  <p:clrMapOvr>
-    <a:masterClrMapping/>
-  </p:clrMapOvr>
-  <mc:AlternateContent xmlns:mc="http://schemas.openxmlformats.org/markup-compatibility/2006" xmlns:p14="http://schemas.microsoft.com/office/powerpoint/2010/main">
-    <mc:Choice Requires="p14">
-      <p:transition spd="slow" p14:dur="2000"/>
-    </mc:Choice>
-    <mc:Fallback xmlns="">
-      <p:transition spd="slow"/>
-    </mc:Fallback>
-  </mc:AlternateContent>
-  <p:timing>
-    <p:tnLst>
-      <p:par>
-        <p:cTn id="1" dur="indefinite" restart="never" nodeType="tmRoot"/>
-      </p:par>
-    </p:tnLst>
-  </p:timing>
-</p:sld>
-</file>
-
-<file path=ppt/slides/slide7.xml><?xml version="1.0" encoding="utf-8"?>
-<p:sld xmlns:a="http://schemas.openxmlformats.org/drawingml/2006/main" xmlns:r="http://schemas.openxmlformats.org/officeDocument/2006/relationships" xmlns:p="http://schemas.openxmlformats.org/presentationml/2006/main" show="0">
   <p:cSld>
     <p:spTree>
       <p:nvGrpSpPr>
@@ -24261,6 +24767,161 @@
           </a:p>
         </p:txBody>
       </p:sp>
+      <p:sp>
+        <p:nvSpPr>
+          <p:cNvPr id="8" name="Left Arrow 7"/>
+          <p:cNvSpPr/>
+          <p:nvPr/>
+        </p:nvSpPr>
+        <p:spPr bwMode="auto">
+          <a:xfrm rot="16200000">
+            <a:off x="2832385" y="4313096"/>
+            <a:ext cx="1542288" cy="528145"/>
+          </a:xfrm>
+          <a:prstGeom prst="leftArrow">
+            <a:avLst/>
+          </a:prstGeom>
+          <a:solidFill>
+            <a:srgbClr val="FF0000"/>
+          </a:solidFill>
+          <a:ln w="12700" cap="flat" cmpd="sng" algn="ctr">
+            <a:solidFill>
+              <a:schemeClr val="tx1"/>
+            </a:solidFill>
+            <a:prstDash val="solid"/>
+            <a:round/>
+            <a:headEnd type="none" w="med" len="med"/>
+            <a:tailEnd type="none" w="med" len="med"/>
+          </a:ln>
+          <a:effectLst/>
+        </p:spPr>
+        <p:txBody>
+          <a:bodyPr vert="horz" wrap="square" lIns="91440" tIns="45720" rIns="91440" bIns="45720" numCol="1" rtlCol="0" anchor="ctr" anchorCtr="0" compatLnSpc="1">
+            <a:prstTxWarp prst="textNoShape">
+              <a:avLst/>
+            </a:prstTxWarp>
+          </a:bodyPr>
+          <a:lstStyle/>
+          <a:p>
+            <a:pPr marL="0" marR="0" indent="0" algn="ctr" defTabSz="914400" rtl="0" eaLnBrk="0" fontAlgn="base" latinLnBrk="0" hangingPunct="0">
+              <a:lnSpc>
+                <a:spcPct val="100000"/>
+              </a:lnSpc>
+              <a:spcBef>
+                <a:spcPct val="0"/>
+              </a:spcBef>
+              <a:spcAft>
+                <a:spcPct val="0"/>
+              </a:spcAft>
+              <a:buClrTx/>
+              <a:buSzTx/>
+              <a:buFontTx/>
+              <a:buNone/>
+              <a:tabLst/>
+            </a:pPr>
+            <a:r>
+              <a:rPr lang="en-US" sz="1600" dirty="0" smtClean="0">
+                <a:solidFill>
+                  <a:schemeClr val="bg1"/>
+                </a:solidFill>
+                <a:latin typeface="Arial" charset="0"/>
+              </a:rPr>
+              <a:t>Backwards</a:t>
+            </a:r>
+            <a:endParaRPr kumimoji="0" lang="en-US" sz="1600" b="0" i="0" u="none" strike="noStrike" cap="none" normalizeH="0" baseline="0" dirty="0" smtClean="0">
+              <a:ln>
+                <a:noFill/>
+              </a:ln>
+              <a:solidFill>
+                <a:schemeClr val="bg1"/>
+              </a:solidFill>
+              <a:effectLst/>
+              <a:latin typeface="Arial" charset="0"/>
+            </a:endParaRPr>
+          </a:p>
+        </p:txBody>
+      </p:sp>
+      <p:sp>
+        <p:nvSpPr>
+          <p:cNvPr id="9" name="Rectangle 8"/>
+          <p:cNvSpPr/>
+          <p:nvPr/>
+        </p:nvSpPr>
+        <p:spPr bwMode="auto">
+          <a:xfrm>
+            <a:off x="3212456" y="5758904"/>
+            <a:ext cx="5169544" cy="541866"/>
+          </a:xfrm>
+          <a:prstGeom prst="rect">
+            <a:avLst/>
+          </a:prstGeom>
+          <a:solidFill>
+            <a:srgbClr val="0C2D83"/>
+          </a:solidFill>
+          <a:ln w="12700" cap="flat" cmpd="sng" algn="ctr">
+            <a:solidFill>
+              <a:schemeClr val="accent6">
+                <a:lumMod val="40000"/>
+                <a:lumOff val="60000"/>
+              </a:schemeClr>
+            </a:solidFill>
+            <a:prstDash val="solid"/>
+            <a:round/>
+            <a:headEnd type="none" w="med" len="med"/>
+            <a:tailEnd type="none" w="med" len="med"/>
+          </a:ln>
+          <a:effectLst/>
+        </p:spPr>
+        <p:txBody>
+          <a:bodyPr vert="horz" wrap="square" lIns="91440" tIns="45720" rIns="91440" bIns="45720" numCol="1" rtlCol="0" anchor="ctr" anchorCtr="0" compatLnSpc="1">
+            <a:prstTxWarp prst="textNoShape">
+              <a:avLst/>
+            </a:prstTxWarp>
+          </a:bodyPr>
+          <a:lstStyle/>
+          <a:p>
+            <a:pPr marL="0" marR="0" indent="0" algn="ctr" defTabSz="914400" rtl="0" eaLnBrk="0" fontAlgn="base" latinLnBrk="0" hangingPunct="0">
+              <a:lnSpc>
+                <a:spcPct val="100000"/>
+              </a:lnSpc>
+              <a:spcBef>
+                <a:spcPct val="0"/>
+              </a:spcBef>
+              <a:spcAft>
+                <a:spcPct val="0"/>
+              </a:spcAft>
+              <a:buClrTx/>
+              <a:buSzTx/>
+              <a:buFontTx/>
+              <a:buNone/>
+              <a:tabLst/>
+            </a:pPr>
+            <a:r>
+              <a:rPr kumimoji="0" lang="en-US" sz="1600" b="0" i="0" u="none" strike="noStrike" cap="none" normalizeH="0" baseline="0" dirty="0" smtClean="0">
+                <a:ln>
+                  <a:noFill/>
+                </a:ln>
+                <a:solidFill>
+                  <a:schemeClr val="bg1"/>
+                </a:solidFill>
+                <a:effectLst/>
+                <a:latin typeface="Arial" charset="0"/>
+              </a:rPr>
+              <a:t>Let’s load stack_example.asm and watch this work</a:t>
+            </a:r>
+            <a:endParaRPr kumimoji="0" lang="en-US" sz="1600" b="0" i="0" u="none" strike="noStrike" cap="none" normalizeH="0" baseline="0" dirty="0" smtClean="0">
+              <a:ln>
+                <a:noFill/>
+              </a:ln>
+              <a:solidFill>
+                <a:schemeClr val="bg1"/>
+              </a:solidFill>
+              <a:effectLst/>
+              <a:latin typeface="Arial" charset="0"/>
+            </a:endParaRPr>
+          </a:p>
+        </p:txBody>
+      </p:sp>
     </p:spTree>
     <p:extLst>
       <p:ext uri="{BB962C8B-B14F-4D97-AF65-F5344CB8AC3E}">
@@ -24271,26 +24932,97 @@
   <p:clrMapOvr>
     <a:masterClrMapping/>
   </p:clrMapOvr>
-  <mc:AlternateContent xmlns:mc="http://schemas.openxmlformats.org/markup-compatibility/2006" xmlns:p14="http://schemas.microsoft.com/office/powerpoint/2010/main">
-    <mc:Choice Requires="p14">
+  <mc:AlternateContent xmlns:mc="http://schemas.openxmlformats.org/markup-compatibility/2006">
+    <mc:Choice xmlns:p14="http://schemas.microsoft.com/office/powerpoint/2010/main" Requires="p14">
       <p:transition spd="slow" p14:dur="2000"/>
     </mc:Choice>
-    <mc:Fallback xmlns="">
+    <mc:Fallback>
       <p:transition spd="slow"/>
     </mc:Fallback>
   </mc:AlternateContent>
   <p:timing>
     <p:tnLst>
       <p:par>
-        <p:cTn id="1" dur="indefinite" restart="never" nodeType="tmRoot"/>
+        <p:cTn id="1" dur="indefinite" restart="never" nodeType="tmRoot">
+          <p:childTnLst>
+            <p:seq concurrent="1" nextAc="seek">
+              <p:cTn id="2" dur="indefinite" nodeType="mainSeq">
+                <p:childTnLst>
+                  <p:par>
+                    <p:cTn id="3" fill="hold">
+                      <p:stCondLst>
+                        <p:cond delay="indefinite"/>
+                      </p:stCondLst>
+                      <p:childTnLst>
+                        <p:par>
+                          <p:cTn id="4" fill="hold">
+                            <p:stCondLst>
+                              <p:cond delay="0"/>
+                            </p:stCondLst>
+                            <p:childTnLst>
+                              <p:par>
+                                <p:cTn id="5" presetID="1" presetClass="entr" presetSubtype="0" fill="hold" grpId="0" nodeType="clickEffect">
+                                  <p:stCondLst>
+                                    <p:cond delay="0"/>
+                                  </p:stCondLst>
+                                  <p:childTnLst>
+                                    <p:set>
+                                      <p:cBhvr>
+                                        <p:cTn id="6" dur="1" fill="hold">
+                                          <p:stCondLst>
+                                            <p:cond delay="0"/>
+                                          </p:stCondLst>
+                                        </p:cTn>
+                                        <p:tgtEl>
+                                          <p:spTgt spid="9"/>
+                                        </p:tgtEl>
+                                        <p:attrNameLst>
+                                          <p:attrName>style.visibility</p:attrName>
+                                        </p:attrNameLst>
+                                      </p:cBhvr>
+                                      <p:to>
+                                        <p:strVal val="visible"/>
+                                      </p:to>
+                                    </p:set>
+                                  </p:childTnLst>
+                                </p:cTn>
+                              </p:par>
+                            </p:childTnLst>
+                          </p:cTn>
+                        </p:par>
+                      </p:childTnLst>
+                    </p:cTn>
+                  </p:par>
+                </p:childTnLst>
+              </p:cTn>
+              <p:prevCondLst>
+                <p:cond evt="onPrev" delay="0">
+                  <p:tgtEl>
+                    <p:sldTgt/>
+                  </p:tgtEl>
+                </p:cond>
+              </p:prevCondLst>
+              <p:nextCondLst>
+                <p:cond evt="onNext" delay="0">
+                  <p:tgtEl>
+                    <p:sldTgt/>
+                  </p:tgtEl>
+                </p:cond>
+              </p:nextCondLst>
+            </p:seq>
+          </p:childTnLst>
+        </p:cTn>
       </p:par>
     </p:tnLst>
+    <p:bldLst>
+      <p:bldP spid="9" grpId="0" animBg="1"/>
+    </p:bldLst>
   </p:timing>
 </p:sld>
 </file>
 
-<file path=ppt/slides/slide8.xml><?xml version="1.0" encoding="utf-8"?>
-<p:sld xmlns:a="http://schemas.openxmlformats.org/drawingml/2006/main" xmlns:r="http://schemas.openxmlformats.org/officeDocument/2006/relationships" xmlns:p="http://schemas.openxmlformats.org/presentationml/2006/main">
+<file path=ppt/slides/slide7.xml><?xml version="1.0" encoding="utf-8"?>
+<p:sld xmlns:a="http://schemas.openxmlformats.org/drawingml/2006/main" xmlns:r="http://schemas.openxmlformats.org/officeDocument/2006/relationships" xmlns:p="http://schemas.openxmlformats.org/presentationml/2006/main" show="0">
   <p:cSld>
     <p:spTree>
       <p:nvGrpSpPr>
@@ -24403,6 +25135,7 @@
   <p:clrMapOvr>
     <a:masterClrMapping/>
   </p:clrMapOvr>
+  <p:transition spd="med"/>
   <p:timing>
     <p:tnLst>
       <p:par>
@@ -24413,7 +25146,7 @@
 </p:sld>
 </file>
 
-<file path=ppt/slides/slide9.xml><?xml version="1.0" encoding="utf-8"?>
+<file path=ppt/slides/slide8.xml><?xml version="1.0" encoding="utf-8"?>
 <p:sld xmlns:a="http://schemas.openxmlformats.org/drawingml/2006/main" xmlns:r="http://schemas.openxmlformats.org/officeDocument/2006/relationships" xmlns:p="http://schemas.openxmlformats.org/presentationml/2006/main">
   <p:cSld>
     <p:spTree>
@@ -25180,6 +25913,779 @@
       <p:bldP spid="8" grpId="0" animBg="1"/>
       <p:bldP spid="9" grpId="0" animBg="1"/>
       <p:bldP spid="10" grpId="0" animBg="1"/>
+      <p:bldP spid="11" grpId="0" animBg="1"/>
+    </p:bldLst>
+  </p:timing>
+</p:sld>
+</file>
+
+<file path=ppt/slides/slide9.xml><?xml version="1.0" encoding="utf-8"?>
+<p:sld xmlns:a="http://schemas.openxmlformats.org/drawingml/2006/main" xmlns:r="http://schemas.openxmlformats.org/officeDocument/2006/relationships" xmlns:p="http://schemas.openxmlformats.org/presentationml/2006/main">
+  <p:cSld>
+    <p:spTree>
+      <p:nvGrpSpPr>
+        <p:cNvPr id="1" name=""/>
+        <p:cNvGrpSpPr/>
+        <p:nvPr/>
+      </p:nvGrpSpPr>
+      <p:grpSpPr>
+        <a:xfrm>
+          <a:off x="0" y="0"/>
+          <a:ext cx="0" cy="0"/>
+          <a:chOff x="0" y="0"/>
+          <a:chExt cx="0" cy="0"/>
+        </a:xfrm>
+      </p:grpSpPr>
+      <p:sp>
+        <p:nvSpPr>
+          <p:cNvPr id="2" name="Title 1"/>
+          <p:cNvSpPr>
+            <a:spLocks noGrp="1"/>
+          </p:cNvSpPr>
+          <p:nvPr>
+            <p:ph type="title"/>
+          </p:nvPr>
+        </p:nvSpPr>
+        <p:spPr/>
+        <p:txBody>
+          <a:bodyPr/>
+          <a:lstStyle/>
+          <a:p>
+            <a:r>
+              <a:rPr lang="en-US" dirty="0" err="1"/>
+              <a:t>push.w</a:t>
+            </a:r>
+            <a:r>
+              <a:rPr lang="en-US" dirty="0"/>
+              <a:t>      #0xdfec</a:t>
+            </a:r>
+          </a:p>
+        </p:txBody>
+      </p:sp>
+      <p:pic>
+        <p:nvPicPr>
+          <p:cNvPr id="7" name="Picture 2"/>
+          <p:cNvPicPr>
+            <a:picLocks noChangeAspect="1" noChangeArrowheads="1"/>
+          </p:cNvPicPr>
+          <p:nvPr/>
+        </p:nvPicPr>
+        <p:blipFill rotWithShape="1">
+          <a:blip r:embed="rId2">
+            <a:extLst>
+              <a:ext uri="{28A0092B-C50C-407E-A947-70E740481C1C}">
+                <a14:useLocalDpi xmlns:a14="http://schemas.microsoft.com/office/drawing/2010/main" val="0"/>
+              </a:ext>
+            </a:extLst>
+          </a:blip>
+          <a:srcRect t="17399" r="65271" b="7084"/>
+          <a:stretch/>
+        </p:blipFill>
+        <p:spPr bwMode="auto">
+          <a:xfrm>
+            <a:off x="290744" y="1600200"/>
+            <a:ext cx="2434701" cy="3604335"/>
+          </a:xfrm>
+          <a:prstGeom prst="rect">
+            <a:avLst/>
+          </a:prstGeom>
+          <a:noFill/>
+          <a:ln>
+            <a:noFill/>
+          </a:ln>
+          <a:effectLst/>
+          <a:extLst>
+            <a:ext uri="{909E8E84-426E-40DD-AFC4-6F175D3DCCD1}">
+              <a14:hiddenFill xmlns:a14="http://schemas.microsoft.com/office/drawing/2010/main">
+                <a:solidFill>
+                  <a:schemeClr val="accent1"/>
+                </a:solidFill>
+              </a14:hiddenFill>
+            </a:ext>
+            <a:ext uri="{91240B29-F687-4F45-9708-019B960494DF}">
+              <a14:hiddenLine xmlns:a14="http://schemas.microsoft.com/office/drawing/2010/main" w="9525">
+                <a:solidFill>
+                  <a:schemeClr val="tx1"/>
+                </a:solidFill>
+                <a:miter lim="800000"/>
+                <a:headEnd/>
+                <a:tailEnd/>
+              </a14:hiddenLine>
+            </a:ext>
+            <a:ext uri="{AF507438-7753-43E0-B8FC-AC1667EBCBE1}">
+              <a14:hiddenEffects xmlns:a14="http://schemas.microsoft.com/office/drawing/2010/main">
+                <a:effectLst>
+                  <a:outerShdw dist="35921" dir="2700000" algn="ctr" rotWithShape="0">
+                    <a:schemeClr val="bg2"/>
+                  </a:outerShdw>
+                </a:effectLst>
+              </a14:hiddenEffects>
+            </a:ext>
+          </a:extLst>
+        </p:spPr>
+      </p:pic>
+      <p:sp>
+        <p:nvSpPr>
+          <p:cNvPr id="8" name="Content Placeholder 2"/>
+          <p:cNvSpPr txBox="1">
+            <a:spLocks/>
+          </p:cNvSpPr>
+          <p:nvPr/>
+        </p:nvSpPr>
+        <p:spPr>
+          <a:xfrm>
+            <a:off x="5867400" y="1600200"/>
+            <a:ext cx="2819400" cy="4525963"/>
+          </a:xfrm>
+          <a:prstGeom prst="rect">
+            <a:avLst/>
+          </a:prstGeom>
+          <a:solidFill>
+            <a:schemeClr val="bg1">
+              <a:lumMod val="85000"/>
+            </a:schemeClr>
+          </a:solidFill>
+        </p:spPr>
+        <p:txBody>
+          <a:bodyPr vert="horz" lIns="91440" tIns="45720" rIns="91440" bIns="45720" rtlCol="0">
+            <a:normAutofit/>
+          </a:bodyPr>
+          <a:lstStyle>
+            <a:lvl1pPr marL="342900" indent="-342900" algn="l" defTabSz="914400" rtl="0" eaLnBrk="1" latinLnBrk="0" hangingPunct="1">
+              <a:spcBef>
+                <a:spcPct val="20000"/>
+              </a:spcBef>
+              <a:buFont typeface="Arial" panose="020B0604020202020204" pitchFamily="34" charset="0"/>
+              <a:buChar char="•"/>
+              <a:defRPr sz="3200" kern="1200">
+                <a:solidFill>
+                  <a:schemeClr val="tx1"/>
+                </a:solidFill>
+                <a:latin typeface="+mn-lt"/>
+                <a:ea typeface="+mn-ea"/>
+                <a:cs typeface="+mn-cs"/>
+              </a:defRPr>
+            </a:lvl1pPr>
+            <a:lvl2pPr marL="742950" indent="-285750" algn="l" defTabSz="914400" rtl="0" eaLnBrk="1" latinLnBrk="0" hangingPunct="1">
+              <a:spcBef>
+                <a:spcPct val="20000"/>
+              </a:spcBef>
+              <a:buFont typeface="Arial" panose="020B0604020202020204" pitchFamily="34" charset="0"/>
+              <a:buChar char="–"/>
+              <a:defRPr sz="2800" kern="1200">
+                <a:solidFill>
+                  <a:schemeClr val="tx1"/>
+                </a:solidFill>
+                <a:latin typeface="+mn-lt"/>
+                <a:ea typeface="+mn-ea"/>
+                <a:cs typeface="+mn-cs"/>
+              </a:defRPr>
+            </a:lvl2pPr>
+            <a:lvl3pPr marL="1143000" indent="-228600" algn="l" defTabSz="914400" rtl="0" eaLnBrk="1" latinLnBrk="0" hangingPunct="1">
+              <a:spcBef>
+                <a:spcPct val="20000"/>
+              </a:spcBef>
+              <a:buFont typeface="Arial" panose="020B0604020202020204" pitchFamily="34" charset="0"/>
+              <a:buChar char="•"/>
+              <a:defRPr sz="2400" kern="1200">
+                <a:solidFill>
+                  <a:schemeClr val="tx1"/>
+                </a:solidFill>
+                <a:latin typeface="+mn-lt"/>
+                <a:ea typeface="+mn-ea"/>
+                <a:cs typeface="+mn-cs"/>
+              </a:defRPr>
+            </a:lvl3pPr>
+            <a:lvl4pPr marL="1600200" indent="-228600" algn="l" defTabSz="914400" rtl="0" eaLnBrk="1" latinLnBrk="0" hangingPunct="1">
+              <a:spcBef>
+                <a:spcPct val="20000"/>
+              </a:spcBef>
+              <a:buFont typeface="Arial" panose="020B0604020202020204" pitchFamily="34" charset="0"/>
+              <a:buChar char="–"/>
+              <a:defRPr sz="2000" kern="1200">
+                <a:solidFill>
+                  <a:schemeClr val="tx1"/>
+                </a:solidFill>
+                <a:latin typeface="+mn-lt"/>
+                <a:ea typeface="+mn-ea"/>
+                <a:cs typeface="+mn-cs"/>
+              </a:defRPr>
+            </a:lvl4pPr>
+            <a:lvl5pPr marL="2057400" indent="-228600" algn="l" defTabSz="914400" rtl="0" eaLnBrk="1" latinLnBrk="0" hangingPunct="1">
+              <a:spcBef>
+                <a:spcPct val="20000"/>
+              </a:spcBef>
+              <a:buFont typeface="Arial" panose="020B0604020202020204" pitchFamily="34" charset="0"/>
+              <a:buChar char="»"/>
+              <a:defRPr sz="2000" kern="1200">
+                <a:solidFill>
+                  <a:schemeClr val="tx1"/>
+                </a:solidFill>
+                <a:latin typeface="+mn-lt"/>
+                <a:ea typeface="+mn-ea"/>
+                <a:cs typeface="+mn-cs"/>
+              </a:defRPr>
+            </a:lvl5pPr>
+            <a:lvl6pPr marL="2514600" indent="-228600" algn="l" defTabSz="914400" rtl="0" eaLnBrk="1" latinLnBrk="0" hangingPunct="1">
+              <a:spcBef>
+                <a:spcPct val="20000"/>
+              </a:spcBef>
+              <a:buFont typeface="Arial" panose="020B0604020202020204" pitchFamily="34" charset="0"/>
+              <a:buChar char="•"/>
+              <a:defRPr sz="2000" kern="1200">
+                <a:solidFill>
+                  <a:schemeClr val="tx1"/>
+                </a:solidFill>
+                <a:latin typeface="+mn-lt"/>
+                <a:ea typeface="+mn-ea"/>
+                <a:cs typeface="+mn-cs"/>
+              </a:defRPr>
+            </a:lvl6pPr>
+            <a:lvl7pPr marL="2971800" indent="-228600" algn="l" defTabSz="914400" rtl="0" eaLnBrk="1" latinLnBrk="0" hangingPunct="1">
+              <a:spcBef>
+                <a:spcPct val="20000"/>
+              </a:spcBef>
+              <a:buFont typeface="Arial" panose="020B0604020202020204" pitchFamily="34" charset="0"/>
+              <a:buChar char="•"/>
+              <a:defRPr sz="2000" kern="1200">
+                <a:solidFill>
+                  <a:schemeClr val="tx1"/>
+                </a:solidFill>
+                <a:latin typeface="+mn-lt"/>
+                <a:ea typeface="+mn-ea"/>
+                <a:cs typeface="+mn-cs"/>
+              </a:defRPr>
+            </a:lvl7pPr>
+            <a:lvl8pPr marL="3429000" indent="-228600" algn="l" defTabSz="914400" rtl="0" eaLnBrk="1" latinLnBrk="0" hangingPunct="1">
+              <a:spcBef>
+                <a:spcPct val="20000"/>
+              </a:spcBef>
+              <a:buFont typeface="Arial" panose="020B0604020202020204" pitchFamily="34" charset="0"/>
+              <a:buChar char="•"/>
+              <a:defRPr sz="2000" kern="1200">
+                <a:solidFill>
+                  <a:schemeClr val="tx1"/>
+                </a:solidFill>
+                <a:latin typeface="+mn-lt"/>
+                <a:ea typeface="+mn-ea"/>
+                <a:cs typeface="+mn-cs"/>
+              </a:defRPr>
+            </a:lvl8pPr>
+            <a:lvl9pPr marL="3886200" indent="-228600" algn="l" defTabSz="914400" rtl="0" eaLnBrk="1" latinLnBrk="0" hangingPunct="1">
+              <a:spcBef>
+                <a:spcPct val="20000"/>
+              </a:spcBef>
+              <a:buFont typeface="Arial" panose="020B0604020202020204" pitchFamily="34" charset="0"/>
+              <a:buChar char="•"/>
+              <a:defRPr sz="2000" kern="1200">
+                <a:solidFill>
+                  <a:schemeClr val="tx1"/>
+                </a:solidFill>
+                <a:latin typeface="+mn-lt"/>
+                <a:ea typeface="+mn-ea"/>
+                <a:cs typeface="+mn-cs"/>
+              </a:defRPr>
+            </a:lvl9pPr>
+          </a:lstStyle>
+          <a:p>
+            <a:pPr marL="0" indent="0" fontAlgn="auto">
+              <a:spcAft>
+                <a:spcPts val="0"/>
+              </a:spcAft>
+              <a:buFont typeface="Arial" panose="020B0604020202020204" pitchFamily="34" charset="0"/>
+              <a:buNone/>
+            </a:pPr>
+            <a:r>
+              <a:rPr lang="en-US" dirty="0" smtClean="0">
+                <a:solidFill>
+                  <a:prstClr val="black"/>
+                </a:solidFill>
+              </a:rPr>
+              <a:t>SP	</a:t>
+            </a:r>
+            <a:r>
+              <a:rPr lang="en-US" dirty="0" smtClean="0">
+                <a:solidFill>
+                  <a:srgbClr val="FF0000"/>
+                </a:solidFill>
+              </a:rPr>
+              <a:t>0x03FE</a:t>
+            </a:r>
+          </a:p>
+          <a:p>
+            <a:pPr marL="0" indent="0" fontAlgn="auto">
+              <a:spcAft>
+                <a:spcPts val="0"/>
+              </a:spcAft>
+              <a:buFont typeface="Arial" panose="020B0604020202020204" pitchFamily="34" charset="0"/>
+              <a:buNone/>
+            </a:pPr>
+            <a:endParaRPr lang="en-US" dirty="0" smtClean="0">
+              <a:solidFill>
+                <a:prstClr val="black"/>
+              </a:solidFill>
+            </a:endParaRPr>
+          </a:p>
+          <a:p>
+            <a:pPr marL="0" indent="0" fontAlgn="auto">
+              <a:spcAft>
+                <a:spcPts val="0"/>
+              </a:spcAft>
+              <a:buFont typeface="Arial" panose="020B0604020202020204" pitchFamily="34" charset="0"/>
+              <a:buNone/>
+            </a:pPr>
+            <a:r>
+              <a:rPr lang="en-US" dirty="0" smtClean="0">
+                <a:solidFill>
+                  <a:prstClr val="black"/>
+                </a:solidFill>
+              </a:rPr>
+              <a:t>R5	0x0000</a:t>
+            </a:r>
+          </a:p>
+          <a:p>
+            <a:pPr marL="0" indent="0" fontAlgn="auto">
+              <a:spcAft>
+                <a:spcPts val="0"/>
+              </a:spcAft>
+              <a:buFont typeface="Arial" panose="020B0604020202020204" pitchFamily="34" charset="0"/>
+              <a:buNone/>
+            </a:pPr>
+            <a:r>
+              <a:rPr lang="en-US" dirty="0" smtClean="0">
+                <a:solidFill>
+                  <a:prstClr val="black"/>
+                </a:solidFill>
+              </a:rPr>
+              <a:t>R6	0x0000</a:t>
+            </a:r>
+          </a:p>
+          <a:p>
+            <a:pPr marL="0" indent="0" fontAlgn="auto">
+              <a:spcAft>
+                <a:spcPts val="0"/>
+              </a:spcAft>
+              <a:buFont typeface="Arial" panose="020B0604020202020204" pitchFamily="34" charset="0"/>
+              <a:buNone/>
+            </a:pPr>
+            <a:r>
+              <a:rPr lang="en-US" dirty="0" smtClean="0">
+                <a:solidFill>
+                  <a:prstClr val="black"/>
+                </a:solidFill>
+              </a:rPr>
+              <a:t>R7	0x0000</a:t>
+            </a:r>
+          </a:p>
+          <a:p>
+            <a:pPr marL="0" indent="0" fontAlgn="auto">
+              <a:spcAft>
+                <a:spcPts val="0"/>
+              </a:spcAft>
+              <a:buFont typeface="Arial" panose="020B0604020202020204" pitchFamily="34" charset="0"/>
+              <a:buNone/>
+            </a:pPr>
+            <a:endParaRPr lang="en-US" dirty="0" smtClean="0">
+              <a:solidFill>
+                <a:prstClr val="black"/>
+              </a:solidFill>
+            </a:endParaRPr>
+          </a:p>
+          <a:p>
+            <a:pPr marL="0" indent="0" fontAlgn="auto">
+              <a:spcAft>
+                <a:spcPts val="0"/>
+              </a:spcAft>
+              <a:buFont typeface="Arial" panose="020B0604020202020204" pitchFamily="34" charset="0"/>
+              <a:buNone/>
+            </a:pPr>
+            <a:r>
+              <a:rPr lang="en-US" dirty="0" smtClean="0">
+                <a:solidFill>
+                  <a:prstClr val="black"/>
+                </a:solidFill>
+              </a:rPr>
+              <a:t>R10	0x0000</a:t>
+            </a:r>
+          </a:p>
+          <a:p>
+            <a:pPr marL="0" indent="0" fontAlgn="auto">
+              <a:spcAft>
+                <a:spcPts val="0"/>
+              </a:spcAft>
+              <a:buFont typeface="Arial" panose="020B0604020202020204" pitchFamily="34" charset="0"/>
+              <a:buNone/>
+            </a:pPr>
+            <a:endParaRPr lang="en-US" dirty="0" smtClean="0">
+              <a:solidFill>
+                <a:prstClr val="black"/>
+              </a:solidFill>
+            </a:endParaRPr>
+          </a:p>
+          <a:p>
+            <a:pPr marL="0" indent="0" fontAlgn="auto">
+              <a:spcAft>
+                <a:spcPts val="0"/>
+              </a:spcAft>
+              <a:buFont typeface="Arial" panose="020B0604020202020204" pitchFamily="34" charset="0"/>
+              <a:buNone/>
+            </a:pPr>
+            <a:endParaRPr lang="en-US" dirty="0" smtClean="0">
+              <a:solidFill>
+                <a:prstClr val="black"/>
+              </a:solidFill>
+            </a:endParaRPr>
+          </a:p>
+          <a:p>
+            <a:pPr marL="0" indent="0" fontAlgn="auto">
+              <a:spcAft>
+                <a:spcPts val="0"/>
+              </a:spcAft>
+              <a:buFont typeface="Arial" panose="020B0604020202020204" pitchFamily="34" charset="0"/>
+              <a:buNone/>
+            </a:pPr>
+            <a:endParaRPr lang="en-US" dirty="0">
+              <a:solidFill>
+                <a:prstClr val="black"/>
+              </a:solidFill>
+            </a:endParaRPr>
+          </a:p>
+        </p:txBody>
+      </p:sp>
+      <p:sp>
+        <p:nvSpPr>
+          <p:cNvPr id="9" name="Right Arrow 8"/>
+          <p:cNvSpPr/>
+          <p:nvPr/>
+        </p:nvSpPr>
+        <p:spPr>
+          <a:xfrm>
+            <a:off x="0" y="2133600"/>
+            <a:ext cx="290744" cy="152400"/>
+          </a:xfrm>
+          <a:prstGeom prst="rightArrow">
+            <a:avLst/>
+          </a:prstGeom>
+        </p:spPr>
+        <p:style>
+          <a:lnRef idx="2">
+            <a:schemeClr val="accent3">
+              <a:shade val="50000"/>
+            </a:schemeClr>
+          </a:lnRef>
+          <a:fillRef idx="1">
+            <a:schemeClr val="accent3"/>
+          </a:fillRef>
+          <a:effectRef idx="0">
+            <a:schemeClr val="accent3"/>
+          </a:effectRef>
+          <a:fontRef idx="minor">
+            <a:schemeClr val="lt1"/>
+          </a:fontRef>
+        </p:style>
+        <p:txBody>
+          <a:bodyPr rtlCol="0" anchor="ctr"/>
+          <a:lstStyle/>
+          <a:p>
+            <a:pPr algn="ctr" fontAlgn="auto">
+              <a:spcBef>
+                <a:spcPts val="0"/>
+              </a:spcBef>
+              <a:spcAft>
+                <a:spcPts val="0"/>
+              </a:spcAft>
+            </a:pPr>
+            <a:endParaRPr lang="en-US" sz="1800">
+              <a:solidFill>
+                <a:prstClr val="white"/>
+              </a:solidFill>
+            </a:endParaRPr>
+          </a:p>
+        </p:txBody>
+      </p:sp>
+      <p:pic>
+        <p:nvPicPr>
+          <p:cNvPr id="10" name="Picture 9"/>
+          <p:cNvPicPr/>
+          <p:nvPr/>
+        </p:nvPicPr>
+        <p:blipFill rotWithShape="1">
+          <a:blip r:embed="rId3"/>
+          <a:srcRect t="13187"/>
+          <a:stretch/>
+        </p:blipFill>
+        <p:spPr bwMode="auto">
+          <a:xfrm>
+            <a:off x="2895600" y="1600200"/>
+            <a:ext cx="2819400" cy="3651354"/>
+          </a:xfrm>
+          <a:prstGeom prst="rect">
+            <a:avLst/>
+          </a:prstGeom>
+          <a:ln>
+            <a:noFill/>
+          </a:ln>
+          <a:extLst>
+            <a:ext uri="{53640926-AAD7-44D8-BBD7-CCE9431645EC}">
+              <a14:shadowObscured xmlns:a14="http://schemas.microsoft.com/office/drawing/2010/main"/>
+            </a:ext>
+          </a:extLst>
+        </p:spPr>
+      </p:pic>
+      <p:sp>
+        <p:nvSpPr>
+          <p:cNvPr id="12" name="TextBox 11"/>
+          <p:cNvSpPr txBox="1"/>
+          <p:nvPr/>
+        </p:nvSpPr>
+        <p:spPr>
+          <a:xfrm>
+            <a:off x="290744" y="5092456"/>
+            <a:ext cx="3747856" cy="1384995"/>
+          </a:xfrm>
+          <a:prstGeom prst="rect">
+            <a:avLst/>
+          </a:prstGeom>
+          <a:noFill/>
+        </p:spPr>
+        <p:txBody>
+          <a:bodyPr wrap="square" rtlCol="0">
+            <a:spAutoFit/>
+          </a:bodyPr>
+          <a:lstStyle/>
+          <a:p>
+            <a:pPr fontAlgn="auto">
+              <a:spcBef>
+                <a:spcPts val="0"/>
+              </a:spcBef>
+              <a:spcAft>
+                <a:spcPts val="0"/>
+              </a:spcAft>
+            </a:pPr>
+            <a:r>
+              <a:rPr lang="en-US" sz="2800" b="1" dirty="0" smtClean="0">
+                <a:solidFill>
+                  <a:prstClr val="black"/>
+                </a:solidFill>
+                <a:latin typeface="Calibri"/>
+              </a:rPr>
+              <a:t>PUSH</a:t>
+            </a:r>
+          </a:p>
+          <a:p>
+            <a:pPr marL="342900" indent="-342900" fontAlgn="auto">
+              <a:spcBef>
+                <a:spcPts val="0"/>
+              </a:spcBef>
+              <a:spcAft>
+                <a:spcPts val="0"/>
+              </a:spcAft>
+              <a:buFontTx/>
+              <a:buAutoNum type="arabicParenR"/>
+            </a:pPr>
+            <a:r>
+              <a:rPr lang="en-US" sz="2800" dirty="0" smtClean="0">
+                <a:solidFill>
+                  <a:prstClr val="black"/>
+                </a:solidFill>
+                <a:latin typeface="Calibri"/>
+              </a:rPr>
+              <a:t>SP – 2  SP</a:t>
+            </a:r>
+          </a:p>
+          <a:p>
+            <a:pPr marL="342900" indent="-342900" fontAlgn="auto">
+              <a:spcBef>
+                <a:spcPts val="0"/>
+              </a:spcBef>
+              <a:spcAft>
+                <a:spcPts val="0"/>
+              </a:spcAft>
+              <a:buFontTx/>
+              <a:buAutoNum type="arabicParenR"/>
+            </a:pPr>
+            <a:r>
+              <a:rPr lang="en-US" sz="2800" dirty="0" err="1" smtClean="0">
+                <a:solidFill>
+                  <a:prstClr val="black"/>
+                </a:solidFill>
+                <a:latin typeface="Calibri"/>
+              </a:rPr>
+              <a:t>src</a:t>
+            </a:r>
+            <a:r>
+              <a:rPr lang="en-US" sz="2800" dirty="0" smtClean="0">
+                <a:solidFill>
+                  <a:prstClr val="black"/>
+                </a:solidFill>
+                <a:latin typeface="Calibri"/>
+              </a:rPr>
+              <a:t>  @SP</a:t>
+            </a:r>
+            <a:endParaRPr lang="en-US" sz="2800" dirty="0">
+              <a:solidFill>
+                <a:prstClr val="black"/>
+              </a:solidFill>
+              <a:latin typeface="Calibri"/>
+            </a:endParaRPr>
+          </a:p>
+        </p:txBody>
+      </p:sp>
+      <p:sp>
+        <p:nvSpPr>
+          <p:cNvPr id="11" name="Rectangular Callout 10"/>
+          <p:cNvSpPr/>
+          <p:nvPr/>
+        </p:nvSpPr>
+        <p:spPr>
+          <a:xfrm>
+            <a:off x="3503479" y="5784953"/>
+            <a:ext cx="4423041" cy="805033"/>
+          </a:xfrm>
+          <a:prstGeom prst="wedgeRectCallout">
+            <a:avLst>
+              <a:gd name="adj1" fmla="val -73256"/>
+              <a:gd name="adj2" fmla="val -41725"/>
+            </a:avLst>
+          </a:prstGeom>
+        </p:spPr>
+        <p:style>
+          <a:lnRef idx="2">
+            <a:schemeClr val="accent1">
+              <a:shade val="50000"/>
+            </a:schemeClr>
+          </a:lnRef>
+          <a:fillRef idx="1">
+            <a:schemeClr val="accent1"/>
+          </a:fillRef>
+          <a:effectRef idx="0">
+            <a:schemeClr val="accent1"/>
+          </a:effectRef>
+          <a:fontRef idx="minor">
+            <a:schemeClr val="lt1"/>
+          </a:fontRef>
+        </p:style>
+        <p:txBody>
+          <a:bodyPr rtlCol="0" anchor="ctr"/>
+          <a:lstStyle/>
+          <a:p>
+            <a:pPr algn="ctr" fontAlgn="auto">
+              <a:spcBef>
+                <a:spcPts val="0"/>
+              </a:spcBef>
+              <a:spcAft>
+                <a:spcPts val="0"/>
+              </a:spcAft>
+            </a:pPr>
+            <a:r>
+              <a:rPr lang="en-US" sz="1800" i="1" dirty="0" smtClean="0">
+                <a:solidFill>
+                  <a:prstClr val="white"/>
+                </a:solidFill>
+              </a:rPr>
+              <a:t>Notice what happened? Decrement SP, then write the data!</a:t>
+            </a:r>
+            <a:endParaRPr lang="en-US" sz="1800" dirty="0">
+              <a:solidFill>
+                <a:prstClr val="white"/>
+              </a:solidFill>
+            </a:endParaRPr>
+          </a:p>
+        </p:txBody>
+      </p:sp>
+    </p:spTree>
+    <p:extLst>
+      <p:ext uri="{BB962C8B-B14F-4D97-AF65-F5344CB8AC3E}">
+        <p14:creationId xmlns:p14="http://schemas.microsoft.com/office/powerpoint/2010/main" val="3266017419"/>
+      </p:ext>
+    </p:extLst>
+  </p:cSld>
+  <p:clrMapOvr>
+    <a:masterClrMapping/>
+  </p:clrMapOvr>
+  <p:timing>
+    <p:tnLst>
+      <p:par>
+        <p:cTn id="1" dur="indefinite" restart="never" nodeType="tmRoot">
+          <p:childTnLst>
+            <p:seq concurrent="1" nextAc="seek">
+              <p:cTn id="2" dur="indefinite" nodeType="mainSeq">
+                <p:childTnLst>
+                  <p:par>
+                    <p:cTn id="3" fill="hold">
+                      <p:stCondLst>
+                        <p:cond delay="indefinite"/>
+                      </p:stCondLst>
+                      <p:childTnLst>
+                        <p:par>
+                          <p:cTn id="4" fill="hold">
+                            <p:stCondLst>
+                              <p:cond delay="0"/>
+                            </p:stCondLst>
+                            <p:childTnLst>
+                              <p:par>
+                                <p:cTn id="5" presetID="10" presetClass="entr" presetSubtype="0" fill="hold" grpId="0" nodeType="clickEffect">
+                                  <p:stCondLst>
+                                    <p:cond delay="0"/>
+                                  </p:stCondLst>
+                                  <p:childTnLst>
+                                    <p:set>
+                                      <p:cBhvr>
+                                        <p:cTn id="6" dur="1" fill="hold">
+                                          <p:stCondLst>
+                                            <p:cond delay="0"/>
+                                          </p:stCondLst>
+                                        </p:cTn>
+                                        <p:tgtEl>
+                                          <p:spTgt spid="11"/>
+                                        </p:tgtEl>
+                                        <p:attrNameLst>
+                                          <p:attrName>style.visibility</p:attrName>
+                                        </p:attrNameLst>
+                                      </p:cBhvr>
+                                      <p:to>
+                                        <p:strVal val="visible"/>
+                                      </p:to>
+                                    </p:set>
+                                    <p:animEffect transition="in" filter="fade">
+                                      <p:cBhvr>
+                                        <p:cTn id="7" dur="500"/>
+                                        <p:tgtEl>
+                                          <p:spTgt spid="11"/>
+                                        </p:tgtEl>
+                                      </p:cBhvr>
+                                    </p:animEffect>
+                                  </p:childTnLst>
+                                </p:cTn>
+                              </p:par>
+                            </p:childTnLst>
+                          </p:cTn>
+                        </p:par>
+                      </p:childTnLst>
+                    </p:cTn>
+                  </p:par>
+                </p:childTnLst>
+              </p:cTn>
+              <p:prevCondLst>
+                <p:cond evt="onPrev" delay="0">
+                  <p:tgtEl>
+                    <p:sldTgt/>
+                  </p:tgtEl>
+                </p:cond>
+              </p:prevCondLst>
+              <p:nextCondLst>
+                <p:cond evt="onNext" delay="0">
+                  <p:tgtEl>
+                    <p:sldTgt/>
+                  </p:tgtEl>
+                </p:cond>
+              </p:nextCondLst>
+            </p:seq>
+          </p:childTnLst>
+        </p:cTn>
+      </p:par>
+    </p:tnLst>
+    <p:bldLst>
       <p:bldP spid="11" grpId="0" animBg="1"/>
     </p:bldLst>
   </p:timing>

--- a/source/lessons/lsn9-10/Lsn9-10.pptx
+++ b/source/lessons/lsn9-10/Lsn9-10.pptx
@@ -7,10 +7,10 @@
     <p:sldMasterId id="2147483667" r:id="rId3"/>
   </p:sldMasterIdLst>
   <p:notesMasterIdLst>
-    <p:notesMasterId r:id="rId37"/>
+    <p:notesMasterId r:id="rId38"/>
   </p:notesMasterIdLst>
   <p:handoutMasterIdLst>
-    <p:handoutMasterId r:id="rId38"/>
+    <p:handoutMasterId r:id="rId39"/>
   </p:handoutMasterIdLst>
   <p:sldIdLst>
     <p:sldId id="352" r:id="rId4"/>
@@ -40,12 +40,13 @@
     <p:sldId id="380" r:id="rId28"/>
     <p:sldId id="379" r:id="rId29"/>
     <p:sldId id="381" r:id="rId30"/>
-    <p:sldId id="382" r:id="rId31"/>
-    <p:sldId id="383" r:id="rId32"/>
-    <p:sldId id="385" r:id="rId33"/>
-    <p:sldId id="387" r:id="rId34"/>
-    <p:sldId id="386" r:id="rId35"/>
-    <p:sldId id="353" r:id="rId36"/>
+    <p:sldId id="391" r:id="rId31"/>
+    <p:sldId id="382" r:id="rId32"/>
+    <p:sldId id="383" r:id="rId33"/>
+    <p:sldId id="385" r:id="rId34"/>
+    <p:sldId id="387" r:id="rId35"/>
+    <p:sldId id="386" r:id="rId36"/>
+    <p:sldId id="353" r:id="rId37"/>
   </p:sldIdLst>
   <p:sldSz cx="9144000" cy="6858000" type="screen4x3"/>
   <p:notesSz cx="7010400" cy="9296400"/>
@@ -1383,7 +1384,7 @@
           <a:p>
             <a:fld id="{834513E8-165F-4932-9E2D-FD497CB9A4FD}" type="datetimeFigureOut">
               <a:rPr lang="en-US" smtClean="0"/>
-              <a:t>8/30/2018</a:t>
+              <a:t>9/6/2018</a:t>
             </a:fld>
             <a:endParaRPr lang="en-US"/>
           </a:p>
@@ -1660,7 +1661,7 @@
           <a:p>
             <a:fld id="{834513E8-165F-4932-9E2D-FD497CB9A4FD}" type="datetimeFigureOut">
               <a:rPr lang="en-US" smtClean="0"/>
-              <a:t>8/30/2018</a:t>
+              <a:t>9/6/2018</a:t>
             </a:fld>
             <a:endParaRPr lang="en-US"/>
           </a:p>
@@ -1913,7 +1914,7 @@
           <a:p>
             <a:fld id="{834513E8-165F-4932-9E2D-FD497CB9A4FD}" type="datetimeFigureOut">
               <a:rPr lang="en-US" smtClean="0"/>
-              <a:t>8/30/2018</a:t>
+              <a:t>9/6/2018</a:t>
             </a:fld>
             <a:endParaRPr lang="en-US"/>
           </a:p>
@@ -2083,7 +2084,7 @@
           <a:p>
             <a:fld id="{834513E8-165F-4932-9E2D-FD497CB9A4FD}" type="datetimeFigureOut">
               <a:rPr lang="en-US" smtClean="0"/>
-              <a:t>8/30/2018</a:t>
+              <a:t>9/6/2018</a:t>
             </a:fld>
             <a:endParaRPr lang="en-US"/>
           </a:p>
@@ -2263,7 +2264,7 @@
           <a:p>
             <a:fld id="{834513E8-165F-4932-9E2D-FD497CB9A4FD}" type="datetimeFigureOut">
               <a:rPr lang="en-US" smtClean="0"/>
-              <a:t>8/30/2018</a:t>
+              <a:t>9/6/2018</a:t>
             </a:fld>
             <a:endParaRPr lang="en-US"/>
           </a:p>
@@ -3007,7 +3008,7 @@
           <a:p>
             <a:fld id="{834513E8-165F-4932-9E2D-FD497CB9A4FD}" type="datetimeFigureOut">
               <a:rPr lang="en-US" smtClean="0"/>
-              <a:t>8/30/2018</a:t>
+              <a:t>9/6/2018</a:t>
             </a:fld>
             <a:endParaRPr lang="en-US"/>
           </a:p>
@@ -3177,7 +3178,7 @@
           <a:p>
             <a:fld id="{834513E8-165F-4932-9E2D-FD497CB9A4FD}" type="datetimeFigureOut">
               <a:rPr lang="en-US" smtClean="0"/>
-              <a:t>8/30/2018</a:t>
+              <a:t>9/6/2018</a:t>
             </a:fld>
             <a:endParaRPr lang="en-US"/>
           </a:p>
@@ -3423,7 +3424,7 @@
           <a:p>
             <a:fld id="{834513E8-165F-4932-9E2D-FD497CB9A4FD}" type="datetimeFigureOut">
               <a:rPr lang="en-US" smtClean="0"/>
-              <a:t>8/30/2018</a:t>
+              <a:t>9/6/2018</a:t>
             </a:fld>
             <a:endParaRPr lang="en-US"/>
           </a:p>
@@ -3655,7 +3656,7 @@
           <a:p>
             <a:fld id="{834513E8-165F-4932-9E2D-FD497CB9A4FD}" type="datetimeFigureOut">
               <a:rPr lang="en-US" smtClean="0"/>
-              <a:t>8/30/2018</a:t>
+              <a:t>9/6/2018</a:t>
             </a:fld>
             <a:endParaRPr lang="en-US"/>
           </a:p>
@@ -4022,7 +4023,7 @@
           <a:p>
             <a:fld id="{834513E8-165F-4932-9E2D-FD497CB9A4FD}" type="datetimeFigureOut">
               <a:rPr lang="en-US" smtClean="0"/>
-              <a:t>8/30/2018</a:t>
+              <a:t>9/6/2018</a:t>
             </a:fld>
             <a:endParaRPr lang="en-US"/>
           </a:p>
@@ -4140,7 +4141,7 @@
           <a:p>
             <a:fld id="{834513E8-165F-4932-9E2D-FD497CB9A4FD}" type="datetimeFigureOut">
               <a:rPr lang="en-US" smtClean="0"/>
-              <a:t>8/30/2018</a:t>
+              <a:t>9/6/2018</a:t>
             </a:fld>
             <a:endParaRPr lang="en-US"/>
           </a:p>
@@ -5956,7 +5957,7 @@
           <a:p>
             <a:fld id="{834513E8-165F-4932-9E2D-FD497CB9A4FD}" type="datetimeFigureOut">
               <a:rPr lang="en-US" smtClean="0"/>
-              <a:t>8/30/2018</a:t>
+              <a:t>9/6/2018</a:t>
             </a:fld>
             <a:endParaRPr lang="en-US"/>
           </a:p>
@@ -15857,11 +15858,7 @@
             </a:r>
             <a:r>
               <a:rPr lang="en-US" dirty="0" smtClean="0"/>
-              <a:t>it </a:t>
-            </a:r>
-            <a:r>
-              <a:rPr lang="en-US" dirty="0" smtClean="0"/>
-              <a:t>writes</a:t>
+              <a:t>it writes</a:t>
             </a:r>
           </a:p>
           <a:p>
@@ -17343,37 +17340,41 @@
                 <a:latin typeface="Courier New" pitchFamily="49" charset="0"/>
                 <a:cs typeface="Courier New" pitchFamily="49" charset="0"/>
               </a:rPr>
-              <a:t>Call #addition</a:t>
-            </a:r>
-          </a:p>
-          <a:p>
-            <a:pPr marL="457200" lvl="1" indent="0">
-              <a:buNone/>
-            </a:pPr>
+              <a:t>0xC010 c</a:t>
+            </a:r>
             <a:r>
               <a:rPr lang="en-US" sz="1600" dirty="0" smtClean="0">
                 <a:latin typeface="Courier New" pitchFamily="49" charset="0"/>
                 <a:cs typeface="Courier New" pitchFamily="49" charset="0"/>
               </a:rPr>
-              <a:t>…</a:t>
-            </a:r>
-          </a:p>
-          <a:p>
-            <a:pPr marL="457200" lvl="1" indent="0">
-              <a:buNone/>
-            </a:pPr>
+              <a:t>all </a:t>
+            </a:r>
             <a:r>
               <a:rPr lang="en-US" sz="1600" dirty="0" smtClean="0">
                 <a:latin typeface="Courier New" pitchFamily="49" charset="0"/>
                 <a:cs typeface="Courier New" pitchFamily="49" charset="0"/>
               </a:rPr>
-              <a:t>…</a:t>
+              <a:t>#addition</a:t>
             </a:r>
           </a:p>
           <a:p>
             <a:pPr marL="457200" lvl="1" indent="0">
               <a:buNone/>
             </a:pPr>
+            <a:r>
+              <a:rPr lang="en-US" sz="1600" dirty="0" smtClean="0">
+                <a:latin typeface="Courier New" pitchFamily="49" charset="0"/>
+                <a:cs typeface="Courier New" pitchFamily="49" charset="0"/>
+              </a:rPr>
+              <a:t>0xC012 </a:t>
+            </a:r>
+            <a:r>
+              <a:rPr lang="en-US" sz="1600" dirty="0" err="1" smtClean="0">
+                <a:latin typeface="Courier New" pitchFamily="49" charset="0"/>
+                <a:cs typeface="Courier New" pitchFamily="49" charset="0"/>
+              </a:rPr>
+              <a:t>nop</a:t>
+            </a:r>
             <a:endParaRPr lang="en-US" sz="1600" dirty="0" smtClean="0">
               <a:latin typeface="Courier New" pitchFamily="49" charset="0"/>
               <a:cs typeface="Courier New" pitchFamily="49" charset="0"/>
@@ -17388,8 +17389,17 @@
                 <a:latin typeface="Courier New" pitchFamily="49" charset="0"/>
                 <a:cs typeface="Courier New" pitchFamily="49" charset="0"/>
               </a:rPr>
-              <a:t>addition:  …</a:t>
-            </a:r>
+              <a:t>…</a:t>
+            </a:r>
+          </a:p>
+          <a:p>
+            <a:pPr marL="457200" lvl="1" indent="0">
+              <a:buNone/>
+            </a:pPr>
+            <a:endParaRPr lang="en-US" sz="1600" dirty="0" smtClean="0">
+              <a:latin typeface="Courier New" pitchFamily="49" charset="0"/>
+              <a:cs typeface="Courier New" pitchFamily="49" charset="0"/>
+            </a:endParaRPr>
           </a:p>
           <a:p>
             <a:pPr marL="457200" lvl="1" indent="0">
@@ -17400,8 +17410,31 @@
                 <a:latin typeface="Courier New" pitchFamily="49" charset="0"/>
                 <a:cs typeface="Courier New" pitchFamily="49" charset="0"/>
               </a:rPr>
+              <a:t>0xC01A addition</a:t>
+            </a:r>
+            <a:r>
+              <a:rPr lang="en-US" sz="1600" dirty="0" smtClean="0">
+                <a:latin typeface="Courier New" pitchFamily="49" charset="0"/>
+                <a:cs typeface="Courier New" pitchFamily="49" charset="0"/>
+              </a:rPr>
+              <a:t>:  …</a:t>
+            </a:r>
+          </a:p>
+          <a:p>
+            <a:pPr marL="457200" lvl="1" indent="0">
+              <a:buNone/>
+            </a:pPr>
+            <a:r>
+              <a:rPr lang="en-US" sz="1600" dirty="0" smtClean="0">
+                <a:latin typeface="Courier New" pitchFamily="49" charset="0"/>
+                <a:cs typeface="Courier New" pitchFamily="49" charset="0"/>
+              </a:rPr>
               <a:t>…</a:t>
             </a:r>
+            <a:endParaRPr lang="en-US" sz="1600" dirty="0" smtClean="0">
+              <a:latin typeface="Courier New" pitchFamily="49" charset="0"/>
+              <a:cs typeface="Courier New" pitchFamily="49" charset="0"/>
+            </a:endParaRPr>
           </a:p>
           <a:p>
             <a:pPr marL="457200" lvl="1" indent="0">
@@ -18166,66 +18199,6 @@
       </p:pic>
       <p:sp>
         <p:nvSpPr>
-          <p:cNvPr id="8" name="TextBox 7"/>
-          <p:cNvSpPr txBox="1"/>
-          <p:nvPr/>
-        </p:nvSpPr>
-        <p:spPr>
-          <a:xfrm>
-            <a:off x="28757" y="3944161"/>
-            <a:ext cx="833883" cy="338554"/>
-          </a:xfrm>
-          <a:prstGeom prst="rect">
-            <a:avLst/>
-          </a:prstGeom>
-          <a:noFill/>
-        </p:spPr>
-        <p:txBody>
-          <a:bodyPr wrap="none" rtlCol="0">
-            <a:spAutoFit/>
-          </a:bodyPr>
-          <a:lstStyle/>
-          <a:p>
-            <a:r>
-              <a:rPr lang="en-US" sz="1600" dirty="0" smtClean="0"/>
-              <a:t>0xC010</a:t>
-            </a:r>
-            <a:endParaRPr lang="en-US" sz="1600" dirty="0"/>
-          </a:p>
-        </p:txBody>
-      </p:sp>
-      <p:sp>
-        <p:nvSpPr>
-          <p:cNvPr id="11" name="TextBox 10"/>
-          <p:cNvSpPr txBox="1"/>
-          <p:nvPr/>
-        </p:nvSpPr>
-        <p:spPr>
-          <a:xfrm>
-            <a:off x="-1" y="4873841"/>
-            <a:ext cx="833883" cy="338554"/>
-          </a:xfrm>
-          <a:prstGeom prst="rect">
-            <a:avLst/>
-          </a:prstGeom>
-          <a:noFill/>
-        </p:spPr>
-        <p:txBody>
-          <a:bodyPr wrap="none" rtlCol="0">
-            <a:spAutoFit/>
-          </a:bodyPr>
-          <a:lstStyle/>
-          <a:p>
-            <a:r>
-              <a:rPr lang="en-US" sz="1600" dirty="0" smtClean="0"/>
-              <a:t>0xC020</a:t>
-            </a:r>
-            <a:endParaRPr lang="en-US" sz="1600" dirty="0"/>
-          </a:p>
-        </p:txBody>
-      </p:sp>
-      <p:sp>
-        <p:nvSpPr>
           <p:cNvPr id="6" name="Rounded Rectangle 5"/>
           <p:cNvSpPr/>
           <p:nvPr/>
@@ -18355,6 +18328,77 @@
               </a:rPr>
               <a:t>The stack!!</a:t>
             </a:r>
+          </a:p>
+        </p:txBody>
+      </p:sp>
+      <p:sp>
+        <p:nvSpPr>
+          <p:cNvPr id="12" name="Rectangular Callout 11"/>
+          <p:cNvSpPr/>
+          <p:nvPr/>
+        </p:nvSpPr>
+        <p:spPr bwMode="auto">
+          <a:xfrm>
+            <a:off x="3232428" y="4241573"/>
+            <a:ext cx="2264363" cy="470492"/>
+          </a:xfrm>
+          <a:prstGeom prst="wedgeRectCallout">
+            <a:avLst>
+              <a:gd name="adj1" fmla="val -95253"/>
+              <a:gd name="adj2" fmla="val -29930"/>
+            </a:avLst>
+          </a:prstGeom>
+          <a:solidFill>
+            <a:srgbClr val="FFFF00"/>
+          </a:solidFill>
+          <a:ln w="12700" cap="flat" cmpd="sng" algn="ctr">
+            <a:solidFill>
+              <a:schemeClr val="accent6">
+                <a:lumMod val="40000"/>
+                <a:lumOff val="60000"/>
+              </a:schemeClr>
+            </a:solidFill>
+            <a:prstDash val="solid"/>
+            <a:round/>
+            <a:headEnd type="none" w="med" len="med"/>
+            <a:tailEnd type="none" w="med" len="med"/>
+          </a:ln>
+          <a:effectLst/>
+        </p:spPr>
+        <p:txBody>
+          <a:bodyPr vert="horz" wrap="square" lIns="91440" tIns="45720" rIns="91440" bIns="45720" numCol="1" rtlCol="0" anchor="ctr" anchorCtr="0" compatLnSpc="1">
+            <a:prstTxWarp prst="textNoShape">
+              <a:avLst/>
+            </a:prstTxWarp>
+          </a:bodyPr>
+          <a:lstStyle/>
+          <a:p>
+            <a:pPr marL="0" marR="0" indent="0" algn="ctr" defTabSz="914400" rtl="0" eaLnBrk="0" fontAlgn="base" latinLnBrk="0" hangingPunct="0">
+              <a:lnSpc>
+                <a:spcPct val="100000"/>
+              </a:lnSpc>
+              <a:spcBef>
+                <a:spcPct val="0"/>
+              </a:spcBef>
+              <a:spcAft>
+                <a:spcPct val="0"/>
+              </a:spcAft>
+              <a:buClrTx/>
+              <a:buSzTx/>
+              <a:buFontTx/>
+              <a:buNone/>
+              <a:tabLst/>
+            </a:pPr>
+            <a:r>
+              <a:rPr kumimoji="0" lang="en-US" sz="1600" b="0" i="0" u="none" strike="noStrike" cap="none" normalizeH="0" baseline="0" dirty="0" smtClean="0">
+                <a:ln>
+                  <a:noFill/>
+                </a:ln>
+                <a:effectLst/>
+                <a:latin typeface="Arial" charset="0"/>
+              </a:rPr>
+              <a:t>This address pushed</a:t>
+            </a:r>
             <a:endParaRPr kumimoji="0" lang="en-US" sz="1600" b="0" i="0" u="none" strike="noStrike" cap="none" normalizeH="0" baseline="0" dirty="0" smtClean="0">
               <a:ln>
                 <a:noFill/>
@@ -18365,6 +18409,118 @@
           </a:p>
         </p:txBody>
       </p:sp>
+      <p:sp>
+        <p:nvSpPr>
+          <p:cNvPr id="13" name="Rectangular Callout 12"/>
+          <p:cNvSpPr/>
+          <p:nvPr/>
+        </p:nvSpPr>
+        <p:spPr bwMode="auto">
+          <a:xfrm>
+            <a:off x="7045037" y="2712085"/>
+            <a:ext cx="1731818" cy="470492"/>
+          </a:xfrm>
+          <a:prstGeom prst="wedgeRectCallout">
+            <a:avLst>
+              <a:gd name="adj1" fmla="val 16347"/>
+              <a:gd name="adj2" fmla="val 327850"/>
+            </a:avLst>
+          </a:prstGeom>
+          <a:solidFill>
+            <a:srgbClr val="FFFF00"/>
+          </a:solidFill>
+          <a:ln w="12700" cap="flat" cmpd="sng" algn="ctr">
+            <a:solidFill>
+              <a:schemeClr val="accent6">
+                <a:lumMod val="40000"/>
+                <a:lumOff val="60000"/>
+              </a:schemeClr>
+            </a:solidFill>
+            <a:prstDash val="solid"/>
+            <a:round/>
+            <a:headEnd type="none" w="med" len="med"/>
+            <a:tailEnd type="none" w="med" len="med"/>
+          </a:ln>
+          <a:effectLst/>
+        </p:spPr>
+        <p:txBody>
+          <a:bodyPr vert="horz" wrap="square" lIns="91440" tIns="45720" rIns="91440" bIns="45720" numCol="1" rtlCol="0" anchor="ctr" anchorCtr="0" compatLnSpc="1">
+            <a:prstTxWarp prst="textNoShape">
+              <a:avLst/>
+            </a:prstTxWarp>
+          </a:bodyPr>
+          <a:lstStyle/>
+          <a:p>
+            <a:pPr marL="0" marR="0" indent="0" algn="ctr" defTabSz="914400" rtl="0" eaLnBrk="0" fontAlgn="base" latinLnBrk="0" hangingPunct="0">
+              <a:lnSpc>
+                <a:spcPct val="100000"/>
+              </a:lnSpc>
+              <a:spcBef>
+                <a:spcPct val="0"/>
+              </a:spcBef>
+              <a:spcAft>
+                <a:spcPct val="0"/>
+              </a:spcAft>
+              <a:buClrTx/>
+              <a:buSzTx/>
+              <a:buFontTx/>
+              <a:buNone/>
+              <a:tabLst/>
+            </a:pPr>
+            <a:r>
+              <a:rPr kumimoji="0" lang="en-US" sz="1600" b="0" i="0" u="none" strike="noStrike" cap="none" normalizeH="0" baseline="0" dirty="0" smtClean="0">
+                <a:ln>
+                  <a:noFill/>
+                </a:ln>
+                <a:effectLst/>
+                <a:latin typeface="Arial" charset="0"/>
+              </a:rPr>
+              <a:t>Top</a:t>
+            </a:r>
+            <a:r>
+              <a:rPr kumimoji="0" lang="en-US" sz="1600" b="0" i="0" u="none" strike="noStrike" cap="none" normalizeH="0" dirty="0" smtClean="0">
+                <a:ln>
+                  <a:noFill/>
+                </a:ln>
+                <a:effectLst/>
+                <a:latin typeface="Arial" charset="0"/>
+              </a:rPr>
+              <a:t> of Stack</a:t>
+            </a:r>
+            <a:endParaRPr kumimoji="0" lang="en-US" sz="1600" b="0" i="0" u="none" strike="noStrike" cap="none" normalizeH="0" baseline="0" dirty="0" smtClean="0">
+              <a:ln>
+                <a:noFill/>
+              </a:ln>
+              <a:effectLst/>
+              <a:latin typeface="Arial" charset="0"/>
+            </a:endParaRPr>
+          </a:p>
+        </p:txBody>
+      </p:sp>
+      <p:pic>
+        <p:nvPicPr>
+          <p:cNvPr id="9" name="Picture 8"/>
+          <p:cNvPicPr>
+            <a:picLocks noChangeAspect="1"/>
+          </p:cNvPicPr>
+          <p:nvPr/>
+        </p:nvPicPr>
+        <p:blipFill>
+          <a:blip r:embed="rId3"/>
+          <a:stretch>
+            <a:fillRect/>
+          </a:stretch>
+        </p:blipFill>
+        <p:spPr>
+          <a:xfrm>
+            <a:off x="1581583" y="5868573"/>
+            <a:ext cx="7019925" cy="466725"/>
+          </a:xfrm>
+          <a:prstGeom prst="rect">
+            <a:avLst/>
+          </a:prstGeom>
+        </p:spPr>
+      </p:pic>
     </p:spTree>
     <p:extLst>
       <p:ext uri="{BB962C8B-B14F-4D97-AF65-F5344CB8AC3E}">
@@ -18455,6 +18611,96 @@
                       </p:childTnLst>
                     </p:cTn>
                   </p:par>
+                  <p:par>
+                    <p:cTn id="9" fill="hold">
+                      <p:stCondLst>
+                        <p:cond delay="indefinite"/>
+                      </p:stCondLst>
+                      <p:childTnLst>
+                        <p:par>
+                          <p:cTn id="10" fill="hold">
+                            <p:stCondLst>
+                              <p:cond delay="0"/>
+                            </p:stCondLst>
+                            <p:childTnLst>
+                              <p:par>
+                                <p:cTn id="11" presetID="1" presetClass="entr" presetSubtype="0" fill="hold" grpId="0" nodeType="clickEffect">
+                                  <p:stCondLst>
+                                    <p:cond delay="0"/>
+                                  </p:stCondLst>
+                                  <p:childTnLst>
+                                    <p:set>
+                                      <p:cBhvr>
+                                        <p:cTn id="12" dur="1" fill="hold">
+                                          <p:stCondLst>
+                                            <p:cond delay="0"/>
+                                          </p:stCondLst>
+                                        </p:cTn>
+                                        <p:tgtEl>
+                                          <p:spTgt spid="12"/>
+                                        </p:tgtEl>
+                                        <p:attrNameLst>
+                                          <p:attrName>style.visibility</p:attrName>
+                                        </p:attrNameLst>
+                                      </p:cBhvr>
+                                      <p:to>
+                                        <p:strVal val="visible"/>
+                                      </p:to>
+                                    </p:set>
+                                  </p:childTnLst>
+                                </p:cTn>
+                              </p:par>
+                            </p:childTnLst>
+                          </p:cTn>
+                        </p:par>
+                      </p:childTnLst>
+                    </p:cTn>
+                  </p:par>
+                  <p:par>
+                    <p:cTn id="13" fill="hold">
+                      <p:stCondLst>
+                        <p:cond delay="indefinite"/>
+                      </p:stCondLst>
+                      <p:childTnLst>
+                        <p:par>
+                          <p:cTn id="14" fill="hold">
+                            <p:stCondLst>
+                              <p:cond delay="0"/>
+                            </p:stCondLst>
+                            <p:childTnLst>
+                              <p:par>
+                                <p:cTn id="15" presetID="1" presetClass="entr" presetSubtype="0" fill="hold" grpId="0" nodeType="clickEffect">
+                                  <p:stCondLst>
+                                    <p:cond delay="0"/>
+                                  </p:stCondLst>
+                                  <p:childTnLst>
+                                    <p:set>
+                                      <p:cBhvr>
+                                        <p:cTn id="16" dur="1" fill="hold">
+                                          <p:stCondLst>
+                                            <p:cond delay="0"/>
+                                          </p:stCondLst>
+                                        </p:cTn>
+                                        <p:tgtEl>
+                                          <p:spTgt spid="13"/>
+                                        </p:tgtEl>
+                                        <p:attrNameLst>
+                                          <p:attrName>style.visibility</p:attrName>
+                                        </p:attrNameLst>
+                                      </p:cBhvr>
+                                      <p:to>
+                                        <p:strVal val="visible"/>
+                                      </p:to>
+                                    </p:set>
+                                  </p:childTnLst>
+                                </p:cTn>
+                              </p:par>
+                            </p:childTnLst>
+                          </p:cTn>
+                        </p:par>
+                      </p:childTnLst>
+                    </p:cTn>
+                  </p:par>
                 </p:childTnLst>
               </p:cTn>
               <p:prevCondLst>
@@ -18479,6 +18725,8 @@
     <p:bldLst>
       <p:bldP spid="6" grpId="0" animBg="1"/>
       <p:bldP spid="7" grpId="0" animBg="1"/>
+      <p:bldP spid="12" grpId="0" animBg="1"/>
+      <p:bldP spid="13" grpId="0" animBg="1"/>
     </p:bldLst>
   </p:timing>
 </p:sld>
@@ -18794,9 +19042,28 @@
                   <a:schemeClr val="accent2"/>
                 </a:solidFill>
               </a:rPr>
-              <a:t>Load up ex_subroutine.asm in CCS and let’s watch this execute</a:t>
-            </a:r>
-            <a:endParaRPr lang="en-US" sz="2000" dirty="0" smtClean="0"/>
+              <a:t>Load up ex_subroutine.asm in CCS and let’s watch this </a:t>
+            </a:r>
+            <a:r>
+              <a:rPr lang="en-US" sz="2000" dirty="0" smtClean="0">
+                <a:solidFill>
+                  <a:schemeClr val="accent2"/>
+                </a:solidFill>
+              </a:rPr>
+              <a:t>execute</a:t>
+            </a:r>
+          </a:p>
+          <a:p>
+            <a:pPr lvl="1"/>
+            <a:r>
+              <a:rPr lang="en-US" sz="1600" dirty="0" smtClean="0">
+                <a:solidFill>
+                  <a:schemeClr val="accent2"/>
+                </a:solidFill>
+              </a:rPr>
+              <a:t>Watch what address gets pushed to the stack when CALL is used</a:t>
+            </a:r>
+            <a:endParaRPr lang="en-US" sz="1600" dirty="0" smtClean="0"/>
           </a:p>
           <a:p>
             <a:endParaRPr lang="en-US" sz="2000" dirty="0" smtClean="0">
@@ -18817,6 +19084,7 @@
   <p:clrMapOvr>
     <a:masterClrMapping/>
   </p:clrMapOvr>
+  <p:transition spd="med"/>
   <p:timing>
     <p:tnLst>
       <p:par>
@@ -18860,289 +19128,87 @@
           <a:lstStyle/>
           <a:p>
             <a:r>
-              <a:rPr lang="en-US" b="1" dirty="0" smtClean="0"/>
-              <a:t>Arguments</a:t>
+              <a:rPr lang="en-US" dirty="0" smtClean="0"/>
+              <a:t>ex_subroutine.asm</a:t>
             </a:r>
             <a:endParaRPr lang="en-US" dirty="0"/>
           </a:p>
         </p:txBody>
       </p:sp>
+      <p:pic>
+        <p:nvPicPr>
+          <p:cNvPr id="4" name="Picture 3"/>
+          <p:cNvPicPr>
+            <a:picLocks noChangeAspect="1"/>
+          </p:cNvPicPr>
+          <p:nvPr/>
+        </p:nvPicPr>
+        <p:blipFill>
+          <a:blip r:embed="rId2"/>
+          <a:stretch>
+            <a:fillRect/>
+          </a:stretch>
+        </p:blipFill>
+        <p:spPr>
+          <a:xfrm>
+            <a:off x="789708" y="1476375"/>
+            <a:ext cx="7633855" cy="2605468"/>
+          </a:xfrm>
+          <a:prstGeom prst="rect">
+            <a:avLst/>
+          </a:prstGeom>
+        </p:spPr>
+      </p:pic>
+      <p:pic>
+        <p:nvPicPr>
+          <p:cNvPr id="5" name="Picture 4"/>
+          <p:cNvPicPr>
+            <a:picLocks noChangeAspect="1"/>
+          </p:cNvPicPr>
+          <p:nvPr/>
+        </p:nvPicPr>
+        <p:blipFill>
+          <a:blip r:embed="rId3"/>
+          <a:stretch>
+            <a:fillRect/>
+          </a:stretch>
+        </p:blipFill>
+        <p:spPr>
+          <a:xfrm>
+            <a:off x="789708" y="4081842"/>
+            <a:ext cx="7633855" cy="2706625"/>
+          </a:xfrm>
+          <a:prstGeom prst="rect">
+            <a:avLst/>
+          </a:prstGeom>
+        </p:spPr>
+      </p:pic>
       <p:sp>
         <p:nvSpPr>
-          <p:cNvPr id="3" name="Content Placeholder 2"/>
-          <p:cNvSpPr>
-            <a:spLocks noGrp="1"/>
-          </p:cNvSpPr>
-          <p:nvPr>
-            <p:ph idx="1"/>
-          </p:nvPr>
-        </p:nvSpPr>
-        <p:spPr>
-          <a:xfrm>
-            <a:off x="376038" y="1702494"/>
-            <a:ext cx="8493642" cy="4724400"/>
-          </a:xfrm>
-        </p:spPr>
-        <p:txBody>
-          <a:bodyPr/>
-          <a:lstStyle/>
-          <a:p>
-            <a:r>
-              <a:rPr lang="en-US" sz="2000" dirty="0" smtClean="0">
-                <a:solidFill>
-                  <a:schemeClr val="accent2"/>
-                </a:solidFill>
-              </a:rPr>
-              <a:t>Use a stack to avoid destroying registers</a:t>
-            </a:r>
-            <a:endParaRPr lang="en-US" sz="2000" dirty="0">
-              <a:solidFill>
-                <a:schemeClr val="accent2"/>
-              </a:solidFill>
-            </a:endParaRPr>
-          </a:p>
-          <a:p>
-            <a:pPr marL="457200" lvl="1" indent="0">
-              <a:buNone/>
-            </a:pPr>
-            <a:r>
-              <a:rPr lang="pt-BR" sz="1400" dirty="0">
-                <a:latin typeface="Courier New" pitchFamily="49" charset="0"/>
-                <a:cs typeface="Courier New" pitchFamily="49" charset="0"/>
-              </a:rPr>
-              <a:t>mySubroutine:</a:t>
-            </a:r>
-          </a:p>
-          <a:p>
-            <a:pPr marL="457200" lvl="1" indent="0">
-              <a:buNone/>
-            </a:pPr>
-            <a:r>
-              <a:rPr lang="pt-BR" sz="1400" dirty="0">
-                <a:latin typeface="Courier New" pitchFamily="49" charset="0"/>
-                <a:cs typeface="Courier New" pitchFamily="49" charset="0"/>
-              </a:rPr>
-              <a:t>    push.w  </a:t>
-            </a:r>
-            <a:r>
-              <a:rPr lang="pt-BR" sz="1400" dirty="0" smtClean="0">
-                <a:latin typeface="Courier New" pitchFamily="49" charset="0"/>
-                <a:cs typeface="Courier New" pitchFamily="49" charset="0"/>
-              </a:rPr>
-              <a:t>r5  </a:t>
-            </a:r>
-            <a:r>
-              <a:rPr lang="pt-BR" sz="1400" dirty="0" smtClean="0">
-                <a:solidFill>
-                  <a:srgbClr val="00B050"/>
-                </a:solidFill>
-                <a:latin typeface="Courier New" pitchFamily="49" charset="0"/>
-                <a:cs typeface="Courier New" pitchFamily="49" charset="0"/>
-              </a:rPr>
-              <a:t>; let’s save these registers</a:t>
-            </a:r>
-            <a:endParaRPr lang="pt-BR" sz="1400" dirty="0">
-              <a:solidFill>
-                <a:srgbClr val="00B050"/>
-              </a:solidFill>
-              <a:latin typeface="Courier New" pitchFamily="49" charset="0"/>
-              <a:cs typeface="Courier New" pitchFamily="49" charset="0"/>
-            </a:endParaRPr>
-          </a:p>
-          <a:p>
-            <a:pPr marL="457200" lvl="1" indent="0">
-              <a:buNone/>
-            </a:pPr>
-            <a:r>
-              <a:rPr lang="pt-BR" sz="1400" dirty="0">
-                <a:latin typeface="Courier New" pitchFamily="49" charset="0"/>
-                <a:cs typeface="Courier New" pitchFamily="49" charset="0"/>
-              </a:rPr>
-              <a:t>    push.w  r6</a:t>
-            </a:r>
-          </a:p>
-          <a:p>
-            <a:pPr marL="457200" lvl="1" indent="0">
-              <a:buNone/>
-            </a:pPr>
-            <a:r>
-              <a:rPr lang="pt-BR" sz="1400" dirty="0">
-                <a:latin typeface="Courier New" pitchFamily="49" charset="0"/>
-                <a:cs typeface="Courier New" pitchFamily="49" charset="0"/>
-              </a:rPr>
-              <a:t>    push.w  </a:t>
-            </a:r>
-            <a:r>
-              <a:rPr lang="pt-BR" sz="1400" dirty="0" smtClean="0">
-                <a:latin typeface="Courier New" pitchFamily="49" charset="0"/>
-                <a:cs typeface="Courier New" pitchFamily="49" charset="0"/>
-              </a:rPr>
-              <a:t>r7</a:t>
-            </a:r>
-          </a:p>
-          <a:p>
-            <a:pPr marL="457200" lvl="1" indent="0">
-              <a:buNone/>
-            </a:pPr>
-            <a:endParaRPr lang="pt-BR" sz="1400" dirty="0">
-              <a:latin typeface="Courier New" pitchFamily="49" charset="0"/>
-              <a:cs typeface="Courier New" pitchFamily="49" charset="0"/>
-            </a:endParaRPr>
-          </a:p>
-          <a:p>
-            <a:pPr marL="457200" lvl="1" indent="0">
-              <a:buNone/>
-            </a:pPr>
-            <a:r>
-              <a:rPr lang="pt-BR" sz="1400" dirty="0" smtClean="0">
-                <a:latin typeface="Courier New" pitchFamily="49" charset="0"/>
-                <a:cs typeface="Courier New" pitchFamily="49" charset="0"/>
-              </a:rPr>
-              <a:t>    </a:t>
-            </a:r>
-            <a:r>
-              <a:rPr lang="pt-BR" sz="1400" dirty="0" smtClean="0">
-                <a:solidFill>
-                  <a:srgbClr val="00B050"/>
-                </a:solidFill>
-                <a:latin typeface="Courier New" pitchFamily="49" charset="0"/>
-                <a:cs typeface="Courier New" pitchFamily="49" charset="0"/>
-              </a:rPr>
-              <a:t>;... Do subroutine work here ....</a:t>
-            </a:r>
-          </a:p>
-          <a:p>
-            <a:pPr marL="457200" lvl="1" indent="0">
-              <a:buNone/>
-            </a:pPr>
-            <a:endParaRPr lang="pt-BR" sz="1400" dirty="0">
-              <a:latin typeface="Courier New" pitchFamily="49" charset="0"/>
-              <a:cs typeface="Courier New" pitchFamily="49" charset="0"/>
-            </a:endParaRPr>
-          </a:p>
-          <a:p>
-            <a:pPr marL="457200" lvl="1" indent="0">
-              <a:buNone/>
-            </a:pPr>
-            <a:r>
-              <a:rPr lang="pt-BR" sz="1400" dirty="0">
-                <a:latin typeface="Courier New" pitchFamily="49" charset="0"/>
-                <a:cs typeface="Courier New" pitchFamily="49" charset="0"/>
-              </a:rPr>
-              <a:t>    pop.w   </a:t>
-            </a:r>
-            <a:r>
-              <a:rPr lang="pt-BR" sz="1400" dirty="0" smtClean="0">
-                <a:latin typeface="Courier New" pitchFamily="49" charset="0"/>
-                <a:cs typeface="Courier New" pitchFamily="49" charset="0"/>
-              </a:rPr>
-              <a:t>r7  </a:t>
-            </a:r>
-            <a:r>
-              <a:rPr lang="pt-BR" sz="1400" dirty="0" smtClean="0">
-                <a:solidFill>
-                  <a:srgbClr val="00B050"/>
-                </a:solidFill>
-                <a:latin typeface="Courier New" pitchFamily="49" charset="0"/>
-                <a:cs typeface="Courier New" pitchFamily="49" charset="0"/>
-              </a:rPr>
-              <a:t>; all done, let’s restore them</a:t>
-            </a:r>
-            <a:endParaRPr lang="pt-BR" sz="1400" dirty="0">
-              <a:solidFill>
-                <a:srgbClr val="00B050"/>
-              </a:solidFill>
-              <a:latin typeface="Courier New" pitchFamily="49" charset="0"/>
-              <a:cs typeface="Courier New" pitchFamily="49" charset="0"/>
-            </a:endParaRPr>
-          </a:p>
-          <a:p>
-            <a:pPr marL="457200" lvl="1" indent="0">
-              <a:buNone/>
-            </a:pPr>
-            <a:r>
-              <a:rPr lang="pt-BR" sz="1400" dirty="0">
-                <a:latin typeface="Courier New" pitchFamily="49" charset="0"/>
-                <a:cs typeface="Courier New" pitchFamily="49" charset="0"/>
-              </a:rPr>
-              <a:t>    pop.w   r6</a:t>
-            </a:r>
-          </a:p>
-          <a:p>
-            <a:pPr marL="457200" lvl="1" indent="0">
-              <a:buNone/>
-            </a:pPr>
-            <a:r>
-              <a:rPr lang="pt-BR" sz="1400" dirty="0">
-                <a:latin typeface="Courier New" pitchFamily="49" charset="0"/>
-                <a:cs typeface="Courier New" pitchFamily="49" charset="0"/>
-              </a:rPr>
-              <a:t>    pop.w   r5</a:t>
-            </a:r>
-          </a:p>
-          <a:p>
-            <a:pPr marL="457200" lvl="1" indent="0">
-              <a:buNone/>
-            </a:pPr>
-            <a:r>
-              <a:rPr lang="pt-BR" sz="1400" dirty="0">
-                <a:latin typeface="Courier New" pitchFamily="49" charset="0"/>
-                <a:cs typeface="Courier New" pitchFamily="49" charset="0"/>
-              </a:rPr>
-              <a:t>    </a:t>
-            </a:r>
-            <a:r>
-              <a:rPr lang="pt-BR" sz="1400" dirty="0" smtClean="0">
-                <a:latin typeface="Courier New" pitchFamily="49" charset="0"/>
-                <a:cs typeface="Courier New" pitchFamily="49" charset="0"/>
-              </a:rPr>
-              <a:t>ret</a:t>
-            </a:r>
-          </a:p>
-          <a:p>
-            <a:pPr marL="457200" lvl="1" indent="0">
-              <a:buNone/>
-            </a:pPr>
-            <a:endParaRPr lang="en-US" sz="2000" dirty="0"/>
-          </a:p>
-          <a:p>
-            <a:r>
-              <a:rPr lang="en-US" sz="2000" dirty="0" smtClean="0">
-                <a:solidFill>
-                  <a:schemeClr val="accent2"/>
-                </a:solidFill>
-              </a:rPr>
-              <a:t>What is Pass-by-Value and Pass-by-Reference?</a:t>
-            </a:r>
-            <a:endParaRPr lang="en-US" sz="2000" dirty="0" smtClean="0"/>
-          </a:p>
-          <a:p>
-            <a:endParaRPr lang="en-US" sz="2000" dirty="0" smtClean="0">
-              <a:solidFill>
-                <a:schemeClr val="accent2"/>
-              </a:solidFill>
-            </a:endParaRPr>
-          </a:p>
-        </p:txBody>
-      </p:sp>
-      <p:sp>
-        <p:nvSpPr>
-          <p:cNvPr id="4" name="Right Brace 3"/>
+          <p:cNvPr id="7" name="Rectangular Callout 6"/>
           <p:cNvSpPr/>
           <p:nvPr/>
         </p:nvSpPr>
         <p:spPr bwMode="auto">
           <a:xfrm>
-            <a:off x="6182833" y="2174358"/>
-            <a:ext cx="462516" cy="850605"/>
+            <a:off x="4094018" y="2067791"/>
+            <a:ext cx="2337955" cy="1049482"/>
           </a:xfrm>
-          <a:prstGeom prst="rightBrace">
-            <a:avLst/>
+          <a:prstGeom prst="wedgeRectCallout">
+            <a:avLst>
+              <a:gd name="adj1" fmla="val 88500"/>
+              <a:gd name="adj2" fmla="val 100124"/>
+            </a:avLst>
           </a:prstGeom>
-          <a:noFill/>
+          <a:solidFill>
+            <a:srgbClr val="FFFF00"/>
+          </a:solidFill>
           <a:ln w="12700" cap="flat" cmpd="sng" algn="ctr">
             <a:solidFill>
-              <a:schemeClr val="tx1"/>
+              <a:schemeClr val="accent6">
+                <a:lumMod val="40000"/>
+                <a:lumOff val="60000"/>
+              </a:schemeClr>
             </a:solidFill>
             <a:prstDash val="solid"/>
             <a:round/>
@@ -19152,7 +19218,7 @@
           <a:effectLst/>
         </p:spPr>
         <p:txBody>
-          <a:bodyPr vert="horz" wrap="square" lIns="91440" tIns="45720" rIns="91440" bIns="45720" numCol="1" rtlCol="0" anchor="t" anchorCtr="0" compatLnSpc="1">
+          <a:bodyPr vert="horz" wrap="square" lIns="91440" tIns="45720" rIns="91440" bIns="45720" numCol="1" rtlCol="0" anchor="ctr" anchorCtr="0" compatLnSpc="1">
             <a:prstTxWarp prst="textNoShape">
               <a:avLst/>
             </a:prstTxWarp>
@@ -19175,13 +19241,26 @@
               <a:buNone/>
               <a:tabLst/>
             </a:pPr>
+            <a:r>
+              <a:rPr kumimoji="0" lang="en-US" sz="1600" b="0" i="0" u="none" strike="noStrike" cap="none" normalizeH="0" baseline="0" dirty="0" smtClean="0">
+                <a:ln>
+                  <a:noFill/>
+                </a:ln>
+                <a:effectLst/>
+                <a:latin typeface="Arial" charset="0"/>
+              </a:rPr>
+              <a:t>Stac</a:t>
+            </a:r>
+            <a:r>
+              <a:rPr lang="en-US" sz="1600" dirty="0" smtClean="0">
+                <a:latin typeface="Arial" charset="0"/>
+              </a:rPr>
+              <a:t>k before CALL, it is 0x0000</a:t>
+            </a:r>
             <a:endParaRPr kumimoji="0" lang="en-US" sz="1600" b="0" i="0" u="none" strike="noStrike" cap="none" normalizeH="0" baseline="0" dirty="0" smtClean="0">
               <a:ln>
                 <a:noFill/>
               </a:ln>
-              <a:solidFill>
-                <a:schemeClr val="tx1"/>
-              </a:solidFill>
               <a:effectLst/>
               <a:latin typeface="Arial" charset="0"/>
             </a:endParaRPr>
@@ -19190,82 +19269,30 @@
       </p:sp>
       <p:sp>
         <p:nvSpPr>
-          <p:cNvPr id="5" name="TextBox 4"/>
-          <p:cNvSpPr txBox="1"/>
-          <p:nvPr/>
-        </p:nvSpPr>
-        <p:spPr>
-          <a:xfrm>
-            <a:off x="6645349" y="2368827"/>
-            <a:ext cx="1253869" cy="461665"/>
-          </a:xfrm>
-          <a:prstGeom prst="rect">
-            <a:avLst/>
-          </a:prstGeom>
-          <a:noFill/>
-        </p:spPr>
-        <p:txBody>
-          <a:bodyPr wrap="none" rtlCol="0">
-            <a:spAutoFit/>
-          </a:bodyPr>
-          <a:lstStyle/>
-          <a:p>
-            <a:r>
-              <a:rPr lang="en-US" dirty="0" smtClean="0"/>
-              <a:t>3 pushes</a:t>
-            </a:r>
-            <a:endParaRPr lang="en-US" dirty="0"/>
-          </a:p>
-        </p:txBody>
-      </p:sp>
-      <p:sp>
-        <p:nvSpPr>
-          <p:cNvPr id="6" name="TextBox 5"/>
-          <p:cNvSpPr txBox="1"/>
-          <p:nvPr/>
-        </p:nvSpPr>
-        <p:spPr>
-          <a:xfrm>
-            <a:off x="6645349" y="4087269"/>
-            <a:ext cx="997389" cy="461665"/>
-          </a:xfrm>
-          <a:prstGeom prst="rect">
-            <a:avLst/>
-          </a:prstGeom>
-          <a:noFill/>
-        </p:spPr>
-        <p:txBody>
-          <a:bodyPr wrap="none" rtlCol="0">
-            <a:spAutoFit/>
-          </a:bodyPr>
-          <a:lstStyle/>
-          <a:p>
-            <a:r>
-              <a:rPr lang="en-US" dirty="0" smtClean="0"/>
-              <a:t>3 pops</a:t>
-            </a:r>
-            <a:endParaRPr lang="en-US" dirty="0"/>
-          </a:p>
-        </p:txBody>
-      </p:sp>
-      <p:sp>
-        <p:nvSpPr>
-          <p:cNvPr id="7" name="Right Brace 6"/>
+          <p:cNvPr id="8" name="Rectangular Callout 7"/>
           <p:cNvSpPr/>
           <p:nvPr/>
         </p:nvSpPr>
         <p:spPr bwMode="auto">
           <a:xfrm>
-            <a:off x="6153594" y="3898143"/>
-            <a:ext cx="462516" cy="850605"/>
+            <a:off x="3986645" y="4673259"/>
+            <a:ext cx="2337955" cy="1049482"/>
           </a:xfrm>
-          <a:prstGeom prst="rightBrace">
-            <a:avLst/>
+          <a:prstGeom prst="wedgeRectCallout">
+            <a:avLst>
+              <a:gd name="adj1" fmla="val 96056"/>
+              <a:gd name="adj2" fmla="val 115965"/>
+            </a:avLst>
           </a:prstGeom>
-          <a:noFill/>
+          <a:solidFill>
+            <a:srgbClr val="FFFF00"/>
+          </a:solidFill>
           <a:ln w="12700" cap="flat" cmpd="sng" algn="ctr">
             <a:solidFill>
-              <a:schemeClr val="tx1"/>
+              <a:schemeClr val="accent6">
+                <a:lumMod val="40000"/>
+                <a:lumOff val="60000"/>
+              </a:schemeClr>
             </a:solidFill>
             <a:prstDash val="solid"/>
             <a:round/>
@@ -19275,7 +19302,7 @@
           <a:effectLst/>
         </p:spPr>
         <p:txBody>
-          <a:bodyPr vert="horz" wrap="square" lIns="91440" tIns="45720" rIns="91440" bIns="45720" numCol="1" rtlCol="0" anchor="t" anchorCtr="0" compatLnSpc="1">
+          <a:bodyPr vert="horz" wrap="square" lIns="91440" tIns="45720" rIns="91440" bIns="45720" numCol="1" rtlCol="0" anchor="ctr" anchorCtr="0" compatLnSpc="1">
             <a:prstTxWarp prst="textNoShape">
               <a:avLst/>
             </a:prstTxWarp>
@@ -19298,13 +19325,32 @@
               <a:buNone/>
               <a:tabLst/>
             </a:pPr>
+            <a:r>
+              <a:rPr kumimoji="0" lang="en-US" sz="1600" b="0" i="0" u="none" strike="noStrike" cap="none" normalizeH="0" baseline="0" dirty="0" smtClean="0">
+                <a:ln>
+                  <a:noFill/>
+                </a:ln>
+                <a:effectLst/>
+                <a:latin typeface="Arial" charset="0"/>
+              </a:rPr>
+              <a:t>Stac</a:t>
+            </a:r>
+            <a:r>
+              <a:rPr lang="en-US" sz="1600" dirty="0" smtClean="0">
+                <a:latin typeface="Arial" charset="0"/>
+              </a:rPr>
+              <a:t>k after CALL, it is now 0xC012 which points to the </a:t>
+            </a:r>
+            <a:r>
+              <a:rPr lang="en-US" sz="1600" dirty="0" err="1" smtClean="0">
+                <a:latin typeface="Arial" charset="0"/>
+              </a:rPr>
+              <a:t>nop</a:t>
+            </a:r>
             <a:endParaRPr kumimoji="0" lang="en-US" sz="1600" b="0" i="0" u="none" strike="noStrike" cap="none" normalizeH="0" baseline="0" dirty="0" smtClean="0">
               <a:ln>
                 <a:noFill/>
               </a:ln>
-              <a:solidFill>
-                <a:schemeClr val="tx1"/>
-              </a:solidFill>
               <a:effectLst/>
               <a:latin typeface="Arial" charset="0"/>
             </a:endParaRPr>
@@ -19314,7 +19360,7 @@
     </p:spTree>
     <p:extLst>
       <p:ext uri="{BB962C8B-B14F-4D97-AF65-F5344CB8AC3E}">
-        <p14:creationId xmlns:p14="http://schemas.microsoft.com/office/powerpoint/2010/main" val="235014974"/>
+        <p14:creationId xmlns:p14="http://schemas.microsoft.com/office/powerpoint/2010/main" val="675304347"/>
       </p:ext>
     </p:extLst>
   </p:cSld>
@@ -19383,7 +19429,7 @@
         </p:nvSpPr>
         <p:spPr>
           <a:xfrm>
-            <a:off x="376038" y="1592134"/>
+            <a:off x="376038" y="1702494"/>
             <a:ext cx="8493642" cy="4724400"/>
           </a:xfrm>
         </p:spPr>
@@ -19397,7 +19443,7 @@
                   <a:schemeClr val="accent2"/>
                 </a:solidFill>
               </a:rPr>
-              <a:t>Pass-by-Value</a:t>
+              <a:t>Use a stack to avoid destroying registers</a:t>
             </a:r>
             <a:endParaRPr lang="en-US" sz="2000" dirty="0">
               <a:solidFill>
@@ -19406,110 +19452,419 @@
             </a:endParaRPr>
           </a:p>
           <a:p>
-            <a:pPr lvl="1"/>
-            <a:r>
-              <a:rPr lang="en-US" sz="2000" dirty="0"/>
-              <a:t>pass the actual values of the arguments to a </a:t>
-            </a:r>
-            <a:r>
-              <a:rPr lang="en-US" sz="2000" dirty="0" smtClean="0"/>
-              <a:t>subroutine</a:t>
-            </a:r>
-          </a:p>
-          <a:p>
-            <a:pPr lvl="1"/>
-            <a:r>
-              <a:rPr lang="en-US" dirty="0" smtClean="0"/>
-              <a:t>This creates a copy of the data</a:t>
-            </a:r>
-          </a:p>
-          <a:p>
-            <a:pPr lvl="2"/>
-            <a:r>
-              <a:rPr lang="en-US" sz="1800" dirty="0" smtClean="0"/>
-              <a:t>Imagine we are passing an1600 x 1400 color image … is this an issue?</a:t>
-            </a:r>
+            <a:pPr marL="457200" lvl="1" indent="0">
+              <a:buNone/>
+            </a:pPr>
+            <a:r>
+              <a:rPr lang="pt-BR" sz="1400" dirty="0">
+                <a:latin typeface="Courier New" pitchFamily="49" charset="0"/>
+                <a:cs typeface="Courier New" pitchFamily="49" charset="0"/>
+              </a:rPr>
+              <a:t>mySubroutine:</a:t>
+            </a:r>
+          </a:p>
+          <a:p>
+            <a:pPr marL="457200" lvl="1" indent="0">
+              <a:buNone/>
+            </a:pPr>
+            <a:r>
+              <a:rPr lang="pt-BR" sz="1400" dirty="0">
+                <a:latin typeface="Courier New" pitchFamily="49" charset="0"/>
+                <a:cs typeface="Courier New" pitchFamily="49" charset="0"/>
+              </a:rPr>
+              <a:t>    push.w  </a:t>
+            </a:r>
+            <a:r>
+              <a:rPr lang="pt-BR" sz="1400" dirty="0" smtClean="0">
+                <a:latin typeface="Courier New" pitchFamily="49" charset="0"/>
+                <a:cs typeface="Courier New" pitchFamily="49" charset="0"/>
+              </a:rPr>
+              <a:t>r5  </a:t>
+            </a:r>
+            <a:r>
+              <a:rPr lang="pt-BR" sz="1400" dirty="0" smtClean="0">
+                <a:solidFill>
+                  <a:srgbClr val="00B050"/>
+                </a:solidFill>
+                <a:latin typeface="Courier New" pitchFamily="49" charset="0"/>
+                <a:cs typeface="Courier New" pitchFamily="49" charset="0"/>
+              </a:rPr>
+              <a:t>; let’s save these registers</a:t>
+            </a:r>
+            <a:endParaRPr lang="pt-BR" sz="1400" dirty="0">
+              <a:solidFill>
+                <a:srgbClr val="00B050"/>
+              </a:solidFill>
+              <a:latin typeface="Courier New" pitchFamily="49" charset="0"/>
+              <a:cs typeface="Courier New" pitchFamily="49" charset="0"/>
+            </a:endParaRPr>
+          </a:p>
+          <a:p>
+            <a:pPr marL="457200" lvl="1" indent="0">
+              <a:buNone/>
+            </a:pPr>
+            <a:r>
+              <a:rPr lang="pt-BR" sz="1400" dirty="0">
+                <a:latin typeface="Courier New" pitchFamily="49" charset="0"/>
+                <a:cs typeface="Courier New" pitchFamily="49" charset="0"/>
+              </a:rPr>
+              <a:t>    push.w  r6</a:t>
+            </a:r>
+          </a:p>
+          <a:p>
+            <a:pPr marL="457200" lvl="1" indent="0">
+              <a:buNone/>
+            </a:pPr>
+            <a:r>
+              <a:rPr lang="pt-BR" sz="1400" dirty="0">
+                <a:latin typeface="Courier New" pitchFamily="49" charset="0"/>
+                <a:cs typeface="Courier New" pitchFamily="49" charset="0"/>
+              </a:rPr>
+              <a:t>    push.w  </a:t>
+            </a:r>
+            <a:r>
+              <a:rPr lang="pt-BR" sz="1400" dirty="0" smtClean="0">
+                <a:latin typeface="Courier New" pitchFamily="49" charset="0"/>
+                <a:cs typeface="Courier New" pitchFamily="49" charset="0"/>
+              </a:rPr>
+              <a:t>r7</a:t>
+            </a:r>
+          </a:p>
+          <a:p>
+            <a:pPr marL="457200" lvl="1" indent="0">
+              <a:buNone/>
+            </a:pPr>
+            <a:endParaRPr lang="pt-BR" sz="1400" dirty="0">
+              <a:latin typeface="Courier New" pitchFamily="49" charset="0"/>
+              <a:cs typeface="Courier New" pitchFamily="49" charset="0"/>
+            </a:endParaRPr>
+          </a:p>
+          <a:p>
+            <a:pPr marL="457200" lvl="1" indent="0">
+              <a:buNone/>
+            </a:pPr>
+            <a:r>
+              <a:rPr lang="pt-BR" sz="1400" dirty="0" smtClean="0">
+                <a:latin typeface="Courier New" pitchFamily="49" charset="0"/>
+                <a:cs typeface="Courier New" pitchFamily="49" charset="0"/>
+              </a:rPr>
+              <a:t>    </a:t>
+            </a:r>
+            <a:r>
+              <a:rPr lang="pt-BR" sz="1400" dirty="0" smtClean="0">
+                <a:solidFill>
+                  <a:srgbClr val="00B050"/>
+                </a:solidFill>
+                <a:latin typeface="Courier New" pitchFamily="49" charset="0"/>
+                <a:cs typeface="Courier New" pitchFamily="49" charset="0"/>
+              </a:rPr>
+              <a:t>;... Do subroutine work here ....</a:t>
+            </a:r>
+          </a:p>
+          <a:p>
+            <a:pPr marL="457200" lvl="1" indent="0">
+              <a:buNone/>
+            </a:pPr>
+            <a:endParaRPr lang="pt-BR" sz="1400" dirty="0">
+              <a:latin typeface="Courier New" pitchFamily="49" charset="0"/>
+              <a:cs typeface="Courier New" pitchFamily="49" charset="0"/>
+            </a:endParaRPr>
+          </a:p>
+          <a:p>
+            <a:pPr marL="457200" lvl="1" indent="0">
+              <a:buNone/>
+            </a:pPr>
+            <a:r>
+              <a:rPr lang="pt-BR" sz="1400" dirty="0">
+                <a:latin typeface="Courier New" pitchFamily="49" charset="0"/>
+                <a:cs typeface="Courier New" pitchFamily="49" charset="0"/>
+              </a:rPr>
+              <a:t>    pop.w   </a:t>
+            </a:r>
+            <a:r>
+              <a:rPr lang="pt-BR" sz="1400" dirty="0" smtClean="0">
+                <a:latin typeface="Courier New" pitchFamily="49" charset="0"/>
+                <a:cs typeface="Courier New" pitchFamily="49" charset="0"/>
+              </a:rPr>
+              <a:t>r7  </a:t>
+            </a:r>
+            <a:r>
+              <a:rPr lang="pt-BR" sz="1400" dirty="0" smtClean="0">
+                <a:solidFill>
+                  <a:srgbClr val="00B050"/>
+                </a:solidFill>
+                <a:latin typeface="Courier New" pitchFamily="49" charset="0"/>
+                <a:cs typeface="Courier New" pitchFamily="49" charset="0"/>
+              </a:rPr>
+              <a:t>; all done, let’s restore them</a:t>
+            </a:r>
+            <a:endParaRPr lang="pt-BR" sz="1400" dirty="0">
+              <a:solidFill>
+                <a:srgbClr val="00B050"/>
+              </a:solidFill>
+              <a:latin typeface="Courier New" pitchFamily="49" charset="0"/>
+              <a:cs typeface="Courier New" pitchFamily="49" charset="0"/>
+            </a:endParaRPr>
+          </a:p>
+          <a:p>
+            <a:pPr marL="457200" lvl="1" indent="0">
+              <a:buNone/>
+            </a:pPr>
+            <a:r>
+              <a:rPr lang="pt-BR" sz="1400" dirty="0">
+                <a:latin typeface="Courier New" pitchFamily="49" charset="0"/>
+                <a:cs typeface="Courier New" pitchFamily="49" charset="0"/>
+              </a:rPr>
+              <a:t>    pop.w   r6</a:t>
+            </a:r>
+          </a:p>
+          <a:p>
+            <a:pPr marL="457200" lvl="1" indent="0">
+              <a:buNone/>
+            </a:pPr>
+            <a:r>
+              <a:rPr lang="pt-BR" sz="1400" dirty="0">
+                <a:latin typeface="Courier New" pitchFamily="49" charset="0"/>
+                <a:cs typeface="Courier New" pitchFamily="49" charset="0"/>
+              </a:rPr>
+              <a:t>    pop.w   r5</a:t>
+            </a:r>
+          </a:p>
+          <a:p>
+            <a:pPr marL="457200" lvl="1" indent="0">
+              <a:buNone/>
+            </a:pPr>
+            <a:r>
+              <a:rPr lang="pt-BR" sz="1400" dirty="0">
+                <a:latin typeface="Courier New" pitchFamily="49" charset="0"/>
+                <a:cs typeface="Courier New" pitchFamily="49" charset="0"/>
+              </a:rPr>
+              <a:t>    </a:t>
+            </a:r>
+            <a:r>
+              <a:rPr lang="pt-BR" sz="1400" dirty="0" smtClean="0">
+                <a:latin typeface="Courier New" pitchFamily="49" charset="0"/>
+                <a:cs typeface="Courier New" pitchFamily="49" charset="0"/>
+              </a:rPr>
+              <a:t>ret</a:t>
+            </a:r>
+          </a:p>
+          <a:p>
+            <a:pPr marL="457200" lvl="1" indent="0">
+              <a:buNone/>
+            </a:pPr>
+            <a:endParaRPr lang="en-US" sz="2000" dirty="0"/>
+          </a:p>
+          <a:p>
+            <a:r>
+              <a:rPr lang="en-US" sz="2000" dirty="0" smtClean="0">
+                <a:solidFill>
+                  <a:schemeClr val="accent2"/>
+                </a:solidFill>
+              </a:rPr>
+              <a:t>What is Pass-by-Value and Pass-by-Reference?</a:t>
+            </a:r>
+            <a:endParaRPr lang="en-US" sz="2000" dirty="0" smtClean="0"/>
+          </a:p>
+          <a:p>
             <a:endParaRPr lang="en-US" sz="2000" dirty="0" smtClean="0">
               <a:solidFill>
                 <a:schemeClr val="accent2"/>
               </a:solidFill>
             </a:endParaRPr>
           </a:p>
-          <a:p>
-            <a:r>
-              <a:rPr lang="en-US" sz="2000" dirty="0" smtClean="0">
-                <a:solidFill>
-                  <a:schemeClr val="accent2"/>
-                </a:solidFill>
-              </a:rPr>
-              <a:t>Pass-by-Reference</a:t>
-            </a:r>
-            <a:endParaRPr lang="en-US" sz="2000" dirty="0">
+        </p:txBody>
+      </p:sp>
+      <p:sp>
+        <p:nvSpPr>
+          <p:cNvPr id="4" name="Right Brace 3"/>
+          <p:cNvSpPr/>
+          <p:nvPr/>
+        </p:nvSpPr>
+        <p:spPr bwMode="auto">
+          <a:xfrm>
+            <a:off x="6182833" y="2174358"/>
+            <a:ext cx="462516" cy="850605"/>
+          </a:xfrm>
+          <a:prstGeom prst="rightBrace">
+            <a:avLst/>
+          </a:prstGeom>
+          <a:noFill/>
+          <a:ln w="12700" cap="flat" cmpd="sng" algn="ctr">
+            <a:solidFill>
+              <a:schemeClr val="tx1"/>
+            </a:solidFill>
+            <a:prstDash val="solid"/>
+            <a:round/>
+            <a:headEnd type="none" w="med" len="med"/>
+            <a:tailEnd type="none" w="med" len="med"/>
+          </a:ln>
+          <a:effectLst/>
+        </p:spPr>
+        <p:txBody>
+          <a:bodyPr vert="horz" wrap="square" lIns="91440" tIns="45720" rIns="91440" bIns="45720" numCol="1" rtlCol="0" anchor="t" anchorCtr="0" compatLnSpc="1">
+            <a:prstTxWarp prst="textNoShape">
+              <a:avLst/>
+            </a:prstTxWarp>
+          </a:bodyPr>
+          <a:lstStyle/>
+          <a:p>
+            <a:pPr marL="0" marR="0" indent="0" algn="ctr" defTabSz="914400" rtl="0" eaLnBrk="0" fontAlgn="base" latinLnBrk="0" hangingPunct="0">
+              <a:lnSpc>
+                <a:spcPct val="100000"/>
+              </a:lnSpc>
+              <a:spcBef>
+                <a:spcPct val="0"/>
+              </a:spcBef>
+              <a:spcAft>
+                <a:spcPct val="0"/>
+              </a:spcAft>
+              <a:buClrTx/>
+              <a:buSzTx/>
+              <a:buFontTx/>
+              <a:buNone/>
+              <a:tabLst/>
+            </a:pPr>
+            <a:endParaRPr kumimoji="0" lang="en-US" sz="1600" b="0" i="0" u="none" strike="noStrike" cap="none" normalizeH="0" baseline="0" dirty="0" smtClean="0">
+              <a:ln>
+                <a:noFill/>
+              </a:ln>
               <a:solidFill>
-                <a:schemeClr val="accent2"/>
+                <a:schemeClr val="tx1"/>
               </a:solidFill>
+              <a:effectLst/>
+              <a:latin typeface="Arial" charset="0"/>
             </a:endParaRPr>
           </a:p>
-          <a:p>
-            <a:pPr lvl="1"/>
-            <a:r>
-              <a:rPr lang="en-US" sz="2000" dirty="0" smtClean="0"/>
-              <a:t>Pass the address of the argument to a subroutine</a:t>
-            </a:r>
-          </a:p>
-          <a:p>
-            <a:pPr lvl="1"/>
+        </p:txBody>
+      </p:sp>
+      <p:sp>
+        <p:nvSpPr>
+          <p:cNvPr id="5" name="TextBox 4"/>
+          <p:cNvSpPr txBox="1"/>
+          <p:nvPr/>
+        </p:nvSpPr>
+        <p:spPr>
+          <a:xfrm>
+            <a:off x="6645349" y="2368827"/>
+            <a:ext cx="1253869" cy="461665"/>
+          </a:xfrm>
+          <a:prstGeom prst="rect">
+            <a:avLst/>
+          </a:prstGeom>
+          <a:noFill/>
+        </p:spPr>
+        <p:txBody>
+          <a:bodyPr wrap="none" rtlCol="0">
+            <a:spAutoFit/>
+          </a:bodyPr>
+          <a:lstStyle/>
+          <a:p>
             <a:r>
               <a:rPr lang="en-US" dirty="0" smtClean="0"/>
-              <a:t>This also is referred to as a pointer</a:t>
-            </a:r>
-            <a:endParaRPr lang="en-US" sz="2200" dirty="0" smtClean="0">
+              <a:t>3 pushes</a:t>
+            </a:r>
+            <a:endParaRPr lang="en-US" dirty="0"/>
+          </a:p>
+        </p:txBody>
+      </p:sp>
+      <p:sp>
+        <p:nvSpPr>
+          <p:cNvPr id="6" name="TextBox 5"/>
+          <p:cNvSpPr txBox="1"/>
+          <p:nvPr/>
+        </p:nvSpPr>
+        <p:spPr>
+          <a:xfrm>
+            <a:off x="6645349" y="4087269"/>
+            <a:ext cx="997389" cy="461665"/>
+          </a:xfrm>
+          <a:prstGeom prst="rect">
+            <a:avLst/>
+          </a:prstGeom>
+          <a:noFill/>
+        </p:spPr>
+        <p:txBody>
+          <a:bodyPr wrap="none" rtlCol="0">
+            <a:spAutoFit/>
+          </a:bodyPr>
+          <a:lstStyle/>
+          <a:p>
+            <a:r>
+              <a:rPr lang="en-US" dirty="0" smtClean="0"/>
+              <a:t>3 pops</a:t>
+            </a:r>
+            <a:endParaRPr lang="en-US" dirty="0"/>
+          </a:p>
+        </p:txBody>
+      </p:sp>
+      <p:sp>
+        <p:nvSpPr>
+          <p:cNvPr id="7" name="Right Brace 6"/>
+          <p:cNvSpPr/>
+          <p:nvPr/>
+        </p:nvSpPr>
+        <p:spPr bwMode="auto">
+          <a:xfrm>
+            <a:off x="6153594" y="3898143"/>
+            <a:ext cx="462516" cy="850605"/>
+          </a:xfrm>
+          <a:prstGeom prst="rightBrace">
+            <a:avLst/>
+          </a:prstGeom>
+          <a:noFill/>
+          <a:ln w="12700" cap="flat" cmpd="sng" algn="ctr">
+            <a:solidFill>
+              <a:schemeClr val="tx1"/>
+            </a:solidFill>
+            <a:prstDash val="solid"/>
+            <a:round/>
+            <a:headEnd type="none" w="med" len="med"/>
+            <a:tailEnd type="none" w="med" len="med"/>
+          </a:ln>
+          <a:effectLst/>
+        </p:spPr>
+        <p:txBody>
+          <a:bodyPr vert="horz" wrap="square" lIns="91440" tIns="45720" rIns="91440" bIns="45720" numCol="1" rtlCol="0" anchor="t" anchorCtr="0" compatLnSpc="1">
+            <a:prstTxWarp prst="textNoShape">
+              <a:avLst/>
+            </a:prstTxWarp>
+          </a:bodyPr>
+          <a:lstStyle/>
+          <a:p>
+            <a:pPr marL="0" marR="0" indent="0" algn="ctr" defTabSz="914400" rtl="0" eaLnBrk="0" fontAlgn="base" latinLnBrk="0" hangingPunct="0">
+              <a:lnSpc>
+                <a:spcPct val="100000"/>
+              </a:lnSpc>
+              <a:spcBef>
+                <a:spcPct val="0"/>
+              </a:spcBef>
+              <a:spcAft>
+                <a:spcPct val="0"/>
+              </a:spcAft>
+              <a:buClrTx/>
+              <a:buSzTx/>
+              <a:buFontTx/>
+              <a:buNone/>
+              <a:tabLst/>
+            </a:pPr>
+            <a:endParaRPr kumimoji="0" lang="en-US" sz="1600" b="0" i="0" u="none" strike="noStrike" cap="none" normalizeH="0" baseline="0" dirty="0" smtClean="0">
+              <a:ln>
+                <a:noFill/>
+              </a:ln>
               <a:solidFill>
-                <a:schemeClr val="accent2"/>
+                <a:schemeClr val="tx1"/>
               </a:solidFill>
+              <a:effectLst/>
+              <a:latin typeface="Arial" charset="0"/>
             </a:endParaRPr>
-          </a:p>
-          <a:p>
-            <a:endParaRPr lang="en-US" sz="2200" dirty="0" smtClean="0">
-              <a:solidFill>
-                <a:schemeClr val="accent2"/>
-              </a:solidFill>
-            </a:endParaRPr>
-          </a:p>
-          <a:p>
-            <a:r>
-              <a:rPr lang="en-US" sz="2200" dirty="0" smtClean="0">
-                <a:solidFill>
-                  <a:schemeClr val="accent2"/>
-                </a:solidFill>
-              </a:rPr>
-              <a:t>Which method can modify the original source data, and which can only modify a copy of the source data?</a:t>
-            </a:r>
-          </a:p>
-          <a:p>
-            <a:r>
-              <a:rPr lang="en-US" sz="2200" dirty="0" smtClean="0">
-                <a:solidFill>
-                  <a:schemeClr val="accent2"/>
-                </a:solidFill>
-              </a:rPr>
-              <a:t>Which is best if you are passing an array of 1000 values?</a:t>
-            </a:r>
-            <a:endParaRPr lang="en-US" sz="2200" dirty="0">
-              <a:solidFill>
-                <a:schemeClr val="accent2"/>
-              </a:solidFill>
-            </a:endParaRPr>
-          </a:p>
-          <a:p>
-            <a:endParaRPr lang="en-US" sz="2000" dirty="0"/>
           </a:p>
         </p:txBody>
       </p:sp>
     </p:spTree>
     <p:extLst>
       <p:ext uri="{BB962C8B-B14F-4D97-AF65-F5344CB8AC3E}">
-        <p14:creationId xmlns:p14="http://schemas.microsoft.com/office/powerpoint/2010/main" val="2187222902"/>
+        <p14:creationId xmlns:p14="http://schemas.microsoft.com/office/powerpoint/2010/main" val="235014974"/>
       </p:ext>
     </p:extLst>
   </p:cSld>
@@ -19842,6 +20197,201 @@
           <a:lstStyle/>
           <a:p>
             <a:r>
+              <a:rPr lang="en-US" b="1" dirty="0" smtClean="0"/>
+              <a:t>Arguments</a:t>
+            </a:r>
+            <a:endParaRPr lang="en-US" dirty="0"/>
+          </a:p>
+        </p:txBody>
+      </p:sp>
+      <p:sp>
+        <p:nvSpPr>
+          <p:cNvPr id="3" name="Content Placeholder 2"/>
+          <p:cNvSpPr>
+            <a:spLocks noGrp="1"/>
+          </p:cNvSpPr>
+          <p:nvPr>
+            <p:ph idx="1"/>
+          </p:nvPr>
+        </p:nvSpPr>
+        <p:spPr>
+          <a:xfrm>
+            <a:off x="376038" y="1592134"/>
+            <a:ext cx="8493642" cy="4724400"/>
+          </a:xfrm>
+        </p:spPr>
+        <p:txBody>
+          <a:bodyPr/>
+          <a:lstStyle/>
+          <a:p>
+            <a:r>
+              <a:rPr lang="en-US" sz="2000" dirty="0" smtClean="0">
+                <a:solidFill>
+                  <a:schemeClr val="accent2"/>
+                </a:solidFill>
+              </a:rPr>
+              <a:t>Pass-by-Value</a:t>
+            </a:r>
+            <a:endParaRPr lang="en-US" sz="2000" dirty="0">
+              <a:solidFill>
+                <a:schemeClr val="accent2"/>
+              </a:solidFill>
+            </a:endParaRPr>
+          </a:p>
+          <a:p>
+            <a:pPr lvl="1"/>
+            <a:r>
+              <a:rPr lang="en-US" sz="2000" dirty="0"/>
+              <a:t>pass the actual values of the arguments to a </a:t>
+            </a:r>
+            <a:r>
+              <a:rPr lang="en-US" sz="2000" dirty="0" smtClean="0"/>
+              <a:t>subroutine</a:t>
+            </a:r>
+          </a:p>
+          <a:p>
+            <a:pPr lvl="1"/>
+            <a:r>
+              <a:rPr lang="en-US" dirty="0" smtClean="0"/>
+              <a:t>This creates a copy of the data</a:t>
+            </a:r>
+          </a:p>
+          <a:p>
+            <a:pPr lvl="2"/>
+            <a:r>
+              <a:rPr lang="en-US" sz="1800" dirty="0" smtClean="0"/>
+              <a:t>Imagine we are passing an1600 x 1400 color image … is this an issue?</a:t>
+            </a:r>
+            <a:endParaRPr lang="en-US" sz="2000" dirty="0" smtClean="0">
+              <a:solidFill>
+                <a:schemeClr val="accent2"/>
+              </a:solidFill>
+            </a:endParaRPr>
+          </a:p>
+          <a:p>
+            <a:r>
+              <a:rPr lang="en-US" sz="2000" dirty="0" smtClean="0">
+                <a:solidFill>
+                  <a:schemeClr val="accent2"/>
+                </a:solidFill>
+              </a:rPr>
+              <a:t>Pass-by-Reference</a:t>
+            </a:r>
+            <a:endParaRPr lang="en-US" sz="2000" dirty="0">
+              <a:solidFill>
+                <a:schemeClr val="accent2"/>
+              </a:solidFill>
+            </a:endParaRPr>
+          </a:p>
+          <a:p>
+            <a:pPr lvl="1"/>
+            <a:r>
+              <a:rPr lang="en-US" sz="2000" dirty="0" smtClean="0"/>
+              <a:t>Pass the address of the argument to a subroutine</a:t>
+            </a:r>
+          </a:p>
+          <a:p>
+            <a:pPr lvl="1"/>
+            <a:r>
+              <a:rPr lang="en-US" dirty="0" smtClean="0"/>
+              <a:t>This also is referred to as a pointer</a:t>
+            </a:r>
+            <a:endParaRPr lang="en-US" sz="2200" dirty="0" smtClean="0">
+              <a:solidFill>
+                <a:schemeClr val="accent2"/>
+              </a:solidFill>
+            </a:endParaRPr>
+          </a:p>
+          <a:p>
+            <a:endParaRPr lang="en-US" sz="2200" dirty="0" smtClean="0">
+              <a:solidFill>
+                <a:schemeClr val="accent2"/>
+              </a:solidFill>
+            </a:endParaRPr>
+          </a:p>
+          <a:p>
+            <a:r>
+              <a:rPr lang="en-US" sz="2200" dirty="0" smtClean="0">
+                <a:solidFill>
+                  <a:schemeClr val="accent2"/>
+                </a:solidFill>
+              </a:rPr>
+              <a:t>Which method can modify the original source data, and which can only modify a copy of the source data?</a:t>
+            </a:r>
+          </a:p>
+          <a:p>
+            <a:r>
+              <a:rPr lang="en-US" sz="2200" dirty="0" smtClean="0">
+                <a:solidFill>
+                  <a:schemeClr val="accent2"/>
+                </a:solidFill>
+              </a:rPr>
+              <a:t>Which is best if you are passing an array of 1000 values?</a:t>
+            </a:r>
+            <a:endParaRPr lang="en-US" sz="2200" dirty="0">
+              <a:solidFill>
+                <a:schemeClr val="accent2"/>
+              </a:solidFill>
+            </a:endParaRPr>
+          </a:p>
+          <a:p>
+            <a:endParaRPr lang="en-US" sz="2000" dirty="0"/>
+          </a:p>
+        </p:txBody>
+      </p:sp>
+    </p:spTree>
+    <p:extLst>
+      <p:ext uri="{BB962C8B-B14F-4D97-AF65-F5344CB8AC3E}">
+        <p14:creationId xmlns:p14="http://schemas.microsoft.com/office/powerpoint/2010/main" val="2187222902"/>
+      </p:ext>
+    </p:extLst>
+  </p:cSld>
+  <p:clrMapOvr>
+    <a:masterClrMapping/>
+  </p:clrMapOvr>
+  <p:timing>
+    <p:tnLst>
+      <p:par>
+        <p:cTn id="1" dur="indefinite" restart="never" nodeType="tmRoot"/>
+      </p:par>
+    </p:tnLst>
+  </p:timing>
+</p:sld>
+</file>
+
+<file path=ppt/slides/slide31.xml><?xml version="1.0" encoding="utf-8"?>
+<p:sld xmlns:a="http://schemas.openxmlformats.org/drawingml/2006/main" xmlns:r="http://schemas.openxmlformats.org/officeDocument/2006/relationships" xmlns:p="http://schemas.openxmlformats.org/presentationml/2006/main">
+  <p:cSld>
+    <p:spTree>
+      <p:nvGrpSpPr>
+        <p:cNvPr id="1" name=""/>
+        <p:cNvGrpSpPr/>
+        <p:nvPr/>
+      </p:nvGrpSpPr>
+      <p:grpSpPr>
+        <a:xfrm>
+          <a:off x="0" y="0"/>
+          <a:ext cx="0" cy="0"/>
+          <a:chOff x="0" y="0"/>
+          <a:chExt cx="0" cy="0"/>
+        </a:xfrm>
+      </p:grpSpPr>
+      <p:sp>
+        <p:nvSpPr>
+          <p:cNvPr id="2" name="Title 1"/>
+          <p:cNvSpPr>
+            <a:spLocks noGrp="1"/>
+          </p:cNvSpPr>
+          <p:nvPr>
+            <p:ph type="title"/>
+          </p:nvPr>
+        </p:nvSpPr>
+        <p:spPr/>
+        <p:txBody>
+          <a:bodyPr/>
+          <a:lstStyle/>
+          <a:p>
+            <a:r>
               <a:rPr lang="en-US" b="1" dirty="0"/>
               <a:t>Key Subroutine Rules</a:t>
             </a:r>
@@ -20026,7 +20576,7 @@
 </p:sld>
 </file>
 
-<file path=ppt/slides/slide31.xml><?xml version="1.0" encoding="utf-8"?>
+<file path=ppt/slides/slide32.xml><?xml version="1.0" encoding="utf-8"?>
 <p:sld xmlns:a="http://schemas.openxmlformats.org/drawingml/2006/main" xmlns:r="http://schemas.openxmlformats.org/officeDocument/2006/relationships" xmlns:p="http://schemas.openxmlformats.org/presentationml/2006/main">
   <p:cSld>
     <p:spTree>
@@ -20802,7 +21352,7 @@
 </p:sld>
 </file>
 
-<file path=ppt/slides/slide32.xml><?xml version="1.0" encoding="utf-8"?>
+<file path=ppt/slides/slide33.xml><?xml version="1.0" encoding="utf-8"?>
 <p:sld xmlns:a="http://schemas.openxmlformats.org/drawingml/2006/main" xmlns:r="http://schemas.openxmlformats.org/officeDocument/2006/relationships" xmlns:p="http://schemas.openxmlformats.org/presentationml/2006/main">
   <p:cSld>
     <p:spTree>
@@ -20872,6 +21422,7 @@
             <a:endParaRPr lang="en-US" dirty="0" smtClean="0"/>
           </a:p>
           <a:p>
+            <a:pPr lvl="1"/>
             <a:r>
               <a:rPr lang="en-US" dirty="0" smtClean="0"/>
               <a:t>For subroutines in the MSP430 use </a:t>
@@ -20883,9 +21434,21 @@
             <a:endParaRPr lang="en-US" dirty="0" smtClean="0"/>
           </a:p>
           <a:p>
+            <a:pPr lvl="1"/>
             <a:r>
               <a:rPr lang="en-US" dirty="0" smtClean="0"/>
               <a:t>Use the stack if you have more than four arguments</a:t>
+            </a:r>
+          </a:p>
+          <a:p>
+            <a:pPr lvl="1"/>
+            <a:r>
+              <a:rPr lang="en-US" smtClean="0"/>
+              <a:t>Subroutine results </a:t>
+            </a:r>
+            <a:r>
+              <a:rPr lang="en-US" dirty="0" smtClean="0"/>
+              <a:t>are returned in r12</a:t>
             </a:r>
           </a:p>
           <a:p>
@@ -20942,7 +21505,7 @@
 </p:sld>
 </file>
 
-<file path=ppt/slides/slide33.xml><?xml version="1.0" encoding="utf-8"?>
+<file path=ppt/slides/slide34.xml><?xml version="1.0" encoding="utf-8"?>
 <p:sld xmlns:a="http://schemas.openxmlformats.org/drawingml/2006/main" xmlns:r="http://schemas.openxmlformats.org/officeDocument/2006/relationships" xmlns:p="http://schemas.openxmlformats.org/presentationml/2006/main">
   <p:cSld>
     <p:spTree>
@@ -21012,6 +21575,13 @@
     <a:masterClrMapping/>
   </p:clrMapOvr>
   <p:transition spd="med"/>
+  <p:timing>
+    <p:tnLst>
+      <p:par>
+        <p:cTn id="1" dur="indefinite" restart="never" nodeType="tmRoot"/>
+      </p:par>
+    </p:tnLst>
+  </p:timing>
 </p:sld>
 </file>
 
@@ -22507,23 +23077,14 @@
             <a:pPr lvl="1"/>
             <a:r>
               <a:rPr lang="en-US" sz="1600" dirty="0" smtClean="0"/>
-              <a:t>need </a:t>
-            </a:r>
-            <a:r>
-              <a:rPr lang="en-US" sz="1600" dirty="0" smtClean="0"/>
-              <a:t>to read and write to it</a:t>
+              <a:t>need to read and write to it</a:t>
             </a:r>
           </a:p>
           <a:p>
             <a:r>
               <a:rPr lang="en-US" sz="2000" dirty="0" smtClean="0"/>
-              <a:t>RAM is from 0x200 to </a:t>
-            </a:r>
-            <a:r>
-              <a:rPr lang="en-US" sz="2000" dirty="0" smtClean="0"/>
-              <a:t>0x400</a:t>
-            </a:r>
-            <a:endParaRPr lang="en-US" sz="2000" dirty="0" smtClean="0"/>
+              <a:t>RAM is from 0x200 to 0x400</a:t>
+            </a:r>
           </a:p>
           <a:p>
             <a:pPr marL="0" indent="0">
@@ -22549,15 +23110,7 @@
                   <a:srgbClr val="0070C0"/>
                 </a:solidFill>
               </a:rPr>
-              <a:t>Where in RAM should you initialize the Stack Pointer to point to</a:t>
-            </a:r>
-            <a:r>
-              <a:rPr lang="en-US" sz="2000" dirty="0" smtClean="0">
-                <a:solidFill>
-                  <a:srgbClr val="0070C0"/>
-                </a:solidFill>
-              </a:rPr>
-              <a:t>?</a:t>
+              <a:t>Where in RAM should you initialize the Stack Pointer to point to?</a:t>
             </a:r>
           </a:p>
           <a:p>
@@ -24909,16 +25462,6 @@
               </a:rPr>
               <a:t>Let’s load stack_example.asm and watch this work</a:t>
             </a:r>
-            <a:endParaRPr kumimoji="0" lang="en-US" sz="1600" b="0" i="0" u="none" strike="noStrike" cap="none" normalizeH="0" baseline="0" dirty="0" smtClean="0">
-              <a:ln>
-                <a:noFill/>
-              </a:ln>
-              <a:solidFill>
-                <a:schemeClr val="bg1"/>
-              </a:solidFill>
-              <a:effectLst/>
-              <a:latin typeface="Arial" charset="0"/>
-            </a:endParaRPr>
           </a:p>
         </p:txBody>
       </p:sp>
@@ -24932,11 +25475,11 @@
   <p:clrMapOvr>
     <a:masterClrMapping/>
   </p:clrMapOvr>
-  <mc:AlternateContent xmlns:mc="http://schemas.openxmlformats.org/markup-compatibility/2006">
-    <mc:Choice xmlns:p14="http://schemas.microsoft.com/office/powerpoint/2010/main" Requires="p14">
+  <mc:AlternateContent xmlns:mc="http://schemas.openxmlformats.org/markup-compatibility/2006" xmlns:p14="http://schemas.microsoft.com/office/powerpoint/2010/main">
+    <mc:Choice Requires="p14">
       <p:transition spd="slow" p14:dur="2000"/>
     </mc:Choice>
-    <mc:Fallback>
+    <mc:Fallback xmlns="">
       <p:transition spd="slow"/>
     </mc:Fallback>
   </mc:AlternateContent>
